--- a/Revisions_Statique/Fiche_01_Statique_2D_TD_01_Hayon/images/Figures.pptx
+++ b/Revisions_Statique/Fiche_01_Statique_2D_TD_01_Hayon/images/Figures.pptx
@@ -5,12 +5,13 @@
     <p:sldMasterId id="2147483648" r:id="rId1"/>
   </p:sldMasterIdLst>
   <p:sldIdLst>
-    <p:sldId id="256" r:id="rId2"/>
-    <p:sldId id="257" r:id="rId3"/>
-    <p:sldId id="261" r:id="rId4"/>
-    <p:sldId id="262" r:id="rId5"/>
-    <p:sldId id="259" r:id="rId6"/>
-    <p:sldId id="258" r:id="rId7"/>
+    <p:sldId id="263" r:id="rId2"/>
+    <p:sldId id="256" r:id="rId3"/>
+    <p:sldId id="257" r:id="rId4"/>
+    <p:sldId id="261" r:id="rId5"/>
+    <p:sldId id="262" r:id="rId6"/>
+    <p:sldId id="259" r:id="rId7"/>
+    <p:sldId id="258" r:id="rId8"/>
   </p:sldIdLst>
   <p:sldSz cx="9144000" cy="6858000" type="screen4x3"/>
   <p:notesSz cx="6858000" cy="9144000"/>
@@ -293,7 +294,7 @@
           <a:p>
             <a:fld id="{AA309A6D-C09C-4548-B29A-6CF363A7E532}" type="datetimeFigureOut">
               <a:rPr lang="fr-FR" smtClean="0"/>
-              <a:t>27/03/2018</a:t>
+              <a:t>19/04/2018</a:t>
             </a:fld>
             <a:endParaRPr lang="fr-BE"/>
           </a:p>
@@ -458,7 +459,7 @@
           <a:p>
             <a:fld id="{AA309A6D-C09C-4548-B29A-6CF363A7E532}" type="datetimeFigureOut">
               <a:rPr lang="fr-FR" smtClean="0"/>
-              <a:t>27/03/2018</a:t>
+              <a:t>19/04/2018</a:t>
             </a:fld>
             <a:endParaRPr lang="fr-BE"/>
           </a:p>
@@ -633,7 +634,7 @@
           <a:p>
             <a:fld id="{AA309A6D-C09C-4548-B29A-6CF363A7E532}" type="datetimeFigureOut">
               <a:rPr lang="fr-FR" smtClean="0"/>
-              <a:t>27/03/2018</a:t>
+              <a:t>19/04/2018</a:t>
             </a:fld>
             <a:endParaRPr lang="fr-BE"/>
           </a:p>
@@ -798,7 +799,7 @@
           <a:p>
             <a:fld id="{AA309A6D-C09C-4548-B29A-6CF363A7E532}" type="datetimeFigureOut">
               <a:rPr lang="fr-FR" smtClean="0"/>
-              <a:t>27/03/2018</a:t>
+              <a:t>19/04/2018</a:t>
             </a:fld>
             <a:endParaRPr lang="fr-BE"/>
           </a:p>
@@ -1039,7 +1040,7 @@
           <a:p>
             <a:fld id="{AA309A6D-C09C-4548-B29A-6CF363A7E532}" type="datetimeFigureOut">
               <a:rPr lang="fr-FR" smtClean="0"/>
-              <a:t>27/03/2018</a:t>
+              <a:t>19/04/2018</a:t>
             </a:fld>
             <a:endParaRPr lang="fr-BE"/>
           </a:p>
@@ -1322,7 +1323,7 @@
           <a:p>
             <a:fld id="{AA309A6D-C09C-4548-B29A-6CF363A7E532}" type="datetimeFigureOut">
               <a:rPr lang="fr-FR" smtClean="0"/>
-              <a:t>27/03/2018</a:t>
+              <a:t>19/04/2018</a:t>
             </a:fld>
             <a:endParaRPr lang="fr-BE"/>
           </a:p>
@@ -1739,7 +1740,7 @@
           <a:p>
             <a:fld id="{AA309A6D-C09C-4548-B29A-6CF363A7E532}" type="datetimeFigureOut">
               <a:rPr lang="fr-FR" smtClean="0"/>
-              <a:t>27/03/2018</a:t>
+              <a:t>19/04/2018</a:t>
             </a:fld>
             <a:endParaRPr lang="fr-BE"/>
           </a:p>
@@ -1852,7 +1853,7 @@
           <a:p>
             <a:fld id="{AA309A6D-C09C-4548-B29A-6CF363A7E532}" type="datetimeFigureOut">
               <a:rPr lang="fr-FR" smtClean="0"/>
-              <a:t>27/03/2018</a:t>
+              <a:t>19/04/2018</a:t>
             </a:fld>
             <a:endParaRPr lang="fr-BE"/>
           </a:p>
@@ -1942,7 +1943,7 @@
           <a:p>
             <a:fld id="{AA309A6D-C09C-4548-B29A-6CF363A7E532}" type="datetimeFigureOut">
               <a:rPr lang="fr-FR" smtClean="0"/>
-              <a:t>27/03/2018</a:t>
+              <a:t>19/04/2018</a:t>
             </a:fld>
             <a:endParaRPr lang="fr-BE"/>
           </a:p>
@@ -2214,7 +2215,7 @@
           <a:p>
             <a:fld id="{AA309A6D-C09C-4548-B29A-6CF363A7E532}" type="datetimeFigureOut">
               <a:rPr lang="fr-FR" smtClean="0"/>
-              <a:t>27/03/2018</a:t>
+              <a:t>19/04/2018</a:t>
             </a:fld>
             <a:endParaRPr lang="fr-BE"/>
           </a:p>
@@ -2462,7 +2463,7 @@
           <a:p>
             <a:fld id="{AA309A6D-C09C-4548-B29A-6CF363A7E532}" type="datetimeFigureOut">
               <a:rPr lang="fr-FR" smtClean="0"/>
-              <a:t>27/03/2018</a:t>
+              <a:t>19/04/2018</a:t>
             </a:fld>
             <a:endParaRPr lang="fr-BE"/>
           </a:p>
@@ -2670,7 +2671,7 @@
           <a:p>
             <a:fld id="{AA309A6D-C09C-4548-B29A-6CF363A7E532}" type="datetimeFigureOut">
               <a:rPr lang="fr-FR" smtClean="0"/>
-              <a:t>27/03/2018</a:t>
+              <a:t>19/04/2018</a:t>
             </a:fld>
             <a:endParaRPr lang="fr-BE"/>
           </a:p>
@@ -3024,6 +3025,282 @@
 </file>
 
 <file path=ppt/slides/slide1.xml><?xml version="1.0" encoding="utf-8"?>
+<p:sld xmlns:a="http://schemas.openxmlformats.org/drawingml/2006/main" xmlns:r="http://schemas.openxmlformats.org/officeDocument/2006/relationships" xmlns:p="http://schemas.openxmlformats.org/presentationml/2006/main">
+  <p:cSld>
+    <p:spTree>
+      <p:nvGrpSpPr>
+        <p:cNvPr id="1" name=""/>
+        <p:cNvGrpSpPr/>
+        <p:nvPr/>
+      </p:nvGrpSpPr>
+      <p:grpSpPr>
+        <a:xfrm>
+          <a:off x="0" y="0"/>
+          <a:ext cx="0" cy="0"/>
+          <a:chOff x="0" y="0"/>
+          <a:chExt cx="0" cy="0"/>
+        </a:xfrm>
+      </p:grpSpPr>
+      <p:pic>
+        <p:nvPicPr>
+          <p:cNvPr id="1026" name="Picture 2"/>
+          <p:cNvPicPr>
+            <a:picLocks noChangeAspect="1" noChangeArrowheads="1"/>
+          </p:cNvPicPr>
+          <p:nvPr/>
+        </p:nvPicPr>
+        <p:blipFill>
+          <a:blip r:embed="rId2">
+            <a:extLst>
+              <a:ext uri="{28A0092B-C50C-407E-A947-70E740481C1C}">
+                <a14:useLocalDpi xmlns:a14="http://schemas.microsoft.com/office/drawing/2010/main" val="0"/>
+              </a:ext>
+            </a:extLst>
+          </a:blip>
+          <a:srcRect/>
+          <a:stretch>
+            <a:fillRect/>
+          </a:stretch>
+        </p:blipFill>
+        <p:spPr bwMode="auto">
+          <a:xfrm>
+            <a:off x="395536" y="548680"/>
+            <a:ext cx="3381375" cy="3295650"/>
+          </a:xfrm>
+          <a:prstGeom prst="rect">
+            <a:avLst/>
+          </a:prstGeom>
+          <a:noFill/>
+          <a:ln>
+            <a:noFill/>
+          </a:ln>
+          <a:extLst>
+            <a:ext uri="{909E8E84-426E-40DD-AFC4-6F175D3DCCD1}">
+              <a14:hiddenFill xmlns:a14="http://schemas.microsoft.com/office/drawing/2010/main">
+                <a:solidFill>
+                  <a:schemeClr val="accent1"/>
+                </a:solidFill>
+              </a14:hiddenFill>
+            </a:ext>
+            <a:ext uri="{91240B29-F687-4F45-9708-019B960494DF}">
+              <a14:hiddenLine xmlns:a14="http://schemas.microsoft.com/office/drawing/2010/main" w="9525">
+                <a:solidFill>
+                  <a:schemeClr val="tx1"/>
+                </a:solidFill>
+                <a:miter lim="800000"/>
+                <a:headEnd/>
+                <a:tailEnd/>
+              </a14:hiddenLine>
+            </a:ext>
+          </a:extLst>
+        </p:spPr>
+      </p:pic>
+      <p:pic>
+        <p:nvPicPr>
+          <p:cNvPr id="1027" name="Picture 3"/>
+          <p:cNvPicPr>
+            <a:picLocks noChangeAspect="1" noChangeArrowheads="1"/>
+          </p:cNvPicPr>
+          <p:nvPr/>
+        </p:nvPicPr>
+        <p:blipFill>
+          <a:blip r:embed="rId3">
+            <a:extLst>
+              <a:ext uri="{28A0092B-C50C-407E-A947-70E740481C1C}">
+                <a14:useLocalDpi xmlns:a14="http://schemas.microsoft.com/office/drawing/2010/main" val="0"/>
+              </a:ext>
+            </a:extLst>
+          </a:blip>
+          <a:srcRect/>
+          <a:stretch>
+            <a:fillRect/>
+          </a:stretch>
+        </p:blipFill>
+        <p:spPr bwMode="auto">
+          <a:xfrm>
+            <a:off x="3777727" y="548680"/>
+            <a:ext cx="3743325" cy="1804691"/>
+          </a:xfrm>
+          <a:prstGeom prst="rect">
+            <a:avLst/>
+          </a:prstGeom>
+          <a:noFill/>
+          <a:ln>
+            <a:noFill/>
+          </a:ln>
+          <a:effectLst/>
+          <a:extLst>
+            <a:ext uri="{909E8E84-426E-40DD-AFC4-6F175D3DCCD1}">
+              <a14:hiddenFill xmlns:a14="http://schemas.microsoft.com/office/drawing/2010/main">
+                <a:solidFill>
+                  <a:schemeClr val="accent1"/>
+                </a:solidFill>
+              </a14:hiddenFill>
+            </a:ext>
+            <a:ext uri="{91240B29-F687-4F45-9708-019B960494DF}">
+              <a14:hiddenLine xmlns:a14="http://schemas.microsoft.com/office/drawing/2010/main" w="9525">
+                <a:solidFill>
+                  <a:schemeClr val="tx1"/>
+                </a:solidFill>
+                <a:miter lim="800000"/>
+                <a:headEnd/>
+                <a:tailEnd/>
+              </a14:hiddenLine>
+            </a:ext>
+            <a:ext uri="{AF507438-7753-43E0-B8FC-AC1667EBCBE1}">
+              <a14:hiddenEffects xmlns:a14="http://schemas.microsoft.com/office/drawing/2010/main">
+                <a:effectLst>
+                  <a:outerShdw dist="35921" dir="2700000" algn="ctr" rotWithShape="0">
+                    <a:schemeClr val="bg2"/>
+                  </a:outerShdw>
+                </a:effectLst>
+              </a14:hiddenEffects>
+            </a:ext>
+          </a:extLst>
+        </p:spPr>
+      </p:pic>
+      <p:pic>
+        <p:nvPicPr>
+          <p:cNvPr id="1028" name="Picture 4"/>
+          <p:cNvPicPr>
+            <a:picLocks noChangeAspect="1" noChangeArrowheads="1"/>
+          </p:cNvPicPr>
+          <p:nvPr/>
+        </p:nvPicPr>
+        <p:blipFill>
+          <a:blip r:embed="rId4">
+            <a:extLst>
+              <a:ext uri="{28A0092B-C50C-407E-A947-70E740481C1C}">
+                <a14:useLocalDpi xmlns:a14="http://schemas.microsoft.com/office/drawing/2010/main" val="0"/>
+              </a:ext>
+            </a:extLst>
+          </a:blip>
+          <a:srcRect/>
+          <a:stretch>
+            <a:fillRect/>
+          </a:stretch>
+        </p:blipFill>
+        <p:spPr bwMode="auto">
+          <a:xfrm>
+            <a:off x="3777727" y="2758480"/>
+            <a:ext cx="1809750" cy="1085850"/>
+          </a:xfrm>
+          <a:prstGeom prst="rect">
+            <a:avLst/>
+          </a:prstGeom>
+          <a:noFill/>
+          <a:ln>
+            <a:noFill/>
+          </a:ln>
+          <a:effectLst/>
+          <a:extLst>
+            <a:ext uri="{909E8E84-426E-40DD-AFC4-6F175D3DCCD1}">
+              <a14:hiddenFill xmlns:a14="http://schemas.microsoft.com/office/drawing/2010/main">
+                <a:solidFill>
+                  <a:schemeClr val="accent1"/>
+                </a:solidFill>
+              </a14:hiddenFill>
+            </a:ext>
+            <a:ext uri="{91240B29-F687-4F45-9708-019B960494DF}">
+              <a14:hiddenLine xmlns:a14="http://schemas.microsoft.com/office/drawing/2010/main" w="9525">
+                <a:solidFill>
+                  <a:schemeClr val="tx1"/>
+                </a:solidFill>
+                <a:miter lim="800000"/>
+                <a:headEnd/>
+                <a:tailEnd/>
+              </a14:hiddenLine>
+            </a:ext>
+            <a:ext uri="{AF507438-7753-43E0-B8FC-AC1667EBCBE1}">
+              <a14:hiddenEffects xmlns:a14="http://schemas.microsoft.com/office/drawing/2010/main">
+                <a:effectLst>
+                  <a:outerShdw dist="35921" dir="2700000" algn="ctr" rotWithShape="0">
+                    <a:schemeClr val="bg2"/>
+                  </a:outerShdw>
+                </a:effectLst>
+              </a14:hiddenEffects>
+            </a:ext>
+          </a:extLst>
+        </p:spPr>
+      </p:pic>
+      <p:pic>
+        <p:nvPicPr>
+          <p:cNvPr id="1029" name="Picture 5"/>
+          <p:cNvPicPr>
+            <a:picLocks noChangeAspect="1" noChangeArrowheads="1"/>
+          </p:cNvPicPr>
+          <p:nvPr/>
+        </p:nvPicPr>
+        <p:blipFill>
+          <a:blip r:embed="rId5">
+            <a:extLst>
+              <a:ext uri="{28A0092B-C50C-407E-A947-70E740481C1C}">
+                <a14:useLocalDpi xmlns:a14="http://schemas.microsoft.com/office/drawing/2010/main" val="0"/>
+              </a:ext>
+            </a:extLst>
+          </a:blip>
+          <a:srcRect/>
+          <a:stretch>
+            <a:fillRect/>
+          </a:stretch>
+        </p:blipFill>
+        <p:spPr bwMode="auto">
+          <a:xfrm>
+            <a:off x="5587477" y="2758480"/>
+            <a:ext cx="1933575" cy="1085850"/>
+          </a:xfrm>
+          <a:prstGeom prst="rect">
+            <a:avLst/>
+          </a:prstGeom>
+          <a:noFill/>
+          <a:ln>
+            <a:noFill/>
+          </a:ln>
+          <a:effectLst/>
+          <a:extLst>
+            <a:ext uri="{909E8E84-426E-40DD-AFC4-6F175D3DCCD1}">
+              <a14:hiddenFill xmlns:a14="http://schemas.microsoft.com/office/drawing/2010/main">
+                <a:solidFill>
+                  <a:schemeClr val="accent1"/>
+                </a:solidFill>
+              </a14:hiddenFill>
+            </a:ext>
+            <a:ext uri="{91240B29-F687-4F45-9708-019B960494DF}">
+              <a14:hiddenLine xmlns:a14="http://schemas.microsoft.com/office/drawing/2010/main" w="9525">
+                <a:solidFill>
+                  <a:schemeClr val="tx1"/>
+                </a:solidFill>
+                <a:miter lim="800000"/>
+                <a:headEnd/>
+                <a:tailEnd/>
+              </a14:hiddenLine>
+            </a:ext>
+            <a:ext uri="{AF507438-7753-43E0-B8FC-AC1667EBCBE1}">
+              <a14:hiddenEffects xmlns:a14="http://schemas.microsoft.com/office/drawing/2010/main">
+                <a:effectLst>
+                  <a:outerShdw dist="35921" dir="2700000" algn="ctr" rotWithShape="0">
+                    <a:schemeClr val="bg2"/>
+                  </a:outerShdw>
+                </a:effectLst>
+              </a14:hiddenEffects>
+            </a:ext>
+          </a:extLst>
+        </p:spPr>
+      </p:pic>
+    </p:spTree>
+    <p:extLst>
+      <p:ext uri="{BB962C8B-B14F-4D97-AF65-F5344CB8AC3E}">
+        <p14:creationId xmlns:p14="http://schemas.microsoft.com/office/powerpoint/2010/main" val="1241148410"/>
+      </p:ext>
+    </p:extLst>
+  </p:cSld>
+  <p:clrMapOvr>
+    <a:masterClrMapping/>
+  </p:clrMapOvr>
+</p:sld>
+</file>
+
+<file path=ppt/slides/slide2.xml><?xml version="1.0" encoding="utf-8"?>
 <p:sld xmlns:a="http://schemas.openxmlformats.org/drawingml/2006/main" xmlns:r="http://schemas.openxmlformats.org/officeDocument/2006/relationships" xmlns:p="http://schemas.openxmlformats.org/presentationml/2006/main">
   <p:cSld>
     <p:spTree>
@@ -6905,7 +7182,7 @@
 </p:sld>
 </file>
 
-<file path=ppt/slides/slide2.xml><?xml version="1.0" encoding="utf-8"?>
+<file path=ppt/slides/slide3.xml><?xml version="1.0" encoding="utf-8"?>
 <p:sld xmlns:a="http://schemas.openxmlformats.org/drawingml/2006/main" xmlns:r="http://schemas.openxmlformats.org/officeDocument/2006/relationships" xmlns:p="http://schemas.openxmlformats.org/presentationml/2006/main">
   <p:cSld>
     <p:spTree>
@@ -7518,7 +7795,7 @@
 </p:sld>
 </file>
 
-<file path=ppt/slides/slide3.xml><?xml version="1.0" encoding="utf-8"?>
+<file path=ppt/slides/slide4.xml><?xml version="1.0" encoding="utf-8"?>
 <p:sld xmlns:a="http://schemas.openxmlformats.org/drawingml/2006/main" xmlns:r="http://schemas.openxmlformats.org/officeDocument/2006/relationships" xmlns:p="http://schemas.openxmlformats.org/presentationml/2006/main">
   <p:cSld>
     <p:spTree>
@@ -7927,15 +8204,7 @@
                   <a:sysClr val="windowText" lastClr="000000"/>
                 </a:solidFill>
               </a:rPr>
-              <a:t>Domaine de </a:t>
-            </a:r>
-            <a:r>
-              <a:rPr lang="fr-FR" sz="1000" dirty="0" smtClean="0">
-                <a:solidFill>
-                  <a:sysClr val="windowText" lastClr="000000"/>
-                </a:solidFill>
-              </a:rPr>
-              <a:t>l’expérimentation</a:t>
+              <a:t>Domaine de l’expérimentation</a:t>
             </a:r>
             <a:endParaRPr lang="fr-FR" sz="1000" dirty="0">
               <a:solidFill>
@@ -8067,8 +8336,8 @@
           </a:p>
         </p:txBody>
       </p:sp>
-      <mc:AlternateContent xmlns:mc="http://schemas.openxmlformats.org/markup-compatibility/2006">
-        <mc:Choice xmlns:a14="http://schemas.microsoft.com/office/drawing/2010/main" Requires="a14">
+      <mc:AlternateContent xmlns:mc="http://schemas.openxmlformats.org/markup-compatibility/2006" xmlns:a14="http://schemas.microsoft.com/office/drawing/2010/main">
+        <mc:Choice Requires="a14">
           <p:sp>
             <p:nvSpPr>
               <p:cNvPr id="4" name="Double flèche horizontale 3"/>
@@ -8313,7 +8582,7 @@
             </p:txBody>
           </p:sp>
         </mc:Choice>
-        <mc:Fallback>
+        <mc:Fallback xmlns="">
           <p:sp>
             <p:nvSpPr>
               <p:cNvPr id="4" name="Double flèche horizontale 3"/>
@@ -8375,7 +8644,7 @@
 </p:sld>
 </file>
 
-<file path=ppt/slides/slide4.xml><?xml version="1.0" encoding="utf-8"?>
+<file path=ppt/slides/slide5.xml><?xml version="1.0" encoding="utf-8"?>
 <p:sld xmlns:a="http://schemas.openxmlformats.org/drawingml/2006/main" xmlns:r="http://schemas.openxmlformats.org/officeDocument/2006/relationships" xmlns:p="http://schemas.openxmlformats.org/presentationml/2006/main">
   <p:cSld>
     <p:spTree>
@@ -8784,15 +9053,7 @@
                   <a:sysClr val="windowText" lastClr="000000"/>
                 </a:solidFill>
               </a:rPr>
-              <a:t>Domaine de </a:t>
-            </a:r>
-            <a:r>
-              <a:rPr lang="fr-FR" sz="1000" dirty="0" smtClean="0">
-                <a:solidFill>
-                  <a:sysClr val="windowText" lastClr="000000"/>
-                </a:solidFill>
-              </a:rPr>
-              <a:t>l’expérimentation</a:t>
+              <a:t>Domaine de l’expérimentation</a:t>
             </a:r>
             <a:endParaRPr lang="fr-FR" sz="1000" dirty="0">
               <a:solidFill>
@@ -9046,7 +9307,7 @@
 </p:sld>
 </file>
 
-<file path=ppt/slides/slide5.xml><?xml version="1.0" encoding="utf-8"?>
+<file path=ppt/slides/slide6.xml><?xml version="1.0" encoding="utf-8"?>
 <p:sld xmlns:a="http://schemas.openxmlformats.org/drawingml/2006/main" xmlns:r="http://schemas.openxmlformats.org/officeDocument/2006/relationships" xmlns:p="http://schemas.openxmlformats.org/presentationml/2006/main">
   <p:cSld>
     <p:spTree>
@@ -9939,7 +10200,7 @@
 </p:sld>
 </file>
 
-<file path=ppt/slides/slide6.xml><?xml version="1.0" encoding="utf-8"?>
+<file path=ppt/slides/slide7.xml><?xml version="1.0" encoding="utf-8"?>
 <p:sld xmlns:a="http://schemas.openxmlformats.org/drawingml/2006/main" xmlns:r="http://schemas.openxmlformats.org/officeDocument/2006/relationships" xmlns:p="http://schemas.openxmlformats.org/presentationml/2006/main">
   <p:cSld>
     <p:spTree>

--- a/Revisions_Statique/Fiche_01_Statique_2D_TD_01_Hayon/images/Figures.pptx
+++ b/Revisions_Statique/Fiche_01_Statique_2D_TD_01_Hayon/images/Figures.pptx
@@ -6,12 +6,13 @@
   </p:sldMasterIdLst>
   <p:sldIdLst>
     <p:sldId id="263" r:id="rId2"/>
-    <p:sldId id="256" r:id="rId3"/>
-    <p:sldId id="257" r:id="rId4"/>
-    <p:sldId id="261" r:id="rId5"/>
-    <p:sldId id="262" r:id="rId6"/>
-    <p:sldId id="259" r:id="rId7"/>
-    <p:sldId id="258" r:id="rId8"/>
+    <p:sldId id="264" r:id="rId3"/>
+    <p:sldId id="256" r:id="rId4"/>
+    <p:sldId id="257" r:id="rId5"/>
+    <p:sldId id="261" r:id="rId6"/>
+    <p:sldId id="262" r:id="rId7"/>
+    <p:sldId id="259" r:id="rId8"/>
+    <p:sldId id="258" r:id="rId9"/>
   </p:sldIdLst>
   <p:sldSz cx="9144000" cy="6858000" type="screen4x3"/>
   <p:notesSz cx="6858000" cy="9144000"/>
@@ -294,7 +295,7 @@
           <a:p>
             <a:fld id="{AA309A6D-C09C-4548-B29A-6CF363A7E532}" type="datetimeFigureOut">
               <a:rPr lang="fr-FR" smtClean="0"/>
-              <a:t>19/04/2018</a:t>
+              <a:t>20/04/2018</a:t>
             </a:fld>
             <a:endParaRPr lang="fr-BE"/>
           </a:p>
@@ -459,7 +460,7 @@
           <a:p>
             <a:fld id="{AA309A6D-C09C-4548-B29A-6CF363A7E532}" type="datetimeFigureOut">
               <a:rPr lang="fr-FR" smtClean="0"/>
-              <a:t>19/04/2018</a:t>
+              <a:t>20/04/2018</a:t>
             </a:fld>
             <a:endParaRPr lang="fr-BE"/>
           </a:p>
@@ -634,7 +635,7 @@
           <a:p>
             <a:fld id="{AA309A6D-C09C-4548-B29A-6CF363A7E532}" type="datetimeFigureOut">
               <a:rPr lang="fr-FR" smtClean="0"/>
-              <a:t>19/04/2018</a:t>
+              <a:t>20/04/2018</a:t>
             </a:fld>
             <a:endParaRPr lang="fr-BE"/>
           </a:p>
@@ -799,7 +800,7 @@
           <a:p>
             <a:fld id="{AA309A6D-C09C-4548-B29A-6CF363A7E532}" type="datetimeFigureOut">
               <a:rPr lang="fr-FR" smtClean="0"/>
-              <a:t>19/04/2018</a:t>
+              <a:t>20/04/2018</a:t>
             </a:fld>
             <a:endParaRPr lang="fr-BE"/>
           </a:p>
@@ -1040,7 +1041,7 @@
           <a:p>
             <a:fld id="{AA309A6D-C09C-4548-B29A-6CF363A7E532}" type="datetimeFigureOut">
               <a:rPr lang="fr-FR" smtClean="0"/>
-              <a:t>19/04/2018</a:t>
+              <a:t>20/04/2018</a:t>
             </a:fld>
             <a:endParaRPr lang="fr-BE"/>
           </a:p>
@@ -1323,7 +1324,7 @@
           <a:p>
             <a:fld id="{AA309A6D-C09C-4548-B29A-6CF363A7E532}" type="datetimeFigureOut">
               <a:rPr lang="fr-FR" smtClean="0"/>
-              <a:t>19/04/2018</a:t>
+              <a:t>20/04/2018</a:t>
             </a:fld>
             <a:endParaRPr lang="fr-BE"/>
           </a:p>
@@ -1740,7 +1741,7 @@
           <a:p>
             <a:fld id="{AA309A6D-C09C-4548-B29A-6CF363A7E532}" type="datetimeFigureOut">
               <a:rPr lang="fr-FR" smtClean="0"/>
-              <a:t>19/04/2018</a:t>
+              <a:t>20/04/2018</a:t>
             </a:fld>
             <a:endParaRPr lang="fr-BE"/>
           </a:p>
@@ -1853,7 +1854,7 @@
           <a:p>
             <a:fld id="{AA309A6D-C09C-4548-B29A-6CF363A7E532}" type="datetimeFigureOut">
               <a:rPr lang="fr-FR" smtClean="0"/>
-              <a:t>19/04/2018</a:t>
+              <a:t>20/04/2018</a:t>
             </a:fld>
             <a:endParaRPr lang="fr-BE"/>
           </a:p>
@@ -1943,7 +1944,7 @@
           <a:p>
             <a:fld id="{AA309A6D-C09C-4548-B29A-6CF363A7E532}" type="datetimeFigureOut">
               <a:rPr lang="fr-FR" smtClean="0"/>
-              <a:t>19/04/2018</a:t>
+              <a:t>20/04/2018</a:t>
             </a:fld>
             <a:endParaRPr lang="fr-BE"/>
           </a:p>
@@ -2215,7 +2216,7 @@
           <a:p>
             <a:fld id="{AA309A6D-C09C-4548-B29A-6CF363A7E532}" type="datetimeFigureOut">
               <a:rPr lang="fr-FR" smtClean="0"/>
-              <a:t>19/04/2018</a:t>
+              <a:t>20/04/2018</a:t>
             </a:fld>
             <a:endParaRPr lang="fr-BE"/>
           </a:p>
@@ -2463,7 +2464,7 @@
           <a:p>
             <a:fld id="{AA309A6D-C09C-4548-B29A-6CF363A7E532}" type="datetimeFigureOut">
               <a:rPr lang="fr-FR" smtClean="0"/>
-              <a:t>19/04/2018</a:t>
+              <a:t>20/04/2018</a:t>
             </a:fld>
             <a:endParaRPr lang="fr-BE"/>
           </a:p>
@@ -2671,7 +2672,7 @@
           <a:p>
             <a:fld id="{AA309A6D-C09C-4548-B29A-6CF363A7E532}" type="datetimeFigureOut">
               <a:rPr lang="fr-FR" smtClean="0"/>
-              <a:t>19/04/2018</a:t>
+              <a:t>20/04/2018</a:t>
             </a:fld>
             <a:endParaRPr lang="fr-BE"/>
           </a:p>
@@ -3049,7 +3050,7 @@
           </p:cNvPicPr>
           <p:nvPr/>
         </p:nvPicPr>
-        <p:blipFill>
+        <p:blipFill rotWithShape="1">
           <a:blip r:embed="rId2">
             <a:extLst>
               <a:ext uri="{28A0092B-C50C-407E-A947-70E740481C1C}">
@@ -3057,15 +3058,13 @@
               </a:ext>
             </a:extLst>
           </a:blip>
-          <a:srcRect/>
-          <a:stretch>
-            <a:fillRect/>
-          </a:stretch>
+          <a:srcRect r="13362"/>
+          <a:stretch/>
         </p:blipFill>
         <p:spPr bwMode="auto">
           <a:xfrm>
-            <a:off x="395536" y="548680"/>
-            <a:ext cx="3381375" cy="3295650"/>
+            <a:off x="850357" y="548680"/>
+            <a:ext cx="2929555" cy="3295650"/>
           </a:xfrm>
           <a:prstGeom prst="rect">
             <a:avLst/>
@@ -3301,6 +3300,1520 @@
 </file>
 
 <file path=ppt/slides/slide2.xml><?xml version="1.0" encoding="utf-8"?>
+<p:sld xmlns:a="http://schemas.openxmlformats.org/drawingml/2006/main" xmlns:r="http://schemas.openxmlformats.org/officeDocument/2006/relationships" xmlns:p="http://schemas.openxmlformats.org/presentationml/2006/main">
+  <p:cSld>
+    <p:spTree>
+      <p:nvGrpSpPr>
+        <p:cNvPr id="1" name=""/>
+        <p:cNvGrpSpPr/>
+        <p:nvPr/>
+      </p:nvGrpSpPr>
+      <p:grpSpPr>
+        <a:xfrm>
+          <a:off x="0" y="0"/>
+          <a:ext cx="0" cy="0"/>
+          <a:chOff x="0" y="0"/>
+          <a:chExt cx="0" cy="0"/>
+        </a:xfrm>
+      </p:grpSpPr>
+      <p:cxnSp>
+        <p:nvCxnSpPr>
+          <p:cNvPr id="37" name="Connecteur droit 36"/>
+          <p:cNvCxnSpPr/>
+          <p:nvPr/>
+        </p:nvCxnSpPr>
+        <p:spPr>
+          <a:xfrm rot="-1560000">
+            <a:off x="1431109" y="1354207"/>
+            <a:ext cx="2886810" cy="0"/>
+          </a:xfrm>
+          <a:prstGeom prst="line">
+            <a:avLst/>
+          </a:prstGeom>
+          <a:ln w="12700">
+            <a:solidFill>
+              <a:srgbClr val="00B050"/>
+            </a:solidFill>
+            <a:prstDash val="dash"/>
+          </a:ln>
+        </p:spPr>
+        <p:style>
+          <a:lnRef idx="1">
+            <a:schemeClr val="accent1"/>
+          </a:lnRef>
+          <a:fillRef idx="0">
+            <a:schemeClr val="accent1"/>
+          </a:fillRef>
+          <a:effectRef idx="0">
+            <a:schemeClr val="accent1"/>
+          </a:effectRef>
+          <a:fontRef idx="minor">
+            <a:schemeClr val="tx1"/>
+          </a:fontRef>
+        </p:style>
+      </p:cxnSp>
+      <p:cxnSp>
+        <p:nvCxnSpPr>
+          <p:cNvPr id="13" name="Connecteur droit 12"/>
+          <p:cNvCxnSpPr/>
+          <p:nvPr/>
+        </p:nvCxnSpPr>
+        <p:spPr>
+          <a:xfrm>
+            <a:off x="1577190" y="1982498"/>
+            <a:ext cx="2886810" cy="0"/>
+          </a:xfrm>
+          <a:prstGeom prst="line">
+            <a:avLst/>
+          </a:prstGeom>
+          <a:ln w="12700">
+            <a:solidFill>
+              <a:srgbClr val="00B050"/>
+            </a:solidFill>
+            <a:prstDash val="dash"/>
+          </a:ln>
+        </p:spPr>
+        <p:style>
+          <a:lnRef idx="1">
+            <a:schemeClr val="accent1"/>
+          </a:lnRef>
+          <a:fillRef idx="0">
+            <a:schemeClr val="accent1"/>
+          </a:fillRef>
+          <a:effectRef idx="0">
+            <a:schemeClr val="accent1"/>
+          </a:effectRef>
+          <a:fontRef idx="minor">
+            <a:schemeClr val="tx1"/>
+          </a:fontRef>
+        </p:style>
+      </p:cxnSp>
+      <p:cxnSp>
+        <p:nvCxnSpPr>
+          <p:cNvPr id="14" name="Connecteur droit 13"/>
+          <p:cNvCxnSpPr/>
+          <p:nvPr/>
+        </p:nvCxnSpPr>
+        <p:spPr>
+          <a:xfrm rot="2520000">
+            <a:off x="1206445" y="2948323"/>
+            <a:ext cx="2886810" cy="0"/>
+          </a:xfrm>
+          <a:prstGeom prst="line">
+            <a:avLst/>
+          </a:prstGeom>
+          <a:ln w="28575">
+            <a:solidFill>
+              <a:srgbClr val="00B050"/>
+            </a:solidFill>
+          </a:ln>
+        </p:spPr>
+        <p:style>
+          <a:lnRef idx="1">
+            <a:schemeClr val="accent1"/>
+          </a:lnRef>
+          <a:fillRef idx="0">
+            <a:schemeClr val="accent1"/>
+          </a:fillRef>
+          <a:effectRef idx="0">
+            <a:schemeClr val="accent1"/>
+          </a:effectRef>
+          <a:fontRef idx="minor">
+            <a:schemeClr val="tx1"/>
+          </a:fontRef>
+        </p:style>
+      </p:cxnSp>
+      <p:sp>
+        <p:nvSpPr>
+          <p:cNvPr id="15" name="Arc 14"/>
+          <p:cNvSpPr/>
+          <p:nvPr/>
+        </p:nvSpPr>
+        <p:spPr>
+          <a:xfrm>
+            <a:off x="539552" y="945628"/>
+            <a:ext cx="2081766" cy="2081766"/>
+          </a:xfrm>
+          <a:prstGeom prst="arc">
+            <a:avLst>
+              <a:gd name="adj1" fmla="val 128582"/>
+              <a:gd name="adj2" fmla="val 2442419"/>
+            </a:avLst>
+          </a:prstGeom>
+          <a:ln>
+            <a:solidFill>
+              <a:srgbClr val="00B050"/>
+            </a:solidFill>
+            <a:headEnd type="stealth" w="sm" len="med"/>
+            <a:tailEnd type="stealth" w="sm" len="med"/>
+          </a:ln>
+        </p:spPr>
+        <p:style>
+          <a:lnRef idx="1">
+            <a:schemeClr val="accent1"/>
+          </a:lnRef>
+          <a:fillRef idx="0">
+            <a:schemeClr val="accent1"/>
+          </a:fillRef>
+          <a:effectRef idx="0">
+            <a:schemeClr val="accent1"/>
+          </a:effectRef>
+          <a:fontRef idx="minor">
+            <a:schemeClr val="tx1"/>
+          </a:fontRef>
+        </p:style>
+        <p:txBody>
+          <a:bodyPr rtlCol="0" anchor="ctr"/>
+          <a:lstStyle/>
+          <a:p>
+            <a:pPr algn="ctr"/>
+            <a:endParaRPr lang="fr-FR"/>
+          </a:p>
+        </p:txBody>
+      </p:sp>
+      <p:sp>
+        <p:nvSpPr>
+          <p:cNvPr id="16" name="Ellipse 15"/>
+          <p:cNvSpPr/>
+          <p:nvPr/>
+        </p:nvSpPr>
+        <p:spPr>
+          <a:xfrm flipV="1">
+            <a:off x="4393369" y="1946480"/>
+            <a:ext cx="72032" cy="72032"/>
+          </a:xfrm>
+          <a:prstGeom prst="ellipse">
+            <a:avLst/>
+          </a:prstGeom>
+          <a:solidFill>
+            <a:srgbClr val="00B050"/>
+          </a:solidFill>
+          <a:ln w="28575">
+            <a:solidFill>
+              <a:srgbClr val="00B050"/>
+            </a:solidFill>
+          </a:ln>
+        </p:spPr>
+        <p:style>
+          <a:lnRef idx="2">
+            <a:schemeClr val="accent1">
+              <a:shade val="50000"/>
+            </a:schemeClr>
+          </a:lnRef>
+          <a:fillRef idx="1">
+            <a:schemeClr val="accent1"/>
+          </a:fillRef>
+          <a:effectRef idx="0">
+            <a:schemeClr val="accent1"/>
+          </a:effectRef>
+          <a:fontRef idx="minor">
+            <a:schemeClr val="lt1"/>
+          </a:fontRef>
+        </p:style>
+        <p:txBody>
+          <a:bodyPr rtlCol="0" anchor="ctr"/>
+          <a:lstStyle/>
+          <a:p>
+            <a:pPr algn="ctr"/>
+            <a:endParaRPr lang="fr-FR"/>
+          </a:p>
+        </p:txBody>
+      </p:sp>
+      <p:sp>
+        <p:nvSpPr>
+          <p:cNvPr id="17" name="Ellipse 16"/>
+          <p:cNvSpPr/>
+          <p:nvPr/>
+        </p:nvSpPr>
+        <p:spPr>
+          <a:xfrm flipV="1">
+            <a:off x="3686493" y="3878134"/>
+            <a:ext cx="72032" cy="72032"/>
+          </a:xfrm>
+          <a:prstGeom prst="ellipse">
+            <a:avLst/>
+          </a:prstGeom>
+          <a:solidFill>
+            <a:srgbClr val="00B050"/>
+          </a:solidFill>
+          <a:ln w="28575">
+            <a:solidFill>
+              <a:srgbClr val="00B050"/>
+            </a:solidFill>
+          </a:ln>
+        </p:spPr>
+        <p:style>
+          <a:lnRef idx="2">
+            <a:schemeClr val="accent1">
+              <a:shade val="50000"/>
+            </a:schemeClr>
+          </a:lnRef>
+          <a:fillRef idx="1">
+            <a:schemeClr val="accent1"/>
+          </a:fillRef>
+          <a:effectRef idx="0">
+            <a:schemeClr val="accent1"/>
+          </a:effectRef>
+          <a:fontRef idx="minor">
+            <a:schemeClr val="lt1"/>
+          </a:fontRef>
+        </p:style>
+        <p:txBody>
+          <a:bodyPr rtlCol="0" anchor="ctr"/>
+          <a:lstStyle/>
+          <a:p>
+            <a:pPr algn="ctr"/>
+            <a:endParaRPr lang="fr-FR"/>
+          </a:p>
+        </p:txBody>
+      </p:sp>
+      <mc:AlternateContent xmlns:mc="http://schemas.openxmlformats.org/markup-compatibility/2006">
+        <mc:Choice xmlns:a14="http://schemas.microsoft.com/office/drawing/2010/main" Requires="a14">
+          <p:sp>
+            <p:nvSpPr>
+              <p:cNvPr id="18" name="ZoneTexte 17"/>
+              <p:cNvSpPr txBox="1"/>
+              <p:nvPr/>
+            </p:nvSpPr>
+            <p:spPr>
+              <a:xfrm>
+                <a:off x="2483768" y="2275924"/>
+                <a:ext cx="447558" cy="276999"/>
+              </a:xfrm>
+              <a:prstGeom prst="rect">
+                <a:avLst/>
+              </a:prstGeom>
+              <a:noFill/>
+            </p:spPr>
+            <p:txBody>
+              <a:bodyPr wrap="none" rtlCol="0">
+                <a:spAutoFit/>
+              </a:bodyPr>
+              <a:lstStyle/>
+              <a:p>
+                <a14:m>
+                  <m:oMathPara xmlns:m="http://schemas.openxmlformats.org/officeDocument/2006/math">
+                    <m:oMathParaPr>
+                      <m:jc m:val="centerGroup"/>
+                    </m:oMathParaPr>
+                    <m:oMath xmlns:m="http://schemas.openxmlformats.org/officeDocument/2006/math">
+                      <m:r>
+                        <a:rPr lang="fr-FR" sz="1200" b="0" i="1" smtClean="0">
+                          <a:latin typeface="Cambria Math"/>
+                        </a:rPr>
+                        <m:t>42°</m:t>
+                      </m:r>
+                    </m:oMath>
+                  </m:oMathPara>
+                </a14:m>
+                <a:endParaRPr lang="fr-FR" sz="1200" dirty="0"/>
+              </a:p>
+            </p:txBody>
+          </p:sp>
+        </mc:Choice>
+        <mc:Fallback>
+          <p:sp>
+            <p:nvSpPr>
+              <p:cNvPr id="18" name="ZoneTexte 17"/>
+              <p:cNvSpPr txBox="1">
+                <a:spLocks noRot="1" noChangeAspect="1" noMove="1" noResize="1" noEditPoints="1" noAdjustHandles="1" noChangeArrowheads="1" noChangeShapeType="1" noTextEdit="1"/>
+              </p:cNvSpPr>
+              <p:nvPr/>
+            </p:nvSpPr>
+            <p:spPr>
+              <a:xfrm>
+                <a:off x="2483768" y="2275924"/>
+                <a:ext cx="447558" cy="276999"/>
+              </a:xfrm>
+              <a:prstGeom prst="rect">
+                <a:avLst/>
+              </a:prstGeom>
+              <a:blipFill rotWithShape="1">
+                <a:blip r:embed="rId2"/>
+                <a:stretch>
+                  <a:fillRect/>
+                </a:stretch>
+              </a:blipFill>
+            </p:spPr>
+            <p:txBody>
+              <a:bodyPr/>
+              <a:lstStyle/>
+              <a:p>
+                <a:r>
+                  <a:rPr lang="fr-FR">
+                    <a:noFill/>
+                  </a:rPr>
+                  <a:t> </a:t>
+                </a:r>
+              </a:p>
+            </p:txBody>
+          </p:sp>
+        </mc:Fallback>
+      </mc:AlternateContent>
+      <mc:AlternateContent xmlns:mc="http://schemas.openxmlformats.org/markup-compatibility/2006">
+        <mc:Choice xmlns:a14="http://schemas.microsoft.com/office/drawing/2010/main" Requires="a14">
+          <p:sp>
+            <p:nvSpPr>
+              <p:cNvPr id="19" name="ZoneTexte 18"/>
+              <p:cNvSpPr txBox="1"/>
+              <p:nvPr/>
+            </p:nvSpPr>
+            <p:spPr>
+              <a:xfrm>
+                <a:off x="4458962" y="1697013"/>
+                <a:ext cx="330219" cy="276999"/>
+              </a:xfrm>
+              <a:prstGeom prst="rect">
+                <a:avLst/>
+              </a:prstGeom>
+              <a:noFill/>
+            </p:spPr>
+            <p:txBody>
+              <a:bodyPr wrap="none" rtlCol="0">
+                <a:spAutoFit/>
+              </a:bodyPr>
+              <a:lstStyle/>
+              <a:p>
+                <a14:m>
+                  <m:oMathPara xmlns:m="http://schemas.openxmlformats.org/officeDocument/2006/math">
+                    <m:oMathParaPr>
+                      <m:jc m:val="centerGroup"/>
+                    </m:oMathParaPr>
+                    <m:oMath xmlns:m="http://schemas.openxmlformats.org/officeDocument/2006/math">
+                      <m:r>
+                        <a:rPr lang="fr-FR" sz="1200" b="0" i="1" smtClean="0">
+                          <a:latin typeface="Cambria Math"/>
+                        </a:rPr>
+                        <m:t>𝐷</m:t>
+                      </m:r>
+                    </m:oMath>
+                  </m:oMathPara>
+                </a14:m>
+                <a:endParaRPr lang="fr-FR" sz="1200" dirty="0"/>
+              </a:p>
+            </p:txBody>
+          </p:sp>
+        </mc:Choice>
+        <mc:Fallback>
+          <p:sp>
+            <p:nvSpPr>
+              <p:cNvPr id="19" name="ZoneTexte 18"/>
+              <p:cNvSpPr txBox="1">
+                <a:spLocks noRot="1" noChangeAspect="1" noMove="1" noResize="1" noEditPoints="1" noAdjustHandles="1" noChangeArrowheads="1" noChangeShapeType="1" noTextEdit="1"/>
+              </p:cNvSpPr>
+              <p:nvPr/>
+            </p:nvSpPr>
+            <p:spPr>
+              <a:xfrm>
+                <a:off x="4458962" y="1697013"/>
+                <a:ext cx="330219" cy="276999"/>
+              </a:xfrm>
+              <a:prstGeom prst="rect">
+                <a:avLst/>
+              </a:prstGeom>
+              <a:blipFill rotWithShape="1">
+                <a:blip r:embed="rId3"/>
+                <a:stretch>
+                  <a:fillRect/>
+                </a:stretch>
+              </a:blipFill>
+            </p:spPr>
+            <p:txBody>
+              <a:bodyPr/>
+              <a:lstStyle/>
+              <a:p>
+                <a:r>
+                  <a:rPr lang="fr-FR">
+                    <a:noFill/>
+                  </a:rPr>
+                  <a:t> </a:t>
+                </a:r>
+              </a:p>
+            </p:txBody>
+          </p:sp>
+        </mc:Fallback>
+      </mc:AlternateContent>
+      <mc:AlternateContent xmlns:mc="http://schemas.openxmlformats.org/markup-compatibility/2006">
+        <mc:Choice xmlns:a14="http://schemas.microsoft.com/office/drawing/2010/main" Requires="a14">
+          <p:sp>
+            <p:nvSpPr>
+              <p:cNvPr id="20" name="ZoneTexte 19"/>
+              <p:cNvSpPr txBox="1"/>
+              <p:nvPr/>
+            </p:nvSpPr>
+            <p:spPr>
+              <a:xfrm>
+                <a:off x="3709011" y="3634292"/>
+                <a:ext cx="330219" cy="276999"/>
+              </a:xfrm>
+              <a:prstGeom prst="rect">
+                <a:avLst/>
+              </a:prstGeom>
+              <a:noFill/>
+            </p:spPr>
+            <p:txBody>
+              <a:bodyPr wrap="none" rtlCol="0">
+                <a:spAutoFit/>
+              </a:bodyPr>
+              <a:lstStyle/>
+              <a:p>
+                <a14:m>
+                  <m:oMathPara xmlns:m="http://schemas.openxmlformats.org/officeDocument/2006/math">
+                    <m:oMathParaPr>
+                      <m:jc m:val="centerGroup"/>
+                    </m:oMathParaPr>
+                    <m:oMath xmlns:m="http://schemas.openxmlformats.org/officeDocument/2006/math">
+                      <m:r>
+                        <a:rPr lang="fr-FR" sz="1200" b="0" i="1" smtClean="0">
+                          <a:latin typeface="Cambria Math"/>
+                        </a:rPr>
+                        <m:t>𝐷</m:t>
+                      </m:r>
+                    </m:oMath>
+                  </m:oMathPara>
+                </a14:m>
+                <a:endParaRPr lang="fr-FR" sz="1200" dirty="0"/>
+              </a:p>
+            </p:txBody>
+          </p:sp>
+        </mc:Choice>
+        <mc:Fallback>
+          <p:sp>
+            <p:nvSpPr>
+              <p:cNvPr id="20" name="ZoneTexte 19"/>
+              <p:cNvSpPr txBox="1">
+                <a:spLocks noRot="1" noChangeAspect="1" noMove="1" noResize="1" noEditPoints="1" noAdjustHandles="1" noChangeArrowheads="1" noChangeShapeType="1" noTextEdit="1"/>
+              </p:cNvSpPr>
+              <p:nvPr/>
+            </p:nvSpPr>
+            <p:spPr>
+              <a:xfrm>
+                <a:off x="3709011" y="3634292"/>
+                <a:ext cx="330219" cy="276999"/>
+              </a:xfrm>
+              <a:prstGeom prst="rect">
+                <a:avLst/>
+              </a:prstGeom>
+              <a:blipFill rotWithShape="1">
+                <a:blip r:embed="rId3"/>
+                <a:stretch>
+                  <a:fillRect/>
+                </a:stretch>
+              </a:blipFill>
+            </p:spPr>
+            <p:txBody>
+              <a:bodyPr/>
+              <a:lstStyle/>
+              <a:p>
+                <a:r>
+                  <a:rPr lang="fr-FR">
+                    <a:noFill/>
+                  </a:rPr>
+                  <a:t> </a:t>
+                </a:r>
+              </a:p>
+            </p:txBody>
+          </p:sp>
+        </mc:Fallback>
+      </mc:AlternateContent>
+      <mc:AlternateContent xmlns:mc="http://schemas.openxmlformats.org/markup-compatibility/2006">
+        <mc:Choice xmlns:a14="http://schemas.microsoft.com/office/drawing/2010/main" Requires="a14">
+          <p:sp>
+            <p:nvSpPr>
+              <p:cNvPr id="21" name="ZoneTexte 20"/>
+              <p:cNvSpPr txBox="1"/>
+              <p:nvPr/>
+            </p:nvSpPr>
+            <p:spPr>
+              <a:xfrm>
+                <a:off x="1415325" y="1566997"/>
+                <a:ext cx="325025" cy="276999"/>
+              </a:xfrm>
+              <a:prstGeom prst="rect">
+                <a:avLst/>
+              </a:prstGeom>
+              <a:noFill/>
+            </p:spPr>
+            <p:txBody>
+              <a:bodyPr wrap="none" rtlCol="0">
+                <a:spAutoFit/>
+              </a:bodyPr>
+              <a:lstStyle/>
+              <a:p>
+                <a14:m>
+                  <m:oMathPara xmlns:m="http://schemas.openxmlformats.org/officeDocument/2006/math">
+                    <m:oMathParaPr>
+                      <m:jc m:val="centerGroup"/>
+                    </m:oMathParaPr>
+                    <m:oMath xmlns:m="http://schemas.openxmlformats.org/officeDocument/2006/math">
+                      <m:r>
+                        <a:rPr lang="fr-FR" sz="1200" b="0" i="1" smtClean="0">
+                          <a:latin typeface="Cambria Math"/>
+                        </a:rPr>
+                        <m:t>𝐵</m:t>
+                      </m:r>
+                    </m:oMath>
+                  </m:oMathPara>
+                </a14:m>
+                <a:endParaRPr lang="fr-FR" sz="1200" dirty="0"/>
+              </a:p>
+            </p:txBody>
+          </p:sp>
+        </mc:Choice>
+        <mc:Fallback>
+          <p:sp>
+            <p:nvSpPr>
+              <p:cNvPr id="21" name="ZoneTexte 20"/>
+              <p:cNvSpPr txBox="1">
+                <a:spLocks noRot="1" noChangeAspect="1" noMove="1" noResize="1" noEditPoints="1" noAdjustHandles="1" noChangeArrowheads="1" noChangeShapeType="1" noTextEdit="1"/>
+              </p:cNvSpPr>
+              <p:nvPr/>
+            </p:nvSpPr>
+            <p:spPr>
+              <a:xfrm>
+                <a:off x="1415325" y="1566997"/>
+                <a:ext cx="325025" cy="276999"/>
+              </a:xfrm>
+              <a:prstGeom prst="rect">
+                <a:avLst/>
+              </a:prstGeom>
+              <a:blipFill rotWithShape="1">
+                <a:blip r:embed="rId4"/>
+                <a:stretch>
+                  <a:fillRect/>
+                </a:stretch>
+              </a:blipFill>
+            </p:spPr>
+            <p:txBody>
+              <a:bodyPr/>
+              <a:lstStyle/>
+              <a:p>
+                <a:r>
+                  <a:rPr lang="fr-FR">
+                    <a:noFill/>
+                  </a:rPr>
+                  <a:t> </a:t>
+                </a:r>
+              </a:p>
+            </p:txBody>
+          </p:sp>
+        </mc:Fallback>
+      </mc:AlternateContent>
+      <p:grpSp>
+        <p:nvGrpSpPr>
+          <p:cNvPr id="11" name="Groupe 10"/>
+          <p:cNvGrpSpPr/>
+          <p:nvPr/>
+        </p:nvGrpSpPr>
+        <p:grpSpPr>
+          <a:xfrm>
+            <a:off x="1076508" y="1730498"/>
+            <a:ext cx="608682" cy="504000"/>
+            <a:chOff x="1190998" y="1772832"/>
+            <a:chExt cx="608682" cy="504000"/>
+          </a:xfrm>
+        </p:grpSpPr>
+        <p:sp>
+          <p:nvSpPr>
+            <p:cNvPr id="10" name="Forme libre 9"/>
+            <p:cNvSpPr/>
+            <p:nvPr/>
+          </p:nvSpPr>
+          <p:spPr>
+            <a:xfrm>
+              <a:off x="1190998" y="1772832"/>
+              <a:ext cx="180602" cy="503999"/>
+            </a:xfrm>
+            <a:custGeom>
+              <a:avLst/>
+              <a:gdLst>
+                <a:gd name="connsiteX0" fmla="*/ 180602 w 180602"/>
+                <a:gd name="connsiteY0" fmla="*/ 0 h 486888"/>
+                <a:gd name="connsiteX1" fmla="*/ 32161 w 180602"/>
+                <a:gd name="connsiteY1" fmla="*/ 106878 h 486888"/>
+                <a:gd name="connsiteX2" fmla="*/ 73724 w 180602"/>
+                <a:gd name="connsiteY2" fmla="*/ 261257 h 486888"/>
+                <a:gd name="connsiteX3" fmla="*/ 2472 w 180602"/>
+                <a:gd name="connsiteY3" fmla="*/ 439387 h 486888"/>
+                <a:gd name="connsiteX4" fmla="*/ 180602 w 180602"/>
+                <a:gd name="connsiteY4" fmla="*/ 486888 h 486888"/>
+              </a:gdLst>
+              <a:ahLst/>
+              <a:cxnLst>
+                <a:cxn ang="0">
+                  <a:pos x="connsiteX0" y="connsiteY0"/>
+                </a:cxn>
+                <a:cxn ang="0">
+                  <a:pos x="connsiteX1" y="connsiteY1"/>
+                </a:cxn>
+                <a:cxn ang="0">
+                  <a:pos x="connsiteX2" y="connsiteY2"/>
+                </a:cxn>
+                <a:cxn ang="0">
+                  <a:pos x="connsiteX3" y="connsiteY3"/>
+                </a:cxn>
+                <a:cxn ang="0">
+                  <a:pos x="connsiteX4" y="connsiteY4"/>
+                </a:cxn>
+              </a:cxnLst>
+              <a:rect l="l" t="t" r="r" b="b"/>
+              <a:pathLst>
+                <a:path w="180602" h="486888">
+                  <a:moveTo>
+                    <a:pt x="180602" y="0"/>
+                  </a:moveTo>
+                  <a:cubicBezTo>
+                    <a:pt x="115288" y="31667"/>
+                    <a:pt x="49974" y="63335"/>
+                    <a:pt x="32161" y="106878"/>
+                  </a:cubicBezTo>
+                  <a:cubicBezTo>
+                    <a:pt x="14348" y="150421"/>
+                    <a:pt x="78672" y="205839"/>
+                    <a:pt x="73724" y="261257"/>
+                  </a:cubicBezTo>
+                  <a:cubicBezTo>
+                    <a:pt x="68776" y="316675"/>
+                    <a:pt x="-15341" y="401782"/>
+                    <a:pt x="2472" y="439387"/>
+                  </a:cubicBezTo>
+                  <a:cubicBezTo>
+                    <a:pt x="20285" y="476992"/>
+                    <a:pt x="100443" y="481940"/>
+                    <a:pt x="180602" y="486888"/>
+                  </a:cubicBezTo>
+                </a:path>
+              </a:pathLst>
+            </a:custGeom>
+            <a:solidFill>
+              <a:schemeClr val="accent4">
+                <a:lumMod val="20000"/>
+                <a:lumOff val="80000"/>
+              </a:schemeClr>
+            </a:solidFill>
+            <a:ln w="19050">
+              <a:solidFill>
+                <a:srgbClr val="7030A0"/>
+              </a:solidFill>
+            </a:ln>
+          </p:spPr>
+          <p:style>
+            <a:lnRef idx="2">
+              <a:schemeClr val="accent1">
+                <a:shade val="50000"/>
+              </a:schemeClr>
+            </a:lnRef>
+            <a:fillRef idx="1">
+              <a:schemeClr val="accent1"/>
+            </a:fillRef>
+            <a:effectRef idx="0">
+              <a:schemeClr val="accent1"/>
+            </a:effectRef>
+            <a:fontRef idx="minor">
+              <a:schemeClr val="lt1"/>
+            </a:fontRef>
+          </p:style>
+          <p:txBody>
+            <a:bodyPr rtlCol="0" anchor="ctr"/>
+            <a:lstStyle/>
+            <a:p>
+              <a:pPr algn="ctr"/>
+              <a:endParaRPr lang="fr-FR"/>
+            </a:p>
+          </p:txBody>
+        </p:sp>
+        <p:sp>
+          <p:nvSpPr>
+            <p:cNvPr id="5" name="Ellipse 4"/>
+            <p:cNvSpPr/>
+            <p:nvPr/>
+          </p:nvSpPr>
+          <p:spPr>
+            <a:xfrm>
+              <a:off x="1583680" y="1916832"/>
+              <a:ext cx="216000" cy="216000"/>
+            </a:xfrm>
+            <a:prstGeom prst="ellipse">
+              <a:avLst/>
+            </a:prstGeom>
+            <a:solidFill>
+              <a:schemeClr val="bg1"/>
+            </a:solidFill>
+            <a:ln w="28575">
+              <a:solidFill>
+                <a:srgbClr val="7030A0"/>
+              </a:solidFill>
+            </a:ln>
+          </p:spPr>
+          <p:style>
+            <a:lnRef idx="2">
+              <a:schemeClr val="accent1">
+                <a:shade val="50000"/>
+              </a:schemeClr>
+            </a:lnRef>
+            <a:fillRef idx="1">
+              <a:schemeClr val="accent1"/>
+            </a:fillRef>
+            <a:effectRef idx="0">
+              <a:schemeClr val="accent1"/>
+            </a:effectRef>
+            <a:fontRef idx="minor">
+              <a:schemeClr val="lt1"/>
+            </a:fontRef>
+          </p:style>
+          <p:txBody>
+            <a:bodyPr rtlCol="0" anchor="ctr"/>
+            <a:lstStyle/>
+            <a:p>
+              <a:pPr algn="ctr"/>
+              <a:endParaRPr lang="fr-FR"/>
+            </a:p>
+          </p:txBody>
+        </p:sp>
+        <p:cxnSp>
+          <p:nvCxnSpPr>
+            <p:cNvPr id="7" name="Connecteur droit 6"/>
+            <p:cNvCxnSpPr/>
+            <p:nvPr/>
+          </p:nvCxnSpPr>
+          <p:spPr>
+            <a:xfrm flipH="1">
+              <a:off x="1367680" y="2024832"/>
+              <a:ext cx="216000" cy="0"/>
+            </a:xfrm>
+            <a:prstGeom prst="line">
+              <a:avLst/>
+            </a:prstGeom>
+            <a:solidFill>
+              <a:schemeClr val="bg1"/>
+            </a:solidFill>
+            <a:ln w="28575">
+              <a:solidFill>
+                <a:srgbClr val="7030A0"/>
+              </a:solidFill>
+            </a:ln>
+          </p:spPr>
+          <p:style>
+            <a:lnRef idx="2">
+              <a:schemeClr val="accent1">
+                <a:shade val="50000"/>
+              </a:schemeClr>
+            </a:lnRef>
+            <a:fillRef idx="1">
+              <a:schemeClr val="accent1"/>
+            </a:fillRef>
+            <a:effectRef idx="0">
+              <a:schemeClr val="accent1"/>
+            </a:effectRef>
+            <a:fontRef idx="minor">
+              <a:schemeClr val="lt1"/>
+            </a:fontRef>
+          </p:style>
+        </p:cxnSp>
+        <p:cxnSp>
+          <p:nvCxnSpPr>
+            <p:cNvPr id="9" name="Connecteur droit 8"/>
+            <p:cNvCxnSpPr/>
+            <p:nvPr/>
+          </p:nvCxnSpPr>
+          <p:spPr>
+            <a:xfrm rot="5400000" flipH="1">
+              <a:off x="1115680" y="2024832"/>
+              <a:ext cx="504000" cy="0"/>
+            </a:xfrm>
+            <a:prstGeom prst="line">
+              <a:avLst/>
+            </a:prstGeom>
+            <a:solidFill>
+              <a:schemeClr val="bg1"/>
+            </a:solidFill>
+            <a:ln w="28575">
+              <a:solidFill>
+                <a:srgbClr val="7030A0"/>
+              </a:solidFill>
+            </a:ln>
+          </p:spPr>
+          <p:style>
+            <a:lnRef idx="2">
+              <a:schemeClr val="accent1">
+                <a:shade val="50000"/>
+              </a:schemeClr>
+            </a:lnRef>
+            <a:fillRef idx="1">
+              <a:schemeClr val="accent1"/>
+            </a:fillRef>
+            <a:effectRef idx="0">
+              <a:schemeClr val="accent1"/>
+            </a:effectRef>
+            <a:fontRef idx="minor">
+              <a:schemeClr val="lt1"/>
+            </a:fontRef>
+          </p:style>
+        </p:cxnSp>
+      </p:grpSp>
+      <p:grpSp>
+        <p:nvGrpSpPr>
+          <p:cNvPr id="22" name="Groupe 21"/>
+          <p:cNvGrpSpPr/>
+          <p:nvPr/>
+        </p:nvGrpSpPr>
+        <p:grpSpPr>
+          <a:xfrm rot="16200000">
+            <a:off x="4250443" y="4180530"/>
+            <a:ext cx="180602" cy="504000"/>
+            <a:chOff x="1190998" y="1772832"/>
+            <a:chExt cx="180602" cy="504000"/>
+          </a:xfrm>
+        </p:grpSpPr>
+        <p:sp>
+          <p:nvSpPr>
+            <p:cNvPr id="23" name="Forme libre 22"/>
+            <p:cNvSpPr/>
+            <p:nvPr/>
+          </p:nvSpPr>
+          <p:spPr>
+            <a:xfrm>
+              <a:off x="1190998" y="1772832"/>
+              <a:ext cx="180602" cy="503999"/>
+            </a:xfrm>
+            <a:custGeom>
+              <a:avLst/>
+              <a:gdLst>
+                <a:gd name="connsiteX0" fmla="*/ 180602 w 180602"/>
+                <a:gd name="connsiteY0" fmla="*/ 0 h 486888"/>
+                <a:gd name="connsiteX1" fmla="*/ 32161 w 180602"/>
+                <a:gd name="connsiteY1" fmla="*/ 106878 h 486888"/>
+                <a:gd name="connsiteX2" fmla="*/ 73724 w 180602"/>
+                <a:gd name="connsiteY2" fmla="*/ 261257 h 486888"/>
+                <a:gd name="connsiteX3" fmla="*/ 2472 w 180602"/>
+                <a:gd name="connsiteY3" fmla="*/ 439387 h 486888"/>
+                <a:gd name="connsiteX4" fmla="*/ 180602 w 180602"/>
+                <a:gd name="connsiteY4" fmla="*/ 486888 h 486888"/>
+              </a:gdLst>
+              <a:ahLst/>
+              <a:cxnLst>
+                <a:cxn ang="0">
+                  <a:pos x="connsiteX0" y="connsiteY0"/>
+                </a:cxn>
+                <a:cxn ang="0">
+                  <a:pos x="connsiteX1" y="connsiteY1"/>
+                </a:cxn>
+                <a:cxn ang="0">
+                  <a:pos x="connsiteX2" y="connsiteY2"/>
+                </a:cxn>
+                <a:cxn ang="0">
+                  <a:pos x="connsiteX3" y="connsiteY3"/>
+                </a:cxn>
+                <a:cxn ang="0">
+                  <a:pos x="connsiteX4" y="connsiteY4"/>
+                </a:cxn>
+              </a:cxnLst>
+              <a:rect l="l" t="t" r="r" b="b"/>
+              <a:pathLst>
+                <a:path w="180602" h="486888">
+                  <a:moveTo>
+                    <a:pt x="180602" y="0"/>
+                  </a:moveTo>
+                  <a:cubicBezTo>
+                    <a:pt x="115288" y="31667"/>
+                    <a:pt x="49974" y="63335"/>
+                    <a:pt x="32161" y="106878"/>
+                  </a:cubicBezTo>
+                  <a:cubicBezTo>
+                    <a:pt x="14348" y="150421"/>
+                    <a:pt x="78672" y="205839"/>
+                    <a:pt x="73724" y="261257"/>
+                  </a:cubicBezTo>
+                  <a:cubicBezTo>
+                    <a:pt x="68776" y="316675"/>
+                    <a:pt x="-15341" y="401782"/>
+                    <a:pt x="2472" y="439387"/>
+                  </a:cubicBezTo>
+                  <a:cubicBezTo>
+                    <a:pt x="20285" y="476992"/>
+                    <a:pt x="100443" y="481940"/>
+                    <a:pt x="180602" y="486888"/>
+                  </a:cubicBezTo>
+                </a:path>
+              </a:pathLst>
+            </a:custGeom>
+            <a:solidFill>
+              <a:schemeClr val="accent4">
+                <a:lumMod val="20000"/>
+                <a:lumOff val="80000"/>
+              </a:schemeClr>
+            </a:solidFill>
+            <a:ln w="19050">
+              <a:solidFill>
+                <a:srgbClr val="7030A0"/>
+              </a:solidFill>
+            </a:ln>
+          </p:spPr>
+          <p:style>
+            <a:lnRef idx="2">
+              <a:schemeClr val="accent1">
+                <a:shade val="50000"/>
+              </a:schemeClr>
+            </a:lnRef>
+            <a:fillRef idx="1">
+              <a:schemeClr val="accent1"/>
+            </a:fillRef>
+            <a:effectRef idx="0">
+              <a:schemeClr val="accent1"/>
+            </a:effectRef>
+            <a:fontRef idx="minor">
+              <a:schemeClr val="lt1"/>
+            </a:fontRef>
+          </p:style>
+          <p:txBody>
+            <a:bodyPr rtlCol="0" anchor="ctr"/>
+            <a:lstStyle/>
+            <a:p>
+              <a:pPr algn="ctr"/>
+              <a:endParaRPr lang="fr-FR"/>
+            </a:p>
+          </p:txBody>
+        </p:sp>
+        <p:cxnSp>
+          <p:nvCxnSpPr>
+            <p:cNvPr id="26" name="Connecteur droit 25"/>
+            <p:cNvCxnSpPr/>
+            <p:nvPr/>
+          </p:nvCxnSpPr>
+          <p:spPr>
+            <a:xfrm rot="5400000" flipH="1">
+              <a:off x="1115680" y="2024832"/>
+              <a:ext cx="504000" cy="0"/>
+            </a:xfrm>
+            <a:prstGeom prst="line">
+              <a:avLst/>
+            </a:prstGeom>
+            <a:solidFill>
+              <a:schemeClr val="bg1"/>
+            </a:solidFill>
+            <a:ln w="28575">
+              <a:solidFill>
+                <a:srgbClr val="7030A0"/>
+              </a:solidFill>
+            </a:ln>
+          </p:spPr>
+          <p:style>
+            <a:lnRef idx="2">
+              <a:schemeClr val="accent1">
+                <a:shade val="50000"/>
+              </a:schemeClr>
+            </a:lnRef>
+            <a:fillRef idx="1">
+              <a:schemeClr val="accent1"/>
+            </a:fillRef>
+            <a:effectRef idx="0">
+              <a:schemeClr val="accent1"/>
+            </a:effectRef>
+            <a:fontRef idx="minor">
+              <a:schemeClr val="lt1"/>
+            </a:fontRef>
+          </p:style>
+        </p:cxnSp>
+      </p:grpSp>
+      <p:cxnSp>
+        <p:nvCxnSpPr>
+          <p:cNvPr id="27" name="Connecteur droit 26"/>
+          <p:cNvCxnSpPr/>
+          <p:nvPr/>
+        </p:nvCxnSpPr>
+        <p:spPr>
+          <a:xfrm>
+            <a:off x="3686493" y="3918268"/>
+            <a:ext cx="558068" cy="0"/>
+          </a:xfrm>
+          <a:prstGeom prst="line">
+            <a:avLst/>
+          </a:prstGeom>
+          <a:ln w="12700">
+            <a:solidFill>
+              <a:srgbClr val="00B050"/>
+            </a:solidFill>
+            <a:prstDash val="lgDashDot"/>
+          </a:ln>
+        </p:spPr>
+        <p:style>
+          <a:lnRef idx="1">
+            <a:schemeClr val="accent1"/>
+          </a:lnRef>
+          <a:fillRef idx="0">
+            <a:schemeClr val="accent1"/>
+          </a:fillRef>
+          <a:effectRef idx="0">
+            <a:schemeClr val="accent1"/>
+          </a:effectRef>
+          <a:fontRef idx="minor">
+            <a:schemeClr val="tx1"/>
+          </a:fontRef>
+        </p:style>
+      </p:cxnSp>
+      <p:cxnSp>
+        <p:nvCxnSpPr>
+          <p:cNvPr id="29" name="Connecteur droit 28"/>
+          <p:cNvCxnSpPr/>
+          <p:nvPr/>
+        </p:nvCxnSpPr>
+        <p:spPr>
+          <a:xfrm flipV="1">
+            <a:off x="4139952" y="3918268"/>
+            <a:ext cx="0" cy="423962"/>
+          </a:xfrm>
+          <a:prstGeom prst="line">
+            <a:avLst/>
+          </a:prstGeom>
+          <a:ln w="12700">
+            <a:solidFill>
+              <a:srgbClr val="00B050"/>
+            </a:solidFill>
+            <a:headEnd type="none"/>
+            <a:tailEnd type="stealth" w="med" len="lg"/>
+          </a:ln>
+        </p:spPr>
+        <p:style>
+          <a:lnRef idx="1">
+            <a:schemeClr val="accent1"/>
+          </a:lnRef>
+          <a:fillRef idx="0">
+            <a:schemeClr val="accent1"/>
+          </a:fillRef>
+          <a:effectRef idx="0">
+            <a:schemeClr val="accent1"/>
+          </a:effectRef>
+          <a:fontRef idx="minor">
+            <a:schemeClr val="tx1"/>
+          </a:fontRef>
+        </p:style>
+      </p:cxnSp>
+      <p:cxnSp>
+        <p:nvCxnSpPr>
+          <p:cNvPr id="34" name="Connecteur droit 33"/>
+          <p:cNvCxnSpPr/>
+          <p:nvPr/>
+        </p:nvCxnSpPr>
+        <p:spPr>
+          <a:xfrm>
+            <a:off x="4429385" y="1982496"/>
+            <a:ext cx="163359" cy="0"/>
+          </a:xfrm>
+          <a:prstGeom prst="line">
+            <a:avLst/>
+          </a:prstGeom>
+          <a:ln w="12700">
+            <a:solidFill>
+              <a:srgbClr val="00B050"/>
+            </a:solidFill>
+            <a:prstDash val="lgDashDot"/>
+          </a:ln>
+        </p:spPr>
+        <p:style>
+          <a:lnRef idx="1">
+            <a:schemeClr val="accent1"/>
+          </a:lnRef>
+          <a:fillRef idx="0">
+            <a:schemeClr val="accent1"/>
+          </a:fillRef>
+          <a:effectRef idx="0">
+            <a:schemeClr val="accent1"/>
+          </a:effectRef>
+          <a:fontRef idx="minor">
+            <a:schemeClr val="tx1"/>
+          </a:fontRef>
+        </p:style>
+      </p:cxnSp>
+      <p:sp>
+        <p:nvSpPr>
+          <p:cNvPr id="38" name="Ellipse 37"/>
+          <p:cNvSpPr/>
+          <p:nvPr/>
+        </p:nvSpPr>
+        <p:spPr>
+          <a:xfrm flipV="1">
+            <a:off x="4143799" y="664968"/>
+            <a:ext cx="72032" cy="72032"/>
+          </a:xfrm>
+          <a:prstGeom prst="ellipse">
+            <a:avLst/>
+          </a:prstGeom>
+          <a:solidFill>
+            <a:srgbClr val="00B050"/>
+          </a:solidFill>
+          <a:ln w="28575">
+            <a:solidFill>
+              <a:srgbClr val="00B050"/>
+            </a:solidFill>
+          </a:ln>
+        </p:spPr>
+        <p:style>
+          <a:lnRef idx="2">
+            <a:schemeClr val="accent1">
+              <a:shade val="50000"/>
+            </a:schemeClr>
+          </a:lnRef>
+          <a:fillRef idx="1">
+            <a:schemeClr val="accent1"/>
+          </a:fillRef>
+          <a:effectRef idx="0">
+            <a:schemeClr val="accent1"/>
+          </a:effectRef>
+          <a:fontRef idx="minor">
+            <a:schemeClr val="lt1"/>
+          </a:fontRef>
+        </p:style>
+        <p:txBody>
+          <a:bodyPr rtlCol="0" anchor="ctr"/>
+          <a:lstStyle/>
+          <a:p>
+            <a:pPr algn="ctr"/>
+            <a:endParaRPr lang="fr-FR"/>
+          </a:p>
+        </p:txBody>
+      </p:sp>
+      <mc:AlternateContent xmlns:mc="http://schemas.openxmlformats.org/markup-compatibility/2006">
+        <mc:Choice xmlns:a14="http://schemas.microsoft.com/office/drawing/2010/main" Requires="a14">
+          <p:sp>
+            <p:nvSpPr>
+              <p:cNvPr id="39" name="ZoneTexte 38"/>
+              <p:cNvSpPr txBox="1"/>
+              <p:nvPr/>
+            </p:nvSpPr>
+            <p:spPr>
+              <a:xfrm>
+                <a:off x="4241203" y="562484"/>
+                <a:ext cx="330219" cy="276999"/>
+              </a:xfrm>
+              <a:prstGeom prst="rect">
+                <a:avLst/>
+              </a:prstGeom>
+              <a:noFill/>
+            </p:spPr>
+            <p:txBody>
+              <a:bodyPr wrap="none" rtlCol="0">
+                <a:spAutoFit/>
+              </a:bodyPr>
+              <a:lstStyle/>
+              <a:p>
+                <a14:m>
+                  <m:oMathPara xmlns:m="http://schemas.openxmlformats.org/officeDocument/2006/math">
+                    <m:oMathParaPr>
+                      <m:jc m:val="centerGroup"/>
+                    </m:oMathParaPr>
+                    <m:oMath xmlns:m="http://schemas.openxmlformats.org/officeDocument/2006/math">
+                      <m:r>
+                        <a:rPr lang="fr-FR" sz="1200" b="0" i="1" smtClean="0">
+                          <a:latin typeface="Cambria Math"/>
+                        </a:rPr>
+                        <m:t>𝐷</m:t>
+                      </m:r>
+                    </m:oMath>
+                  </m:oMathPara>
+                </a14:m>
+                <a:endParaRPr lang="fr-FR" sz="1200" dirty="0"/>
+              </a:p>
+            </p:txBody>
+          </p:sp>
+        </mc:Choice>
+        <mc:Fallback>
+          <p:sp>
+            <p:nvSpPr>
+              <p:cNvPr id="39" name="ZoneTexte 38"/>
+              <p:cNvSpPr txBox="1">
+                <a:spLocks noRot="1" noChangeAspect="1" noMove="1" noResize="1" noEditPoints="1" noAdjustHandles="1" noChangeArrowheads="1" noChangeShapeType="1" noTextEdit="1"/>
+              </p:cNvSpPr>
+              <p:nvPr/>
+            </p:nvSpPr>
+            <p:spPr>
+              <a:xfrm>
+                <a:off x="4241203" y="562484"/>
+                <a:ext cx="330219" cy="276999"/>
+              </a:xfrm>
+              <a:prstGeom prst="rect">
+                <a:avLst/>
+              </a:prstGeom>
+              <a:blipFill rotWithShape="1">
+                <a:blip r:embed="rId5"/>
+                <a:stretch>
+                  <a:fillRect/>
+                </a:stretch>
+              </a:blipFill>
+            </p:spPr>
+            <p:txBody>
+              <a:bodyPr/>
+              <a:lstStyle/>
+              <a:p>
+                <a:r>
+                  <a:rPr lang="fr-FR">
+                    <a:noFill/>
+                  </a:rPr>
+                  <a:t> </a:t>
+                </a:r>
+              </a:p>
+            </p:txBody>
+          </p:sp>
+        </mc:Fallback>
+      </mc:AlternateContent>
+      <p:cxnSp>
+        <p:nvCxnSpPr>
+          <p:cNvPr id="40" name="Connecteur droit 39"/>
+          <p:cNvCxnSpPr/>
+          <p:nvPr/>
+        </p:nvCxnSpPr>
+        <p:spPr>
+          <a:xfrm flipV="1">
+            <a:off x="4193031" y="737001"/>
+            <a:ext cx="0" cy="3605228"/>
+          </a:xfrm>
+          <a:prstGeom prst="line">
+            <a:avLst/>
+          </a:prstGeom>
+          <a:ln w="12700">
+            <a:solidFill>
+              <a:srgbClr val="00B050"/>
+            </a:solidFill>
+            <a:headEnd type="none"/>
+            <a:tailEnd type="stealth" w="med" len="lg"/>
+          </a:ln>
+        </p:spPr>
+        <p:style>
+          <a:lnRef idx="1">
+            <a:schemeClr val="accent1"/>
+          </a:lnRef>
+          <a:fillRef idx="0">
+            <a:schemeClr val="accent1"/>
+          </a:fillRef>
+          <a:effectRef idx="0">
+            <a:schemeClr val="accent1"/>
+          </a:effectRef>
+          <a:fontRef idx="minor">
+            <a:schemeClr val="tx1"/>
+          </a:fontRef>
+        </p:style>
+      </p:cxnSp>
+      <mc:AlternateContent xmlns:mc="http://schemas.openxmlformats.org/markup-compatibility/2006">
+        <mc:Choice xmlns:a14="http://schemas.microsoft.com/office/drawing/2010/main" Requires="a14">
+          <p:sp>
+            <p:nvSpPr>
+              <p:cNvPr id="42" name="ZoneTexte 41"/>
+              <p:cNvSpPr txBox="1"/>
+              <p:nvPr/>
+            </p:nvSpPr>
+            <p:spPr>
+              <a:xfrm>
+                <a:off x="3633824" y="4069150"/>
+                <a:ext cx="583813" cy="276999"/>
+              </a:xfrm>
+              <a:prstGeom prst="rect">
+                <a:avLst/>
+              </a:prstGeom>
+              <a:noFill/>
+            </p:spPr>
+            <p:txBody>
+              <a:bodyPr wrap="none" rtlCol="0">
+                <a:spAutoFit/>
+              </a:bodyPr>
+              <a:lstStyle/>
+              <a:p>
+                <a14:m>
+                  <m:oMathPara xmlns:m="http://schemas.openxmlformats.org/officeDocument/2006/math">
+                    <m:oMathParaPr>
+                      <m:jc m:val="centerGroup"/>
+                    </m:oMathParaPr>
+                    <m:oMath xmlns:m="http://schemas.openxmlformats.org/officeDocument/2006/math">
+                      <m:r>
+                        <a:rPr lang="fr-FR" sz="1200" i="1" smtClean="0">
+                          <a:latin typeface="Cambria Math"/>
+                        </a:rPr>
+                        <m:t>0</m:t>
+                      </m:r>
+                      <m:r>
+                        <a:rPr lang="fr-FR" sz="1200" b="0" i="1" smtClean="0">
+                          <a:latin typeface="Cambria Math"/>
+                        </a:rPr>
+                        <m:t>,7</m:t>
+                      </m:r>
+                      <m:r>
+                        <a:rPr lang="fr-FR" sz="1200" b="0" i="0" smtClean="0">
+                          <a:latin typeface="Cambria Math"/>
+                        </a:rPr>
+                        <m:t> </m:t>
+                      </m:r>
+                      <m:r>
+                        <m:rPr>
+                          <m:sty m:val="p"/>
+                        </m:rPr>
+                        <a:rPr lang="fr-FR" sz="1200" b="0" i="0" smtClean="0">
+                          <a:latin typeface="Cambria Math"/>
+                        </a:rPr>
+                        <m:t>m</m:t>
+                      </m:r>
+                    </m:oMath>
+                  </m:oMathPara>
+                </a14:m>
+                <a:endParaRPr lang="fr-FR" sz="1200" dirty="0"/>
+              </a:p>
+            </p:txBody>
+          </p:sp>
+        </mc:Choice>
+        <mc:Fallback>
+          <p:sp>
+            <p:nvSpPr>
+              <p:cNvPr id="42" name="ZoneTexte 41"/>
+              <p:cNvSpPr txBox="1">
+                <a:spLocks noRot="1" noChangeAspect="1" noMove="1" noResize="1" noEditPoints="1" noAdjustHandles="1" noChangeArrowheads="1" noChangeShapeType="1" noTextEdit="1"/>
+              </p:cNvSpPr>
+              <p:nvPr/>
+            </p:nvSpPr>
+            <p:spPr>
+              <a:xfrm>
+                <a:off x="3633824" y="4069150"/>
+                <a:ext cx="583813" cy="276999"/>
+              </a:xfrm>
+              <a:prstGeom prst="rect">
+                <a:avLst/>
+              </a:prstGeom>
+              <a:blipFill rotWithShape="1">
+                <a:blip r:embed="rId6"/>
+                <a:stretch>
+                  <a:fillRect/>
+                </a:stretch>
+              </a:blipFill>
+            </p:spPr>
+            <p:txBody>
+              <a:bodyPr/>
+              <a:lstStyle/>
+              <a:p>
+                <a:r>
+                  <a:rPr lang="fr-FR">
+                    <a:noFill/>
+                  </a:rPr>
+                  <a:t> </a:t>
+                </a:r>
+              </a:p>
+            </p:txBody>
+          </p:sp>
+        </mc:Fallback>
+      </mc:AlternateContent>
+      <mc:AlternateContent xmlns:mc="http://schemas.openxmlformats.org/markup-compatibility/2006">
+        <mc:Choice xmlns:a14="http://schemas.microsoft.com/office/drawing/2010/main" Requires="a14">
+          <p:sp>
+            <p:nvSpPr>
+              <p:cNvPr id="43" name="ZoneTexte 42"/>
+              <p:cNvSpPr txBox="1"/>
+              <p:nvPr/>
+            </p:nvSpPr>
+            <p:spPr>
+              <a:xfrm>
+                <a:off x="3703073" y="2644670"/>
+                <a:ext cx="583814" cy="276999"/>
+              </a:xfrm>
+              <a:prstGeom prst="rect">
+                <a:avLst/>
+              </a:prstGeom>
+              <a:noFill/>
+            </p:spPr>
+            <p:txBody>
+              <a:bodyPr wrap="none" rtlCol="0">
+                <a:spAutoFit/>
+              </a:bodyPr>
+              <a:lstStyle/>
+              <a:p>
+                <a14:m>
+                  <m:oMathPara xmlns:m="http://schemas.openxmlformats.org/officeDocument/2006/math">
+                    <m:oMathParaPr>
+                      <m:jc m:val="centerGroup"/>
+                    </m:oMathParaPr>
+                    <m:oMath xmlns:m="http://schemas.openxmlformats.org/officeDocument/2006/math">
+                      <m:r>
+                        <a:rPr lang="fr-FR" sz="1200" i="1" smtClean="0">
+                          <a:latin typeface="Cambria Math"/>
+                        </a:rPr>
+                        <m:t>1</m:t>
+                      </m:r>
+                      <m:r>
+                        <a:rPr lang="fr-FR" sz="1200" b="0" i="1" smtClean="0">
+                          <a:latin typeface="Cambria Math"/>
+                        </a:rPr>
+                        <m:t>,8</m:t>
+                      </m:r>
+                      <m:r>
+                        <a:rPr lang="fr-FR" sz="1200" b="0" i="0" smtClean="0">
+                          <a:latin typeface="Cambria Math"/>
+                        </a:rPr>
+                        <m:t> </m:t>
+                      </m:r>
+                      <m:r>
+                        <m:rPr>
+                          <m:sty m:val="p"/>
+                        </m:rPr>
+                        <a:rPr lang="fr-FR" sz="1200" b="0" i="0" smtClean="0">
+                          <a:latin typeface="Cambria Math"/>
+                        </a:rPr>
+                        <m:t>m</m:t>
+                      </m:r>
+                    </m:oMath>
+                  </m:oMathPara>
+                </a14:m>
+                <a:endParaRPr lang="fr-FR" sz="1200" dirty="0"/>
+              </a:p>
+            </p:txBody>
+          </p:sp>
+        </mc:Choice>
+        <mc:Fallback>
+          <p:sp>
+            <p:nvSpPr>
+              <p:cNvPr id="43" name="ZoneTexte 42"/>
+              <p:cNvSpPr txBox="1">
+                <a:spLocks noRot="1" noChangeAspect="1" noMove="1" noResize="1" noEditPoints="1" noAdjustHandles="1" noChangeArrowheads="1" noChangeShapeType="1" noTextEdit="1"/>
+              </p:cNvSpPr>
+              <p:nvPr/>
+            </p:nvSpPr>
+            <p:spPr>
+              <a:xfrm>
+                <a:off x="3703073" y="2644670"/>
+                <a:ext cx="583814" cy="276999"/>
+              </a:xfrm>
+              <a:prstGeom prst="rect">
+                <a:avLst/>
+              </a:prstGeom>
+              <a:blipFill rotWithShape="1">
+                <a:blip r:embed="rId7"/>
+                <a:stretch>
+                  <a:fillRect/>
+                </a:stretch>
+              </a:blipFill>
+            </p:spPr>
+            <p:txBody>
+              <a:bodyPr/>
+              <a:lstStyle/>
+              <a:p>
+                <a:r>
+                  <a:rPr lang="fr-FR">
+                    <a:noFill/>
+                  </a:rPr>
+                  <a:t> </a:t>
+                </a:r>
+              </a:p>
+            </p:txBody>
+          </p:sp>
+        </mc:Fallback>
+      </mc:AlternateContent>
+    </p:spTree>
+    <p:extLst>
+      <p:ext uri="{BB962C8B-B14F-4D97-AF65-F5344CB8AC3E}">
+        <p14:creationId xmlns:p14="http://schemas.microsoft.com/office/powerpoint/2010/main" val="80642988"/>
+      </p:ext>
+    </p:extLst>
+  </p:cSld>
+  <p:clrMapOvr>
+    <a:masterClrMapping/>
+  </p:clrMapOvr>
+</p:sld>
+</file>
+
+<file path=ppt/slides/slide3.xml><?xml version="1.0" encoding="utf-8"?>
 <p:sld xmlns:a="http://schemas.openxmlformats.org/drawingml/2006/main" xmlns:r="http://schemas.openxmlformats.org/officeDocument/2006/relationships" xmlns:p="http://schemas.openxmlformats.org/presentationml/2006/main">
   <p:cSld>
     <p:spTree>
@@ -7182,7 +8695,7 @@
 </p:sld>
 </file>
 
-<file path=ppt/slides/slide3.xml><?xml version="1.0" encoding="utf-8"?>
+<file path=ppt/slides/slide4.xml><?xml version="1.0" encoding="utf-8"?>
 <p:sld xmlns:a="http://schemas.openxmlformats.org/drawingml/2006/main" xmlns:r="http://schemas.openxmlformats.org/officeDocument/2006/relationships" xmlns:p="http://schemas.openxmlformats.org/presentationml/2006/main">
   <p:cSld>
     <p:spTree>
@@ -7795,7 +9308,7 @@
 </p:sld>
 </file>
 
-<file path=ppt/slides/slide4.xml><?xml version="1.0" encoding="utf-8"?>
+<file path=ppt/slides/slide5.xml><?xml version="1.0" encoding="utf-8"?>
 <p:sld xmlns:a="http://schemas.openxmlformats.org/drawingml/2006/main" xmlns:r="http://schemas.openxmlformats.org/officeDocument/2006/relationships" xmlns:p="http://schemas.openxmlformats.org/presentationml/2006/main">
   <p:cSld>
     <p:spTree>
@@ -8644,7 +10157,7 @@
 </p:sld>
 </file>
 
-<file path=ppt/slides/slide5.xml><?xml version="1.0" encoding="utf-8"?>
+<file path=ppt/slides/slide6.xml><?xml version="1.0" encoding="utf-8"?>
 <p:sld xmlns:a="http://schemas.openxmlformats.org/drawingml/2006/main" xmlns:r="http://schemas.openxmlformats.org/officeDocument/2006/relationships" xmlns:p="http://schemas.openxmlformats.org/presentationml/2006/main">
   <p:cSld>
     <p:spTree>
@@ -9307,7 +10820,7 @@
 </p:sld>
 </file>
 
-<file path=ppt/slides/slide6.xml><?xml version="1.0" encoding="utf-8"?>
+<file path=ppt/slides/slide7.xml><?xml version="1.0" encoding="utf-8"?>
 <p:sld xmlns:a="http://schemas.openxmlformats.org/drawingml/2006/main" xmlns:r="http://schemas.openxmlformats.org/officeDocument/2006/relationships" xmlns:p="http://schemas.openxmlformats.org/presentationml/2006/main">
   <p:cSld>
     <p:spTree>
@@ -10200,7 +11713,7 @@
 </p:sld>
 </file>
 
-<file path=ppt/slides/slide7.xml><?xml version="1.0" encoding="utf-8"?>
+<file path=ppt/slides/slide8.xml><?xml version="1.0" encoding="utf-8"?>
 <p:sld xmlns:a="http://schemas.openxmlformats.org/drawingml/2006/main" xmlns:r="http://schemas.openxmlformats.org/officeDocument/2006/relationships" xmlns:p="http://schemas.openxmlformats.org/presentationml/2006/main">
   <p:cSld>
     <p:spTree>

--- a/Revisions_Statique/Fiche_01_Statique_2D_TD_01_Hayon/images/Figures.pptx
+++ b/Revisions_Statique/Fiche_01_Statique_2D_TD_01_Hayon/images/Figures.pptx
@@ -4706,7 +4706,7 @@
             </p:nvSpPr>
             <p:spPr>
               <a:xfrm>
-                <a:off x="3703073" y="2644670"/>
+                <a:off x="4143799" y="2650947"/>
                 <a:ext cx="583814" cy="276999"/>
               </a:xfrm>
               <a:prstGeom prst="rect">
@@ -4772,7 +4772,7 @@
             </p:nvSpPr>
             <p:spPr>
               <a:xfrm>
-                <a:off x="3703073" y="2644670"/>
+                <a:off x="4143799" y="2650947"/>
                 <a:ext cx="583814" cy="276999"/>
               </a:xfrm>
               <a:prstGeom prst="rect">
@@ -4780,6 +4780,257 @@
               </a:prstGeom>
               <a:blipFill rotWithShape="1">
                 <a:blip r:embed="rId7"/>
+                <a:stretch>
+                  <a:fillRect/>
+                </a:stretch>
+              </a:blipFill>
+            </p:spPr>
+            <p:txBody>
+              <a:bodyPr/>
+              <a:lstStyle/>
+              <a:p>
+                <a:r>
+                  <a:rPr lang="fr-FR">
+                    <a:noFill/>
+                  </a:rPr>
+                  <a:t> </a:t>
+                </a:r>
+              </a:p>
+            </p:txBody>
+          </p:sp>
+        </mc:Fallback>
+      </mc:AlternateContent>
+      <p:sp>
+        <p:nvSpPr>
+          <p:cNvPr id="44" name="Arc 43"/>
+          <p:cNvSpPr/>
+          <p:nvPr/>
+        </p:nvSpPr>
+        <p:spPr>
+          <a:xfrm>
+            <a:off x="537564" y="943640"/>
+            <a:ext cx="2081766" cy="2081766"/>
+          </a:xfrm>
+          <a:prstGeom prst="arc">
+            <a:avLst>
+              <a:gd name="adj1" fmla="val 20169793"/>
+              <a:gd name="adj2" fmla="val 21566797"/>
+            </a:avLst>
+          </a:prstGeom>
+          <a:ln>
+            <a:solidFill>
+              <a:srgbClr val="00B050"/>
+            </a:solidFill>
+            <a:headEnd type="stealth" w="sm" len="med"/>
+            <a:tailEnd type="stealth" w="sm" len="med"/>
+          </a:ln>
+        </p:spPr>
+        <p:style>
+          <a:lnRef idx="1">
+            <a:schemeClr val="accent1"/>
+          </a:lnRef>
+          <a:fillRef idx="0">
+            <a:schemeClr val="accent1"/>
+          </a:fillRef>
+          <a:effectRef idx="0">
+            <a:schemeClr val="accent1"/>
+          </a:effectRef>
+          <a:fontRef idx="minor">
+            <a:schemeClr val="tx1"/>
+          </a:fontRef>
+        </p:style>
+        <p:txBody>
+          <a:bodyPr rtlCol="0" anchor="ctr"/>
+          <a:lstStyle/>
+          <a:p>
+            <a:pPr algn="ctr"/>
+            <a:endParaRPr lang="fr-FR"/>
+          </a:p>
+        </p:txBody>
+      </p:sp>
+      <mc:AlternateContent xmlns:mc="http://schemas.openxmlformats.org/markup-compatibility/2006">
+        <mc:Choice xmlns:a14="http://schemas.microsoft.com/office/drawing/2010/main" Requires="a14">
+          <p:sp>
+            <p:nvSpPr>
+              <p:cNvPr id="45" name="ZoneTexte 44"/>
+              <p:cNvSpPr txBox="1"/>
+              <p:nvPr/>
+            </p:nvSpPr>
+            <p:spPr>
+              <a:xfrm>
+                <a:off x="2565220" y="1582559"/>
+                <a:ext cx="317587" cy="276999"/>
+              </a:xfrm>
+              <a:prstGeom prst="rect">
+                <a:avLst/>
+              </a:prstGeom>
+              <a:noFill/>
+            </p:spPr>
+            <p:txBody>
+              <a:bodyPr wrap="none" rtlCol="0">
+                <a:spAutoFit/>
+              </a:bodyPr>
+              <a:lstStyle/>
+              <a:p>
+                <a14:m>
+                  <m:oMathPara xmlns:m="http://schemas.openxmlformats.org/officeDocument/2006/math">
+                    <m:oMathParaPr>
+                      <m:jc m:val="centerGroup"/>
+                    </m:oMathParaPr>
+                    <m:oMath xmlns:m="http://schemas.openxmlformats.org/officeDocument/2006/math">
+                      <m:r>
+                        <a:rPr lang="fr-FR" sz="1200" b="0" i="1" smtClean="0">
+                          <a:latin typeface="Cambria Math"/>
+                        </a:rPr>
+                        <m:t>𝛼</m:t>
+                      </m:r>
+                    </m:oMath>
+                  </m:oMathPara>
+                </a14:m>
+                <a:endParaRPr lang="fr-FR" sz="1200" dirty="0"/>
+              </a:p>
+            </p:txBody>
+          </p:sp>
+        </mc:Choice>
+        <mc:Fallback>
+          <p:sp>
+            <p:nvSpPr>
+              <p:cNvPr id="45" name="ZoneTexte 44"/>
+              <p:cNvSpPr txBox="1">
+                <a:spLocks noRot="1" noChangeAspect="1" noMove="1" noResize="1" noEditPoints="1" noAdjustHandles="1" noChangeArrowheads="1" noChangeShapeType="1" noTextEdit="1"/>
+              </p:cNvSpPr>
+              <p:nvPr/>
+            </p:nvSpPr>
+            <p:spPr>
+              <a:xfrm>
+                <a:off x="2565220" y="1582559"/>
+                <a:ext cx="317587" cy="276999"/>
+              </a:xfrm>
+              <a:prstGeom prst="rect">
+                <a:avLst/>
+              </a:prstGeom>
+              <a:blipFill rotWithShape="1">
+                <a:blip r:embed="rId8"/>
+                <a:stretch>
+                  <a:fillRect/>
+                </a:stretch>
+              </a:blipFill>
+            </p:spPr>
+            <p:txBody>
+              <a:bodyPr/>
+              <a:lstStyle/>
+              <a:p>
+                <a:r>
+                  <a:rPr lang="fr-FR">
+                    <a:noFill/>
+                  </a:rPr>
+                  <a:t> </a:t>
+                </a:r>
+              </a:p>
+            </p:txBody>
+          </p:sp>
+        </mc:Fallback>
+      </mc:AlternateContent>
+      <p:cxnSp>
+        <p:nvCxnSpPr>
+          <p:cNvPr id="46" name="Connecteur droit 45"/>
+          <p:cNvCxnSpPr/>
+          <p:nvPr/>
+        </p:nvCxnSpPr>
+        <p:spPr>
+          <a:xfrm flipV="1">
+            <a:off x="3722509" y="1986955"/>
+            <a:ext cx="0" cy="1931313"/>
+          </a:xfrm>
+          <a:prstGeom prst="line">
+            <a:avLst/>
+          </a:prstGeom>
+          <a:ln w="12700">
+            <a:solidFill>
+              <a:srgbClr val="00B050"/>
+            </a:solidFill>
+            <a:headEnd type="none"/>
+            <a:tailEnd type="stealth" w="med" len="lg"/>
+          </a:ln>
+        </p:spPr>
+        <p:style>
+          <a:lnRef idx="1">
+            <a:schemeClr val="accent1"/>
+          </a:lnRef>
+          <a:fillRef idx="0">
+            <a:schemeClr val="accent1"/>
+          </a:fillRef>
+          <a:effectRef idx="0">
+            <a:schemeClr val="accent1"/>
+          </a:effectRef>
+          <a:fontRef idx="minor">
+            <a:schemeClr val="tx1"/>
+          </a:fontRef>
+        </p:style>
+      </p:cxnSp>
+      <mc:AlternateContent xmlns:mc="http://schemas.openxmlformats.org/markup-compatibility/2006">
+        <mc:Choice xmlns:a14="http://schemas.microsoft.com/office/drawing/2010/main" Requires="a14">
+          <p:sp>
+            <p:nvSpPr>
+              <p:cNvPr id="48" name="ZoneTexte 47"/>
+              <p:cNvSpPr txBox="1"/>
+              <p:nvPr/>
+            </p:nvSpPr>
+            <p:spPr>
+              <a:xfrm>
+                <a:off x="3659161" y="2814111"/>
+                <a:ext cx="306366" cy="276999"/>
+              </a:xfrm>
+              <a:prstGeom prst="rect">
+                <a:avLst/>
+              </a:prstGeom>
+              <a:noFill/>
+            </p:spPr>
+            <p:txBody>
+              <a:bodyPr wrap="none" rtlCol="0">
+                <a:spAutoFit/>
+              </a:bodyPr>
+              <a:lstStyle/>
+              <a:p>
+                <a14:m>
+                  <m:oMathPara xmlns:m="http://schemas.openxmlformats.org/officeDocument/2006/math">
+                    <m:oMathParaPr>
+                      <m:jc m:val="centerGroup"/>
+                    </m:oMathParaPr>
+                    <m:oMath xmlns:m="http://schemas.openxmlformats.org/officeDocument/2006/math">
+                      <m:r>
+                        <a:rPr lang="fr-FR" sz="1200" b="0" i="1" smtClean="0">
+                          <a:latin typeface="Cambria Math"/>
+                        </a:rPr>
+                        <m:t>𝑥</m:t>
+                      </m:r>
+                    </m:oMath>
+                  </m:oMathPara>
+                </a14:m>
+                <a:endParaRPr lang="fr-FR" sz="1200" dirty="0"/>
+              </a:p>
+            </p:txBody>
+          </p:sp>
+        </mc:Choice>
+        <mc:Fallback>
+          <p:sp>
+            <p:nvSpPr>
+              <p:cNvPr id="48" name="ZoneTexte 47"/>
+              <p:cNvSpPr txBox="1">
+                <a:spLocks noRot="1" noChangeAspect="1" noMove="1" noResize="1" noEditPoints="1" noAdjustHandles="1" noChangeArrowheads="1" noChangeShapeType="1" noTextEdit="1"/>
+              </p:cNvSpPr>
+              <p:nvPr/>
+            </p:nvSpPr>
+            <p:spPr>
+              <a:xfrm>
+                <a:off x="3659161" y="2814111"/>
+                <a:ext cx="306366" cy="276999"/>
+              </a:xfrm>
+              <a:prstGeom prst="rect">
+                <a:avLst/>
+              </a:prstGeom>
+              <a:blipFill rotWithShape="1">
+                <a:blip r:embed="rId9"/>
                 <a:stretch>
                   <a:fillRect/>
                 </a:stretch>

--- a/Revisions_Statique/Fiche_01_Statique_2D_TD_01_Hayon/images/Figures.pptx
+++ b/Revisions_Statique/Fiche_01_Statique_2D_TD_01_Hayon/images/Figures.pptx
@@ -8,11 +8,12 @@
     <p:sldId id="263" r:id="rId2"/>
     <p:sldId id="264" r:id="rId3"/>
     <p:sldId id="256" r:id="rId4"/>
-    <p:sldId id="257" r:id="rId5"/>
-    <p:sldId id="261" r:id="rId6"/>
-    <p:sldId id="262" r:id="rId7"/>
-    <p:sldId id="259" r:id="rId8"/>
-    <p:sldId id="258" r:id="rId9"/>
+    <p:sldId id="265" r:id="rId5"/>
+    <p:sldId id="257" r:id="rId6"/>
+    <p:sldId id="261" r:id="rId7"/>
+    <p:sldId id="262" r:id="rId8"/>
+    <p:sldId id="259" r:id="rId9"/>
+    <p:sldId id="258" r:id="rId10"/>
   </p:sldIdLst>
   <p:sldSz cx="9144000" cy="6858000" type="screen4x3"/>
   <p:notesSz cx="6858000" cy="9144000"/>
@@ -295,7 +296,7 @@
           <a:p>
             <a:fld id="{AA309A6D-C09C-4548-B29A-6CF363A7E532}" type="datetimeFigureOut">
               <a:rPr lang="fr-FR" smtClean="0"/>
-              <a:t>20/04/2018</a:t>
+              <a:t>22/04/2018</a:t>
             </a:fld>
             <a:endParaRPr lang="fr-BE"/>
           </a:p>
@@ -460,7 +461,7 @@
           <a:p>
             <a:fld id="{AA309A6D-C09C-4548-B29A-6CF363A7E532}" type="datetimeFigureOut">
               <a:rPr lang="fr-FR" smtClean="0"/>
-              <a:t>20/04/2018</a:t>
+              <a:t>22/04/2018</a:t>
             </a:fld>
             <a:endParaRPr lang="fr-BE"/>
           </a:p>
@@ -635,7 +636,7 @@
           <a:p>
             <a:fld id="{AA309A6D-C09C-4548-B29A-6CF363A7E532}" type="datetimeFigureOut">
               <a:rPr lang="fr-FR" smtClean="0"/>
-              <a:t>20/04/2018</a:t>
+              <a:t>22/04/2018</a:t>
             </a:fld>
             <a:endParaRPr lang="fr-BE"/>
           </a:p>
@@ -800,7 +801,7 @@
           <a:p>
             <a:fld id="{AA309A6D-C09C-4548-B29A-6CF363A7E532}" type="datetimeFigureOut">
               <a:rPr lang="fr-FR" smtClean="0"/>
-              <a:t>20/04/2018</a:t>
+              <a:t>22/04/2018</a:t>
             </a:fld>
             <a:endParaRPr lang="fr-BE"/>
           </a:p>
@@ -1041,7 +1042,7 @@
           <a:p>
             <a:fld id="{AA309A6D-C09C-4548-B29A-6CF363A7E532}" type="datetimeFigureOut">
               <a:rPr lang="fr-FR" smtClean="0"/>
-              <a:t>20/04/2018</a:t>
+              <a:t>22/04/2018</a:t>
             </a:fld>
             <a:endParaRPr lang="fr-BE"/>
           </a:p>
@@ -1324,7 +1325,7 @@
           <a:p>
             <a:fld id="{AA309A6D-C09C-4548-B29A-6CF363A7E532}" type="datetimeFigureOut">
               <a:rPr lang="fr-FR" smtClean="0"/>
-              <a:t>20/04/2018</a:t>
+              <a:t>22/04/2018</a:t>
             </a:fld>
             <a:endParaRPr lang="fr-BE"/>
           </a:p>
@@ -1741,7 +1742,7 @@
           <a:p>
             <a:fld id="{AA309A6D-C09C-4548-B29A-6CF363A7E532}" type="datetimeFigureOut">
               <a:rPr lang="fr-FR" smtClean="0"/>
-              <a:t>20/04/2018</a:t>
+              <a:t>22/04/2018</a:t>
             </a:fld>
             <a:endParaRPr lang="fr-BE"/>
           </a:p>
@@ -1854,7 +1855,7 @@
           <a:p>
             <a:fld id="{AA309A6D-C09C-4548-B29A-6CF363A7E532}" type="datetimeFigureOut">
               <a:rPr lang="fr-FR" smtClean="0"/>
-              <a:t>20/04/2018</a:t>
+              <a:t>22/04/2018</a:t>
             </a:fld>
             <a:endParaRPr lang="fr-BE"/>
           </a:p>
@@ -1944,7 +1945,7 @@
           <a:p>
             <a:fld id="{AA309A6D-C09C-4548-B29A-6CF363A7E532}" type="datetimeFigureOut">
               <a:rPr lang="fr-FR" smtClean="0"/>
-              <a:t>20/04/2018</a:t>
+              <a:t>22/04/2018</a:t>
             </a:fld>
             <a:endParaRPr lang="fr-BE"/>
           </a:p>
@@ -2216,7 +2217,7 @@
           <a:p>
             <a:fld id="{AA309A6D-C09C-4548-B29A-6CF363A7E532}" type="datetimeFigureOut">
               <a:rPr lang="fr-FR" smtClean="0"/>
-              <a:t>20/04/2018</a:t>
+              <a:t>22/04/2018</a:t>
             </a:fld>
             <a:endParaRPr lang="fr-BE"/>
           </a:p>
@@ -2464,7 +2465,7 @@
           <a:p>
             <a:fld id="{AA309A6D-C09C-4548-B29A-6CF363A7E532}" type="datetimeFigureOut">
               <a:rPr lang="fr-FR" smtClean="0"/>
-              <a:t>20/04/2018</a:t>
+              <a:t>22/04/2018</a:t>
             </a:fld>
             <a:endParaRPr lang="fr-BE"/>
           </a:p>
@@ -2672,7 +2673,7 @@
           <a:p>
             <a:fld id="{AA309A6D-C09C-4548-B29A-6CF363A7E532}" type="datetimeFigureOut">
               <a:rPr lang="fr-FR" smtClean="0"/>
-              <a:t>20/04/2018</a:t>
+              <a:t>22/04/2018</a:t>
             </a:fld>
             <a:endParaRPr lang="fr-BE"/>
           </a:p>
@@ -3180,7 +3181,7 @@
           </a:stretch>
         </p:blipFill>
         <p:spPr bwMode="auto">
-          <a:xfrm>
+          <a:xfrm rot="3600000">
             <a:off x="3777727" y="2758480"/>
             <a:ext cx="1809750" cy="1085850"/>
           </a:xfrm>
@@ -3244,7 +3245,7 @@
           </a:stretch>
         </p:blipFill>
         <p:spPr bwMode="auto">
-          <a:xfrm>
+          <a:xfrm rot="3600000">
             <a:off x="5587477" y="2758480"/>
             <a:ext cx="1933575" cy="1085850"/>
           </a:xfrm>
@@ -3567,8 +3568,8 @@
           </a:p>
         </p:txBody>
       </p:sp>
-      <mc:AlternateContent xmlns:mc="http://schemas.openxmlformats.org/markup-compatibility/2006">
-        <mc:Choice xmlns:a14="http://schemas.microsoft.com/office/drawing/2010/main" Requires="a14">
+      <mc:AlternateContent xmlns:mc="http://schemas.openxmlformats.org/markup-compatibility/2006" xmlns:a14="http://schemas.microsoft.com/office/drawing/2010/main">
+        <mc:Choice Requires="a14">
           <p:sp>
             <p:nvSpPr>
               <p:cNvPr id="18" name="ZoneTexte 17"/>
@@ -3591,6 +3592,7 @@
               </a:bodyPr>
               <a:lstStyle/>
               <a:p>
+                <a:pPr/>
                 <a14:m>
                   <m:oMathPara xmlns:m="http://schemas.openxmlformats.org/officeDocument/2006/math">
                     <m:oMathParaPr>
@@ -3611,7 +3613,7 @@
             </p:txBody>
           </p:sp>
         </mc:Choice>
-        <mc:Fallback>
+        <mc:Fallback xmlns="">
           <p:sp>
             <p:nvSpPr>
               <p:cNvPr id="18" name="ZoneTexte 17"/>
@@ -3650,8 +3652,8 @@
           </p:sp>
         </mc:Fallback>
       </mc:AlternateContent>
-      <mc:AlternateContent xmlns:mc="http://schemas.openxmlformats.org/markup-compatibility/2006">
-        <mc:Choice xmlns:a14="http://schemas.microsoft.com/office/drawing/2010/main" Requires="a14">
+      <mc:AlternateContent xmlns:mc="http://schemas.openxmlformats.org/markup-compatibility/2006" xmlns:a14="http://schemas.microsoft.com/office/drawing/2010/main">
+        <mc:Choice Requires="a14">
           <p:sp>
             <p:nvSpPr>
               <p:cNvPr id="19" name="ZoneTexte 18"/>
@@ -3674,6 +3676,7 @@
               </a:bodyPr>
               <a:lstStyle/>
               <a:p>
+                <a:pPr/>
                 <a14:m>
                   <m:oMathPara xmlns:m="http://schemas.openxmlformats.org/officeDocument/2006/math">
                     <m:oMathParaPr>
@@ -3694,7 +3697,7 @@
             </p:txBody>
           </p:sp>
         </mc:Choice>
-        <mc:Fallback>
+        <mc:Fallback xmlns="">
           <p:sp>
             <p:nvSpPr>
               <p:cNvPr id="19" name="ZoneTexte 18"/>
@@ -3733,8 +3736,8 @@
           </p:sp>
         </mc:Fallback>
       </mc:AlternateContent>
-      <mc:AlternateContent xmlns:mc="http://schemas.openxmlformats.org/markup-compatibility/2006">
-        <mc:Choice xmlns:a14="http://schemas.microsoft.com/office/drawing/2010/main" Requires="a14">
+      <mc:AlternateContent xmlns:mc="http://schemas.openxmlformats.org/markup-compatibility/2006" xmlns:a14="http://schemas.microsoft.com/office/drawing/2010/main">
+        <mc:Choice Requires="a14">
           <p:sp>
             <p:nvSpPr>
               <p:cNvPr id="20" name="ZoneTexte 19"/>
@@ -3757,6 +3760,7 @@
               </a:bodyPr>
               <a:lstStyle/>
               <a:p>
+                <a:pPr/>
                 <a14:m>
                   <m:oMathPara xmlns:m="http://schemas.openxmlformats.org/officeDocument/2006/math">
                     <m:oMathParaPr>
@@ -3777,7 +3781,7 @@
             </p:txBody>
           </p:sp>
         </mc:Choice>
-        <mc:Fallback>
+        <mc:Fallback xmlns="">
           <p:sp>
             <p:nvSpPr>
               <p:cNvPr id="20" name="ZoneTexte 19"/>
@@ -3816,8 +3820,8 @@
           </p:sp>
         </mc:Fallback>
       </mc:AlternateContent>
-      <mc:AlternateContent xmlns:mc="http://schemas.openxmlformats.org/markup-compatibility/2006">
-        <mc:Choice xmlns:a14="http://schemas.microsoft.com/office/drawing/2010/main" Requires="a14">
+      <mc:AlternateContent xmlns:mc="http://schemas.openxmlformats.org/markup-compatibility/2006" xmlns:a14="http://schemas.microsoft.com/office/drawing/2010/main">
+        <mc:Choice Requires="a14">
           <p:sp>
             <p:nvSpPr>
               <p:cNvPr id="21" name="ZoneTexte 20"/>
@@ -3840,6 +3844,7 @@
               </a:bodyPr>
               <a:lstStyle/>
               <a:p>
+                <a:pPr/>
                 <a14:m>
                   <m:oMathPara xmlns:m="http://schemas.openxmlformats.org/officeDocument/2006/math">
                     <m:oMathParaPr>
@@ -3860,7 +3865,7 @@
             </p:txBody>
           </p:sp>
         </mc:Choice>
-        <mc:Fallback>
+        <mc:Fallback xmlns="">
           <p:sp>
             <p:nvSpPr>
               <p:cNvPr id="21" name="ZoneTexte 20"/>
@@ -4472,8 +4477,8 @@
           </a:p>
         </p:txBody>
       </p:sp>
-      <mc:AlternateContent xmlns:mc="http://schemas.openxmlformats.org/markup-compatibility/2006">
-        <mc:Choice xmlns:a14="http://schemas.microsoft.com/office/drawing/2010/main" Requires="a14">
+      <mc:AlternateContent xmlns:mc="http://schemas.openxmlformats.org/markup-compatibility/2006" xmlns:a14="http://schemas.microsoft.com/office/drawing/2010/main">
+        <mc:Choice Requires="a14">
           <p:sp>
             <p:nvSpPr>
               <p:cNvPr id="39" name="ZoneTexte 38"/>
@@ -4496,6 +4501,7 @@
               </a:bodyPr>
               <a:lstStyle/>
               <a:p>
+                <a:pPr/>
                 <a14:m>
                   <m:oMathPara xmlns:m="http://schemas.openxmlformats.org/officeDocument/2006/math">
                     <m:oMathParaPr>
@@ -4516,7 +4522,7 @@
             </p:txBody>
           </p:sp>
         </mc:Choice>
-        <mc:Fallback>
+        <mc:Fallback xmlns="">
           <p:sp>
             <p:nvSpPr>
               <p:cNvPr id="39" name="ZoneTexte 38"/>
@@ -4592,8 +4598,8 @@
           </a:fontRef>
         </p:style>
       </p:cxnSp>
-      <mc:AlternateContent xmlns:mc="http://schemas.openxmlformats.org/markup-compatibility/2006">
-        <mc:Choice xmlns:a14="http://schemas.microsoft.com/office/drawing/2010/main" Requires="a14">
+      <mc:AlternateContent xmlns:mc="http://schemas.openxmlformats.org/markup-compatibility/2006" xmlns:a14="http://schemas.microsoft.com/office/drawing/2010/main">
+        <mc:Choice Requires="a14">
           <p:sp>
             <p:nvSpPr>
               <p:cNvPr id="42" name="ZoneTexte 41"/>
@@ -4616,6 +4622,7 @@
               </a:bodyPr>
               <a:lstStyle/>
               <a:p>
+                <a:pPr/>
                 <a14:m>
                   <m:oMathPara xmlns:m="http://schemas.openxmlformats.org/officeDocument/2006/math">
                     <m:oMathParaPr>
@@ -4657,7 +4664,7 @@
             </p:txBody>
           </p:sp>
         </mc:Choice>
-        <mc:Fallback>
+        <mc:Fallback xmlns="">
           <p:sp>
             <p:nvSpPr>
               <p:cNvPr id="42" name="ZoneTexte 41"/>
@@ -4696,8 +4703,8 @@
           </p:sp>
         </mc:Fallback>
       </mc:AlternateContent>
-      <mc:AlternateContent xmlns:mc="http://schemas.openxmlformats.org/markup-compatibility/2006">
-        <mc:Choice xmlns:a14="http://schemas.microsoft.com/office/drawing/2010/main" Requires="a14">
+      <mc:AlternateContent xmlns:mc="http://schemas.openxmlformats.org/markup-compatibility/2006" xmlns:a14="http://schemas.microsoft.com/office/drawing/2010/main">
+        <mc:Choice Requires="a14">
           <p:sp>
             <p:nvSpPr>
               <p:cNvPr id="43" name="ZoneTexte 42"/>
@@ -4720,6 +4727,7 @@
               </a:bodyPr>
               <a:lstStyle/>
               <a:p>
+                <a:pPr/>
                 <a14:m>
                   <m:oMathPara xmlns:m="http://schemas.openxmlformats.org/officeDocument/2006/math">
                     <m:oMathParaPr>
@@ -4761,7 +4769,7 @@
             </p:txBody>
           </p:sp>
         </mc:Choice>
-        <mc:Fallback>
+        <mc:Fallback xmlns="">
           <p:sp>
             <p:nvSpPr>
               <p:cNvPr id="43" name="ZoneTexte 42"/>
@@ -4848,8 +4856,8 @@
           </a:p>
         </p:txBody>
       </p:sp>
-      <mc:AlternateContent xmlns:mc="http://schemas.openxmlformats.org/markup-compatibility/2006">
-        <mc:Choice xmlns:a14="http://schemas.microsoft.com/office/drawing/2010/main" Requires="a14">
+      <mc:AlternateContent xmlns:mc="http://schemas.openxmlformats.org/markup-compatibility/2006" xmlns:a14="http://schemas.microsoft.com/office/drawing/2010/main">
+        <mc:Choice Requires="a14">
           <p:sp>
             <p:nvSpPr>
               <p:cNvPr id="45" name="ZoneTexte 44"/>
@@ -4872,6 +4880,7 @@
               </a:bodyPr>
               <a:lstStyle/>
               <a:p>
+                <a:pPr/>
                 <a14:m>
                   <m:oMathPara xmlns:m="http://schemas.openxmlformats.org/officeDocument/2006/math">
                     <m:oMathParaPr>
@@ -4892,7 +4901,7 @@
             </p:txBody>
           </p:sp>
         </mc:Choice>
-        <mc:Fallback>
+        <mc:Fallback xmlns="">
           <p:sp>
             <p:nvSpPr>
               <p:cNvPr id="45" name="ZoneTexte 44"/>
@@ -4968,8 +4977,8 @@
           </a:fontRef>
         </p:style>
       </p:cxnSp>
-      <mc:AlternateContent xmlns:mc="http://schemas.openxmlformats.org/markup-compatibility/2006">
-        <mc:Choice xmlns:a14="http://schemas.microsoft.com/office/drawing/2010/main" Requires="a14">
+      <mc:AlternateContent xmlns:mc="http://schemas.openxmlformats.org/markup-compatibility/2006" xmlns:a14="http://schemas.microsoft.com/office/drawing/2010/main">
+        <mc:Choice Requires="a14">
           <p:sp>
             <p:nvSpPr>
               <p:cNvPr id="48" name="ZoneTexte 47"/>
@@ -4992,6 +5001,7 @@
               </a:bodyPr>
               <a:lstStyle/>
               <a:p>
+                <a:pPr/>
                 <a14:m>
                   <m:oMathPara xmlns:m="http://schemas.openxmlformats.org/officeDocument/2006/math">
                     <m:oMathParaPr>
@@ -5012,7 +5022,7 @@
             </p:txBody>
           </p:sp>
         </mc:Choice>
-        <mc:Fallback>
+        <mc:Fallback xmlns="">
           <p:sp>
             <p:nvSpPr>
               <p:cNvPr id="48" name="ZoneTexte 47"/>
@@ -5065,6 +5075,1603 @@
 </file>
 
 <file path=ppt/slides/slide3.xml><?xml version="1.0" encoding="utf-8"?>
+<p:sld xmlns:a="http://schemas.openxmlformats.org/drawingml/2006/main" xmlns:r="http://schemas.openxmlformats.org/officeDocument/2006/relationships" xmlns:p="http://schemas.openxmlformats.org/presentationml/2006/main">
+  <p:cSld>
+    <p:spTree>
+      <p:nvGrpSpPr>
+        <p:cNvPr id="1" name=""/>
+        <p:cNvGrpSpPr/>
+        <p:nvPr/>
+      </p:nvGrpSpPr>
+      <p:grpSpPr>
+        <a:xfrm>
+          <a:off x="0" y="0"/>
+          <a:ext cx="0" cy="0"/>
+          <a:chOff x="0" y="0"/>
+          <a:chExt cx="0" cy="0"/>
+        </a:xfrm>
+      </p:grpSpPr>
+      <p:grpSp>
+        <p:nvGrpSpPr>
+          <p:cNvPr id="55" name="Groupe 54"/>
+          <p:cNvGrpSpPr/>
+          <p:nvPr/>
+        </p:nvGrpSpPr>
+        <p:grpSpPr>
+          <a:xfrm rot="19800000">
+            <a:off x="2903584" y="1137340"/>
+            <a:ext cx="720080" cy="720080"/>
+            <a:chOff x="971600" y="1268760"/>
+            <a:chExt cx="720080" cy="720080"/>
+          </a:xfrm>
+        </p:grpSpPr>
+        <p:cxnSp>
+          <p:nvCxnSpPr>
+            <p:cNvPr id="56" name="Connecteur droit avec flèche 55"/>
+            <p:cNvCxnSpPr/>
+            <p:nvPr/>
+          </p:nvCxnSpPr>
+          <p:spPr>
+            <a:xfrm flipV="1">
+              <a:off x="971600" y="1268760"/>
+              <a:ext cx="0" cy="720080"/>
+            </a:xfrm>
+            <a:prstGeom prst="straightConnector1">
+              <a:avLst/>
+            </a:prstGeom>
+            <a:ln w="19050">
+              <a:solidFill>
+                <a:schemeClr val="accent4"/>
+              </a:solidFill>
+              <a:tailEnd type="stealth" w="med" len="lg"/>
+            </a:ln>
+          </p:spPr>
+          <p:style>
+            <a:lnRef idx="1">
+              <a:schemeClr val="accent1"/>
+            </a:lnRef>
+            <a:fillRef idx="0">
+              <a:schemeClr val="accent1"/>
+            </a:fillRef>
+            <a:effectRef idx="0">
+              <a:schemeClr val="accent1"/>
+            </a:effectRef>
+            <a:fontRef idx="minor">
+              <a:schemeClr val="tx1"/>
+            </a:fontRef>
+          </p:style>
+        </p:cxnSp>
+        <p:cxnSp>
+          <p:nvCxnSpPr>
+            <p:cNvPr id="57" name="Connecteur droit avec flèche 56"/>
+            <p:cNvCxnSpPr/>
+            <p:nvPr/>
+          </p:nvCxnSpPr>
+          <p:spPr>
+            <a:xfrm rot="5400000" flipV="1">
+              <a:off x="1331640" y="1628800"/>
+              <a:ext cx="0" cy="720080"/>
+            </a:xfrm>
+            <a:prstGeom prst="straightConnector1">
+              <a:avLst/>
+            </a:prstGeom>
+            <a:ln w="19050">
+              <a:solidFill>
+                <a:schemeClr val="accent4"/>
+              </a:solidFill>
+              <a:tailEnd type="stealth" w="med" len="lg"/>
+            </a:ln>
+          </p:spPr>
+          <p:style>
+            <a:lnRef idx="1">
+              <a:schemeClr val="accent1"/>
+            </a:lnRef>
+            <a:fillRef idx="0">
+              <a:schemeClr val="accent1"/>
+            </a:fillRef>
+            <a:effectRef idx="0">
+              <a:schemeClr val="accent1"/>
+            </a:effectRef>
+            <a:fontRef idx="minor">
+              <a:schemeClr val="tx1"/>
+            </a:fontRef>
+          </p:style>
+        </p:cxnSp>
+      </p:grpSp>
+      <p:grpSp>
+        <p:nvGrpSpPr>
+          <p:cNvPr id="34" name="Groupe 33"/>
+          <p:cNvGrpSpPr/>
+          <p:nvPr/>
+        </p:nvGrpSpPr>
+        <p:grpSpPr>
+          <a:xfrm>
+            <a:off x="3131840" y="1268760"/>
+            <a:ext cx="720080" cy="720080"/>
+            <a:chOff x="971600" y="1268760"/>
+            <a:chExt cx="720080" cy="720080"/>
+          </a:xfrm>
+        </p:grpSpPr>
+        <p:cxnSp>
+          <p:nvCxnSpPr>
+            <p:cNvPr id="42" name="Connecteur droit avec flèche 41"/>
+            <p:cNvCxnSpPr/>
+            <p:nvPr/>
+          </p:nvCxnSpPr>
+          <p:spPr>
+            <a:xfrm flipV="1">
+              <a:off x="971600" y="1268760"/>
+              <a:ext cx="0" cy="720080"/>
+            </a:xfrm>
+            <a:prstGeom prst="straightConnector1">
+              <a:avLst/>
+            </a:prstGeom>
+            <a:ln w="19050">
+              <a:solidFill>
+                <a:schemeClr val="tx1"/>
+              </a:solidFill>
+              <a:tailEnd type="stealth" w="med" len="lg"/>
+            </a:ln>
+          </p:spPr>
+          <p:style>
+            <a:lnRef idx="1">
+              <a:schemeClr val="accent1"/>
+            </a:lnRef>
+            <a:fillRef idx="0">
+              <a:schemeClr val="accent1"/>
+            </a:fillRef>
+            <a:effectRef idx="0">
+              <a:schemeClr val="accent1"/>
+            </a:effectRef>
+            <a:fontRef idx="minor">
+              <a:schemeClr val="tx1"/>
+            </a:fontRef>
+          </p:style>
+        </p:cxnSp>
+        <p:cxnSp>
+          <p:nvCxnSpPr>
+            <p:cNvPr id="43" name="Connecteur droit avec flèche 42"/>
+            <p:cNvCxnSpPr/>
+            <p:nvPr/>
+          </p:nvCxnSpPr>
+          <p:spPr>
+            <a:xfrm rot="5400000" flipV="1">
+              <a:off x="1331640" y="1628800"/>
+              <a:ext cx="0" cy="720080"/>
+            </a:xfrm>
+            <a:prstGeom prst="straightConnector1">
+              <a:avLst/>
+            </a:prstGeom>
+            <a:ln w="19050">
+              <a:solidFill>
+                <a:schemeClr val="tx1"/>
+              </a:solidFill>
+              <a:tailEnd type="stealth" w="med" len="lg"/>
+            </a:ln>
+          </p:spPr>
+          <p:style>
+            <a:lnRef idx="1">
+              <a:schemeClr val="accent1"/>
+            </a:lnRef>
+            <a:fillRef idx="0">
+              <a:schemeClr val="accent1"/>
+            </a:fillRef>
+            <a:effectRef idx="0">
+              <a:schemeClr val="accent1"/>
+            </a:effectRef>
+            <a:fontRef idx="minor">
+              <a:schemeClr val="tx1"/>
+            </a:fontRef>
+          </p:style>
+        </p:cxnSp>
+      </p:grpSp>
+      <p:grpSp>
+        <p:nvGrpSpPr>
+          <p:cNvPr id="35" name="Groupe 34"/>
+          <p:cNvGrpSpPr/>
+          <p:nvPr/>
+        </p:nvGrpSpPr>
+        <p:grpSpPr>
+          <a:xfrm rot="20700000">
+            <a:off x="3021012" y="1187843"/>
+            <a:ext cx="720080" cy="720080"/>
+            <a:chOff x="971600" y="1268760"/>
+            <a:chExt cx="720080" cy="720080"/>
+          </a:xfrm>
+        </p:grpSpPr>
+        <p:cxnSp>
+          <p:nvCxnSpPr>
+            <p:cNvPr id="40" name="Connecteur droit avec flèche 39"/>
+            <p:cNvCxnSpPr/>
+            <p:nvPr/>
+          </p:nvCxnSpPr>
+          <p:spPr>
+            <a:xfrm flipV="1">
+              <a:off x="971600" y="1268760"/>
+              <a:ext cx="0" cy="720080"/>
+            </a:xfrm>
+            <a:prstGeom prst="straightConnector1">
+              <a:avLst/>
+            </a:prstGeom>
+            <a:ln w="19050">
+              <a:solidFill>
+                <a:srgbClr val="C00000"/>
+              </a:solidFill>
+              <a:tailEnd type="stealth" w="med" len="lg"/>
+            </a:ln>
+          </p:spPr>
+          <p:style>
+            <a:lnRef idx="1">
+              <a:schemeClr val="accent1"/>
+            </a:lnRef>
+            <a:fillRef idx="0">
+              <a:schemeClr val="accent1"/>
+            </a:fillRef>
+            <a:effectRef idx="0">
+              <a:schemeClr val="accent1"/>
+            </a:effectRef>
+            <a:fontRef idx="minor">
+              <a:schemeClr val="tx1"/>
+            </a:fontRef>
+          </p:style>
+        </p:cxnSp>
+        <p:cxnSp>
+          <p:nvCxnSpPr>
+            <p:cNvPr id="41" name="Connecteur droit avec flèche 40"/>
+            <p:cNvCxnSpPr/>
+            <p:nvPr/>
+          </p:nvCxnSpPr>
+          <p:spPr>
+            <a:xfrm rot="5400000" flipV="1">
+              <a:off x="1331640" y="1628800"/>
+              <a:ext cx="0" cy="720080"/>
+            </a:xfrm>
+            <a:prstGeom prst="straightConnector1">
+              <a:avLst/>
+            </a:prstGeom>
+            <a:ln w="19050">
+              <a:solidFill>
+                <a:srgbClr val="C00000"/>
+              </a:solidFill>
+              <a:tailEnd type="stealth" w="med" len="lg"/>
+            </a:ln>
+          </p:spPr>
+          <p:style>
+            <a:lnRef idx="1">
+              <a:schemeClr val="accent1"/>
+            </a:lnRef>
+            <a:fillRef idx="0">
+              <a:schemeClr val="accent1"/>
+            </a:fillRef>
+            <a:effectRef idx="0">
+              <a:schemeClr val="accent1"/>
+            </a:effectRef>
+            <a:fontRef idx="minor">
+              <a:schemeClr val="tx1"/>
+            </a:fontRef>
+          </p:style>
+        </p:cxnSp>
+      </p:grpSp>
+      <p:sp>
+        <p:nvSpPr>
+          <p:cNvPr id="36" name="Arc 35"/>
+          <p:cNvSpPr/>
+          <p:nvPr/>
+        </p:nvSpPr>
+        <p:spPr>
+          <a:xfrm>
+            <a:off x="2555776" y="1412777"/>
+            <a:ext cx="1152128" cy="1152128"/>
+          </a:xfrm>
+          <a:prstGeom prst="arc">
+            <a:avLst>
+              <a:gd name="adj1" fmla="val 20787483"/>
+              <a:gd name="adj2" fmla="val 21510070"/>
+            </a:avLst>
+          </a:prstGeom>
+          <a:ln>
+            <a:solidFill>
+              <a:srgbClr val="002060"/>
+            </a:solidFill>
+            <a:headEnd type="stealth" w="sm" len="med"/>
+          </a:ln>
+        </p:spPr>
+        <p:style>
+          <a:lnRef idx="1">
+            <a:schemeClr val="accent1"/>
+          </a:lnRef>
+          <a:fillRef idx="0">
+            <a:schemeClr val="accent1"/>
+          </a:fillRef>
+          <a:effectRef idx="0">
+            <a:schemeClr val="accent1"/>
+          </a:effectRef>
+          <a:fontRef idx="minor">
+            <a:schemeClr val="tx1"/>
+          </a:fontRef>
+        </p:style>
+        <p:txBody>
+          <a:bodyPr rtlCol="0" anchor="ctr"/>
+          <a:lstStyle/>
+          <a:p>
+            <a:pPr algn="ctr"/>
+            <a:endParaRPr lang="fr-FR"/>
+          </a:p>
+        </p:txBody>
+      </p:sp>
+      <p:grpSp>
+        <p:nvGrpSpPr>
+          <p:cNvPr id="37" name="Groupe 36"/>
+          <p:cNvGrpSpPr/>
+          <p:nvPr/>
+        </p:nvGrpSpPr>
+        <p:grpSpPr>
+          <a:xfrm>
+            <a:off x="3077840" y="1934841"/>
+            <a:ext cx="108000" cy="108000"/>
+            <a:chOff x="899592" y="1916833"/>
+            <a:chExt cx="108000" cy="108000"/>
+          </a:xfrm>
+        </p:grpSpPr>
+        <p:sp>
+          <p:nvSpPr>
+            <p:cNvPr id="38" name="Ellipse 37"/>
+            <p:cNvSpPr/>
+            <p:nvPr/>
+          </p:nvSpPr>
+          <p:spPr>
+            <a:xfrm>
+              <a:off x="899592" y="1916833"/>
+              <a:ext cx="108000" cy="108000"/>
+            </a:xfrm>
+            <a:prstGeom prst="ellipse">
+              <a:avLst/>
+            </a:prstGeom>
+            <a:solidFill>
+              <a:schemeClr val="bg1"/>
+            </a:solidFill>
+            <a:ln w="12700">
+              <a:solidFill>
+                <a:schemeClr val="tx1"/>
+              </a:solidFill>
+            </a:ln>
+          </p:spPr>
+          <p:style>
+            <a:lnRef idx="2">
+              <a:schemeClr val="accent1">
+                <a:shade val="50000"/>
+              </a:schemeClr>
+            </a:lnRef>
+            <a:fillRef idx="1">
+              <a:schemeClr val="accent1"/>
+            </a:fillRef>
+            <a:effectRef idx="0">
+              <a:schemeClr val="accent1"/>
+            </a:effectRef>
+            <a:fontRef idx="minor">
+              <a:schemeClr val="lt1"/>
+            </a:fontRef>
+          </p:style>
+          <p:txBody>
+            <a:bodyPr rtlCol="0" anchor="ctr"/>
+            <a:lstStyle/>
+            <a:p>
+              <a:pPr algn="ctr"/>
+              <a:endParaRPr lang="fr-FR"/>
+            </a:p>
+          </p:txBody>
+        </p:sp>
+        <p:sp>
+          <p:nvSpPr>
+            <p:cNvPr id="39" name="Ellipse 38"/>
+            <p:cNvSpPr/>
+            <p:nvPr/>
+          </p:nvSpPr>
+          <p:spPr>
+            <a:xfrm flipV="1">
+              <a:off x="935592" y="1952833"/>
+              <a:ext cx="36000" cy="36000"/>
+            </a:xfrm>
+            <a:prstGeom prst="ellipse">
+              <a:avLst/>
+            </a:prstGeom>
+            <a:solidFill>
+              <a:schemeClr val="tx1"/>
+            </a:solidFill>
+            <a:ln w="12700">
+              <a:solidFill>
+                <a:schemeClr val="tx1"/>
+              </a:solidFill>
+            </a:ln>
+          </p:spPr>
+          <p:style>
+            <a:lnRef idx="2">
+              <a:schemeClr val="accent1">
+                <a:shade val="50000"/>
+              </a:schemeClr>
+            </a:lnRef>
+            <a:fillRef idx="1">
+              <a:schemeClr val="accent1"/>
+            </a:fillRef>
+            <a:effectRef idx="0">
+              <a:schemeClr val="accent1"/>
+            </a:effectRef>
+            <a:fontRef idx="minor">
+              <a:schemeClr val="lt1"/>
+            </a:fontRef>
+          </p:style>
+          <p:txBody>
+            <a:bodyPr rtlCol="0" anchor="ctr"/>
+            <a:lstStyle/>
+            <a:p>
+              <a:pPr algn="ctr"/>
+              <a:endParaRPr lang="fr-FR"/>
+            </a:p>
+          </p:txBody>
+        </p:sp>
+      </p:grpSp>
+      <mc:AlternateContent xmlns:mc="http://schemas.openxmlformats.org/markup-compatibility/2006">
+        <mc:Choice xmlns:a14="http://schemas.microsoft.com/office/drawing/2010/main" Requires="a14">
+          <p:sp>
+            <p:nvSpPr>
+              <p:cNvPr id="73" name="ZoneTexte 72"/>
+              <p:cNvSpPr txBox="1"/>
+              <p:nvPr/>
+            </p:nvSpPr>
+            <p:spPr>
+              <a:xfrm>
+                <a:off x="3755448" y="1783159"/>
+                <a:ext cx="289438" cy="246221"/>
+              </a:xfrm>
+              <a:prstGeom prst="rect">
+                <a:avLst/>
+              </a:prstGeom>
+              <a:noFill/>
+            </p:spPr>
+            <p:txBody>
+              <a:bodyPr wrap="none" rtlCol="0">
+                <a:spAutoFit/>
+              </a:bodyPr>
+              <a:lstStyle/>
+              <a:p>
+                <a:pPr/>
+                <a14:m>
+                  <m:oMathPara xmlns:m="http://schemas.openxmlformats.org/officeDocument/2006/math">
+                    <m:oMathParaPr>
+                      <m:jc m:val="centerGroup"/>
+                    </m:oMathParaPr>
+                    <m:oMath xmlns:m="http://schemas.openxmlformats.org/officeDocument/2006/math">
+                      <m:r>
+                        <a:rPr lang="fr-FR" sz="1000" b="0" i="1" smtClean="0">
+                          <a:latin typeface="Cambria Math"/>
+                        </a:rPr>
+                        <m:t>𝜃</m:t>
+                      </m:r>
+                    </m:oMath>
+                  </m:oMathPara>
+                </a14:m>
+                <a:endParaRPr lang="fr-FR" sz="1000" dirty="0"/>
+              </a:p>
+            </p:txBody>
+          </p:sp>
+        </mc:Choice>
+        <mc:Fallback>
+          <p:sp>
+            <p:nvSpPr>
+              <p:cNvPr id="73" name="ZoneTexte 72"/>
+              <p:cNvSpPr txBox="1">
+                <a:spLocks noRot="1" noChangeAspect="1" noMove="1" noResize="1" noEditPoints="1" noAdjustHandles="1" noChangeArrowheads="1" noChangeShapeType="1" noTextEdit="1"/>
+              </p:cNvSpPr>
+              <p:nvPr/>
+            </p:nvSpPr>
+            <p:spPr>
+              <a:xfrm>
+                <a:off x="3755448" y="1783159"/>
+                <a:ext cx="289438" cy="246221"/>
+              </a:xfrm>
+              <a:prstGeom prst="rect">
+                <a:avLst/>
+              </a:prstGeom>
+              <a:blipFill rotWithShape="1">
+                <a:blip r:embed="rId2"/>
+                <a:stretch>
+                  <a:fillRect/>
+                </a:stretch>
+              </a:blipFill>
+            </p:spPr>
+            <p:txBody>
+              <a:bodyPr/>
+              <a:lstStyle/>
+              <a:p>
+                <a:r>
+                  <a:rPr lang="fr-FR">
+                    <a:noFill/>
+                  </a:rPr>
+                  <a:t> </a:t>
+                </a:r>
+              </a:p>
+            </p:txBody>
+          </p:sp>
+        </mc:Fallback>
+      </mc:AlternateContent>
+      <p:sp>
+        <p:nvSpPr>
+          <p:cNvPr id="74" name="Arc 73"/>
+          <p:cNvSpPr/>
+          <p:nvPr/>
+        </p:nvSpPr>
+        <p:spPr>
+          <a:xfrm>
+            <a:off x="2699792" y="1556792"/>
+            <a:ext cx="864096" cy="864096"/>
+          </a:xfrm>
+          <a:prstGeom prst="arc">
+            <a:avLst>
+              <a:gd name="adj1" fmla="val 19832481"/>
+              <a:gd name="adj2" fmla="val 21411076"/>
+            </a:avLst>
+          </a:prstGeom>
+          <a:ln>
+            <a:solidFill>
+              <a:srgbClr val="002060"/>
+            </a:solidFill>
+            <a:headEnd type="stealth" w="sm" len="med"/>
+          </a:ln>
+        </p:spPr>
+        <p:style>
+          <a:lnRef idx="1">
+            <a:schemeClr val="accent1"/>
+          </a:lnRef>
+          <a:fillRef idx="0">
+            <a:schemeClr val="accent1"/>
+          </a:fillRef>
+          <a:effectRef idx="0">
+            <a:schemeClr val="accent1"/>
+          </a:effectRef>
+          <a:fontRef idx="minor">
+            <a:schemeClr val="tx1"/>
+          </a:fontRef>
+        </p:style>
+        <p:txBody>
+          <a:bodyPr rtlCol="0" anchor="ctr"/>
+          <a:lstStyle/>
+          <a:p>
+            <a:pPr algn="ctr"/>
+            <a:endParaRPr lang="fr-FR"/>
+          </a:p>
+        </p:txBody>
+      </p:sp>
+      <mc:AlternateContent xmlns:mc="http://schemas.openxmlformats.org/markup-compatibility/2006">
+        <mc:Choice xmlns:a14="http://schemas.microsoft.com/office/drawing/2010/main" Requires="a14">
+          <p:sp>
+            <p:nvSpPr>
+              <p:cNvPr id="76" name="ZoneTexte 75"/>
+              <p:cNvSpPr txBox="1"/>
+              <p:nvPr/>
+            </p:nvSpPr>
+            <p:spPr>
+              <a:xfrm>
+                <a:off x="3774662" y="1895655"/>
+                <a:ext cx="330668" cy="246221"/>
+              </a:xfrm>
+              <a:prstGeom prst="rect">
+                <a:avLst/>
+              </a:prstGeom>
+              <a:noFill/>
+            </p:spPr>
+            <p:txBody>
+              <a:bodyPr wrap="none" rtlCol="0">
+                <a:spAutoFit/>
+              </a:bodyPr>
+              <a:lstStyle/>
+              <a:p>
+                <a:pPr/>
+                <a14:m>
+                  <m:oMathPara xmlns:m="http://schemas.openxmlformats.org/officeDocument/2006/math">
+                    <m:oMathParaPr>
+                      <m:jc m:val="centerGroup"/>
+                    </m:oMathParaPr>
+                    <m:oMath xmlns:m="http://schemas.openxmlformats.org/officeDocument/2006/math">
+                      <m:acc>
+                        <m:accPr>
+                          <m:chr m:val="⃗"/>
+                          <m:ctrlPr>
+                            <a:rPr lang="fr-FR" sz="1000" b="0" i="1" smtClean="0">
+                              <a:latin typeface="Cambria Math"/>
+                            </a:rPr>
+                          </m:ctrlPr>
+                        </m:accPr>
+                        <m:e>
+                          <m:sSub>
+                            <m:sSubPr>
+                              <m:ctrlPr>
+                                <a:rPr lang="fr-FR" sz="1000" i="1">
+                                  <a:latin typeface="Cambria Math"/>
+                                </a:rPr>
+                              </m:ctrlPr>
+                            </m:sSubPr>
+                            <m:e>
+                              <m:r>
+                                <a:rPr lang="fr-FR" sz="1000" b="0" i="1" smtClean="0">
+                                  <a:latin typeface="Cambria Math"/>
+                                </a:rPr>
+                                <m:t>𝑥</m:t>
+                              </m:r>
+                            </m:e>
+                            <m:sub>
+                              <m:r>
+                                <a:rPr lang="fr-FR" sz="1000" b="0" i="1" smtClean="0">
+                                  <a:latin typeface="Cambria Math"/>
+                                </a:rPr>
+                                <m:t>𝑡</m:t>
+                              </m:r>
+                            </m:sub>
+                          </m:sSub>
+                        </m:e>
+                      </m:acc>
+                    </m:oMath>
+                  </m:oMathPara>
+                </a14:m>
+                <a:endParaRPr lang="fr-FR" sz="1000" dirty="0"/>
+              </a:p>
+            </p:txBody>
+          </p:sp>
+        </mc:Choice>
+        <mc:Fallback>
+          <p:sp>
+            <p:nvSpPr>
+              <p:cNvPr id="76" name="ZoneTexte 75"/>
+              <p:cNvSpPr txBox="1">
+                <a:spLocks noRot="1" noChangeAspect="1" noMove="1" noResize="1" noEditPoints="1" noAdjustHandles="1" noChangeArrowheads="1" noChangeShapeType="1" noTextEdit="1"/>
+              </p:cNvSpPr>
+              <p:nvPr/>
+            </p:nvSpPr>
+            <p:spPr>
+              <a:xfrm>
+                <a:off x="3774662" y="1895655"/>
+                <a:ext cx="330668" cy="246221"/>
+              </a:xfrm>
+              <a:prstGeom prst="rect">
+                <a:avLst/>
+              </a:prstGeom>
+              <a:blipFill rotWithShape="1">
+                <a:blip r:embed="rId3"/>
+                <a:stretch>
+                  <a:fillRect/>
+                </a:stretch>
+              </a:blipFill>
+            </p:spPr>
+            <p:txBody>
+              <a:bodyPr/>
+              <a:lstStyle/>
+              <a:p>
+                <a:r>
+                  <a:rPr lang="fr-FR">
+                    <a:noFill/>
+                  </a:rPr>
+                  <a:t> </a:t>
+                </a:r>
+              </a:p>
+            </p:txBody>
+          </p:sp>
+        </mc:Fallback>
+      </mc:AlternateContent>
+      <mc:AlternateContent xmlns:mc="http://schemas.openxmlformats.org/markup-compatibility/2006">
+        <mc:Choice xmlns:a14="http://schemas.microsoft.com/office/drawing/2010/main" Requires="a14">
+          <p:sp>
+            <p:nvSpPr>
+              <p:cNvPr id="77" name="ZoneTexte 76"/>
+              <p:cNvSpPr txBox="1"/>
+              <p:nvPr/>
+            </p:nvSpPr>
+            <p:spPr>
+              <a:xfrm>
+                <a:off x="2975948" y="2052291"/>
+                <a:ext cx="301813" cy="215444"/>
+              </a:xfrm>
+              <a:prstGeom prst="rect">
+                <a:avLst/>
+              </a:prstGeom>
+              <a:noFill/>
+            </p:spPr>
+            <p:txBody>
+              <a:bodyPr wrap="none" rtlCol="0">
+                <a:spAutoFit/>
+              </a:bodyPr>
+              <a:lstStyle/>
+              <a:p>
+                <a:pPr/>
+                <a14:m>
+                  <m:oMathPara xmlns:m="http://schemas.openxmlformats.org/officeDocument/2006/math">
+                    <m:oMathParaPr>
+                      <m:jc m:val="centerGroup"/>
+                    </m:oMathParaPr>
+                    <m:oMath xmlns:m="http://schemas.openxmlformats.org/officeDocument/2006/math">
+                      <m:acc>
+                        <m:accPr>
+                          <m:chr m:val="⃗"/>
+                          <m:ctrlPr>
+                            <a:rPr lang="fr-FR" sz="800" b="0" i="1" smtClean="0">
+                              <a:latin typeface="Cambria Math"/>
+                            </a:rPr>
+                          </m:ctrlPr>
+                        </m:accPr>
+                        <m:e>
+                          <m:sSub>
+                            <m:sSubPr>
+                              <m:ctrlPr>
+                                <a:rPr lang="fr-FR" sz="800" i="1">
+                                  <a:latin typeface="Cambria Math"/>
+                                </a:rPr>
+                              </m:ctrlPr>
+                            </m:sSubPr>
+                            <m:e>
+                              <m:r>
+                                <a:rPr lang="fr-FR" sz="800" b="0" i="1" smtClean="0">
+                                  <a:latin typeface="Cambria Math"/>
+                                </a:rPr>
+                                <m:t>𝑧</m:t>
+                              </m:r>
+                            </m:e>
+                            <m:sub>
+                              <m:r>
+                                <a:rPr lang="fr-FR" sz="800" b="0" i="1" smtClean="0">
+                                  <a:latin typeface="Cambria Math"/>
+                                </a:rPr>
+                                <m:t>0</m:t>
+                              </m:r>
+                            </m:sub>
+                          </m:sSub>
+                        </m:e>
+                      </m:acc>
+                    </m:oMath>
+                  </m:oMathPara>
+                </a14:m>
+                <a:endParaRPr lang="fr-FR" sz="800" dirty="0"/>
+              </a:p>
+            </p:txBody>
+          </p:sp>
+        </mc:Choice>
+        <mc:Fallback>
+          <p:sp>
+            <p:nvSpPr>
+              <p:cNvPr id="77" name="ZoneTexte 76"/>
+              <p:cNvSpPr txBox="1">
+                <a:spLocks noRot="1" noChangeAspect="1" noMove="1" noResize="1" noEditPoints="1" noAdjustHandles="1" noChangeArrowheads="1" noChangeShapeType="1" noTextEdit="1"/>
+              </p:cNvSpPr>
+              <p:nvPr/>
+            </p:nvSpPr>
+            <p:spPr>
+              <a:xfrm>
+                <a:off x="2975948" y="2052291"/>
+                <a:ext cx="301813" cy="215444"/>
+              </a:xfrm>
+              <a:prstGeom prst="rect">
+                <a:avLst/>
+              </a:prstGeom>
+              <a:blipFill rotWithShape="1">
+                <a:blip r:embed="rId4"/>
+                <a:stretch>
+                  <a:fillRect/>
+                </a:stretch>
+              </a:blipFill>
+            </p:spPr>
+            <p:txBody>
+              <a:bodyPr/>
+              <a:lstStyle/>
+              <a:p>
+                <a:r>
+                  <a:rPr lang="fr-FR">
+                    <a:noFill/>
+                  </a:rPr>
+                  <a:t> </a:t>
+                </a:r>
+              </a:p>
+            </p:txBody>
+          </p:sp>
+        </mc:Fallback>
+      </mc:AlternateContent>
+      <mc:AlternateContent xmlns:mc="http://schemas.openxmlformats.org/markup-compatibility/2006">
+        <mc:Choice xmlns:a14="http://schemas.microsoft.com/office/drawing/2010/main" Requires="a14">
+          <p:sp>
+            <p:nvSpPr>
+              <p:cNvPr id="78" name="ZoneTexte 77"/>
+              <p:cNvSpPr txBox="1"/>
+              <p:nvPr/>
+            </p:nvSpPr>
+            <p:spPr>
+              <a:xfrm>
+                <a:off x="3713842" y="1604818"/>
+                <a:ext cx="346953" cy="258084"/>
+              </a:xfrm>
+              <a:prstGeom prst="rect">
+                <a:avLst/>
+              </a:prstGeom>
+              <a:noFill/>
+            </p:spPr>
+            <p:txBody>
+              <a:bodyPr wrap="none" rtlCol="0">
+                <a:spAutoFit/>
+              </a:bodyPr>
+              <a:lstStyle/>
+              <a:p>
+                <a:pPr/>
+                <a14:m>
+                  <m:oMathPara xmlns:m="http://schemas.openxmlformats.org/officeDocument/2006/math">
+                    <m:oMathParaPr>
+                      <m:jc m:val="centerGroup"/>
+                    </m:oMathParaPr>
+                    <m:oMath xmlns:m="http://schemas.openxmlformats.org/officeDocument/2006/math">
+                      <m:acc>
+                        <m:accPr>
+                          <m:chr m:val="⃗"/>
+                          <m:ctrlPr>
+                            <a:rPr lang="fr-FR" sz="1000" i="1" smtClean="0">
+                              <a:latin typeface="Cambria Math"/>
+                            </a:rPr>
+                          </m:ctrlPr>
+                        </m:accPr>
+                        <m:e>
+                          <m:sSub>
+                            <m:sSubPr>
+                              <m:ctrlPr>
+                                <a:rPr lang="fr-FR" sz="1000" i="1">
+                                  <a:latin typeface="Cambria Math"/>
+                                </a:rPr>
+                              </m:ctrlPr>
+                            </m:sSubPr>
+                            <m:e>
+                              <m:r>
+                                <a:rPr lang="fr-FR" sz="1000" b="0" i="1" smtClean="0">
+                                  <a:latin typeface="Cambria Math"/>
+                                </a:rPr>
+                                <m:t>𝑥</m:t>
+                              </m:r>
+                            </m:e>
+                            <m:sub>
+                              <m:r>
+                                <a:rPr lang="fr-FR" sz="1000" b="0" i="1" smtClean="0">
+                                  <a:latin typeface="Cambria Math"/>
+                                </a:rPr>
+                                <m:t>𝑝</m:t>
+                              </m:r>
+                            </m:sub>
+                          </m:sSub>
+                        </m:e>
+                      </m:acc>
+                    </m:oMath>
+                  </m:oMathPara>
+                </a14:m>
+                <a:endParaRPr lang="fr-FR" sz="1000" dirty="0"/>
+              </a:p>
+            </p:txBody>
+          </p:sp>
+        </mc:Choice>
+        <mc:Fallback>
+          <p:sp>
+            <p:nvSpPr>
+              <p:cNvPr id="78" name="ZoneTexte 77"/>
+              <p:cNvSpPr txBox="1">
+                <a:spLocks noRot="1" noChangeAspect="1" noMove="1" noResize="1" noEditPoints="1" noAdjustHandles="1" noChangeArrowheads="1" noChangeShapeType="1" noTextEdit="1"/>
+              </p:cNvSpPr>
+              <p:nvPr/>
+            </p:nvSpPr>
+            <p:spPr>
+              <a:xfrm>
+                <a:off x="3713842" y="1604818"/>
+                <a:ext cx="346953" cy="258084"/>
+              </a:xfrm>
+              <a:prstGeom prst="rect">
+                <a:avLst/>
+              </a:prstGeom>
+              <a:blipFill rotWithShape="1">
+                <a:blip r:embed="rId5"/>
+                <a:stretch>
+                  <a:fillRect/>
+                </a:stretch>
+              </a:blipFill>
+            </p:spPr>
+            <p:txBody>
+              <a:bodyPr/>
+              <a:lstStyle/>
+              <a:p>
+                <a:r>
+                  <a:rPr lang="fr-FR">
+                    <a:noFill/>
+                  </a:rPr>
+                  <a:t> </a:t>
+                </a:r>
+              </a:p>
+            </p:txBody>
+          </p:sp>
+        </mc:Fallback>
+      </mc:AlternateContent>
+      <mc:AlternateContent xmlns:mc="http://schemas.openxmlformats.org/markup-compatibility/2006">
+        <mc:Choice xmlns:a14="http://schemas.microsoft.com/office/drawing/2010/main" Requires="a14">
+          <p:sp>
+            <p:nvSpPr>
+              <p:cNvPr id="79" name="ZoneTexte 78"/>
+              <p:cNvSpPr txBox="1"/>
+              <p:nvPr/>
+            </p:nvSpPr>
+            <p:spPr>
+              <a:xfrm>
+                <a:off x="3493347" y="1392785"/>
+                <a:ext cx="341760" cy="246221"/>
+              </a:xfrm>
+              <a:prstGeom prst="rect">
+                <a:avLst/>
+              </a:prstGeom>
+              <a:noFill/>
+            </p:spPr>
+            <p:txBody>
+              <a:bodyPr wrap="none" rtlCol="0">
+                <a:spAutoFit/>
+              </a:bodyPr>
+              <a:lstStyle/>
+              <a:p>
+                <a:pPr/>
+                <a14:m>
+                  <m:oMathPara xmlns:m="http://schemas.openxmlformats.org/officeDocument/2006/math">
+                    <m:oMathParaPr>
+                      <m:jc m:val="centerGroup"/>
+                    </m:oMathParaPr>
+                    <m:oMath xmlns:m="http://schemas.openxmlformats.org/officeDocument/2006/math">
+                      <m:acc>
+                        <m:accPr>
+                          <m:chr m:val="⃗"/>
+                          <m:ctrlPr>
+                            <a:rPr lang="fr-FR" sz="1000" i="1" smtClean="0">
+                              <a:latin typeface="Cambria Math"/>
+                            </a:rPr>
+                          </m:ctrlPr>
+                        </m:accPr>
+                        <m:e>
+                          <m:sSub>
+                            <m:sSubPr>
+                              <m:ctrlPr>
+                                <a:rPr lang="fr-FR" sz="1000" i="1">
+                                  <a:latin typeface="Cambria Math"/>
+                                </a:rPr>
+                              </m:ctrlPr>
+                            </m:sSubPr>
+                            <m:e>
+                              <m:r>
+                                <a:rPr lang="fr-FR" sz="1000" b="0" i="1" smtClean="0">
+                                  <a:latin typeface="Cambria Math"/>
+                                </a:rPr>
+                                <m:t>𝑥</m:t>
+                              </m:r>
+                            </m:e>
+                            <m:sub>
+                              <m:r>
+                                <a:rPr lang="fr-FR" sz="1000" b="0" i="1" smtClean="0">
+                                  <a:latin typeface="Cambria Math"/>
+                                </a:rPr>
+                                <m:t>𝑣</m:t>
+                              </m:r>
+                            </m:sub>
+                          </m:sSub>
+                        </m:e>
+                      </m:acc>
+                    </m:oMath>
+                  </m:oMathPara>
+                </a14:m>
+                <a:endParaRPr lang="fr-FR" sz="1000" dirty="0"/>
+              </a:p>
+            </p:txBody>
+          </p:sp>
+        </mc:Choice>
+        <mc:Fallback>
+          <p:sp>
+            <p:nvSpPr>
+              <p:cNvPr id="79" name="ZoneTexte 78"/>
+              <p:cNvSpPr txBox="1">
+                <a:spLocks noRot="1" noChangeAspect="1" noMove="1" noResize="1" noEditPoints="1" noAdjustHandles="1" noChangeArrowheads="1" noChangeShapeType="1" noTextEdit="1"/>
+              </p:cNvSpPr>
+              <p:nvPr/>
+            </p:nvSpPr>
+            <p:spPr>
+              <a:xfrm>
+                <a:off x="3493347" y="1392785"/>
+                <a:ext cx="341760" cy="246221"/>
+              </a:xfrm>
+              <a:prstGeom prst="rect">
+                <a:avLst/>
+              </a:prstGeom>
+              <a:blipFill rotWithShape="1">
+                <a:blip r:embed="rId6"/>
+                <a:stretch>
+                  <a:fillRect/>
+                </a:stretch>
+              </a:blipFill>
+            </p:spPr>
+            <p:txBody>
+              <a:bodyPr/>
+              <a:lstStyle/>
+              <a:p>
+                <a:r>
+                  <a:rPr lang="fr-FR">
+                    <a:noFill/>
+                  </a:rPr>
+                  <a:t> </a:t>
+                </a:r>
+              </a:p>
+            </p:txBody>
+          </p:sp>
+        </mc:Fallback>
+      </mc:AlternateContent>
+      <mc:AlternateContent xmlns:mc="http://schemas.openxmlformats.org/markup-compatibility/2006">
+        <mc:Choice xmlns:a14="http://schemas.microsoft.com/office/drawing/2010/main" Requires="a14">
+          <p:sp>
+            <p:nvSpPr>
+              <p:cNvPr id="80" name="ZoneTexte 79"/>
+              <p:cNvSpPr txBox="1"/>
+              <p:nvPr/>
+            </p:nvSpPr>
+            <p:spPr>
+              <a:xfrm>
+                <a:off x="2966955" y="1051311"/>
+                <a:ext cx="331245" cy="246221"/>
+              </a:xfrm>
+              <a:prstGeom prst="rect">
+                <a:avLst/>
+              </a:prstGeom>
+              <a:noFill/>
+            </p:spPr>
+            <p:txBody>
+              <a:bodyPr wrap="none" rtlCol="0">
+                <a:spAutoFit/>
+              </a:bodyPr>
+              <a:lstStyle/>
+              <a:p>
+                <a:pPr/>
+                <a14:m>
+                  <m:oMathPara xmlns:m="http://schemas.openxmlformats.org/officeDocument/2006/math">
+                    <m:oMathParaPr>
+                      <m:jc m:val="centerGroup"/>
+                    </m:oMathParaPr>
+                    <m:oMath xmlns:m="http://schemas.openxmlformats.org/officeDocument/2006/math">
+                      <m:acc>
+                        <m:accPr>
+                          <m:chr m:val="⃗"/>
+                          <m:ctrlPr>
+                            <a:rPr lang="fr-FR" sz="1000" b="0" i="1" smtClean="0">
+                              <a:latin typeface="Cambria Math"/>
+                            </a:rPr>
+                          </m:ctrlPr>
+                        </m:accPr>
+                        <m:e>
+                          <m:sSub>
+                            <m:sSubPr>
+                              <m:ctrlPr>
+                                <a:rPr lang="fr-FR" sz="1000" b="0" i="1" smtClean="0">
+                                  <a:latin typeface="Cambria Math"/>
+                                </a:rPr>
+                              </m:ctrlPr>
+                            </m:sSubPr>
+                            <m:e>
+                              <m:r>
+                                <a:rPr lang="fr-FR" sz="1000" b="0" i="1" smtClean="0">
+                                  <a:latin typeface="Cambria Math"/>
+                                </a:rPr>
+                                <m:t>𝑦</m:t>
+                              </m:r>
+                            </m:e>
+                            <m:sub>
+                              <m:r>
+                                <a:rPr lang="fr-FR" sz="1000" b="0" i="1" smtClean="0">
+                                  <a:latin typeface="Cambria Math"/>
+                                </a:rPr>
+                                <m:t>𝑡</m:t>
+                              </m:r>
+                            </m:sub>
+                          </m:sSub>
+                        </m:e>
+                      </m:acc>
+                    </m:oMath>
+                  </m:oMathPara>
+                </a14:m>
+                <a:endParaRPr lang="fr-FR" sz="1000" dirty="0"/>
+              </a:p>
+            </p:txBody>
+          </p:sp>
+        </mc:Choice>
+        <mc:Fallback>
+          <p:sp>
+            <p:nvSpPr>
+              <p:cNvPr id="80" name="ZoneTexte 79"/>
+              <p:cNvSpPr txBox="1">
+                <a:spLocks noRot="1" noChangeAspect="1" noMove="1" noResize="1" noEditPoints="1" noAdjustHandles="1" noChangeArrowheads="1" noChangeShapeType="1" noTextEdit="1"/>
+              </p:cNvSpPr>
+              <p:nvPr/>
+            </p:nvSpPr>
+            <p:spPr>
+              <a:xfrm>
+                <a:off x="2966955" y="1051311"/>
+                <a:ext cx="331245" cy="246221"/>
+              </a:xfrm>
+              <a:prstGeom prst="rect">
+                <a:avLst/>
+              </a:prstGeom>
+              <a:blipFill rotWithShape="1">
+                <a:blip r:embed="rId7"/>
+                <a:stretch>
+                  <a:fillRect/>
+                </a:stretch>
+              </a:blipFill>
+            </p:spPr>
+            <p:txBody>
+              <a:bodyPr/>
+              <a:lstStyle/>
+              <a:p>
+                <a:r>
+                  <a:rPr lang="fr-FR">
+                    <a:noFill/>
+                  </a:rPr>
+                  <a:t> </a:t>
+                </a:r>
+              </a:p>
+            </p:txBody>
+          </p:sp>
+        </mc:Fallback>
+      </mc:AlternateContent>
+      <p:pic>
+        <p:nvPicPr>
+          <p:cNvPr id="67" name="Picture 4"/>
+          <p:cNvPicPr>
+            <a:picLocks noChangeAspect="1" noChangeArrowheads="1"/>
+          </p:cNvPicPr>
+          <p:nvPr/>
+        </p:nvPicPr>
+        <p:blipFill>
+          <a:blip r:embed="rId8">
+            <a:extLst>
+              <a:ext uri="{28A0092B-C50C-407E-A947-70E740481C1C}">
+                <a14:useLocalDpi xmlns:a14="http://schemas.microsoft.com/office/drawing/2010/main" val="0"/>
+              </a:ext>
+            </a:extLst>
+          </a:blip>
+          <a:srcRect/>
+          <a:stretch>
+            <a:fillRect/>
+          </a:stretch>
+        </p:blipFill>
+        <p:spPr bwMode="auto">
+          <a:xfrm>
+            <a:off x="3777727" y="2758480"/>
+            <a:ext cx="1809750" cy="1085850"/>
+          </a:xfrm>
+          <a:prstGeom prst="rect">
+            <a:avLst/>
+          </a:prstGeom>
+          <a:noFill/>
+          <a:ln>
+            <a:noFill/>
+          </a:ln>
+          <a:effectLst/>
+          <a:extLst>
+            <a:ext uri="{909E8E84-426E-40DD-AFC4-6F175D3DCCD1}">
+              <a14:hiddenFill xmlns:a14="http://schemas.microsoft.com/office/drawing/2010/main">
+                <a:solidFill>
+                  <a:schemeClr val="accent1"/>
+                </a:solidFill>
+              </a14:hiddenFill>
+            </a:ext>
+            <a:ext uri="{91240B29-F687-4F45-9708-019B960494DF}">
+              <a14:hiddenLine xmlns:a14="http://schemas.microsoft.com/office/drawing/2010/main" w="9525">
+                <a:solidFill>
+                  <a:schemeClr val="tx1"/>
+                </a:solidFill>
+                <a:miter lim="800000"/>
+                <a:headEnd/>
+                <a:tailEnd/>
+              </a14:hiddenLine>
+            </a:ext>
+            <a:ext uri="{AF507438-7753-43E0-B8FC-AC1667EBCBE1}">
+              <a14:hiddenEffects xmlns:a14="http://schemas.microsoft.com/office/drawing/2010/main">
+                <a:effectLst>
+                  <a:outerShdw dist="35921" dir="2700000" algn="ctr" rotWithShape="0">
+                    <a:schemeClr val="bg2"/>
+                  </a:outerShdw>
+                </a:effectLst>
+              </a14:hiddenEffects>
+            </a:ext>
+          </a:extLst>
+        </p:spPr>
+      </p:pic>
+      <p:pic>
+        <p:nvPicPr>
+          <p:cNvPr id="68" name="Picture 5"/>
+          <p:cNvPicPr>
+            <a:picLocks noChangeAspect="1" noChangeArrowheads="1"/>
+          </p:cNvPicPr>
+          <p:nvPr/>
+        </p:nvPicPr>
+        <p:blipFill>
+          <a:blip r:embed="rId9">
+            <a:extLst>
+              <a:ext uri="{28A0092B-C50C-407E-A947-70E740481C1C}">
+                <a14:useLocalDpi xmlns:a14="http://schemas.microsoft.com/office/drawing/2010/main" val="0"/>
+              </a:ext>
+            </a:extLst>
+          </a:blip>
+          <a:srcRect/>
+          <a:stretch>
+            <a:fillRect/>
+          </a:stretch>
+        </p:blipFill>
+        <p:spPr bwMode="auto">
+          <a:xfrm>
+            <a:off x="5587477" y="2758480"/>
+            <a:ext cx="1933575" cy="1085850"/>
+          </a:xfrm>
+          <a:prstGeom prst="rect">
+            <a:avLst/>
+          </a:prstGeom>
+          <a:noFill/>
+          <a:ln>
+            <a:noFill/>
+          </a:ln>
+          <a:effectLst/>
+          <a:extLst>
+            <a:ext uri="{909E8E84-426E-40DD-AFC4-6F175D3DCCD1}">
+              <a14:hiddenFill xmlns:a14="http://schemas.microsoft.com/office/drawing/2010/main">
+                <a:solidFill>
+                  <a:schemeClr val="accent1"/>
+                </a:solidFill>
+              </a14:hiddenFill>
+            </a:ext>
+            <a:ext uri="{91240B29-F687-4F45-9708-019B960494DF}">
+              <a14:hiddenLine xmlns:a14="http://schemas.microsoft.com/office/drawing/2010/main" w="9525">
+                <a:solidFill>
+                  <a:schemeClr val="tx1"/>
+                </a:solidFill>
+                <a:miter lim="800000"/>
+                <a:headEnd/>
+                <a:tailEnd/>
+              </a14:hiddenLine>
+            </a:ext>
+            <a:ext uri="{AF507438-7753-43E0-B8FC-AC1667EBCBE1}">
+              <a14:hiddenEffects xmlns:a14="http://schemas.microsoft.com/office/drawing/2010/main">
+                <a:effectLst>
+                  <a:outerShdw dist="35921" dir="2700000" algn="ctr" rotWithShape="0">
+                    <a:schemeClr val="bg2"/>
+                  </a:outerShdw>
+                </a:effectLst>
+              </a14:hiddenEffects>
+            </a:ext>
+          </a:extLst>
+        </p:spPr>
+      </p:pic>
+      <mc:AlternateContent xmlns:mc="http://schemas.openxmlformats.org/markup-compatibility/2006">
+        <mc:Choice xmlns:a14="http://schemas.microsoft.com/office/drawing/2010/main" Requires="a14">
+          <p:sp>
+            <p:nvSpPr>
+              <p:cNvPr id="83" name="ZoneTexte 82"/>
+              <p:cNvSpPr txBox="1"/>
+              <p:nvPr/>
+            </p:nvSpPr>
+            <p:spPr>
+              <a:xfrm>
+                <a:off x="2719675" y="1080600"/>
+                <a:ext cx="340157" cy="258084"/>
+              </a:xfrm>
+              <a:prstGeom prst="rect">
+                <a:avLst/>
+              </a:prstGeom>
+              <a:noFill/>
+            </p:spPr>
+            <p:txBody>
+              <a:bodyPr wrap="none" rtlCol="0">
+                <a:spAutoFit/>
+              </a:bodyPr>
+              <a:lstStyle/>
+              <a:p>
+                <a:pPr/>
+                <a14:m>
+                  <m:oMathPara xmlns:m="http://schemas.openxmlformats.org/officeDocument/2006/math">
+                    <m:oMathParaPr>
+                      <m:jc m:val="centerGroup"/>
+                    </m:oMathParaPr>
+                    <m:oMath xmlns:m="http://schemas.openxmlformats.org/officeDocument/2006/math">
+                      <m:acc>
+                        <m:accPr>
+                          <m:chr m:val="⃗"/>
+                          <m:ctrlPr>
+                            <a:rPr lang="fr-FR" sz="1000" b="0" i="1" smtClean="0">
+                              <a:latin typeface="Cambria Math"/>
+                            </a:rPr>
+                          </m:ctrlPr>
+                        </m:accPr>
+                        <m:e>
+                          <m:sSub>
+                            <m:sSubPr>
+                              <m:ctrlPr>
+                                <a:rPr lang="fr-FR" sz="1000" b="0" i="1" smtClean="0">
+                                  <a:latin typeface="Cambria Math"/>
+                                </a:rPr>
+                              </m:ctrlPr>
+                            </m:sSubPr>
+                            <m:e>
+                              <m:r>
+                                <a:rPr lang="fr-FR" sz="1000" b="0" i="1" smtClean="0">
+                                  <a:latin typeface="Cambria Math"/>
+                                </a:rPr>
+                                <m:t>𝑦</m:t>
+                              </m:r>
+                            </m:e>
+                            <m:sub>
+                              <m:r>
+                                <a:rPr lang="fr-FR" sz="1000" b="0" i="1" smtClean="0">
+                                  <a:latin typeface="Cambria Math"/>
+                                </a:rPr>
+                                <m:t>𝑝</m:t>
+                              </m:r>
+                            </m:sub>
+                          </m:sSub>
+                        </m:e>
+                      </m:acc>
+                    </m:oMath>
+                  </m:oMathPara>
+                </a14:m>
+                <a:endParaRPr lang="fr-FR" sz="1000" dirty="0"/>
+              </a:p>
+            </p:txBody>
+          </p:sp>
+        </mc:Choice>
+        <mc:Fallback>
+          <p:sp>
+            <p:nvSpPr>
+              <p:cNvPr id="83" name="ZoneTexte 82"/>
+              <p:cNvSpPr txBox="1">
+                <a:spLocks noRot="1" noChangeAspect="1" noMove="1" noResize="1" noEditPoints="1" noAdjustHandles="1" noChangeArrowheads="1" noChangeShapeType="1" noTextEdit="1"/>
+              </p:cNvSpPr>
+              <p:nvPr/>
+            </p:nvSpPr>
+            <p:spPr>
+              <a:xfrm>
+                <a:off x="2719675" y="1080600"/>
+                <a:ext cx="340157" cy="258084"/>
+              </a:xfrm>
+              <a:prstGeom prst="rect">
+                <a:avLst/>
+              </a:prstGeom>
+              <a:blipFill rotWithShape="1">
+                <a:blip r:embed="rId10"/>
+                <a:stretch>
+                  <a:fillRect/>
+                </a:stretch>
+              </a:blipFill>
+            </p:spPr>
+            <p:txBody>
+              <a:bodyPr/>
+              <a:lstStyle/>
+              <a:p>
+                <a:r>
+                  <a:rPr lang="fr-FR">
+                    <a:noFill/>
+                  </a:rPr>
+                  <a:t> </a:t>
+                </a:r>
+              </a:p>
+            </p:txBody>
+          </p:sp>
+        </mc:Fallback>
+      </mc:AlternateContent>
+      <mc:AlternateContent xmlns:mc="http://schemas.openxmlformats.org/markup-compatibility/2006">
+        <mc:Choice xmlns:a14="http://schemas.microsoft.com/office/drawing/2010/main" Requires="a14">
+          <p:sp>
+            <p:nvSpPr>
+              <p:cNvPr id="84" name="ZoneTexte 83"/>
+              <p:cNvSpPr txBox="1"/>
+              <p:nvPr/>
+            </p:nvSpPr>
+            <p:spPr>
+              <a:xfrm>
+                <a:off x="2503651" y="1196752"/>
+                <a:ext cx="334963" cy="246221"/>
+              </a:xfrm>
+              <a:prstGeom prst="rect">
+                <a:avLst/>
+              </a:prstGeom>
+              <a:noFill/>
+            </p:spPr>
+            <p:txBody>
+              <a:bodyPr wrap="none" rtlCol="0">
+                <a:spAutoFit/>
+              </a:bodyPr>
+              <a:lstStyle/>
+              <a:p>
+                <a:pPr/>
+                <a14:m>
+                  <m:oMathPara xmlns:m="http://schemas.openxmlformats.org/officeDocument/2006/math">
+                    <m:oMathParaPr>
+                      <m:jc m:val="centerGroup"/>
+                    </m:oMathParaPr>
+                    <m:oMath xmlns:m="http://schemas.openxmlformats.org/officeDocument/2006/math">
+                      <m:acc>
+                        <m:accPr>
+                          <m:chr m:val="⃗"/>
+                          <m:ctrlPr>
+                            <a:rPr lang="fr-FR" sz="1000" b="0" i="1" smtClean="0">
+                              <a:latin typeface="Cambria Math"/>
+                            </a:rPr>
+                          </m:ctrlPr>
+                        </m:accPr>
+                        <m:e>
+                          <m:sSub>
+                            <m:sSubPr>
+                              <m:ctrlPr>
+                                <a:rPr lang="fr-FR" sz="1000" b="0" i="1" smtClean="0">
+                                  <a:latin typeface="Cambria Math"/>
+                                </a:rPr>
+                              </m:ctrlPr>
+                            </m:sSubPr>
+                            <m:e>
+                              <m:r>
+                                <a:rPr lang="fr-FR" sz="1000" b="0" i="1" smtClean="0">
+                                  <a:latin typeface="Cambria Math"/>
+                                </a:rPr>
+                                <m:t>𝑦</m:t>
+                              </m:r>
+                            </m:e>
+                            <m:sub>
+                              <m:r>
+                                <a:rPr lang="fr-FR" sz="1000" b="0" i="1" smtClean="0">
+                                  <a:latin typeface="Cambria Math"/>
+                                </a:rPr>
+                                <m:t>𝑣</m:t>
+                              </m:r>
+                            </m:sub>
+                          </m:sSub>
+                        </m:e>
+                      </m:acc>
+                    </m:oMath>
+                  </m:oMathPara>
+                </a14:m>
+                <a:endParaRPr lang="fr-FR" sz="1000" dirty="0"/>
+              </a:p>
+            </p:txBody>
+          </p:sp>
+        </mc:Choice>
+        <mc:Fallback>
+          <p:sp>
+            <p:nvSpPr>
+              <p:cNvPr id="84" name="ZoneTexte 83"/>
+              <p:cNvSpPr txBox="1">
+                <a:spLocks noRot="1" noChangeAspect="1" noMove="1" noResize="1" noEditPoints="1" noAdjustHandles="1" noChangeArrowheads="1" noChangeShapeType="1" noTextEdit="1"/>
+              </p:cNvSpPr>
+              <p:nvPr/>
+            </p:nvSpPr>
+            <p:spPr>
+              <a:xfrm>
+                <a:off x="2503651" y="1196752"/>
+                <a:ext cx="334963" cy="246221"/>
+              </a:xfrm>
+              <a:prstGeom prst="rect">
+                <a:avLst/>
+              </a:prstGeom>
+              <a:blipFill rotWithShape="1">
+                <a:blip r:embed="rId11"/>
+                <a:stretch>
+                  <a:fillRect/>
+                </a:stretch>
+              </a:blipFill>
+            </p:spPr>
+            <p:txBody>
+              <a:bodyPr/>
+              <a:lstStyle/>
+              <a:p>
+                <a:r>
+                  <a:rPr lang="fr-FR">
+                    <a:noFill/>
+                  </a:rPr>
+                  <a:t> </a:t>
+                </a:r>
+              </a:p>
+            </p:txBody>
+          </p:sp>
+        </mc:Fallback>
+      </mc:AlternateContent>
+      <mc:AlternateContent xmlns:mc="http://schemas.openxmlformats.org/markup-compatibility/2006">
+        <mc:Choice xmlns:a14="http://schemas.microsoft.com/office/drawing/2010/main" Requires="a14">
+          <p:sp>
+            <p:nvSpPr>
+              <p:cNvPr id="85" name="ZoneTexte 84"/>
+              <p:cNvSpPr txBox="1"/>
+              <p:nvPr/>
+            </p:nvSpPr>
+            <p:spPr>
+              <a:xfrm>
+                <a:off x="3236472" y="1561905"/>
+                <a:ext cx="294375" cy="246221"/>
+              </a:xfrm>
+              <a:prstGeom prst="rect">
+                <a:avLst/>
+              </a:prstGeom>
+              <a:noFill/>
+            </p:spPr>
+            <p:txBody>
+              <a:bodyPr wrap="none" rtlCol="0">
+                <a:spAutoFit/>
+              </a:bodyPr>
+              <a:lstStyle/>
+              <a:p>
+                <a:pPr/>
+                <a14:m>
+                  <m:oMathPara xmlns:m="http://schemas.openxmlformats.org/officeDocument/2006/math">
+                    <m:oMathParaPr>
+                      <m:jc m:val="centerGroup"/>
+                    </m:oMathParaPr>
+                    <m:oMath xmlns:m="http://schemas.openxmlformats.org/officeDocument/2006/math">
+                      <m:r>
+                        <a:rPr lang="fr-FR" sz="1000" b="0" i="1" smtClean="0">
+                          <a:latin typeface="Cambria Math"/>
+                        </a:rPr>
+                        <m:t>𝛼</m:t>
+                      </m:r>
+                    </m:oMath>
+                  </m:oMathPara>
+                </a14:m>
+                <a:endParaRPr lang="fr-FR" sz="1000" dirty="0"/>
+              </a:p>
+            </p:txBody>
+          </p:sp>
+        </mc:Choice>
+        <mc:Fallback>
+          <p:sp>
+            <p:nvSpPr>
+              <p:cNvPr id="85" name="ZoneTexte 84"/>
+              <p:cNvSpPr txBox="1">
+                <a:spLocks noRot="1" noChangeAspect="1" noMove="1" noResize="1" noEditPoints="1" noAdjustHandles="1" noChangeArrowheads="1" noChangeShapeType="1" noTextEdit="1"/>
+              </p:cNvSpPr>
+              <p:nvPr/>
+            </p:nvSpPr>
+            <p:spPr>
+              <a:xfrm>
+                <a:off x="3236472" y="1561905"/>
+                <a:ext cx="294375" cy="246221"/>
+              </a:xfrm>
+              <a:prstGeom prst="rect">
+                <a:avLst/>
+              </a:prstGeom>
+              <a:blipFill rotWithShape="1">
+                <a:blip r:embed="rId12"/>
+                <a:stretch>
+                  <a:fillRect/>
+                </a:stretch>
+              </a:blipFill>
+            </p:spPr>
+            <p:txBody>
+              <a:bodyPr/>
+              <a:lstStyle/>
+              <a:p>
+                <a:r>
+                  <a:rPr lang="fr-FR">
+                    <a:noFill/>
+                  </a:rPr>
+                  <a:t> </a:t>
+                </a:r>
+              </a:p>
+            </p:txBody>
+          </p:sp>
+        </mc:Fallback>
+      </mc:AlternateContent>
+    </p:spTree>
+    <p:extLst>
+      <p:ext uri="{BB962C8B-B14F-4D97-AF65-F5344CB8AC3E}">
+        <p14:creationId xmlns:p14="http://schemas.microsoft.com/office/powerpoint/2010/main" val="2751486586"/>
+      </p:ext>
+    </p:extLst>
+  </p:cSld>
+  <p:clrMapOvr>
+    <a:masterClrMapping/>
+  </p:clrMapOvr>
+</p:sld>
+</file>
+
+<file path=ppt/slides/slide4.xml><?xml version="1.0" encoding="utf-8"?>
 <p:sld xmlns:a="http://schemas.openxmlformats.org/drawingml/2006/main" xmlns:r="http://schemas.openxmlformats.org/officeDocument/2006/relationships" xmlns:p="http://schemas.openxmlformats.org/presentationml/2006/main">
   <p:cSld>
     <p:spTree>
@@ -8936,7 +10543,7 @@
     </p:spTree>
     <p:extLst>
       <p:ext uri="{BB962C8B-B14F-4D97-AF65-F5344CB8AC3E}">
-        <p14:creationId xmlns:p14="http://schemas.microsoft.com/office/powerpoint/2010/main" val="2751486586"/>
+        <p14:creationId xmlns:p14="http://schemas.microsoft.com/office/powerpoint/2010/main" val="682114363"/>
       </p:ext>
     </p:extLst>
   </p:cSld>
@@ -8946,7 +10553,7 @@
 </p:sld>
 </file>
 
-<file path=ppt/slides/slide4.xml><?xml version="1.0" encoding="utf-8"?>
+<file path=ppt/slides/slide5.xml><?xml version="1.0" encoding="utf-8"?>
 <p:sld xmlns:a="http://schemas.openxmlformats.org/drawingml/2006/main" xmlns:r="http://schemas.openxmlformats.org/officeDocument/2006/relationships" xmlns:p="http://schemas.openxmlformats.org/presentationml/2006/main">
   <p:cSld>
     <p:spTree>
@@ -9559,7 +11166,7 @@
 </p:sld>
 </file>
 
-<file path=ppt/slides/slide5.xml><?xml version="1.0" encoding="utf-8"?>
+<file path=ppt/slides/slide6.xml><?xml version="1.0" encoding="utf-8"?>
 <p:sld xmlns:a="http://schemas.openxmlformats.org/drawingml/2006/main" xmlns:r="http://schemas.openxmlformats.org/officeDocument/2006/relationships" xmlns:p="http://schemas.openxmlformats.org/presentationml/2006/main">
   <p:cSld>
     <p:spTree>
@@ -10408,7 +12015,7 @@
 </p:sld>
 </file>
 
-<file path=ppt/slides/slide6.xml><?xml version="1.0" encoding="utf-8"?>
+<file path=ppt/slides/slide7.xml><?xml version="1.0" encoding="utf-8"?>
 <p:sld xmlns:a="http://schemas.openxmlformats.org/drawingml/2006/main" xmlns:r="http://schemas.openxmlformats.org/officeDocument/2006/relationships" xmlns:p="http://schemas.openxmlformats.org/presentationml/2006/main">
   <p:cSld>
     <p:spTree>
@@ -11071,7 +12678,7 @@
 </p:sld>
 </file>
 
-<file path=ppt/slides/slide7.xml><?xml version="1.0" encoding="utf-8"?>
+<file path=ppt/slides/slide8.xml><?xml version="1.0" encoding="utf-8"?>
 <p:sld xmlns:a="http://schemas.openxmlformats.org/drawingml/2006/main" xmlns:r="http://schemas.openxmlformats.org/officeDocument/2006/relationships" xmlns:p="http://schemas.openxmlformats.org/presentationml/2006/main">
   <p:cSld>
     <p:spTree>
@@ -11964,7 +13571,7 @@
 </p:sld>
 </file>
 
-<file path=ppt/slides/slide8.xml><?xml version="1.0" encoding="utf-8"?>
+<file path=ppt/slides/slide9.xml><?xml version="1.0" encoding="utf-8"?>
 <p:sld xmlns:a="http://schemas.openxmlformats.org/drawingml/2006/main" xmlns:r="http://schemas.openxmlformats.org/officeDocument/2006/relationships" xmlns:p="http://schemas.openxmlformats.org/presentationml/2006/main">
   <p:cSld>
     <p:spTree>

--- a/Revisions_Statique/Fiche_01_Statique_2D_TD_01_Hayon/images/Figures.pptx
+++ b/Revisions_Statique/Fiche_01_Statique_2D_TD_01_Hayon/images/Figures.pptx
@@ -8,12 +8,13 @@
     <p:sldId id="263" r:id="rId2"/>
     <p:sldId id="264" r:id="rId3"/>
     <p:sldId id="256" r:id="rId4"/>
-    <p:sldId id="265" r:id="rId5"/>
-    <p:sldId id="257" r:id="rId6"/>
-    <p:sldId id="261" r:id="rId7"/>
-    <p:sldId id="262" r:id="rId8"/>
-    <p:sldId id="259" r:id="rId9"/>
-    <p:sldId id="258" r:id="rId10"/>
+    <p:sldId id="266" r:id="rId5"/>
+    <p:sldId id="265" r:id="rId6"/>
+    <p:sldId id="257" r:id="rId7"/>
+    <p:sldId id="261" r:id="rId8"/>
+    <p:sldId id="262" r:id="rId9"/>
+    <p:sldId id="259" r:id="rId10"/>
+    <p:sldId id="258" r:id="rId11"/>
   </p:sldIdLst>
   <p:sldSz cx="9144000" cy="6858000" type="screen4x3"/>
   <p:notesSz cx="6858000" cy="9144000"/>
@@ -296,7 +297,7 @@
           <a:p>
             <a:fld id="{AA309A6D-C09C-4548-B29A-6CF363A7E532}" type="datetimeFigureOut">
               <a:rPr lang="fr-FR" smtClean="0"/>
-              <a:t>22/04/2018</a:t>
+              <a:t>23/04/2018</a:t>
             </a:fld>
             <a:endParaRPr lang="fr-BE"/>
           </a:p>
@@ -461,7 +462,7 @@
           <a:p>
             <a:fld id="{AA309A6D-C09C-4548-B29A-6CF363A7E532}" type="datetimeFigureOut">
               <a:rPr lang="fr-FR" smtClean="0"/>
-              <a:t>22/04/2018</a:t>
+              <a:t>23/04/2018</a:t>
             </a:fld>
             <a:endParaRPr lang="fr-BE"/>
           </a:p>
@@ -636,7 +637,7 @@
           <a:p>
             <a:fld id="{AA309A6D-C09C-4548-B29A-6CF363A7E532}" type="datetimeFigureOut">
               <a:rPr lang="fr-FR" smtClean="0"/>
-              <a:t>22/04/2018</a:t>
+              <a:t>23/04/2018</a:t>
             </a:fld>
             <a:endParaRPr lang="fr-BE"/>
           </a:p>
@@ -801,7 +802,7 @@
           <a:p>
             <a:fld id="{AA309A6D-C09C-4548-B29A-6CF363A7E532}" type="datetimeFigureOut">
               <a:rPr lang="fr-FR" smtClean="0"/>
-              <a:t>22/04/2018</a:t>
+              <a:t>23/04/2018</a:t>
             </a:fld>
             <a:endParaRPr lang="fr-BE"/>
           </a:p>
@@ -1042,7 +1043,7 @@
           <a:p>
             <a:fld id="{AA309A6D-C09C-4548-B29A-6CF363A7E532}" type="datetimeFigureOut">
               <a:rPr lang="fr-FR" smtClean="0"/>
-              <a:t>22/04/2018</a:t>
+              <a:t>23/04/2018</a:t>
             </a:fld>
             <a:endParaRPr lang="fr-BE"/>
           </a:p>
@@ -1325,7 +1326,7 @@
           <a:p>
             <a:fld id="{AA309A6D-C09C-4548-B29A-6CF363A7E532}" type="datetimeFigureOut">
               <a:rPr lang="fr-FR" smtClean="0"/>
-              <a:t>22/04/2018</a:t>
+              <a:t>23/04/2018</a:t>
             </a:fld>
             <a:endParaRPr lang="fr-BE"/>
           </a:p>
@@ -1742,7 +1743,7 @@
           <a:p>
             <a:fld id="{AA309A6D-C09C-4548-B29A-6CF363A7E532}" type="datetimeFigureOut">
               <a:rPr lang="fr-FR" smtClean="0"/>
-              <a:t>22/04/2018</a:t>
+              <a:t>23/04/2018</a:t>
             </a:fld>
             <a:endParaRPr lang="fr-BE"/>
           </a:p>
@@ -1855,7 +1856,7 @@
           <a:p>
             <a:fld id="{AA309A6D-C09C-4548-B29A-6CF363A7E532}" type="datetimeFigureOut">
               <a:rPr lang="fr-FR" smtClean="0"/>
-              <a:t>22/04/2018</a:t>
+              <a:t>23/04/2018</a:t>
             </a:fld>
             <a:endParaRPr lang="fr-BE"/>
           </a:p>
@@ -1945,7 +1946,7 @@
           <a:p>
             <a:fld id="{AA309A6D-C09C-4548-B29A-6CF363A7E532}" type="datetimeFigureOut">
               <a:rPr lang="fr-FR" smtClean="0"/>
-              <a:t>22/04/2018</a:t>
+              <a:t>23/04/2018</a:t>
             </a:fld>
             <a:endParaRPr lang="fr-BE"/>
           </a:p>
@@ -2217,7 +2218,7 @@
           <a:p>
             <a:fld id="{AA309A6D-C09C-4548-B29A-6CF363A7E532}" type="datetimeFigureOut">
               <a:rPr lang="fr-FR" smtClean="0"/>
-              <a:t>22/04/2018</a:t>
+              <a:t>23/04/2018</a:t>
             </a:fld>
             <a:endParaRPr lang="fr-BE"/>
           </a:p>
@@ -2465,7 +2466,7 @@
           <a:p>
             <a:fld id="{AA309A6D-C09C-4548-B29A-6CF363A7E532}" type="datetimeFigureOut">
               <a:rPr lang="fr-FR" smtClean="0"/>
-              <a:t>22/04/2018</a:t>
+              <a:t>23/04/2018</a:t>
             </a:fld>
             <a:endParaRPr lang="fr-BE"/>
           </a:p>
@@ -2673,7 +2674,7 @@
           <a:p>
             <a:fld id="{AA309A6D-C09C-4548-B29A-6CF363A7E532}" type="datetimeFigureOut">
               <a:rPr lang="fr-FR" smtClean="0"/>
-              <a:t>22/04/2018</a:t>
+              <a:t>23/04/2018</a:t>
             </a:fld>
             <a:endParaRPr lang="fr-BE"/>
           </a:p>
@@ -3291,6 +3292,2573 @@
     <p:extLst>
       <p:ext uri="{BB962C8B-B14F-4D97-AF65-F5344CB8AC3E}">
         <p14:creationId xmlns:p14="http://schemas.microsoft.com/office/powerpoint/2010/main" val="1241148410"/>
+      </p:ext>
+    </p:extLst>
+  </p:cSld>
+  <p:clrMapOvr>
+    <a:masterClrMapping/>
+  </p:clrMapOvr>
+</p:sld>
+</file>
+
+<file path=ppt/slides/slide10.xml><?xml version="1.0" encoding="utf-8"?>
+<p:sld xmlns:a="http://schemas.openxmlformats.org/drawingml/2006/main" xmlns:r="http://schemas.openxmlformats.org/officeDocument/2006/relationships" xmlns:p="http://schemas.openxmlformats.org/presentationml/2006/main">
+  <p:cSld>
+    <p:spTree>
+      <p:nvGrpSpPr>
+        <p:cNvPr id="1" name=""/>
+        <p:cNvGrpSpPr/>
+        <p:nvPr/>
+      </p:nvGrpSpPr>
+      <p:grpSpPr>
+        <a:xfrm>
+          <a:off x="0" y="0"/>
+          <a:ext cx="0" cy="0"/>
+          <a:chOff x="0" y="0"/>
+          <a:chExt cx="0" cy="0"/>
+        </a:xfrm>
+      </p:grpSpPr>
+      <p:sp>
+        <p:nvSpPr>
+          <p:cNvPr id="4" name="Ellipse 3"/>
+          <p:cNvSpPr/>
+          <p:nvPr/>
+        </p:nvSpPr>
+        <p:spPr>
+          <a:xfrm>
+            <a:off x="1061610" y="1813199"/>
+            <a:ext cx="288032" cy="288032"/>
+          </a:xfrm>
+          <a:prstGeom prst="ellipse">
+            <a:avLst/>
+          </a:prstGeom>
+          <a:solidFill>
+            <a:schemeClr val="accent4">
+              <a:lumMod val="20000"/>
+              <a:lumOff val="80000"/>
+            </a:schemeClr>
+          </a:solidFill>
+          <a:ln w="19050">
+            <a:solidFill>
+              <a:schemeClr val="accent4"/>
+            </a:solidFill>
+          </a:ln>
+        </p:spPr>
+        <p:style>
+          <a:lnRef idx="2">
+            <a:schemeClr val="accent1">
+              <a:shade val="50000"/>
+            </a:schemeClr>
+          </a:lnRef>
+          <a:fillRef idx="1">
+            <a:schemeClr val="accent1"/>
+          </a:fillRef>
+          <a:effectRef idx="0">
+            <a:schemeClr val="accent1"/>
+          </a:effectRef>
+          <a:fontRef idx="minor">
+            <a:schemeClr val="lt1"/>
+          </a:fontRef>
+        </p:style>
+        <p:txBody>
+          <a:bodyPr rtlCol="0" anchor="ctr"/>
+          <a:lstStyle/>
+          <a:p>
+            <a:pPr algn="ctr"/>
+            <a:r>
+              <a:rPr lang="fr-FR" sz="1400" b="1" dirty="0" smtClean="0">
+                <a:solidFill>
+                  <a:schemeClr val="accent4"/>
+                </a:solidFill>
+              </a:rPr>
+              <a:t>1</a:t>
+            </a:r>
+            <a:endParaRPr lang="fr-FR" sz="1400" b="1" dirty="0">
+              <a:solidFill>
+                <a:schemeClr val="accent4"/>
+              </a:solidFill>
+            </a:endParaRPr>
+          </a:p>
+        </p:txBody>
+      </p:sp>
+      <p:sp>
+        <p:nvSpPr>
+          <p:cNvPr id="5" name="Ellipse 4"/>
+          <p:cNvSpPr/>
+          <p:nvPr/>
+        </p:nvSpPr>
+        <p:spPr>
+          <a:xfrm>
+            <a:off x="1799692" y="1813199"/>
+            <a:ext cx="288032" cy="288032"/>
+          </a:xfrm>
+          <a:prstGeom prst="ellipse">
+            <a:avLst/>
+          </a:prstGeom>
+          <a:solidFill>
+            <a:schemeClr val="accent2">
+              <a:lumMod val="20000"/>
+              <a:lumOff val="80000"/>
+            </a:schemeClr>
+          </a:solidFill>
+          <a:ln w="19050">
+            <a:solidFill>
+              <a:schemeClr val="accent2"/>
+            </a:solidFill>
+          </a:ln>
+        </p:spPr>
+        <p:style>
+          <a:lnRef idx="2">
+            <a:schemeClr val="accent1">
+              <a:shade val="50000"/>
+            </a:schemeClr>
+          </a:lnRef>
+          <a:fillRef idx="1">
+            <a:schemeClr val="accent1"/>
+          </a:fillRef>
+          <a:effectRef idx="0">
+            <a:schemeClr val="accent1"/>
+          </a:effectRef>
+          <a:fontRef idx="minor">
+            <a:schemeClr val="lt1"/>
+          </a:fontRef>
+        </p:style>
+        <p:txBody>
+          <a:bodyPr rtlCol="0" anchor="ctr"/>
+          <a:lstStyle/>
+          <a:p>
+            <a:pPr algn="ctr"/>
+            <a:r>
+              <a:rPr lang="fr-FR" sz="1400" b="1" dirty="0">
+                <a:solidFill>
+                  <a:schemeClr val="accent2"/>
+                </a:solidFill>
+              </a:rPr>
+              <a:t>2</a:t>
+            </a:r>
+          </a:p>
+        </p:txBody>
+      </p:sp>
+      <p:sp>
+        <p:nvSpPr>
+          <p:cNvPr id="6" name="Ellipse 5"/>
+          <p:cNvSpPr/>
+          <p:nvPr/>
+        </p:nvSpPr>
+        <p:spPr>
+          <a:xfrm>
+            <a:off x="2537774" y="1813199"/>
+            <a:ext cx="288032" cy="288032"/>
+          </a:xfrm>
+          <a:prstGeom prst="ellipse">
+            <a:avLst/>
+          </a:prstGeom>
+          <a:solidFill>
+            <a:schemeClr val="accent3">
+              <a:lumMod val="20000"/>
+              <a:lumOff val="80000"/>
+            </a:schemeClr>
+          </a:solidFill>
+          <a:ln w="19050">
+            <a:solidFill>
+              <a:schemeClr val="accent3"/>
+            </a:solidFill>
+          </a:ln>
+        </p:spPr>
+        <p:style>
+          <a:lnRef idx="2">
+            <a:schemeClr val="accent1">
+              <a:shade val="50000"/>
+            </a:schemeClr>
+          </a:lnRef>
+          <a:fillRef idx="1">
+            <a:schemeClr val="accent1"/>
+          </a:fillRef>
+          <a:effectRef idx="0">
+            <a:schemeClr val="accent1"/>
+          </a:effectRef>
+          <a:fontRef idx="minor">
+            <a:schemeClr val="lt1"/>
+          </a:fontRef>
+        </p:style>
+        <p:txBody>
+          <a:bodyPr rtlCol="0" anchor="ctr"/>
+          <a:lstStyle/>
+          <a:p>
+            <a:pPr algn="ctr"/>
+            <a:r>
+              <a:rPr lang="fr-FR" sz="1400" b="1" dirty="0" smtClean="0">
+                <a:solidFill>
+                  <a:schemeClr val="accent3"/>
+                </a:solidFill>
+              </a:rPr>
+              <a:t>3</a:t>
+            </a:r>
+            <a:endParaRPr lang="fr-FR" sz="1400" b="1" dirty="0">
+              <a:solidFill>
+                <a:schemeClr val="accent3"/>
+              </a:solidFill>
+            </a:endParaRPr>
+          </a:p>
+        </p:txBody>
+      </p:sp>
+      <p:sp>
+        <p:nvSpPr>
+          <p:cNvPr id="7" name="Ellipse 6"/>
+          <p:cNvSpPr/>
+          <p:nvPr/>
+        </p:nvSpPr>
+        <p:spPr>
+          <a:xfrm>
+            <a:off x="3275856" y="1813199"/>
+            <a:ext cx="288032" cy="288032"/>
+          </a:xfrm>
+          <a:prstGeom prst="ellipse">
+            <a:avLst/>
+          </a:prstGeom>
+          <a:solidFill>
+            <a:schemeClr val="bg1">
+              <a:lumMod val="85000"/>
+            </a:schemeClr>
+          </a:solidFill>
+          <a:ln w="19050">
+            <a:solidFill>
+              <a:schemeClr val="tx1"/>
+            </a:solidFill>
+          </a:ln>
+        </p:spPr>
+        <p:style>
+          <a:lnRef idx="2">
+            <a:schemeClr val="accent1">
+              <a:shade val="50000"/>
+            </a:schemeClr>
+          </a:lnRef>
+          <a:fillRef idx="1">
+            <a:schemeClr val="accent1"/>
+          </a:fillRef>
+          <a:effectRef idx="0">
+            <a:schemeClr val="accent1"/>
+          </a:effectRef>
+          <a:fontRef idx="minor">
+            <a:schemeClr val="lt1"/>
+          </a:fontRef>
+        </p:style>
+        <p:txBody>
+          <a:bodyPr rtlCol="0" anchor="ctr"/>
+          <a:lstStyle/>
+          <a:p>
+            <a:pPr algn="ctr"/>
+            <a:r>
+              <a:rPr lang="fr-FR" sz="1400" b="1" dirty="0" smtClean="0">
+                <a:solidFill>
+                  <a:schemeClr val="tx1"/>
+                </a:solidFill>
+              </a:rPr>
+              <a:t>4</a:t>
+            </a:r>
+            <a:endParaRPr lang="fr-FR" sz="1400" b="1" dirty="0">
+              <a:solidFill>
+                <a:schemeClr val="tx1"/>
+              </a:solidFill>
+            </a:endParaRPr>
+          </a:p>
+        </p:txBody>
+      </p:sp>
+      <p:sp>
+        <p:nvSpPr>
+          <p:cNvPr id="8" name="Ellipse 7"/>
+          <p:cNvSpPr/>
+          <p:nvPr/>
+        </p:nvSpPr>
+        <p:spPr>
+          <a:xfrm>
+            <a:off x="323528" y="1813199"/>
+            <a:ext cx="288032" cy="288032"/>
+          </a:xfrm>
+          <a:prstGeom prst="ellipse">
+            <a:avLst/>
+          </a:prstGeom>
+          <a:solidFill>
+            <a:schemeClr val="accent6">
+              <a:lumMod val="20000"/>
+              <a:lumOff val="80000"/>
+            </a:schemeClr>
+          </a:solidFill>
+          <a:ln w="19050">
+            <a:solidFill>
+              <a:schemeClr val="accent6">
+                <a:lumMod val="50000"/>
+              </a:schemeClr>
+            </a:solidFill>
+          </a:ln>
+        </p:spPr>
+        <p:style>
+          <a:lnRef idx="2">
+            <a:schemeClr val="accent1">
+              <a:shade val="50000"/>
+            </a:schemeClr>
+          </a:lnRef>
+          <a:fillRef idx="1">
+            <a:schemeClr val="accent1"/>
+          </a:fillRef>
+          <a:effectRef idx="0">
+            <a:schemeClr val="accent1"/>
+          </a:effectRef>
+          <a:fontRef idx="minor">
+            <a:schemeClr val="lt1"/>
+          </a:fontRef>
+        </p:style>
+        <p:txBody>
+          <a:bodyPr rtlCol="0" anchor="ctr"/>
+          <a:lstStyle/>
+          <a:p>
+            <a:pPr algn="ctr"/>
+            <a:r>
+              <a:rPr lang="fr-FR" sz="1400" b="1" dirty="0" smtClean="0">
+                <a:solidFill>
+                  <a:schemeClr val="accent6">
+                    <a:lumMod val="50000"/>
+                  </a:schemeClr>
+                </a:solidFill>
+              </a:rPr>
+              <a:t>0</a:t>
+            </a:r>
+            <a:endParaRPr lang="fr-FR" sz="1400" b="1" dirty="0">
+              <a:solidFill>
+                <a:schemeClr val="accent6">
+                  <a:lumMod val="50000"/>
+                </a:schemeClr>
+              </a:solidFill>
+            </a:endParaRPr>
+          </a:p>
+        </p:txBody>
+      </p:sp>
+      <p:cxnSp>
+        <p:nvCxnSpPr>
+          <p:cNvPr id="10" name="Connecteur droit 9"/>
+          <p:cNvCxnSpPr>
+            <a:stCxn id="8" idx="6"/>
+            <a:endCxn id="4" idx="2"/>
+          </p:cNvCxnSpPr>
+          <p:nvPr/>
+        </p:nvCxnSpPr>
+        <p:spPr>
+          <a:xfrm>
+            <a:off x="611560" y="1957215"/>
+            <a:ext cx="450050" cy="0"/>
+          </a:xfrm>
+          <a:prstGeom prst="line">
+            <a:avLst/>
+          </a:prstGeom>
+          <a:ln w="19050">
+            <a:solidFill>
+              <a:schemeClr val="tx1"/>
+            </a:solidFill>
+          </a:ln>
+        </p:spPr>
+        <p:style>
+          <a:lnRef idx="1">
+            <a:schemeClr val="accent1"/>
+          </a:lnRef>
+          <a:fillRef idx="0">
+            <a:schemeClr val="accent1"/>
+          </a:fillRef>
+          <a:effectRef idx="0">
+            <a:schemeClr val="accent1"/>
+          </a:effectRef>
+          <a:fontRef idx="minor">
+            <a:schemeClr val="tx1"/>
+          </a:fontRef>
+        </p:style>
+      </p:cxnSp>
+      <p:cxnSp>
+        <p:nvCxnSpPr>
+          <p:cNvPr id="11" name="Connecteur droit 10"/>
+          <p:cNvCxnSpPr>
+            <a:stCxn id="5" idx="2"/>
+            <a:endCxn id="4" idx="6"/>
+          </p:cNvCxnSpPr>
+          <p:nvPr/>
+        </p:nvCxnSpPr>
+        <p:spPr>
+          <a:xfrm flipH="1">
+            <a:off x="1349642" y="1957215"/>
+            <a:ext cx="450050" cy="0"/>
+          </a:xfrm>
+          <a:prstGeom prst="line">
+            <a:avLst/>
+          </a:prstGeom>
+          <a:ln w="19050">
+            <a:solidFill>
+              <a:schemeClr val="tx1"/>
+            </a:solidFill>
+          </a:ln>
+        </p:spPr>
+        <p:style>
+          <a:lnRef idx="1">
+            <a:schemeClr val="accent1"/>
+          </a:lnRef>
+          <a:fillRef idx="0">
+            <a:schemeClr val="accent1"/>
+          </a:fillRef>
+          <a:effectRef idx="0">
+            <a:schemeClr val="accent1"/>
+          </a:effectRef>
+          <a:fontRef idx="minor">
+            <a:schemeClr val="tx1"/>
+          </a:fontRef>
+        </p:style>
+      </p:cxnSp>
+      <p:cxnSp>
+        <p:nvCxnSpPr>
+          <p:cNvPr id="14" name="Connecteur droit 13"/>
+          <p:cNvCxnSpPr>
+            <a:stCxn id="6" idx="2"/>
+            <a:endCxn id="5" idx="6"/>
+          </p:cNvCxnSpPr>
+          <p:nvPr/>
+        </p:nvCxnSpPr>
+        <p:spPr>
+          <a:xfrm flipH="1">
+            <a:off x="2087724" y="1957215"/>
+            <a:ext cx="450050" cy="0"/>
+          </a:xfrm>
+          <a:prstGeom prst="line">
+            <a:avLst/>
+          </a:prstGeom>
+          <a:ln w="19050">
+            <a:solidFill>
+              <a:schemeClr val="tx1"/>
+            </a:solidFill>
+          </a:ln>
+        </p:spPr>
+        <p:style>
+          <a:lnRef idx="1">
+            <a:schemeClr val="accent1"/>
+          </a:lnRef>
+          <a:fillRef idx="0">
+            <a:schemeClr val="accent1"/>
+          </a:fillRef>
+          <a:effectRef idx="0">
+            <a:schemeClr val="accent1"/>
+          </a:effectRef>
+          <a:fontRef idx="minor">
+            <a:schemeClr val="tx1"/>
+          </a:fontRef>
+        </p:style>
+      </p:cxnSp>
+      <p:cxnSp>
+        <p:nvCxnSpPr>
+          <p:cNvPr id="17" name="Connecteur droit 16"/>
+          <p:cNvCxnSpPr>
+            <a:stCxn id="7" idx="2"/>
+            <a:endCxn id="6" idx="6"/>
+          </p:cNvCxnSpPr>
+          <p:nvPr/>
+        </p:nvCxnSpPr>
+        <p:spPr>
+          <a:xfrm flipH="1">
+            <a:off x="2825806" y="1957215"/>
+            <a:ext cx="450050" cy="0"/>
+          </a:xfrm>
+          <a:prstGeom prst="line">
+            <a:avLst/>
+          </a:prstGeom>
+          <a:ln w="19050">
+            <a:solidFill>
+              <a:schemeClr val="tx1"/>
+            </a:solidFill>
+          </a:ln>
+        </p:spPr>
+        <p:style>
+          <a:lnRef idx="1">
+            <a:schemeClr val="accent1"/>
+          </a:lnRef>
+          <a:fillRef idx="0">
+            <a:schemeClr val="accent1"/>
+          </a:fillRef>
+          <a:effectRef idx="0">
+            <a:schemeClr val="accent1"/>
+          </a:effectRef>
+          <a:fontRef idx="minor">
+            <a:schemeClr val="tx1"/>
+          </a:fontRef>
+        </p:style>
+      </p:cxnSp>
+      <p:sp>
+        <p:nvSpPr>
+          <p:cNvPr id="24" name="Forme libre 23"/>
+          <p:cNvSpPr/>
+          <p:nvPr/>
+        </p:nvSpPr>
+        <p:spPr>
+          <a:xfrm>
+            <a:off x="539552" y="1746854"/>
+            <a:ext cx="576064" cy="99996"/>
+          </a:xfrm>
+          <a:custGeom>
+            <a:avLst/>
+            <a:gdLst>
+              <a:gd name="connsiteX0" fmla="*/ 0 w 596900"/>
+              <a:gd name="connsiteY0" fmla="*/ 209768 h 209768"/>
+              <a:gd name="connsiteX1" fmla="*/ 317500 w 596900"/>
+              <a:gd name="connsiteY1" fmla="*/ 218 h 209768"/>
+              <a:gd name="connsiteX2" fmla="*/ 596900 w 596900"/>
+              <a:gd name="connsiteY2" fmla="*/ 178018 h 209768"/>
+              <a:gd name="connsiteX0" fmla="*/ 0 w 660400"/>
+              <a:gd name="connsiteY0" fmla="*/ 210341 h 280191"/>
+              <a:gd name="connsiteX1" fmla="*/ 317500 w 660400"/>
+              <a:gd name="connsiteY1" fmla="*/ 791 h 280191"/>
+              <a:gd name="connsiteX2" fmla="*/ 660400 w 660400"/>
+              <a:gd name="connsiteY2" fmla="*/ 280191 h 280191"/>
+              <a:gd name="connsiteX0" fmla="*/ 0 w 736600"/>
+              <a:gd name="connsiteY0" fmla="*/ 273055 h 279405"/>
+              <a:gd name="connsiteX1" fmla="*/ 393700 w 736600"/>
+              <a:gd name="connsiteY1" fmla="*/ 5 h 279405"/>
+              <a:gd name="connsiteX2" fmla="*/ 736600 w 736600"/>
+              <a:gd name="connsiteY2" fmla="*/ 279405 h 279405"/>
+            </a:gdLst>
+            <a:ahLst/>
+            <a:cxnLst>
+              <a:cxn ang="0">
+                <a:pos x="connsiteX0" y="connsiteY0"/>
+              </a:cxn>
+              <a:cxn ang="0">
+                <a:pos x="connsiteX1" y="connsiteY1"/>
+              </a:cxn>
+              <a:cxn ang="0">
+                <a:pos x="connsiteX2" y="connsiteY2"/>
+              </a:cxn>
+            </a:cxnLst>
+            <a:rect l="l" t="t" r="r" b="b"/>
+            <a:pathLst>
+              <a:path w="736600" h="279405">
+                <a:moveTo>
+                  <a:pt x="0" y="273055"/>
+                </a:moveTo>
+                <a:cubicBezTo>
+                  <a:pt x="109008" y="170926"/>
+                  <a:pt x="270933" y="-1053"/>
+                  <a:pt x="393700" y="5"/>
+                </a:cubicBezTo>
+                <a:cubicBezTo>
+                  <a:pt x="516467" y="1063"/>
+                  <a:pt x="646641" y="187859"/>
+                  <a:pt x="736600" y="279405"/>
+                </a:cubicBezTo>
+              </a:path>
+            </a:pathLst>
+          </a:custGeom>
+          <a:noFill/>
+          <a:ln>
+            <a:solidFill>
+              <a:srgbClr val="C00000"/>
+            </a:solidFill>
+            <a:headEnd type="stealth" w="med" len="lg"/>
+            <a:tailEnd type="stealth" w="med" len="lg"/>
+          </a:ln>
+        </p:spPr>
+        <p:style>
+          <a:lnRef idx="2">
+            <a:schemeClr val="accent1">
+              <a:shade val="50000"/>
+            </a:schemeClr>
+          </a:lnRef>
+          <a:fillRef idx="1">
+            <a:schemeClr val="accent1"/>
+          </a:fillRef>
+          <a:effectRef idx="0">
+            <a:schemeClr val="accent1"/>
+          </a:effectRef>
+          <a:fontRef idx="minor">
+            <a:schemeClr val="lt1"/>
+          </a:fontRef>
+        </p:style>
+        <p:txBody>
+          <a:bodyPr rtlCol="0" anchor="ctr"/>
+          <a:lstStyle/>
+          <a:p>
+            <a:pPr algn="ctr"/>
+            <a:endParaRPr lang="fr-FR"/>
+          </a:p>
+        </p:txBody>
+      </p:sp>
+      <p:sp>
+        <p:nvSpPr>
+          <p:cNvPr id="25" name="Forme libre 24"/>
+          <p:cNvSpPr/>
+          <p:nvPr/>
+        </p:nvSpPr>
+        <p:spPr>
+          <a:xfrm>
+            <a:off x="1286635" y="1746854"/>
+            <a:ext cx="576064" cy="99996"/>
+          </a:xfrm>
+          <a:custGeom>
+            <a:avLst/>
+            <a:gdLst>
+              <a:gd name="connsiteX0" fmla="*/ 0 w 596900"/>
+              <a:gd name="connsiteY0" fmla="*/ 209768 h 209768"/>
+              <a:gd name="connsiteX1" fmla="*/ 317500 w 596900"/>
+              <a:gd name="connsiteY1" fmla="*/ 218 h 209768"/>
+              <a:gd name="connsiteX2" fmla="*/ 596900 w 596900"/>
+              <a:gd name="connsiteY2" fmla="*/ 178018 h 209768"/>
+              <a:gd name="connsiteX0" fmla="*/ 0 w 660400"/>
+              <a:gd name="connsiteY0" fmla="*/ 210341 h 280191"/>
+              <a:gd name="connsiteX1" fmla="*/ 317500 w 660400"/>
+              <a:gd name="connsiteY1" fmla="*/ 791 h 280191"/>
+              <a:gd name="connsiteX2" fmla="*/ 660400 w 660400"/>
+              <a:gd name="connsiteY2" fmla="*/ 280191 h 280191"/>
+              <a:gd name="connsiteX0" fmla="*/ 0 w 736600"/>
+              <a:gd name="connsiteY0" fmla="*/ 273055 h 279405"/>
+              <a:gd name="connsiteX1" fmla="*/ 393700 w 736600"/>
+              <a:gd name="connsiteY1" fmla="*/ 5 h 279405"/>
+              <a:gd name="connsiteX2" fmla="*/ 736600 w 736600"/>
+              <a:gd name="connsiteY2" fmla="*/ 279405 h 279405"/>
+            </a:gdLst>
+            <a:ahLst/>
+            <a:cxnLst>
+              <a:cxn ang="0">
+                <a:pos x="connsiteX0" y="connsiteY0"/>
+              </a:cxn>
+              <a:cxn ang="0">
+                <a:pos x="connsiteX1" y="connsiteY1"/>
+              </a:cxn>
+              <a:cxn ang="0">
+                <a:pos x="connsiteX2" y="connsiteY2"/>
+              </a:cxn>
+            </a:cxnLst>
+            <a:rect l="l" t="t" r="r" b="b"/>
+            <a:pathLst>
+              <a:path w="736600" h="279405">
+                <a:moveTo>
+                  <a:pt x="0" y="273055"/>
+                </a:moveTo>
+                <a:cubicBezTo>
+                  <a:pt x="109008" y="170926"/>
+                  <a:pt x="270933" y="-1053"/>
+                  <a:pt x="393700" y="5"/>
+                </a:cubicBezTo>
+                <a:cubicBezTo>
+                  <a:pt x="516467" y="1063"/>
+                  <a:pt x="646641" y="187859"/>
+                  <a:pt x="736600" y="279405"/>
+                </a:cubicBezTo>
+              </a:path>
+            </a:pathLst>
+          </a:custGeom>
+          <a:noFill/>
+          <a:ln>
+            <a:solidFill>
+              <a:srgbClr val="C00000"/>
+            </a:solidFill>
+            <a:headEnd type="stealth" w="med" len="lg"/>
+            <a:tailEnd type="stealth" w="med" len="lg"/>
+          </a:ln>
+        </p:spPr>
+        <p:style>
+          <a:lnRef idx="2">
+            <a:schemeClr val="accent1">
+              <a:shade val="50000"/>
+            </a:schemeClr>
+          </a:lnRef>
+          <a:fillRef idx="1">
+            <a:schemeClr val="accent1"/>
+          </a:fillRef>
+          <a:effectRef idx="0">
+            <a:schemeClr val="accent1"/>
+          </a:effectRef>
+          <a:fontRef idx="minor">
+            <a:schemeClr val="lt1"/>
+          </a:fontRef>
+        </p:style>
+        <p:txBody>
+          <a:bodyPr rtlCol="0" anchor="ctr"/>
+          <a:lstStyle/>
+          <a:p>
+            <a:pPr algn="ctr"/>
+            <a:endParaRPr lang="fr-FR"/>
+          </a:p>
+        </p:txBody>
+      </p:sp>
+      <p:sp>
+        <p:nvSpPr>
+          <p:cNvPr id="26" name="Forme libre 25"/>
+          <p:cNvSpPr/>
+          <p:nvPr/>
+        </p:nvSpPr>
+        <p:spPr>
+          <a:xfrm>
+            <a:off x="2033718" y="1746854"/>
+            <a:ext cx="576064" cy="99996"/>
+          </a:xfrm>
+          <a:custGeom>
+            <a:avLst/>
+            <a:gdLst>
+              <a:gd name="connsiteX0" fmla="*/ 0 w 596900"/>
+              <a:gd name="connsiteY0" fmla="*/ 209768 h 209768"/>
+              <a:gd name="connsiteX1" fmla="*/ 317500 w 596900"/>
+              <a:gd name="connsiteY1" fmla="*/ 218 h 209768"/>
+              <a:gd name="connsiteX2" fmla="*/ 596900 w 596900"/>
+              <a:gd name="connsiteY2" fmla="*/ 178018 h 209768"/>
+              <a:gd name="connsiteX0" fmla="*/ 0 w 660400"/>
+              <a:gd name="connsiteY0" fmla="*/ 210341 h 280191"/>
+              <a:gd name="connsiteX1" fmla="*/ 317500 w 660400"/>
+              <a:gd name="connsiteY1" fmla="*/ 791 h 280191"/>
+              <a:gd name="connsiteX2" fmla="*/ 660400 w 660400"/>
+              <a:gd name="connsiteY2" fmla="*/ 280191 h 280191"/>
+              <a:gd name="connsiteX0" fmla="*/ 0 w 736600"/>
+              <a:gd name="connsiteY0" fmla="*/ 273055 h 279405"/>
+              <a:gd name="connsiteX1" fmla="*/ 393700 w 736600"/>
+              <a:gd name="connsiteY1" fmla="*/ 5 h 279405"/>
+              <a:gd name="connsiteX2" fmla="*/ 736600 w 736600"/>
+              <a:gd name="connsiteY2" fmla="*/ 279405 h 279405"/>
+            </a:gdLst>
+            <a:ahLst/>
+            <a:cxnLst>
+              <a:cxn ang="0">
+                <a:pos x="connsiteX0" y="connsiteY0"/>
+              </a:cxn>
+              <a:cxn ang="0">
+                <a:pos x="connsiteX1" y="connsiteY1"/>
+              </a:cxn>
+              <a:cxn ang="0">
+                <a:pos x="connsiteX2" y="connsiteY2"/>
+              </a:cxn>
+            </a:cxnLst>
+            <a:rect l="l" t="t" r="r" b="b"/>
+            <a:pathLst>
+              <a:path w="736600" h="279405">
+                <a:moveTo>
+                  <a:pt x="0" y="273055"/>
+                </a:moveTo>
+                <a:cubicBezTo>
+                  <a:pt x="109008" y="170926"/>
+                  <a:pt x="270933" y="-1053"/>
+                  <a:pt x="393700" y="5"/>
+                </a:cubicBezTo>
+                <a:cubicBezTo>
+                  <a:pt x="516467" y="1063"/>
+                  <a:pt x="646641" y="187859"/>
+                  <a:pt x="736600" y="279405"/>
+                </a:cubicBezTo>
+              </a:path>
+            </a:pathLst>
+          </a:custGeom>
+          <a:noFill/>
+          <a:ln>
+            <a:solidFill>
+              <a:srgbClr val="C00000"/>
+            </a:solidFill>
+            <a:headEnd type="stealth" w="med" len="lg"/>
+            <a:tailEnd type="stealth" w="med" len="lg"/>
+          </a:ln>
+        </p:spPr>
+        <p:style>
+          <a:lnRef idx="2">
+            <a:schemeClr val="accent1">
+              <a:shade val="50000"/>
+            </a:schemeClr>
+          </a:lnRef>
+          <a:fillRef idx="1">
+            <a:schemeClr val="accent1"/>
+          </a:fillRef>
+          <a:effectRef idx="0">
+            <a:schemeClr val="accent1"/>
+          </a:effectRef>
+          <a:fontRef idx="minor">
+            <a:schemeClr val="lt1"/>
+          </a:fontRef>
+        </p:style>
+        <p:txBody>
+          <a:bodyPr rtlCol="0" anchor="ctr"/>
+          <a:lstStyle/>
+          <a:p>
+            <a:pPr algn="ctr"/>
+            <a:endParaRPr lang="fr-FR"/>
+          </a:p>
+        </p:txBody>
+      </p:sp>
+      <p:sp>
+        <p:nvSpPr>
+          <p:cNvPr id="27" name="Forme libre 26"/>
+          <p:cNvSpPr/>
+          <p:nvPr/>
+        </p:nvSpPr>
+        <p:spPr>
+          <a:xfrm>
+            <a:off x="2780801" y="1746854"/>
+            <a:ext cx="576064" cy="99996"/>
+          </a:xfrm>
+          <a:custGeom>
+            <a:avLst/>
+            <a:gdLst>
+              <a:gd name="connsiteX0" fmla="*/ 0 w 596900"/>
+              <a:gd name="connsiteY0" fmla="*/ 209768 h 209768"/>
+              <a:gd name="connsiteX1" fmla="*/ 317500 w 596900"/>
+              <a:gd name="connsiteY1" fmla="*/ 218 h 209768"/>
+              <a:gd name="connsiteX2" fmla="*/ 596900 w 596900"/>
+              <a:gd name="connsiteY2" fmla="*/ 178018 h 209768"/>
+              <a:gd name="connsiteX0" fmla="*/ 0 w 660400"/>
+              <a:gd name="connsiteY0" fmla="*/ 210341 h 280191"/>
+              <a:gd name="connsiteX1" fmla="*/ 317500 w 660400"/>
+              <a:gd name="connsiteY1" fmla="*/ 791 h 280191"/>
+              <a:gd name="connsiteX2" fmla="*/ 660400 w 660400"/>
+              <a:gd name="connsiteY2" fmla="*/ 280191 h 280191"/>
+              <a:gd name="connsiteX0" fmla="*/ 0 w 736600"/>
+              <a:gd name="connsiteY0" fmla="*/ 273055 h 279405"/>
+              <a:gd name="connsiteX1" fmla="*/ 393700 w 736600"/>
+              <a:gd name="connsiteY1" fmla="*/ 5 h 279405"/>
+              <a:gd name="connsiteX2" fmla="*/ 736600 w 736600"/>
+              <a:gd name="connsiteY2" fmla="*/ 279405 h 279405"/>
+            </a:gdLst>
+            <a:ahLst/>
+            <a:cxnLst>
+              <a:cxn ang="0">
+                <a:pos x="connsiteX0" y="connsiteY0"/>
+              </a:cxn>
+              <a:cxn ang="0">
+                <a:pos x="connsiteX1" y="connsiteY1"/>
+              </a:cxn>
+              <a:cxn ang="0">
+                <a:pos x="connsiteX2" y="connsiteY2"/>
+              </a:cxn>
+            </a:cxnLst>
+            <a:rect l="l" t="t" r="r" b="b"/>
+            <a:pathLst>
+              <a:path w="736600" h="279405">
+                <a:moveTo>
+                  <a:pt x="0" y="273055"/>
+                </a:moveTo>
+                <a:cubicBezTo>
+                  <a:pt x="109008" y="170926"/>
+                  <a:pt x="270933" y="-1053"/>
+                  <a:pt x="393700" y="5"/>
+                </a:cubicBezTo>
+                <a:cubicBezTo>
+                  <a:pt x="516467" y="1063"/>
+                  <a:pt x="646641" y="187859"/>
+                  <a:pt x="736600" y="279405"/>
+                </a:cubicBezTo>
+              </a:path>
+            </a:pathLst>
+          </a:custGeom>
+          <a:noFill/>
+          <a:ln>
+            <a:solidFill>
+              <a:srgbClr val="C00000"/>
+            </a:solidFill>
+            <a:headEnd type="stealth" w="med" len="lg"/>
+            <a:tailEnd type="stealth" w="med" len="lg"/>
+          </a:ln>
+        </p:spPr>
+        <p:style>
+          <a:lnRef idx="2">
+            <a:schemeClr val="accent1">
+              <a:shade val="50000"/>
+            </a:schemeClr>
+          </a:lnRef>
+          <a:fillRef idx="1">
+            <a:schemeClr val="accent1"/>
+          </a:fillRef>
+          <a:effectRef idx="0">
+            <a:schemeClr val="accent1"/>
+          </a:effectRef>
+          <a:fontRef idx="minor">
+            <a:schemeClr val="lt1"/>
+          </a:fontRef>
+        </p:style>
+        <p:txBody>
+          <a:bodyPr rtlCol="0" anchor="ctr"/>
+          <a:lstStyle/>
+          <a:p>
+            <a:pPr algn="ctr"/>
+            <a:endParaRPr lang="fr-FR"/>
+          </a:p>
+        </p:txBody>
+      </p:sp>
+      <p:sp>
+        <p:nvSpPr>
+          <p:cNvPr id="28" name="Forme libre 27"/>
+          <p:cNvSpPr/>
+          <p:nvPr/>
+        </p:nvSpPr>
+        <p:spPr>
+          <a:xfrm>
+            <a:off x="3548906" y="1796852"/>
+            <a:ext cx="576064" cy="99996"/>
+          </a:xfrm>
+          <a:custGeom>
+            <a:avLst/>
+            <a:gdLst>
+              <a:gd name="connsiteX0" fmla="*/ 0 w 596900"/>
+              <a:gd name="connsiteY0" fmla="*/ 209768 h 209768"/>
+              <a:gd name="connsiteX1" fmla="*/ 317500 w 596900"/>
+              <a:gd name="connsiteY1" fmla="*/ 218 h 209768"/>
+              <a:gd name="connsiteX2" fmla="*/ 596900 w 596900"/>
+              <a:gd name="connsiteY2" fmla="*/ 178018 h 209768"/>
+              <a:gd name="connsiteX0" fmla="*/ 0 w 660400"/>
+              <a:gd name="connsiteY0" fmla="*/ 210341 h 280191"/>
+              <a:gd name="connsiteX1" fmla="*/ 317500 w 660400"/>
+              <a:gd name="connsiteY1" fmla="*/ 791 h 280191"/>
+              <a:gd name="connsiteX2" fmla="*/ 660400 w 660400"/>
+              <a:gd name="connsiteY2" fmla="*/ 280191 h 280191"/>
+              <a:gd name="connsiteX0" fmla="*/ 0 w 736600"/>
+              <a:gd name="connsiteY0" fmla="*/ 273055 h 279405"/>
+              <a:gd name="connsiteX1" fmla="*/ 393700 w 736600"/>
+              <a:gd name="connsiteY1" fmla="*/ 5 h 279405"/>
+              <a:gd name="connsiteX2" fmla="*/ 736600 w 736600"/>
+              <a:gd name="connsiteY2" fmla="*/ 279405 h 279405"/>
+            </a:gdLst>
+            <a:ahLst/>
+            <a:cxnLst>
+              <a:cxn ang="0">
+                <a:pos x="connsiteX0" y="connsiteY0"/>
+              </a:cxn>
+              <a:cxn ang="0">
+                <a:pos x="connsiteX1" y="connsiteY1"/>
+              </a:cxn>
+              <a:cxn ang="0">
+                <a:pos x="connsiteX2" y="connsiteY2"/>
+              </a:cxn>
+            </a:cxnLst>
+            <a:rect l="l" t="t" r="r" b="b"/>
+            <a:pathLst>
+              <a:path w="736600" h="279405">
+                <a:moveTo>
+                  <a:pt x="0" y="273055"/>
+                </a:moveTo>
+                <a:cubicBezTo>
+                  <a:pt x="109008" y="170926"/>
+                  <a:pt x="270933" y="-1053"/>
+                  <a:pt x="393700" y="5"/>
+                </a:cubicBezTo>
+                <a:cubicBezTo>
+                  <a:pt x="516467" y="1063"/>
+                  <a:pt x="646641" y="187859"/>
+                  <a:pt x="736600" y="279405"/>
+                </a:cubicBezTo>
+              </a:path>
+            </a:pathLst>
+          </a:custGeom>
+          <a:noFill/>
+          <a:ln>
+            <a:solidFill>
+              <a:srgbClr val="C00000"/>
+            </a:solidFill>
+            <a:headEnd type="stealth" w="med" len="lg"/>
+            <a:tailEnd type="none" w="med" len="lg"/>
+          </a:ln>
+        </p:spPr>
+        <p:style>
+          <a:lnRef idx="2">
+            <a:schemeClr val="accent1">
+              <a:shade val="50000"/>
+            </a:schemeClr>
+          </a:lnRef>
+          <a:fillRef idx="1">
+            <a:schemeClr val="accent1"/>
+          </a:fillRef>
+          <a:effectRef idx="0">
+            <a:schemeClr val="accent1"/>
+          </a:effectRef>
+          <a:fontRef idx="minor">
+            <a:schemeClr val="lt1"/>
+          </a:fontRef>
+        </p:style>
+        <p:txBody>
+          <a:bodyPr rtlCol="0" anchor="ctr"/>
+          <a:lstStyle/>
+          <a:p>
+            <a:pPr algn="ctr"/>
+            <a:endParaRPr lang="fr-FR"/>
+          </a:p>
+        </p:txBody>
+      </p:sp>
+      <p:sp>
+        <p:nvSpPr>
+          <p:cNvPr id="29" name="Rectangle à coins arrondis 28"/>
+          <p:cNvSpPr/>
+          <p:nvPr/>
+        </p:nvSpPr>
+        <p:spPr>
+          <a:xfrm>
+            <a:off x="971600" y="1348285"/>
+            <a:ext cx="2736304" cy="1000595"/>
+          </a:xfrm>
+          <a:prstGeom prst="roundRect">
+            <a:avLst/>
+          </a:prstGeom>
+          <a:noFill/>
+          <a:ln w="19050">
+            <a:prstDash val="sysDash"/>
+          </a:ln>
+        </p:spPr>
+        <p:style>
+          <a:lnRef idx="2">
+            <a:schemeClr val="accent1">
+              <a:shade val="50000"/>
+            </a:schemeClr>
+          </a:lnRef>
+          <a:fillRef idx="1">
+            <a:schemeClr val="accent1"/>
+          </a:fillRef>
+          <a:effectRef idx="0">
+            <a:schemeClr val="accent1"/>
+          </a:effectRef>
+          <a:fontRef idx="minor">
+            <a:schemeClr val="lt1"/>
+          </a:fontRef>
+        </p:style>
+        <p:txBody>
+          <a:bodyPr rtlCol="0" anchor="ctr"/>
+          <a:lstStyle/>
+          <a:p>
+            <a:pPr algn="ctr"/>
+            <a:endParaRPr lang="fr-FR"/>
+          </a:p>
+        </p:txBody>
+      </p:sp>
+      <p:sp>
+        <p:nvSpPr>
+          <p:cNvPr id="30" name="Forme libre 29"/>
+          <p:cNvSpPr/>
+          <p:nvPr/>
+        </p:nvSpPr>
+        <p:spPr>
+          <a:xfrm rot="18900000">
+            <a:off x="2189750" y="1038546"/>
+            <a:ext cx="576064" cy="99996"/>
+          </a:xfrm>
+          <a:custGeom>
+            <a:avLst/>
+            <a:gdLst>
+              <a:gd name="connsiteX0" fmla="*/ 0 w 596900"/>
+              <a:gd name="connsiteY0" fmla="*/ 209768 h 209768"/>
+              <a:gd name="connsiteX1" fmla="*/ 317500 w 596900"/>
+              <a:gd name="connsiteY1" fmla="*/ 218 h 209768"/>
+              <a:gd name="connsiteX2" fmla="*/ 596900 w 596900"/>
+              <a:gd name="connsiteY2" fmla="*/ 178018 h 209768"/>
+              <a:gd name="connsiteX0" fmla="*/ 0 w 660400"/>
+              <a:gd name="connsiteY0" fmla="*/ 210341 h 280191"/>
+              <a:gd name="connsiteX1" fmla="*/ 317500 w 660400"/>
+              <a:gd name="connsiteY1" fmla="*/ 791 h 280191"/>
+              <a:gd name="connsiteX2" fmla="*/ 660400 w 660400"/>
+              <a:gd name="connsiteY2" fmla="*/ 280191 h 280191"/>
+              <a:gd name="connsiteX0" fmla="*/ 0 w 736600"/>
+              <a:gd name="connsiteY0" fmla="*/ 273055 h 279405"/>
+              <a:gd name="connsiteX1" fmla="*/ 393700 w 736600"/>
+              <a:gd name="connsiteY1" fmla="*/ 5 h 279405"/>
+              <a:gd name="connsiteX2" fmla="*/ 736600 w 736600"/>
+              <a:gd name="connsiteY2" fmla="*/ 279405 h 279405"/>
+            </a:gdLst>
+            <a:ahLst/>
+            <a:cxnLst>
+              <a:cxn ang="0">
+                <a:pos x="connsiteX0" y="connsiteY0"/>
+              </a:cxn>
+              <a:cxn ang="0">
+                <a:pos x="connsiteX1" y="connsiteY1"/>
+              </a:cxn>
+              <a:cxn ang="0">
+                <a:pos x="connsiteX2" y="connsiteY2"/>
+              </a:cxn>
+            </a:cxnLst>
+            <a:rect l="l" t="t" r="r" b="b"/>
+            <a:pathLst>
+              <a:path w="736600" h="279405">
+                <a:moveTo>
+                  <a:pt x="0" y="273055"/>
+                </a:moveTo>
+                <a:cubicBezTo>
+                  <a:pt x="109008" y="170926"/>
+                  <a:pt x="270933" y="-1053"/>
+                  <a:pt x="393700" y="5"/>
+                </a:cubicBezTo>
+                <a:cubicBezTo>
+                  <a:pt x="516467" y="1063"/>
+                  <a:pt x="646641" y="187859"/>
+                  <a:pt x="736600" y="279405"/>
+                </a:cubicBezTo>
+              </a:path>
+            </a:pathLst>
+          </a:custGeom>
+          <a:noFill/>
+          <a:ln>
+            <a:solidFill>
+              <a:srgbClr val="C00000"/>
+            </a:solidFill>
+            <a:headEnd type="stealth" w="med" len="lg"/>
+            <a:tailEnd type="none" w="med" len="lg"/>
+          </a:ln>
+        </p:spPr>
+        <p:style>
+          <a:lnRef idx="2">
+            <a:schemeClr val="accent1">
+              <a:shade val="50000"/>
+            </a:schemeClr>
+          </a:lnRef>
+          <a:fillRef idx="1">
+            <a:schemeClr val="accent1"/>
+          </a:fillRef>
+          <a:effectRef idx="0">
+            <a:schemeClr val="accent1"/>
+          </a:effectRef>
+          <a:fontRef idx="minor">
+            <a:schemeClr val="lt1"/>
+          </a:fontRef>
+        </p:style>
+        <p:txBody>
+          <a:bodyPr rtlCol="0" anchor="ctr"/>
+          <a:lstStyle/>
+          <a:p>
+            <a:pPr algn="ctr"/>
+            <a:endParaRPr lang="fr-FR"/>
+          </a:p>
+        </p:txBody>
+      </p:sp>
+      <mc:AlternateContent xmlns:mc="http://schemas.openxmlformats.org/markup-compatibility/2006" xmlns:a14="http://schemas.microsoft.com/office/drawing/2010/main">
+        <mc:Choice Requires="a14">
+          <p:sp>
+            <p:nvSpPr>
+              <p:cNvPr id="31" name="ZoneTexte 30"/>
+              <p:cNvSpPr txBox="1"/>
+              <p:nvPr/>
+            </p:nvSpPr>
+            <p:spPr>
+              <a:xfrm rot="5400000">
+                <a:off x="376723" y="2421287"/>
+                <a:ext cx="901722" cy="261610"/>
+              </a:xfrm>
+              <a:prstGeom prst="rect">
+                <a:avLst/>
+              </a:prstGeom>
+              <a:noFill/>
+            </p:spPr>
+            <p:txBody>
+              <a:bodyPr wrap="none" rtlCol="0">
+                <a:spAutoFit/>
+              </a:bodyPr>
+              <a:lstStyle/>
+              <a:p>
+                <a:r>
+                  <a:rPr lang="fr-FR" sz="1100" b="0" dirty="0" smtClean="0"/>
+                  <a:t>Pivot </a:t>
+                </a:r>
+                <a14:m>
+                  <m:oMath xmlns:m="http://schemas.openxmlformats.org/officeDocument/2006/math">
+                    <m:d>
+                      <m:dPr>
+                        <m:ctrlPr>
+                          <a:rPr lang="fr-FR" sz="1100" b="0" i="1" smtClean="0">
+                            <a:latin typeface="Cambria Math"/>
+                          </a:rPr>
+                        </m:ctrlPr>
+                      </m:dPr>
+                      <m:e>
+                        <m:r>
+                          <a:rPr lang="fr-FR" sz="1100" b="0" i="1" smtClean="0">
+                            <a:latin typeface="Cambria Math"/>
+                          </a:rPr>
+                          <m:t>𝑂</m:t>
+                        </m:r>
+                        <m:r>
+                          <a:rPr lang="fr-FR" sz="1100" b="0" i="1" smtClean="0">
+                            <a:latin typeface="Cambria Math"/>
+                          </a:rPr>
+                          <m:t>,</m:t>
+                        </m:r>
+                        <m:acc>
+                          <m:accPr>
+                            <m:chr m:val="⃗"/>
+                            <m:ctrlPr>
+                              <a:rPr lang="fr-FR" sz="1100" b="0" i="1" smtClean="0">
+                                <a:latin typeface="Cambria Math"/>
+                              </a:rPr>
+                            </m:ctrlPr>
+                          </m:accPr>
+                          <m:e>
+                            <m:sSub>
+                              <m:sSubPr>
+                                <m:ctrlPr>
+                                  <a:rPr lang="fr-FR" sz="1100" b="0" i="1" smtClean="0">
+                                    <a:latin typeface="Cambria Math"/>
+                                  </a:rPr>
+                                </m:ctrlPr>
+                              </m:sSubPr>
+                              <m:e>
+                                <m:r>
+                                  <a:rPr lang="fr-FR" sz="1100" b="0" i="1" smtClean="0">
+                                    <a:latin typeface="Cambria Math"/>
+                                  </a:rPr>
+                                  <m:t>𝑧</m:t>
+                                </m:r>
+                              </m:e>
+                              <m:sub>
+                                <m:r>
+                                  <a:rPr lang="fr-FR" sz="1100" b="0" i="1" smtClean="0">
+                                    <a:latin typeface="Cambria Math"/>
+                                  </a:rPr>
+                                  <m:t>1</m:t>
+                                </m:r>
+                              </m:sub>
+                            </m:sSub>
+                          </m:e>
+                        </m:acc>
+                      </m:e>
+                    </m:d>
+                  </m:oMath>
+                </a14:m>
+                <a:endParaRPr lang="fr-FR" sz="1100" dirty="0"/>
+              </a:p>
+            </p:txBody>
+          </p:sp>
+        </mc:Choice>
+        <mc:Fallback xmlns="">
+          <p:sp>
+            <p:nvSpPr>
+              <p:cNvPr id="31" name="ZoneTexte 30"/>
+              <p:cNvSpPr txBox="1">
+                <a:spLocks noRot="1" noChangeAspect="1" noMove="1" noResize="1" noEditPoints="1" noAdjustHandles="1" noChangeArrowheads="1" noChangeShapeType="1" noTextEdit="1"/>
+              </p:cNvSpPr>
+              <p:nvPr/>
+            </p:nvSpPr>
+            <p:spPr>
+              <a:xfrm rot="5400000">
+                <a:off x="376723" y="2421287"/>
+                <a:ext cx="901722" cy="261610"/>
+              </a:xfrm>
+              <a:prstGeom prst="rect">
+                <a:avLst/>
+              </a:prstGeom>
+              <a:blipFill rotWithShape="1">
+                <a:blip r:embed="rId2"/>
+                <a:stretch>
+                  <a:fillRect l="-16279"/>
+                </a:stretch>
+              </a:blipFill>
+            </p:spPr>
+            <p:txBody>
+              <a:bodyPr/>
+              <a:lstStyle/>
+              <a:p>
+                <a:r>
+                  <a:rPr lang="fr-FR">
+                    <a:noFill/>
+                  </a:rPr>
+                  <a:t> </a:t>
+                </a:r>
+              </a:p>
+            </p:txBody>
+          </p:sp>
+        </mc:Fallback>
+      </mc:AlternateContent>
+      <mc:AlternateContent xmlns:mc="http://schemas.openxmlformats.org/markup-compatibility/2006" xmlns:a14="http://schemas.microsoft.com/office/drawing/2010/main">
+        <mc:Choice Requires="a14">
+          <p:sp>
+            <p:nvSpPr>
+              <p:cNvPr id="32" name="ZoneTexte 31"/>
+              <p:cNvSpPr txBox="1"/>
+              <p:nvPr/>
+            </p:nvSpPr>
+            <p:spPr>
+              <a:xfrm rot="5400000">
+                <a:off x="1122171" y="2421287"/>
+                <a:ext cx="904991" cy="261610"/>
+              </a:xfrm>
+              <a:prstGeom prst="rect">
+                <a:avLst/>
+              </a:prstGeom>
+              <a:noFill/>
+            </p:spPr>
+            <p:txBody>
+              <a:bodyPr wrap="none" rtlCol="0">
+                <a:spAutoFit/>
+              </a:bodyPr>
+              <a:lstStyle/>
+              <a:p>
+                <a:r>
+                  <a:rPr lang="fr-FR" sz="1100" b="0" dirty="0" smtClean="0"/>
+                  <a:t>Pivot </a:t>
+                </a:r>
+                <a14:m>
+                  <m:oMath xmlns:m="http://schemas.openxmlformats.org/officeDocument/2006/math">
+                    <m:d>
+                      <m:dPr>
+                        <m:ctrlPr>
+                          <a:rPr lang="fr-FR" sz="1100" b="0" i="1" smtClean="0">
+                            <a:latin typeface="Cambria Math"/>
+                          </a:rPr>
+                        </m:ctrlPr>
+                      </m:dPr>
+                      <m:e>
+                        <m:r>
+                          <a:rPr lang="fr-FR" sz="1100" b="0" i="1" smtClean="0">
+                            <a:latin typeface="Cambria Math"/>
+                          </a:rPr>
+                          <m:t>𝑂</m:t>
+                        </m:r>
+                        <m:r>
+                          <a:rPr lang="fr-FR" sz="1100" b="0" i="1" smtClean="0">
+                            <a:latin typeface="Cambria Math"/>
+                          </a:rPr>
+                          <m:t>,</m:t>
+                        </m:r>
+                        <m:acc>
+                          <m:accPr>
+                            <m:chr m:val="⃗"/>
+                            <m:ctrlPr>
+                              <a:rPr lang="fr-FR" sz="1100" b="0" i="1" smtClean="0">
+                                <a:latin typeface="Cambria Math"/>
+                              </a:rPr>
+                            </m:ctrlPr>
+                          </m:accPr>
+                          <m:e>
+                            <m:sSub>
+                              <m:sSubPr>
+                                <m:ctrlPr>
+                                  <a:rPr lang="fr-FR" sz="1100" b="0" i="1" smtClean="0">
+                                    <a:latin typeface="Cambria Math"/>
+                                  </a:rPr>
+                                </m:ctrlPr>
+                              </m:sSubPr>
+                              <m:e>
+                                <m:r>
+                                  <a:rPr lang="fr-FR" sz="1100" b="0" i="1" smtClean="0">
+                                    <a:latin typeface="Cambria Math"/>
+                                  </a:rPr>
+                                  <m:t>𝑧</m:t>
+                                </m:r>
+                              </m:e>
+                              <m:sub>
+                                <m:r>
+                                  <a:rPr lang="fr-FR" sz="1100" b="0" i="1" smtClean="0">
+                                    <a:latin typeface="Cambria Math"/>
+                                  </a:rPr>
+                                  <m:t>2</m:t>
+                                </m:r>
+                              </m:sub>
+                            </m:sSub>
+                          </m:e>
+                        </m:acc>
+                      </m:e>
+                    </m:d>
+                  </m:oMath>
+                </a14:m>
+                <a:endParaRPr lang="fr-FR" sz="1100" dirty="0"/>
+              </a:p>
+            </p:txBody>
+          </p:sp>
+        </mc:Choice>
+        <mc:Fallback xmlns="">
+          <p:sp>
+            <p:nvSpPr>
+              <p:cNvPr id="32" name="ZoneTexte 31"/>
+              <p:cNvSpPr txBox="1">
+                <a:spLocks noRot="1" noChangeAspect="1" noMove="1" noResize="1" noEditPoints="1" noAdjustHandles="1" noChangeArrowheads="1" noChangeShapeType="1" noTextEdit="1"/>
+              </p:cNvSpPr>
+              <p:nvPr/>
+            </p:nvSpPr>
+            <p:spPr>
+              <a:xfrm rot="5400000">
+                <a:off x="1122171" y="2421287"/>
+                <a:ext cx="904991" cy="261610"/>
+              </a:xfrm>
+              <a:prstGeom prst="rect">
+                <a:avLst/>
+              </a:prstGeom>
+              <a:blipFill rotWithShape="1">
+                <a:blip r:embed="rId3"/>
+                <a:stretch>
+                  <a:fillRect l="-16279"/>
+                </a:stretch>
+              </a:blipFill>
+            </p:spPr>
+            <p:txBody>
+              <a:bodyPr/>
+              <a:lstStyle/>
+              <a:p>
+                <a:r>
+                  <a:rPr lang="fr-FR">
+                    <a:noFill/>
+                  </a:rPr>
+                  <a:t> </a:t>
+                </a:r>
+              </a:p>
+            </p:txBody>
+          </p:sp>
+        </mc:Fallback>
+      </mc:AlternateContent>
+      <mc:AlternateContent xmlns:mc="http://schemas.openxmlformats.org/markup-compatibility/2006" xmlns:a14="http://schemas.microsoft.com/office/drawing/2010/main">
+        <mc:Choice Requires="a14">
+          <p:sp>
+            <p:nvSpPr>
+              <p:cNvPr id="33" name="ZoneTexte 32"/>
+              <p:cNvSpPr txBox="1"/>
+              <p:nvPr/>
+            </p:nvSpPr>
+            <p:spPr>
+              <a:xfrm rot="5400000">
+                <a:off x="1869254" y="2421287"/>
+                <a:ext cx="904991" cy="261610"/>
+              </a:xfrm>
+              <a:prstGeom prst="rect">
+                <a:avLst/>
+              </a:prstGeom>
+              <a:noFill/>
+            </p:spPr>
+            <p:txBody>
+              <a:bodyPr wrap="none" rtlCol="0">
+                <a:spAutoFit/>
+              </a:bodyPr>
+              <a:lstStyle/>
+              <a:p>
+                <a:r>
+                  <a:rPr lang="fr-FR" sz="1100" b="0" dirty="0" smtClean="0"/>
+                  <a:t>Pivot </a:t>
+                </a:r>
+                <a14:m>
+                  <m:oMath xmlns:m="http://schemas.openxmlformats.org/officeDocument/2006/math">
+                    <m:d>
+                      <m:dPr>
+                        <m:ctrlPr>
+                          <a:rPr lang="fr-FR" sz="1100" b="0" i="1" smtClean="0">
+                            <a:latin typeface="Cambria Math"/>
+                          </a:rPr>
+                        </m:ctrlPr>
+                      </m:dPr>
+                      <m:e>
+                        <m:r>
+                          <a:rPr lang="fr-FR" sz="1100" b="0" i="1" smtClean="0">
+                            <a:latin typeface="Cambria Math"/>
+                          </a:rPr>
+                          <m:t>𝑂</m:t>
+                        </m:r>
+                        <m:r>
+                          <a:rPr lang="fr-FR" sz="1100" b="0" i="1" smtClean="0">
+                            <a:latin typeface="Cambria Math"/>
+                          </a:rPr>
+                          <m:t>,</m:t>
+                        </m:r>
+                        <m:acc>
+                          <m:accPr>
+                            <m:chr m:val="⃗"/>
+                            <m:ctrlPr>
+                              <a:rPr lang="fr-FR" sz="1100" b="0" i="1" smtClean="0">
+                                <a:latin typeface="Cambria Math"/>
+                              </a:rPr>
+                            </m:ctrlPr>
+                          </m:accPr>
+                          <m:e>
+                            <m:sSub>
+                              <m:sSubPr>
+                                <m:ctrlPr>
+                                  <a:rPr lang="fr-FR" sz="1100" b="0" i="1" smtClean="0">
+                                    <a:latin typeface="Cambria Math"/>
+                                  </a:rPr>
+                                </m:ctrlPr>
+                              </m:sSubPr>
+                              <m:e>
+                                <m:r>
+                                  <a:rPr lang="fr-FR" sz="1100" b="0" i="1" smtClean="0">
+                                    <a:latin typeface="Cambria Math"/>
+                                  </a:rPr>
+                                  <m:t>𝑧</m:t>
+                                </m:r>
+                              </m:e>
+                              <m:sub>
+                                <m:r>
+                                  <a:rPr lang="fr-FR" sz="1100" b="0" i="1" smtClean="0">
+                                    <a:latin typeface="Cambria Math"/>
+                                  </a:rPr>
+                                  <m:t>3</m:t>
+                                </m:r>
+                              </m:sub>
+                            </m:sSub>
+                          </m:e>
+                        </m:acc>
+                      </m:e>
+                    </m:d>
+                  </m:oMath>
+                </a14:m>
+                <a:endParaRPr lang="fr-FR" sz="1100" dirty="0"/>
+              </a:p>
+            </p:txBody>
+          </p:sp>
+        </mc:Choice>
+        <mc:Fallback xmlns="">
+          <p:sp>
+            <p:nvSpPr>
+              <p:cNvPr id="33" name="ZoneTexte 32"/>
+              <p:cNvSpPr txBox="1">
+                <a:spLocks noRot="1" noChangeAspect="1" noMove="1" noResize="1" noEditPoints="1" noAdjustHandles="1" noChangeArrowheads="1" noChangeShapeType="1" noTextEdit="1"/>
+              </p:cNvSpPr>
+              <p:nvPr/>
+            </p:nvSpPr>
+            <p:spPr>
+              <a:xfrm rot="5400000">
+                <a:off x="1869254" y="2421287"/>
+                <a:ext cx="904991" cy="261610"/>
+              </a:xfrm>
+              <a:prstGeom prst="rect">
+                <a:avLst/>
+              </a:prstGeom>
+              <a:blipFill rotWithShape="1">
+                <a:blip r:embed="rId4"/>
+                <a:stretch>
+                  <a:fillRect l="-16279"/>
+                </a:stretch>
+              </a:blipFill>
+            </p:spPr>
+            <p:txBody>
+              <a:bodyPr/>
+              <a:lstStyle/>
+              <a:p>
+                <a:r>
+                  <a:rPr lang="fr-FR">
+                    <a:noFill/>
+                  </a:rPr>
+                  <a:t> </a:t>
+                </a:r>
+              </a:p>
+            </p:txBody>
+          </p:sp>
+        </mc:Fallback>
+      </mc:AlternateContent>
+      <mc:AlternateContent xmlns:mc="http://schemas.openxmlformats.org/markup-compatibility/2006" xmlns:a14="http://schemas.microsoft.com/office/drawing/2010/main">
+        <mc:Choice Requires="a14">
+          <p:sp>
+            <p:nvSpPr>
+              <p:cNvPr id="34" name="ZoneTexte 33"/>
+              <p:cNvSpPr txBox="1"/>
+              <p:nvPr/>
+            </p:nvSpPr>
+            <p:spPr>
+              <a:xfrm rot="5400000">
+                <a:off x="2498389" y="2421287"/>
+                <a:ext cx="1140890" cy="261610"/>
+              </a:xfrm>
+              <a:prstGeom prst="rect">
+                <a:avLst/>
+              </a:prstGeom>
+              <a:noFill/>
+            </p:spPr>
+            <p:txBody>
+              <a:bodyPr wrap="none" rtlCol="0">
+                <a:spAutoFit/>
+              </a:bodyPr>
+              <a:lstStyle/>
+              <a:p>
+                <a:r>
+                  <a:rPr lang="fr-FR" sz="1100" b="0" dirty="0" smtClean="0"/>
+                  <a:t>Glissière </a:t>
+                </a:r>
+                <a14:m>
+                  <m:oMath xmlns:m="http://schemas.openxmlformats.org/officeDocument/2006/math">
+                    <m:d>
+                      <m:dPr>
+                        <m:ctrlPr>
+                          <a:rPr lang="fr-FR" sz="1100" b="0" i="1" smtClean="0">
+                            <a:latin typeface="Cambria Math"/>
+                          </a:rPr>
+                        </m:ctrlPr>
+                      </m:dPr>
+                      <m:e>
+                        <m:r>
+                          <a:rPr lang="fr-FR" sz="1100" b="0" i="1" smtClean="0">
+                            <a:latin typeface="Cambria Math"/>
+                          </a:rPr>
+                          <m:t>𝑂</m:t>
+                        </m:r>
+                        <m:r>
+                          <a:rPr lang="fr-FR" sz="1100" b="0" i="1" smtClean="0">
+                            <a:latin typeface="Cambria Math"/>
+                          </a:rPr>
+                          <m:t>,</m:t>
+                        </m:r>
+                        <m:acc>
+                          <m:accPr>
+                            <m:chr m:val="⃗"/>
+                            <m:ctrlPr>
+                              <a:rPr lang="fr-FR" sz="1100" b="0" i="1" smtClean="0">
+                                <a:latin typeface="Cambria Math"/>
+                              </a:rPr>
+                            </m:ctrlPr>
+                          </m:accPr>
+                          <m:e>
+                            <m:sSub>
+                              <m:sSubPr>
+                                <m:ctrlPr>
+                                  <a:rPr lang="fr-FR" sz="1100" b="0" i="1" smtClean="0">
+                                    <a:latin typeface="Cambria Math"/>
+                                  </a:rPr>
+                                </m:ctrlPr>
+                              </m:sSubPr>
+                              <m:e>
+                                <m:r>
+                                  <a:rPr lang="fr-FR" sz="1100" b="0" i="1" smtClean="0">
+                                    <a:latin typeface="Cambria Math"/>
+                                  </a:rPr>
+                                  <m:t>𝑧</m:t>
+                                </m:r>
+                              </m:e>
+                              <m:sub>
+                                <m:r>
+                                  <a:rPr lang="fr-FR" sz="1100" b="0" i="1" smtClean="0">
+                                    <a:latin typeface="Cambria Math"/>
+                                  </a:rPr>
+                                  <m:t>3</m:t>
+                                </m:r>
+                              </m:sub>
+                            </m:sSub>
+                          </m:e>
+                        </m:acc>
+                      </m:e>
+                    </m:d>
+                  </m:oMath>
+                </a14:m>
+                <a:endParaRPr lang="fr-FR" sz="1100" dirty="0"/>
+              </a:p>
+            </p:txBody>
+          </p:sp>
+        </mc:Choice>
+        <mc:Fallback xmlns="">
+          <p:sp>
+            <p:nvSpPr>
+              <p:cNvPr id="34" name="ZoneTexte 33"/>
+              <p:cNvSpPr txBox="1">
+                <a:spLocks noRot="1" noChangeAspect="1" noMove="1" noResize="1" noEditPoints="1" noAdjustHandles="1" noChangeArrowheads="1" noChangeShapeType="1" noTextEdit="1"/>
+              </p:cNvSpPr>
+              <p:nvPr/>
+            </p:nvSpPr>
+            <p:spPr>
+              <a:xfrm rot="5400000">
+                <a:off x="2498389" y="2421287"/>
+                <a:ext cx="1140890" cy="261610"/>
+              </a:xfrm>
+              <a:prstGeom prst="rect">
+                <a:avLst/>
+              </a:prstGeom>
+              <a:blipFill rotWithShape="1">
+                <a:blip r:embed="rId5"/>
+                <a:stretch>
+                  <a:fillRect l="-16279"/>
+                </a:stretch>
+              </a:blipFill>
+            </p:spPr>
+            <p:txBody>
+              <a:bodyPr/>
+              <a:lstStyle/>
+              <a:p>
+                <a:r>
+                  <a:rPr lang="fr-FR">
+                    <a:noFill/>
+                  </a:rPr>
+                  <a:t> </a:t>
+                </a:r>
+              </a:p>
+            </p:txBody>
+          </p:sp>
+        </mc:Fallback>
+      </mc:AlternateContent>
+      <mc:AlternateContent xmlns:mc="http://schemas.openxmlformats.org/markup-compatibility/2006" xmlns:a14="http://schemas.microsoft.com/office/drawing/2010/main">
+        <mc:Choice Requires="a14">
+          <p:sp>
+            <p:nvSpPr>
+              <p:cNvPr id="35" name="ZoneTexte 34"/>
+              <p:cNvSpPr txBox="1"/>
+              <p:nvPr/>
+            </p:nvSpPr>
+            <p:spPr>
+              <a:xfrm>
+                <a:off x="4067944" y="1639000"/>
+                <a:ext cx="2465419" cy="627672"/>
+              </a:xfrm>
+              <a:prstGeom prst="rect">
+                <a:avLst/>
+              </a:prstGeom>
+              <a:noFill/>
+            </p:spPr>
+            <p:txBody>
+              <a:bodyPr wrap="none" rtlCol="0">
+                <a:spAutoFit/>
+              </a:bodyPr>
+              <a:lstStyle/>
+              <a:p>
+                <a:pPr/>
+                <a14:m>
+                  <m:oMathPara xmlns:m="http://schemas.openxmlformats.org/officeDocument/2006/math">
+                    <m:oMathParaPr>
+                      <m:jc m:val="centerGroup"/>
+                    </m:oMathParaPr>
+                    <m:oMath xmlns:m="http://schemas.openxmlformats.org/officeDocument/2006/math">
+                      <m:sSub>
+                        <m:sSubPr>
+                          <m:ctrlPr>
+                            <a:rPr lang="fr-FR" sz="1400" b="0" i="1" smtClean="0">
+                              <a:latin typeface="Cambria Math"/>
+                            </a:rPr>
+                          </m:ctrlPr>
+                        </m:sSubPr>
+                        <m:e>
+                          <m:d>
+                            <m:dPr>
+                              <m:begChr m:val="{"/>
+                              <m:endChr m:val="}"/>
+                              <m:ctrlPr>
+                                <a:rPr lang="fr-FR" sz="1400" b="0" i="1" smtClean="0">
+                                  <a:latin typeface="Cambria Math"/>
+                                </a:rPr>
+                              </m:ctrlPr>
+                            </m:dPr>
+                            <m:e>
+                              <m:r>
+                                <a:rPr lang="fr-FR" sz="1400" b="0" i="1" smtClean="0">
+                                  <a:latin typeface="Cambria Math"/>
+                                  <a:ea typeface="Cambria Math"/>
+                                </a:rPr>
+                                <m:t>𝒯</m:t>
+                              </m:r>
+                              <m:d>
+                                <m:dPr>
+                                  <m:ctrlPr>
+                                    <a:rPr lang="fr-FR" sz="1400" b="0" i="1" smtClean="0">
+                                      <a:latin typeface="Cambria Math"/>
+                                      <a:ea typeface="Cambria Math"/>
+                                    </a:rPr>
+                                  </m:ctrlPr>
+                                </m:dPr>
+                                <m:e>
+                                  <m:r>
+                                    <m:rPr>
+                                      <m:sty m:val="p"/>
+                                    </m:rPr>
+                                    <a:rPr lang="fr-FR" sz="1400">
+                                      <a:latin typeface="Cambria Math"/>
+                                    </a:rPr>
+                                    <m:t>ext</m:t>
+                                  </m:r>
+                                  <m:r>
+                                    <a:rPr lang="fr-FR" sz="1400" i="1">
+                                      <a:latin typeface="Cambria Math"/>
+                                    </a:rPr>
+                                    <m:t>→4</m:t>
+                                  </m:r>
+                                </m:e>
+                              </m:d>
+                            </m:e>
+                          </m:d>
+                          <m:r>
+                            <a:rPr lang="fr-FR" sz="1400" b="0" i="1" smtClean="0">
+                              <a:latin typeface="Cambria Math"/>
+                            </a:rPr>
+                            <m:t>=</m:t>
+                          </m:r>
+                          <m:d>
+                            <m:dPr>
+                              <m:begChr m:val="{"/>
+                              <m:endChr m:val="}"/>
+                              <m:ctrlPr>
+                                <a:rPr lang="fr-FR" sz="1400" b="0" i="1" smtClean="0">
+                                  <a:latin typeface="Cambria Math"/>
+                                </a:rPr>
+                              </m:ctrlPr>
+                            </m:dPr>
+                            <m:e>
+                              <m:eqArr>
+                                <m:eqArrPr>
+                                  <m:ctrlPr>
+                                    <a:rPr lang="fr-FR" sz="1400" b="0" i="1" smtClean="0">
+                                      <a:latin typeface="Cambria Math"/>
+                                    </a:rPr>
+                                  </m:ctrlPr>
+                                </m:eqArrPr>
+                                <m:e>
+                                  <m:sSub>
+                                    <m:sSubPr>
+                                      <m:ctrlPr>
+                                        <a:rPr lang="fr-FR" sz="1400" i="1">
+                                          <a:latin typeface="Cambria Math"/>
+                                        </a:rPr>
+                                      </m:ctrlPr>
+                                    </m:sSubPr>
+                                    <m:e>
+                                      <m:r>
+                                        <a:rPr lang="fr-FR" sz="1400" i="1">
+                                          <a:latin typeface="Cambria Math"/>
+                                        </a:rPr>
+                                        <m:t>𝑅</m:t>
+                                      </m:r>
+                                    </m:e>
+                                    <m:sub>
+                                      <m:r>
+                                        <m:rPr>
+                                          <m:sty m:val="p"/>
+                                        </m:rPr>
+                                        <a:rPr lang="fr-FR" sz="1400">
+                                          <a:latin typeface="Cambria Math"/>
+                                        </a:rPr>
+                                        <m:t>ext</m:t>
+                                      </m:r>
+                                      <m:r>
+                                        <a:rPr lang="fr-FR" sz="1400" i="1">
+                                          <a:latin typeface="Cambria Math"/>
+                                        </a:rPr>
+                                        <m:t>→4</m:t>
+                                      </m:r>
+                                    </m:sub>
+                                  </m:sSub>
+                                  <m:acc>
+                                    <m:accPr>
+                                      <m:chr m:val="⃗"/>
+                                      <m:ctrlPr>
+                                        <a:rPr lang="fr-FR" sz="1400" i="1">
+                                          <a:latin typeface="Cambria Math"/>
+                                        </a:rPr>
+                                      </m:ctrlPr>
+                                    </m:accPr>
+                                    <m:e>
+                                      <m:sSub>
+                                        <m:sSubPr>
+                                          <m:ctrlPr>
+                                            <a:rPr lang="fr-FR" sz="1400" i="1">
+                                              <a:latin typeface="Cambria Math"/>
+                                            </a:rPr>
+                                          </m:ctrlPr>
+                                        </m:sSubPr>
+                                        <m:e>
+                                          <m:r>
+                                            <a:rPr lang="fr-FR" sz="1400" i="1">
+                                              <a:latin typeface="Cambria Math"/>
+                                            </a:rPr>
+                                            <m:t>𝑧</m:t>
+                                          </m:r>
+                                        </m:e>
+                                        <m:sub>
+                                          <m:r>
+                                            <a:rPr lang="fr-FR" sz="1400" i="1">
+                                              <a:latin typeface="Cambria Math"/>
+                                            </a:rPr>
+                                            <m:t>4</m:t>
+                                          </m:r>
+                                        </m:sub>
+                                      </m:sSub>
+                                    </m:e>
+                                  </m:acc>
+                                </m:e>
+                                <m:e>
+                                  <m:acc>
+                                    <m:accPr>
+                                      <m:chr m:val="⃗"/>
+                                      <m:ctrlPr>
+                                        <a:rPr lang="fr-FR" sz="1400" i="1">
+                                          <a:latin typeface="Cambria Math"/>
+                                        </a:rPr>
+                                      </m:ctrlPr>
+                                    </m:accPr>
+                                    <m:e>
+                                      <m:r>
+                                        <a:rPr lang="fr-FR" sz="1400" b="0" i="1" smtClean="0">
+                                          <a:latin typeface="Cambria Math"/>
+                                        </a:rPr>
+                                        <m:t>0</m:t>
+                                      </m:r>
+                                    </m:e>
+                                  </m:acc>
+                                </m:e>
+                              </m:eqArr>
+                            </m:e>
+                          </m:d>
+                        </m:e>
+                        <m:sub>
+                          <m:sSub>
+                            <m:sSubPr>
+                              <m:ctrlPr>
+                                <a:rPr lang="fr-FR" sz="1400" b="0" i="1" smtClean="0">
+                                  <a:latin typeface="Cambria Math"/>
+                                </a:rPr>
+                              </m:ctrlPr>
+                            </m:sSubPr>
+                            <m:e>
+                              <m:r>
+                                <a:rPr lang="fr-FR" sz="1400" b="0" i="1" smtClean="0">
+                                  <a:latin typeface="Cambria Math"/>
+                                </a:rPr>
+                                <m:t>𝑂</m:t>
+                              </m:r>
+                            </m:e>
+                            <m:sub>
+                              <m:r>
+                                <a:rPr lang="fr-FR" sz="1400" b="0" i="1" smtClean="0">
+                                  <a:latin typeface="Cambria Math"/>
+                                </a:rPr>
+                                <m:t>4</m:t>
+                              </m:r>
+                            </m:sub>
+                          </m:sSub>
+                        </m:sub>
+                      </m:sSub>
+                    </m:oMath>
+                  </m:oMathPara>
+                </a14:m>
+                <a:endParaRPr lang="fr-FR" sz="1000" dirty="0"/>
+              </a:p>
+            </p:txBody>
+          </p:sp>
+        </mc:Choice>
+        <mc:Fallback xmlns="">
+          <p:sp>
+            <p:nvSpPr>
+              <p:cNvPr id="35" name="ZoneTexte 34"/>
+              <p:cNvSpPr txBox="1">
+                <a:spLocks noRot="1" noChangeAspect="1" noMove="1" noResize="1" noEditPoints="1" noAdjustHandles="1" noChangeArrowheads="1" noChangeShapeType="1" noTextEdit="1"/>
+              </p:cNvSpPr>
+              <p:nvPr/>
+            </p:nvSpPr>
+            <p:spPr>
+              <a:xfrm>
+                <a:off x="4067944" y="1639000"/>
+                <a:ext cx="2465419" cy="627672"/>
+              </a:xfrm>
+              <a:prstGeom prst="rect">
+                <a:avLst/>
+              </a:prstGeom>
+              <a:blipFill rotWithShape="1">
+                <a:blip r:embed="rId6"/>
+                <a:stretch>
+                  <a:fillRect/>
+                </a:stretch>
+              </a:blipFill>
+            </p:spPr>
+            <p:txBody>
+              <a:bodyPr/>
+              <a:lstStyle/>
+              <a:p>
+                <a:r>
+                  <a:rPr lang="fr-FR">
+                    <a:noFill/>
+                  </a:rPr>
+                  <a:t> </a:t>
+                </a:r>
+              </a:p>
+            </p:txBody>
+          </p:sp>
+        </mc:Fallback>
+      </mc:AlternateContent>
+      <p:sp>
+        <p:nvSpPr>
+          <p:cNvPr id="36" name="ZoneTexte 35"/>
+          <p:cNvSpPr txBox="1"/>
+          <p:nvPr/>
+        </p:nvSpPr>
+        <p:spPr>
+          <a:xfrm>
+            <a:off x="2780801" y="794844"/>
+            <a:ext cx="763351" cy="261610"/>
+          </a:xfrm>
+          <a:prstGeom prst="rect">
+            <a:avLst/>
+          </a:prstGeom>
+          <a:noFill/>
+        </p:spPr>
+        <p:txBody>
+          <a:bodyPr wrap="none" rtlCol="0">
+            <a:spAutoFit/>
+          </a:bodyPr>
+          <a:lstStyle/>
+          <a:p>
+            <a:r>
+              <a:rPr lang="fr-FR" sz="1100" b="0" dirty="0" smtClean="0"/>
+              <a:t>Pesanteur</a:t>
+            </a:r>
+            <a:endParaRPr lang="fr-FR" sz="1100" dirty="0"/>
+          </a:p>
+        </p:txBody>
+      </p:sp>
+      <mc:AlternateContent xmlns:mc="http://schemas.openxmlformats.org/markup-compatibility/2006" xmlns:a14="http://schemas.microsoft.com/office/drawing/2010/main">
+        <mc:Choice Requires="a14">
+          <p:sp>
+            <p:nvSpPr>
+              <p:cNvPr id="37" name="Rectangle 36"/>
+              <p:cNvSpPr/>
+              <p:nvPr/>
+            </p:nvSpPr>
+            <p:spPr>
+              <a:xfrm rot="19800000">
+                <a:off x="397779" y="1408765"/>
+                <a:ext cx="641393" cy="261610"/>
+              </a:xfrm>
+              <a:prstGeom prst="rect">
+                <a:avLst/>
+              </a:prstGeom>
+            </p:spPr>
+            <p:txBody>
+              <a:bodyPr wrap="none">
+                <a:spAutoFit/>
+              </a:bodyPr>
+              <a:lstStyle/>
+              <a:p>
+                <a:pPr/>
+                <a14:m>
+                  <m:oMathPara xmlns:m="http://schemas.openxmlformats.org/officeDocument/2006/math">
+                    <m:oMathParaPr>
+                      <m:jc m:val="centerGroup"/>
+                    </m:oMathParaPr>
+                    <m:oMath xmlns:m="http://schemas.openxmlformats.org/officeDocument/2006/math">
+                      <m:sSub>
+                        <m:sSubPr>
+                          <m:ctrlPr>
+                            <a:rPr lang="fr-FR" sz="1100" i="1" smtClean="0">
+                              <a:latin typeface="Cambria Math"/>
+                            </a:rPr>
+                          </m:ctrlPr>
+                        </m:sSubPr>
+                        <m:e>
+                          <m:r>
+                            <a:rPr lang="fr-FR" sz="1100" b="0" i="1" smtClean="0">
+                              <a:latin typeface="Cambria Math"/>
+                            </a:rPr>
+                            <m:t>𝐶</m:t>
+                          </m:r>
+                        </m:e>
+                        <m:sub>
+                          <m:r>
+                            <m:rPr>
+                              <m:sty m:val="p"/>
+                            </m:rPr>
+                            <a:rPr lang="fr-FR" sz="1100" b="0" i="0" smtClean="0">
+                              <a:latin typeface="Cambria Math"/>
+                            </a:rPr>
+                            <m:t>m</m:t>
+                          </m:r>
+                          <m:r>
+                            <a:rPr lang="fr-FR" sz="1100" b="0" i="0" smtClean="0">
+                              <a:latin typeface="Cambria Math"/>
+                            </a:rPr>
+                            <m:t>0</m:t>
+                          </m:r>
+                          <m:r>
+                            <a:rPr lang="fr-FR" sz="1100" b="0" i="1" smtClean="0">
+                              <a:latin typeface="Cambria Math"/>
+                            </a:rPr>
+                            <m:t>1</m:t>
+                          </m:r>
+                        </m:sub>
+                      </m:sSub>
+                      <m:acc>
+                        <m:accPr>
+                          <m:chr m:val="⃗"/>
+                          <m:ctrlPr>
+                            <a:rPr lang="fr-FR" sz="1100" i="1">
+                              <a:latin typeface="Cambria Math"/>
+                            </a:rPr>
+                          </m:ctrlPr>
+                        </m:accPr>
+                        <m:e>
+                          <m:sSub>
+                            <m:sSubPr>
+                              <m:ctrlPr>
+                                <a:rPr lang="fr-FR" sz="1100" i="1">
+                                  <a:latin typeface="Cambria Math"/>
+                                </a:rPr>
+                              </m:ctrlPr>
+                            </m:sSubPr>
+                            <m:e>
+                              <m:r>
+                                <a:rPr lang="fr-FR" sz="1100" i="1">
+                                  <a:latin typeface="Cambria Math"/>
+                                </a:rPr>
+                                <m:t>𝑧</m:t>
+                              </m:r>
+                            </m:e>
+                            <m:sub>
+                              <m:r>
+                                <a:rPr lang="fr-FR" sz="1100" b="0" i="1" smtClean="0">
+                                  <a:latin typeface="Cambria Math"/>
+                                </a:rPr>
+                                <m:t>1</m:t>
+                              </m:r>
+                            </m:sub>
+                          </m:sSub>
+                        </m:e>
+                      </m:acc>
+                    </m:oMath>
+                  </m:oMathPara>
+                </a14:m>
+                <a:endParaRPr lang="fr-FR" sz="1100" dirty="0"/>
+              </a:p>
+            </p:txBody>
+          </p:sp>
+        </mc:Choice>
+        <mc:Fallback xmlns="">
+          <p:sp>
+            <p:nvSpPr>
+              <p:cNvPr id="37" name="Rectangle 36"/>
+              <p:cNvSpPr>
+                <a:spLocks noRot="1" noChangeAspect="1" noMove="1" noResize="1" noEditPoints="1" noAdjustHandles="1" noChangeArrowheads="1" noChangeShapeType="1" noTextEdit="1"/>
+              </p:cNvSpPr>
+              <p:nvPr/>
+            </p:nvSpPr>
+            <p:spPr>
+              <a:xfrm rot="19800000">
+                <a:off x="397779" y="1408765"/>
+                <a:ext cx="641393" cy="261610"/>
+              </a:xfrm>
+              <a:prstGeom prst="rect">
+                <a:avLst/>
+              </a:prstGeom>
+              <a:blipFill rotWithShape="1">
+                <a:blip r:embed="rId7"/>
+                <a:stretch>
+                  <a:fillRect/>
+                </a:stretch>
+              </a:blipFill>
+            </p:spPr>
+            <p:txBody>
+              <a:bodyPr/>
+              <a:lstStyle/>
+              <a:p>
+                <a:r>
+                  <a:rPr lang="fr-FR">
+                    <a:noFill/>
+                  </a:rPr>
+                  <a:t> </a:t>
+                </a:r>
+              </a:p>
+            </p:txBody>
+          </p:sp>
+        </mc:Fallback>
+      </mc:AlternateContent>
+      <mc:AlternateContent xmlns:mc="http://schemas.openxmlformats.org/markup-compatibility/2006" xmlns:a14="http://schemas.microsoft.com/office/drawing/2010/main">
+        <mc:Choice Requires="a14">
+          <p:sp>
+            <p:nvSpPr>
+              <p:cNvPr id="39" name="Rectangle 38"/>
+              <p:cNvSpPr/>
+              <p:nvPr/>
+            </p:nvSpPr>
+            <p:spPr>
+              <a:xfrm rot="19800000">
+                <a:off x="1393370" y="1468192"/>
+                <a:ext cx="545214" cy="261610"/>
+              </a:xfrm>
+              <a:prstGeom prst="rect">
+                <a:avLst/>
+              </a:prstGeom>
+            </p:spPr>
+            <p:txBody>
+              <a:bodyPr wrap="none">
+                <a:spAutoFit/>
+              </a:bodyPr>
+              <a:lstStyle/>
+              <a:p>
+                <a:pPr/>
+                <a14:m>
+                  <m:oMathPara xmlns:m="http://schemas.openxmlformats.org/officeDocument/2006/math">
+                    <m:oMathParaPr>
+                      <m:jc m:val="centerGroup"/>
+                    </m:oMathParaPr>
+                    <m:oMath xmlns:m="http://schemas.openxmlformats.org/officeDocument/2006/math">
+                      <m:sSub>
+                        <m:sSubPr>
+                          <m:ctrlPr>
+                            <a:rPr lang="fr-FR" sz="1100" i="1" smtClean="0">
+                              <a:latin typeface="Cambria Math"/>
+                            </a:rPr>
+                          </m:ctrlPr>
+                        </m:sSubPr>
+                        <m:e>
+                          <m:r>
+                            <a:rPr lang="fr-FR" sz="1100" b="0" i="1" smtClean="0">
+                              <a:latin typeface="Cambria Math"/>
+                            </a:rPr>
+                            <m:t>𝐶</m:t>
+                          </m:r>
+                        </m:e>
+                        <m:sub>
+                          <m:r>
+                            <a:rPr lang="fr-FR" sz="1100" b="0" i="1" smtClean="0">
+                              <a:latin typeface="Cambria Math"/>
+                            </a:rPr>
+                            <m:t>12</m:t>
+                          </m:r>
+                        </m:sub>
+                      </m:sSub>
+                      <m:acc>
+                        <m:accPr>
+                          <m:chr m:val="⃗"/>
+                          <m:ctrlPr>
+                            <a:rPr lang="fr-FR" sz="1100" i="1">
+                              <a:latin typeface="Cambria Math"/>
+                            </a:rPr>
+                          </m:ctrlPr>
+                        </m:accPr>
+                        <m:e>
+                          <m:sSub>
+                            <m:sSubPr>
+                              <m:ctrlPr>
+                                <a:rPr lang="fr-FR" sz="1100" i="1">
+                                  <a:latin typeface="Cambria Math"/>
+                                </a:rPr>
+                              </m:ctrlPr>
+                            </m:sSubPr>
+                            <m:e>
+                              <m:r>
+                                <a:rPr lang="fr-FR" sz="1100" i="1">
+                                  <a:latin typeface="Cambria Math"/>
+                                </a:rPr>
+                                <m:t>𝑧</m:t>
+                              </m:r>
+                            </m:e>
+                            <m:sub>
+                              <m:r>
+                                <a:rPr lang="fr-FR" sz="1100" b="0" i="1" smtClean="0">
+                                  <a:latin typeface="Cambria Math"/>
+                                </a:rPr>
+                                <m:t>2</m:t>
+                              </m:r>
+                            </m:sub>
+                          </m:sSub>
+                        </m:e>
+                      </m:acc>
+                    </m:oMath>
+                  </m:oMathPara>
+                </a14:m>
+                <a:endParaRPr lang="fr-FR" sz="1100" dirty="0"/>
+              </a:p>
+            </p:txBody>
+          </p:sp>
+        </mc:Choice>
+        <mc:Fallback xmlns="">
+          <p:sp>
+            <p:nvSpPr>
+              <p:cNvPr id="39" name="Rectangle 38"/>
+              <p:cNvSpPr>
+                <a:spLocks noRot="1" noChangeAspect="1" noMove="1" noResize="1" noEditPoints="1" noAdjustHandles="1" noChangeArrowheads="1" noChangeShapeType="1" noTextEdit="1"/>
+              </p:cNvSpPr>
+              <p:nvPr/>
+            </p:nvSpPr>
+            <p:spPr>
+              <a:xfrm rot="19800000">
+                <a:off x="1393370" y="1468192"/>
+                <a:ext cx="545214" cy="261610"/>
+              </a:xfrm>
+              <a:prstGeom prst="rect">
+                <a:avLst/>
+              </a:prstGeom>
+              <a:blipFill rotWithShape="1">
+                <a:blip r:embed="rId8"/>
+                <a:stretch>
+                  <a:fillRect/>
+                </a:stretch>
+              </a:blipFill>
+            </p:spPr>
+            <p:txBody>
+              <a:bodyPr/>
+              <a:lstStyle/>
+              <a:p>
+                <a:r>
+                  <a:rPr lang="fr-FR">
+                    <a:noFill/>
+                  </a:rPr>
+                  <a:t> </a:t>
+                </a:r>
+              </a:p>
+            </p:txBody>
+          </p:sp>
+        </mc:Fallback>
+      </mc:AlternateContent>
+      <mc:AlternateContent xmlns:mc="http://schemas.openxmlformats.org/markup-compatibility/2006" xmlns:a14="http://schemas.microsoft.com/office/drawing/2010/main">
+        <mc:Choice Requires="a14">
+          <p:sp>
+            <p:nvSpPr>
+              <p:cNvPr id="40" name="Rectangle 39"/>
+              <p:cNvSpPr/>
+              <p:nvPr/>
+            </p:nvSpPr>
+            <p:spPr>
+              <a:xfrm rot="19800000">
+                <a:off x="2129684" y="1467064"/>
+                <a:ext cx="548483" cy="261610"/>
+              </a:xfrm>
+              <a:prstGeom prst="rect">
+                <a:avLst/>
+              </a:prstGeom>
+            </p:spPr>
+            <p:txBody>
+              <a:bodyPr wrap="none">
+                <a:spAutoFit/>
+              </a:bodyPr>
+              <a:lstStyle/>
+              <a:p>
+                <a:pPr/>
+                <a14:m>
+                  <m:oMathPara xmlns:m="http://schemas.openxmlformats.org/officeDocument/2006/math">
+                    <m:oMathParaPr>
+                      <m:jc m:val="centerGroup"/>
+                    </m:oMathParaPr>
+                    <m:oMath xmlns:m="http://schemas.openxmlformats.org/officeDocument/2006/math">
+                      <m:sSub>
+                        <m:sSubPr>
+                          <m:ctrlPr>
+                            <a:rPr lang="fr-FR" sz="1100" i="1" smtClean="0">
+                              <a:latin typeface="Cambria Math"/>
+                            </a:rPr>
+                          </m:ctrlPr>
+                        </m:sSubPr>
+                        <m:e>
+                          <m:r>
+                            <a:rPr lang="fr-FR" sz="1100" b="0" i="1" smtClean="0">
+                              <a:latin typeface="Cambria Math"/>
+                            </a:rPr>
+                            <m:t>𝐶</m:t>
+                          </m:r>
+                        </m:e>
+                        <m:sub>
+                          <m:r>
+                            <a:rPr lang="fr-FR" sz="1100" b="0" i="1" smtClean="0">
+                              <a:latin typeface="Cambria Math"/>
+                            </a:rPr>
+                            <m:t>23</m:t>
+                          </m:r>
+                        </m:sub>
+                      </m:sSub>
+                      <m:acc>
+                        <m:accPr>
+                          <m:chr m:val="⃗"/>
+                          <m:ctrlPr>
+                            <a:rPr lang="fr-FR" sz="1100" i="1">
+                              <a:latin typeface="Cambria Math"/>
+                            </a:rPr>
+                          </m:ctrlPr>
+                        </m:accPr>
+                        <m:e>
+                          <m:sSub>
+                            <m:sSubPr>
+                              <m:ctrlPr>
+                                <a:rPr lang="fr-FR" sz="1100" i="1">
+                                  <a:latin typeface="Cambria Math"/>
+                                </a:rPr>
+                              </m:ctrlPr>
+                            </m:sSubPr>
+                            <m:e>
+                              <m:r>
+                                <a:rPr lang="fr-FR" sz="1100" i="1">
+                                  <a:latin typeface="Cambria Math"/>
+                                </a:rPr>
+                                <m:t>𝑧</m:t>
+                              </m:r>
+                            </m:e>
+                            <m:sub>
+                              <m:r>
+                                <a:rPr lang="fr-FR" sz="1100" b="0" i="1" smtClean="0">
+                                  <a:latin typeface="Cambria Math"/>
+                                </a:rPr>
+                                <m:t>3</m:t>
+                              </m:r>
+                            </m:sub>
+                          </m:sSub>
+                        </m:e>
+                      </m:acc>
+                    </m:oMath>
+                  </m:oMathPara>
+                </a14:m>
+                <a:endParaRPr lang="fr-FR" sz="1100" dirty="0"/>
+              </a:p>
+            </p:txBody>
+          </p:sp>
+        </mc:Choice>
+        <mc:Fallback xmlns="">
+          <p:sp>
+            <p:nvSpPr>
+              <p:cNvPr id="40" name="Rectangle 39"/>
+              <p:cNvSpPr>
+                <a:spLocks noRot="1" noChangeAspect="1" noMove="1" noResize="1" noEditPoints="1" noAdjustHandles="1" noChangeArrowheads="1" noChangeShapeType="1" noTextEdit="1"/>
+              </p:cNvSpPr>
+              <p:nvPr/>
+            </p:nvSpPr>
+            <p:spPr>
+              <a:xfrm rot="19800000">
+                <a:off x="2129684" y="1467064"/>
+                <a:ext cx="548483" cy="261610"/>
+              </a:xfrm>
+              <a:prstGeom prst="rect">
+                <a:avLst/>
+              </a:prstGeom>
+              <a:blipFill rotWithShape="1">
+                <a:blip r:embed="rId9"/>
+                <a:stretch>
+                  <a:fillRect/>
+                </a:stretch>
+              </a:blipFill>
+            </p:spPr>
+            <p:txBody>
+              <a:bodyPr/>
+              <a:lstStyle/>
+              <a:p>
+                <a:r>
+                  <a:rPr lang="fr-FR">
+                    <a:noFill/>
+                  </a:rPr>
+                  <a:t> </a:t>
+                </a:r>
+              </a:p>
+            </p:txBody>
+          </p:sp>
+        </mc:Fallback>
+      </mc:AlternateContent>
+      <mc:AlternateContent xmlns:mc="http://schemas.openxmlformats.org/markup-compatibility/2006" xmlns:a14="http://schemas.microsoft.com/office/drawing/2010/main">
+        <mc:Choice Requires="a14">
+          <p:sp>
+            <p:nvSpPr>
+              <p:cNvPr id="42" name="Rectangle 41"/>
+              <p:cNvSpPr/>
+              <p:nvPr/>
+            </p:nvSpPr>
+            <p:spPr>
+              <a:xfrm rot="19800000">
+                <a:off x="2848439" y="1467064"/>
+                <a:ext cx="639086" cy="261610"/>
+              </a:xfrm>
+              <a:prstGeom prst="rect">
+                <a:avLst/>
+              </a:prstGeom>
+            </p:spPr>
+            <p:txBody>
+              <a:bodyPr wrap="none">
+                <a:spAutoFit/>
+              </a:bodyPr>
+              <a:lstStyle/>
+              <a:p>
+                <a:pPr/>
+                <a14:m>
+                  <m:oMathPara xmlns:m="http://schemas.openxmlformats.org/officeDocument/2006/math">
+                    <m:oMathParaPr>
+                      <m:jc m:val="centerGroup"/>
+                    </m:oMathParaPr>
+                    <m:oMath xmlns:m="http://schemas.openxmlformats.org/officeDocument/2006/math">
+                      <m:sSub>
+                        <m:sSubPr>
+                          <m:ctrlPr>
+                            <a:rPr lang="fr-FR" sz="1100" i="1" smtClean="0">
+                              <a:latin typeface="Cambria Math"/>
+                            </a:rPr>
+                          </m:ctrlPr>
+                        </m:sSubPr>
+                        <m:e>
+                          <m:r>
+                            <a:rPr lang="fr-FR" sz="1100" b="0" i="1" smtClean="0">
+                              <a:latin typeface="Cambria Math"/>
+                            </a:rPr>
+                            <m:t>𝐹</m:t>
+                          </m:r>
+                        </m:e>
+                        <m:sub>
+                          <m:r>
+                            <m:rPr>
+                              <m:sty m:val="p"/>
+                            </m:rPr>
+                            <a:rPr lang="fr-FR" sz="1100" b="0" i="0" smtClean="0">
+                              <a:latin typeface="Cambria Math"/>
+                            </a:rPr>
+                            <m:t>m</m:t>
+                          </m:r>
+                          <m:r>
+                            <a:rPr lang="fr-FR" sz="1100" b="0" i="1" smtClean="0">
+                              <a:latin typeface="Cambria Math"/>
+                            </a:rPr>
+                            <m:t>34</m:t>
+                          </m:r>
+                        </m:sub>
+                      </m:sSub>
+                      <m:acc>
+                        <m:accPr>
+                          <m:chr m:val="⃗"/>
+                          <m:ctrlPr>
+                            <a:rPr lang="fr-FR" sz="1100" i="1">
+                              <a:latin typeface="Cambria Math"/>
+                            </a:rPr>
+                          </m:ctrlPr>
+                        </m:accPr>
+                        <m:e>
+                          <m:sSub>
+                            <m:sSubPr>
+                              <m:ctrlPr>
+                                <a:rPr lang="fr-FR" sz="1100" i="1">
+                                  <a:latin typeface="Cambria Math"/>
+                                </a:rPr>
+                              </m:ctrlPr>
+                            </m:sSubPr>
+                            <m:e>
+                              <m:r>
+                                <a:rPr lang="fr-FR" sz="1100" i="1">
+                                  <a:latin typeface="Cambria Math"/>
+                                </a:rPr>
+                                <m:t>𝑧</m:t>
+                              </m:r>
+                            </m:e>
+                            <m:sub>
+                              <m:r>
+                                <a:rPr lang="fr-FR" sz="1100" b="0" i="1" smtClean="0">
+                                  <a:latin typeface="Cambria Math"/>
+                                </a:rPr>
+                                <m:t>4</m:t>
+                              </m:r>
+                            </m:sub>
+                          </m:sSub>
+                        </m:e>
+                      </m:acc>
+                    </m:oMath>
+                  </m:oMathPara>
+                </a14:m>
+                <a:endParaRPr lang="fr-FR" sz="1100" dirty="0"/>
+              </a:p>
+            </p:txBody>
+          </p:sp>
+        </mc:Choice>
+        <mc:Fallback xmlns="">
+          <p:sp>
+            <p:nvSpPr>
+              <p:cNvPr id="42" name="Rectangle 41"/>
+              <p:cNvSpPr>
+                <a:spLocks noRot="1" noChangeAspect="1" noMove="1" noResize="1" noEditPoints="1" noAdjustHandles="1" noChangeArrowheads="1" noChangeShapeType="1" noTextEdit="1"/>
+              </p:cNvSpPr>
+              <p:nvPr/>
+            </p:nvSpPr>
+            <p:spPr>
+              <a:xfrm rot="19800000">
+                <a:off x="2848439" y="1467064"/>
+                <a:ext cx="639086" cy="261610"/>
+              </a:xfrm>
+              <a:prstGeom prst="rect">
+                <a:avLst/>
+              </a:prstGeom>
+              <a:blipFill rotWithShape="1">
+                <a:blip r:embed="rId10"/>
+                <a:stretch>
+                  <a:fillRect/>
+                </a:stretch>
+              </a:blipFill>
+            </p:spPr>
+            <p:txBody>
+              <a:bodyPr/>
+              <a:lstStyle/>
+              <a:p>
+                <a:r>
+                  <a:rPr lang="fr-FR">
+                    <a:noFill/>
+                  </a:rPr>
+                  <a:t> </a:t>
+                </a:r>
+              </a:p>
+            </p:txBody>
+          </p:sp>
+        </mc:Fallback>
+      </mc:AlternateContent>
+    </p:spTree>
+    <p:extLst>
+      <p:ext uri="{BB962C8B-B14F-4D97-AF65-F5344CB8AC3E}">
+        <p14:creationId xmlns:p14="http://schemas.microsoft.com/office/powerpoint/2010/main" val="178783706"/>
       </p:ext>
     </p:extLst>
   </p:cSld>
@@ -5510,8 +8078,8 @@
           </p:txBody>
         </p:sp>
       </p:grpSp>
-      <mc:AlternateContent xmlns:mc="http://schemas.openxmlformats.org/markup-compatibility/2006">
-        <mc:Choice xmlns:a14="http://schemas.microsoft.com/office/drawing/2010/main" Requires="a14">
+      <mc:AlternateContent xmlns:mc="http://schemas.openxmlformats.org/markup-compatibility/2006" xmlns:a14="http://schemas.microsoft.com/office/drawing/2010/main">
+        <mc:Choice Requires="a14">
           <p:sp>
             <p:nvSpPr>
               <p:cNvPr id="73" name="ZoneTexte 72"/>
@@ -5555,7 +8123,7 @@
             </p:txBody>
           </p:sp>
         </mc:Choice>
-        <mc:Fallback>
+        <mc:Fallback xmlns="">
           <p:sp>
             <p:nvSpPr>
               <p:cNvPr id="73" name="ZoneTexte 72"/>
@@ -5641,8 +8209,8 @@
           </a:p>
         </p:txBody>
       </p:sp>
-      <mc:AlternateContent xmlns:mc="http://schemas.openxmlformats.org/markup-compatibility/2006">
-        <mc:Choice xmlns:a14="http://schemas.microsoft.com/office/drawing/2010/main" Requires="a14">
+      <mc:AlternateContent xmlns:mc="http://schemas.openxmlformats.org/markup-compatibility/2006" xmlns:a14="http://schemas.microsoft.com/office/drawing/2010/main">
+        <mc:Choice Requires="a14">
           <p:sp>
             <p:nvSpPr>
               <p:cNvPr id="76" name="ZoneTexte 75"/>
@@ -5717,7 +8285,7 @@
             </p:txBody>
           </p:sp>
         </mc:Choice>
-        <mc:Fallback>
+        <mc:Fallback xmlns="">
           <p:sp>
             <p:nvSpPr>
               <p:cNvPr id="76" name="ZoneTexte 75"/>
@@ -5756,8 +8324,8 @@
           </p:sp>
         </mc:Fallback>
       </mc:AlternateContent>
-      <mc:AlternateContent xmlns:mc="http://schemas.openxmlformats.org/markup-compatibility/2006">
-        <mc:Choice xmlns:a14="http://schemas.microsoft.com/office/drawing/2010/main" Requires="a14">
+      <mc:AlternateContent xmlns:mc="http://schemas.openxmlformats.org/markup-compatibility/2006" xmlns:a14="http://schemas.microsoft.com/office/drawing/2010/main">
+        <mc:Choice Requires="a14">
           <p:sp>
             <p:nvSpPr>
               <p:cNvPr id="77" name="ZoneTexte 76"/>
@@ -5832,7 +8400,7 @@
             </p:txBody>
           </p:sp>
         </mc:Choice>
-        <mc:Fallback>
+        <mc:Fallback xmlns="">
           <p:sp>
             <p:nvSpPr>
               <p:cNvPr id="77" name="ZoneTexte 76"/>
@@ -5871,8 +8439,8 @@
           </p:sp>
         </mc:Fallback>
       </mc:AlternateContent>
-      <mc:AlternateContent xmlns:mc="http://schemas.openxmlformats.org/markup-compatibility/2006">
-        <mc:Choice xmlns:a14="http://schemas.microsoft.com/office/drawing/2010/main" Requires="a14">
+      <mc:AlternateContent xmlns:mc="http://schemas.openxmlformats.org/markup-compatibility/2006" xmlns:a14="http://schemas.microsoft.com/office/drawing/2010/main">
+        <mc:Choice Requires="a14">
           <p:sp>
             <p:nvSpPr>
               <p:cNvPr id="78" name="ZoneTexte 77"/>
@@ -5947,7 +8515,7 @@
             </p:txBody>
           </p:sp>
         </mc:Choice>
-        <mc:Fallback>
+        <mc:Fallback xmlns="">
           <p:sp>
             <p:nvSpPr>
               <p:cNvPr id="78" name="ZoneTexte 77"/>
@@ -5986,8 +8554,8 @@
           </p:sp>
         </mc:Fallback>
       </mc:AlternateContent>
-      <mc:AlternateContent xmlns:mc="http://schemas.openxmlformats.org/markup-compatibility/2006">
-        <mc:Choice xmlns:a14="http://schemas.microsoft.com/office/drawing/2010/main" Requires="a14">
+      <mc:AlternateContent xmlns:mc="http://schemas.openxmlformats.org/markup-compatibility/2006" xmlns:a14="http://schemas.microsoft.com/office/drawing/2010/main">
+        <mc:Choice Requires="a14">
           <p:sp>
             <p:nvSpPr>
               <p:cNvPr id="79" name="ZoneTexte 78"/>
@@ -6062,7 +8630,7 @@
             </p:txBody>
           </p:sp>
         </mc:Choice>
-        <mc:Fallback>
+        <mc:Fallback xmlns="">
           <p:sp>
             <p:nvSpPr>
               <p:cNvPr id="79" name="ZoneTexte 78"/>
@@ -6101,8 +8669,8 @@
           </p:sp>
         </mc:Fallback>
       </mc:AlternateContent>
-      <mc:AlternateContent xmlns:mc="http://schemas.openxmlformats.org/markup-compatibility/2006">
-        <mc:Choice xmlns:a14="http://schemas.microsoft.com/office/drawing/2010/main" Requires="a14">
+      <mc:AlternateContent xmlns:mc="http://schemas.openxmlformats.org/markup-compatibility/2006" xmlns:a14="http://schemas.microsoft.com/office/drawing/2010/main">
+        <mc:Choice Requires="a14">
           <p:sp>
             <p:nvSpPr>
               <p:cNvPr id="80" name="ZoneTexte 79"/>
@@ -6177,7 +8745,7 @@
             </p:txBody>
           </p:sp>
         </mc:Choice>
-        <mc:Fallback>
+        <mc:Fallback xmlns="">
           <p:sp>
             <p:nvSpPr>
               <p:cNvPr id="80" name="ZoneTexte 79"/>
@@ -6344,8 +8912,8 @@
           </a:extLst>
         </p:spPr>
       </p:pic>
-      <mc:AlternateContent xmlns:mc="http://schemas.openxmlformats.org/markup-compatibility/2006">
-        <mc:Choice xmlns:a14="http://schemas.microsoft.com/office/drawing/2010/main" Requires="a14">
+      <mc:AlternateContent xmlns:mc="http://schemas.openxmlformats.org/markup-compatibility/2006" xmlns:a14="http://schemas.microsoft.com/office/drawing/2010/main">
+        <mc:Choice Requires="a14">
           <p:sp>
             <p:nvSpPr>
               <p:cNvPr id="83" name="ZoneTexte 82"/>
@@ -6420,7 +8988,7 @@
             </p:txBody>
           </p:sp>
         </mc:Choice>
-        <mc:Fallback>
+        <mc:Fallback xmlns="">
           <p:sp>
             <p:nvSpPr>
               <p:cNvPr id="83" name="ZoneTexte 82"/>
@@ -6459,8 +9027,8 @@
           </p:sp>
         </mc:Fallback>
       </mc:AlternateContent>
-      <mc:AlternateContent xmlns:mc="http://schemas.openxmlformats.org/markup-compatibility/2006">
-        <mc:Choice xmlns:a14="http://schemas.microsoft.com/office/drawing/2010/main" Requires="a14">
+      <mc:AlternateContent xmlns:mc="http://schemas.openxmlformats.org/markup-compatibility/2006" xmlns:a14="http://schemas.microsoft.com/office/drawing/2010/main">
+        <mc:Choice Requires="a14">
           <p:sp>
             <p:nvSpPr>
               <p:cNvPr id="84" name="ZoneTexte 83"/>
@@ -6535,7 +9103,7 @@
             </p:txBody>
           </p:sp>
         </mc:Choice>
-        <mc:Fallback>
+        <mc:Fallback xmlns="">
           <p:sp>
             <p:nvSpPr>
               <p:cNvPr id="84" name="ZoneTexte 83"/>
@@ -6574,8 +9142,8 @@
           </p:sp>
         </mc:Fallback>
       </mc:AlternateContent>
-      <mc:AlternateContent xmlns:mc="http://schemas.openxmlformats.org/markup-compatibility/2006">
-        <mc:Choice xmlns:a14="http://schemas.microsoft.com/office/drawing/2010/main" Requires="a14">
+      <mc:AlternateContent xmlns:mc="http://schemas.openxmlformats.org/markup-compatibility/2006" xmlns:a14="http://schemas.microsoft.com/office/drawing/2010/main">
+        <mc:Choice Requires="a14">
           <p:sp>
             <p:nvSpPr>
               <p:cNvPr id="85" name="ZoneTexte 84"/>
@@ -6619,7 +9187,7 @@
             </p:txBody>
           </p:sp>
         </mc:Choice>
-        <mc:Fallback>
+        <mc:Fallback xmlns="">
           <p:sp>
             <p:nvSpPr>
               <p:cNvPr id="85" name="ZoneTexte 84"/>
@@ -6672,6 +9240,379 @@
 </file>
 
 <file path=ppt/slides/slide4.xml><?xml version="1.0" encoding="utf-8"?>
+<p:sld xmlns:a="http://schemas.openxmlformats.org/drawingml/2006/main" xmlns:r="http://schemas.openxmlformats.org/officeDocument/2006/relationships" xmlns:p="http://schemas.openxmlformats.org/presentationml/2006/main">
+  <p:cSld>
+    <p:spTree>
+      <p:nvGrpSpPr>
+        <p:cNvPr id="1" name=""/>
+        <p:cNvGrpSpPr/>
+        <p:nvPr/>
+      </p:nvGrpSpPr>
+      <p:grpSpPr>
+        <a:xfrm>
+          <a:off x="0" y="0"/>
+          <a:ext cx="0" cy="0"/>
+          <a:chOff x="0" y="0"/>
+          <a:chExt cx="0" cy="0"/>
+        </a:xfrm>
+      </p:grpSpPr>
+      <p:cxnSp>
+        <p:nvCxnSpPr>
+          <p:cNvPr id="4" name="Connecteur droit 3"/>
+          <p:cNvCxnSpPr/>
+          <p:nvPr/>
+        </p:nvCxnSpPr>
+        <p:spPr>
+          <a:xfrm>
+            <a:off x="2411760" y="1988840"/>
+            <a:ext cx="1440160" cy="0"/>
+          </a:xfrm>
+          <a:prstGeom prst="line">
+            <a:avLst/>
+          </a:prstGeom>
+          <a:ln w="28575">
+            <a:solidFill>
+              <a:srgbClr val="00B050"/>
+            </a:solidFill>
+          </a:ln>
+        </p:spPr>
+        <p:style>
+          <a:lnRef idx="1">
+            <a:schemeClr val="accent1"/>
+          </a:lnRef>
+          <a:fillRef idx="0">
+            <a:schemeClr val="accent1"/>
+          </a:fillRef>
+          <a:effectRef idx="0">
+            <a:schemeClr val="accent1"/>
+          </a:effectRef>
+          <a:fontRef idx="minor">
+            <a:schemeClr val="tx1"/>
+          </a:fontRef>
+        </p:style>
+      </p:cxnSp>
+      <p:cxnSp>
+        <p:nvCxnSpPr>
+          <p:cNvPr id="7" name="Connecteur droit 6"/>
+          <p:cNvCxnSpPr/>
+          <p:nvPr/>
+        </p:nvCxnSpPr>
+        <p:spPr>
+          <a:xfrm flipV="1">
+            <a:off x="2411206" y="1772816"/>
+            <a:ext cx="0" cy="432048"/>
+          </a:xfrm>
+          <a:prstGeom prst="line">
+            <a:avLst/>
+          </a:prstGeom>
+          <a:ln w="28575">
+            <a:solidFill>
+              <a:srgbClr val="00B050"/>
+            </a:solidFill>
+          </a:ln>
+        </p:spPr>
+        <p:style>
+          <a:lnRef idx="1">
+            <a:schemeClr val="accent1"/>
+          </a:lnRef>
+          <a:fillRef idx="0">
+            <a:schemeClr val="accent1"/>
+          </a:fillRef>
+          <a:effectRef idx="0">
+            <a:schemeClr val="accent1"/>
+          </a:effectRef>
+          <a:fontRef idx="minor">
+            <a:schemeClr val="tx1"/>
+          </a:fontRef>
+        </p:style>
+      </p:cxnSp>
+      <p:cxnSp>
+        <p:nvCxnSpPr>
+          <p:cNvPr id="9" name="Connecteur droit 8"/>
+          <p:cNvCxnSpPr/>
+          <p:nvPr/>
+        </p:nvCxnSpPr>
+        <p:spPr>
+          <a:xfrm>
+            <a:off x="1691680" y="1700808"/>
+            <a:ext cx="1440160" cy="0"/>
+          </a:xfrm>
+          <a:prstGeom prst="line">
+            <a:avLst/>
+          </a:prstGeom>
+          <a:ln w="28575">
+            <a:solidFill>
+              <a:srgbClr val="C00000"/>
+            </a:solidFill>
+          </a:ln>
+        </p:spPr>
+        <p:style>
+          <a:lnRef idx="1">
+            <a:schemeClr val="accent1"/>
+          </a:lnRef>
+          <a:fillRef idx="0">
+            <a:schemeClr val="accent1"/>
+          </a:fillRef>
+          <a:effectRef idx="0">
+            <a:schemeClr val="accent1"/>
+          </a:effectRef>
+          <a:fontRef idx="minor">
+            <a:schemeClr val="tx1"/>
+          </a:fontRef>
+        </p:style>
+      </p:cxnSp>
+      <p:cxnSp>
+        <p:nvCxnSpPr>
+          <p:cNvPr id="10" name="Connecteur droit 9"/>
+          <p:cNvCxnSpPr/>
+          <p:nvPr/>
+        </p:nvCxnSpPr>
+        <p:spPr>
+          <a:xfrm>
+            <a:off x="1697604" y="2276872"/>
+            <a:ext cx="1440160" cy="0"/>
+          </a:xfrm>
+          <a:prstGeom prst="line">
+            <a:avLst/>
+          </a:prstGeom>
+          <a:ln w="28575">
+            <a:solidFill>
+              <a:srgbClr val="C00000"/>
+            </a:solidFill>
+          </a:ln>
+        </p:spPr>
+        <p:style>
+          <a:lnRef idx="1">
+            <a:schemeClr val="accent1"/>
+          </a:lnRef>
+          <a:fillRef idx="0">
+            <a:schemeClr val="accent1"/>
+          </a:fillRef>
+          <a:effectRef idx="0">
+            <a:schemeClr val="accent1"/>
+          </a:effectRef>
+          <a:fontRef idx="minor">
+            <a:schemeClr val="tx1"/>
+          </a:fontRef>
+        </p:style>
+      </p:cxnSp>
+      <p:cxnSp>
+        <p:nvCxnSpPr>
+          <p:cNvPr id="12" name="Connecteur droit 11"/>
+          <p:cNvCxnSpPr/>
+          <p:nvPr/>
+        </p:nvCxnSpPr>
+        <p:spPr>
+          <a:xfrm flipV="1">
+            <a:off x="1697603" y="1709530"/>
+            <a:ext cx="1" cy="567342"/>
+          </a:xfrm>
+          <a:prstGeom prst="line">
+            <a:avLst/>
+          </a:prstGeom>
+          <a:ln w="28575">
+            <a:solidFill>
+              <a:srgbClr val="C00000"/>
+            </a:solidFill>
+          </a:ln>
+        </p:spPr>
+        <p:style>
+          <a:lnRef idx="1">
+            <a:schemeClr val="accent1"/>
+          </a:lnRef>
+          <a:fillRef idx="0">
+            <a:schemeClr val="accent1"/>
+          </a:fillRef>
+          <a:effectRef idx="0">
+            <a:schemeClr val="accent1"/>
+          </a:effectRef>
+          <a:fontRef idx="minor">
+            <a:schemeClr val="tx1"/>
+          </a:fontRef>
+        </p:style>
+      </p:cxnSp>
+      <p:cxnSp>
+        <p:nvCxnSpPr>
+          <p:cNvPr id="15" name="Connecteur droit 14"/>
+          <p:cNvCxnSpPr/>
+          <p:nvPr/>
+        </p:nvCxnSpPr>
+        <p:spPr>
+          <a:xfrm flipH="1" flipV="1">
+            <a:off x="3131839" y="1692620"/>
+            <a:ext cx="1" cy="224212"/>
+          </a:xfrm>
+          <a:prstGeom prst="line">
+            <a:avLst/>
+          </a:prstGeom>
+          <a:ln w="28575">
+            <a:solidFill>
+              <a:srgbClr val="C00000"/>
+            </a:solidFill>
+          </a:ln>
+        </p:spPr>
+        <p:style>
+          <a:lnRef idx="1">
+            <a:schemeClr val="accent1"/>
+          </a:lnRef>
+          <a:fillRef idx="0">
+            <a:schemeClr val="accent1"/>
+          </a:fillRef>
+          <a:effectRef idx="0">
+            <a:schemeClr val="accent1"/>
+          </a:effectRef>
+          <a:fontRef idx="minor">
+            <a:schemeClr val="tx1"/>
+          </a:fontRef>
+        </p:style>
+      </p:cxnSp>
+      <p:cxnSp>
+        <p:nvCxnSpPr>
+          <p:cNvPr id="17" name="Connecteur droit 16"/>
+          <p:cNvCxnSpPr/>
+          <p:nvPr/>
+        </p:nvCxnSpPr>
+        <p:spPr>
+          <a:xfrm flipH="1" flipV="1">
+            <a:off x="3131838" y="2052660"/>
+            <a:ext cx="1" cy="224212"/>
+          </a:xfrm>
+          <a:prstGeom prst="line">
+            <a:avLst/>
+          </a:prstGeom>
+          <a:ln w="28575">
+            <a:solidFill>
+              <a:srgbClr val="C00000"/>
+            </a:solidFill>
+          </a:ln>
+        </p:spPr>
+        <p:style>
+          <a:lnRef idx="1">
+            <a:schemeClr val="accent1"/>
+          </a:lnRef>
+          <a:fillRef idx="0">
+            <a:schemeClr val="accent1"/>
+          </a:fillRef>
+          <a:effectRef idx="0">
+            <a:schemeClr val="accent1"/>
+          </a:effectRef>
+          <a:fontRef idx="minor">
+            <a:schemeClr val="tx1"/>
+          </a:fontRef>
+        </p:style>
+      </p:cxnSp>
+      <p:sp>
+        <p:nvSpPr>
+          <p:cNvPr id="18" name="ZoneTexte 17"/>
+          <p:cNvSpPr txBox="1"/>
+          <p:nvPr/>
+        </p:nvSpPr>
+        <p:spPr>
+          <a:xfrm>
+            <a:off x="1691126" y="2482431"/>
+            <a:ext cx="1440160" cy="276999"/>
+          </a:xfrm>
+          <a:prstGeom prst="rect">
+            <a:avLst/>
+          </a:prstGeom>
+          <a:noFill/>
+        </p:spPr>
+        <p:txBody>
+          <a:bodyPr wrap="square" rtlCol="0">
+            <a:spAutoFit/>
+          </a:bodyPr>
+          <a:lstStyle/>
+          <a:p>
+            <a:pPr algn="ctr"/>
+            <a:r>
+              <a:rPr lang="fr-FR" sz="1200" dirty="0" smtClean="0"/>
+              <a:t>Phase d’ouverture</a:t>
+            </a:r>
+            <a:endParaRPr lang="fr-FR" sz="1200" dirty="0"/>
+          </a:p>
+        </p:txBody>
+      </p:sp>
+      <p:cxnSp>
+        <p:nvCxnSpPr>
+          <p:cNvPr id="19" name="Connecteur droit 18"/>
+          <p:cNvCxnSpPr/>
+          <p:nvPr/>
+        </p:nvCxnSpPr>
+        <p:spPr>
+          <a:xfrm flipH="1" flipV="1">
+            <a:off x="3851920" y="1988840"/>
+            <a:ext cx="423664" cy="0"/>
+          </a:xfrm>
+          <a:prstGeom prst="line">
+            <a:avLst/>
+          </a:prstGeom>
+          <a:ln w="28575" cmpd="dbl">
+            <a:solidFill>
+              <a:srgbClr val="00B050"/>
+            </a:solidFill>
+            <a:tailEnd type="stealth" w="med" len="lg"/>
+          </a:ln>
+        </p:spPr>
+        <p:style>
+          <a:lnRef idx="1">
+            <a:schemeClr val="accent1"/>
+          </a:lnRef>
+          <a:fillRef idx="0">
+            <a:schemeClr val="accent1"/>
+          </a:fillRef>
+          <a:effectRef idx="0">
+            <a:schemeClr val="accent1"/>
+          </a:effectRef>
+          <a:fontRef idx="minor">
+            <a:schemeClr val="tx1"/>
+          </a:fontRef>
+        </p:style>
+      </p:cxnSp>
+      <p:sp>
+        <p:nvSpPr>
+          <p:cNvPr id="22" name="ZoneTexte 21"/>
+          <p:cNvSpPr txBox="1"/>
+          <p:nvPr/>
+        </p:nvSpPr>
+        <p:spPr>
+          <a:xfrm>
+            <a:off x="3663793" y="1556792"/>
+            <a:ext cx="799918" cy="400110"/>
+          </a:xfrm>
+          <a:prstGeom prst="rect">
+            <a:avLst/>
+          </a:prstGeom>
+          <a:noFill/>
+        </p:spPr>
+        <p:txBody>
+          <a:bodyPr wrap="square" rtlCol="0">
+            <a:spAutoFit/>
+          </a:bodyPr>
+          <a:lstStyle/>
+          <a:p>
+            <a:pPr algn="ctr"/>
+            <a:r>
+              <a:rPr lang="fr-FR" sz="1000" dirty="0" smtClean="0"/>
+              <a:t>Action hayon</a:t>
+            </a:r>
+            <a:endParaRPr lang="fr-FR" sz="1000" dirty="0"/>
+          </a:p>
+        </p:txBody>
+      </p:sp>
+    </p:spTree>
+    <p:extLst>
+      <p:ext uri="{BB962C8B-B14F-4D97-AF65-F5344CB8AC3E}">
+        <p14:creationId xmlns:p14="http://schemas.microsoft.com/office/powerpoint/2010/main" val="3943136678"/>
+      </p:ext>
+    </p:extLst>
+  </p:cSld>
+  <p:clrMapOvr>
+    <a:masterClrMapping/>
+  </p:clrMapOvr>
+</p:sld>
+</file>
+
+<file path=ppt/slides/slide5.xml><?xml version="1.0" encoding="utf-8"?>
 <p:sld xmlns:a="http://schemas.openxmlformats.org/drawingml/2006/main" xmlns:r="http://schemas.openxmlformats.org/officeDocument/2006/relationships" xmlns:p="http://schemas.openxmlformats.org/presentationml/2006/main">
   <p:cSld>
     <p:spTree>
@@ -10553,7 +13494,7 @@
 </p:sld>
 </file>
 
-<file path=ppt/slides/slide5.xml><?xml version="1.0" encoding="utf-8"?>
+<file path=ppt/slides/slide6.xml><?xml version="1.0" encoding="utf-8"?>
 <p:sld xmlns:a="http://schemas.openxmlformats.org/drawingml/2006/main" xmlns:r="http://schemas.openxmlformats.org/officeDocument/2006/relationships" xmlns:p="http://schemas.openxmlformats.org/presentationml/2006/main">
   <p:cSld>
     <p:spTree>
@@ -11166,7 +14107,7 @@
 </p:sld>
 </file>
 
-<file path=ppt/slides/slide6.xml><?xml version="1.0" encoding="utf-8"?>
+<file path=ppt/slides/slide7.xml><?xml version="1.0" encoding="utf-8"?>
 <p:sld xmlns:a="http://schemas.openxmlformats.org/drawingml/2006/main" xmlns:r="http://schemas.openxmlformats.org/officeDocument/2006/relationships" xmlns:p="http://schemas.openxmlformats.org/presentationml/2006/main">
   <p:cSld>
     <p:spTree>
@@ -12015,7 +14956,7 @@
 </p:sld>
 </file>
 
-<file path=ppt/slides/slide7.xml><?xml version="1.0" encoding="utf-8"?>
+<file path=ppt/slides/slide8.xml><?xml version="1.0" encoding="utf-8"?>
 <p:sld xmlns:a="http://schemas.openxmlformats.org/drawingml/2006/main" xmlns:r="http://schemas.openxmlformats.org/officeDocument/2006/relationships" xmlns:p="http://schemas.openxmlformats.org/presentationml/2006/main">
   <p:cSld>
     <p:spTree>
@@ -12678,7 +15619,7 @@
 </p:sld>
 </file>
 
-<file path=ppt/slides/slide8.xml><?xml version="1.0" encoding="utf-8"?>
+<file path=ppt/slides/slide9.xml><?xml version="1.0" encoding="utf-8"?>
 <p:sld xmlns:a="http://schemas.openxmlformats.org/drawingml/2006/main" xmlns:r="http://schemas.openxmlformats.org/officeDocument/2006/relationships" xmlns:p="http://schemas.openxmlformats.org/presentationml/2006/main">
   <p:cSld>
     <p:spTree>
@@ -13571,2573 +16512,6 @@
 </p:sld>
 </file>
 
-<file path=ppt/slides/slide9.xml><?xml version="1.0" encoding="utf-8"?>
-<p:sld xmlns:a="http://schemas.openxmlformats.org/drawingml/2006/main" xmlns:r="http://schemas.openxmlformats.org/officeDocument/2006/relationships" xmlns:p="http://schemas.openxmlformats.org/presentationml/2006/main">
-  <p:cSld>
-    <p:spTree>
-      <p:nvGrpSpPr>
-        <p:cNvPr id="1" name=""/>
-        <p:cNvGrpSpPr/>
-        <p:nvPr/>
-      </p:nvGrpSpPr>
-      <p:grpSpPr>
-        <a:xfrm>
-          <a:off x="0" y="0"/>
-          <a:ext cx="0" cy="0"/>
-          <a:chOff x="0" y="0"/>
-          <a:chExt cx="0" cy="0"/>
-        </a:xfrm>
-      </p:grpSpPr>
-      <p:sp>
-        <p:nvSpPr>
-          <p:cNvPr id="4" name="Ellipse 3"/>
-          <p:cNvSpPr/>
-          <p:nvPr/>
-        </p:nvSpPr>
-        <p:spPr>
-          <a:xfrm>
-            <a:off x="1061610" y="1813199"/>
-            <a:ext cx="288032" cy="288032"/>
-          </a:xfrm>
-          <a:prstGeom prst="ellipse">
-            <a:avLst/>
-          </a:prstGeom>
-          <a:solidFill>
-            <a:schemeClr val="accent4">
-              <a:lumMod val="20000"/>
-              <a:lumOff val="80000"/>
-            </a:schemeClr>
-          </a:solidFill>
-          <a:ln w="19050">
-            <a:solidFill>
-              <a:schemeClr val="accent4"/>
-            </a:solidFill>
-          </a:ln>
-        </p:spPr>
-        <p:style>
-          <a:lnRef idx="2">
-            <a:schemeClr val="accent1">
-              <a:shade val="50000"/>
-            </a:schemeClr>
-          </a:lnRef>
-          <a:fillRef idx="1">
-            <a:schemeClr val="accent1"/>
-          </a:fillRef>
-          <a:effectRef idx="0">
-            <a:schemeClr val="accent1"/>
-          </a:effectRef>
-          <a:fontRef idx="minor">
-            <a:schemeClr val="lt1"/>
-          </a:fontRef>
-        </p:style>
-        <p:txBody>
-          <a:bodyPr rtlCol="0" anchor="ctr"/>
-          <a:lstStyle/>
-          <a:p>
-            <a:pPr algn="ctr"/>
-            <a:r>
-              <a:rPr lang="fr-FR" sz="1400" b="1" dirty="0" smtClean="0">
-                <a:solidFill>
-                  <a:schemeClr val="accent4"/>
-                </a:solidFill>
-              </a:rPr>
-              <a:t>1</a:t>
-            </a:r>
-            <a:endParaRPr lang="fr-FR" sz="1400" b="1" dirty="0">
-              <a:solidFill>
-                <a:schemeClr val="accent4"/>
-              </a:solidFill>
-            </a:endParaRPr>
-          </a:p>
-        </p:txBody>
-      </p:sp>
-      <p:sp>
-        <p:nvSpPr>
-          <p:cNvPr id="5" name="Ellipse 4"/>
-          <p:cNvSpPr/>
-          <p:nvPr/>
-        </p:nvSpPr>
-        <p:spPr>
-          <a:xfrm>
-            <a:off x="1799692" y="1813199"/>
-            <a:ext cx="288032" cy="288032"/>
-          </a:xfrm>
-          <a:prstGeom prst="ellipse">
-            <a:avLst/>
-          </a:prstGeom>
-          <a:solidFill>
-            <a:schemeClr val="accent2">
-              <a:lumMod val="20000"/>
-              <a:lumOff val="80000"/>
-            </a:schemeClr>
-          </a:solidFill>
-          <a:ln w="19050">
-            <a:solidFill>
-              <a:schemeClr val="accent2"/>
-            </a:solidFill>
-          </a:ln>
-        </p:spPr>
-        <p:style>
-          <a:lnRef idx="2">
-            <a:schemeClr val="accent1">
-              <a:shade val="50000"/>
-            </a:schemeClr>
-          </a:lnRef>
-          <a:fillRef idx="1">
-            <a:schemeClr val="accent1"/>
-          </a:fillRef>
-          <a:effectRef idx="0">
-            <a:schemeClr val="accent1"/>
-          </a:effectRef>
-          <a:fontRef idx="minor">
-            <a:schemeClr val="lt1"/>
-          </a:fontRef>
-        </p:style>
-        <p:txBody>
-          <a:bodyPr rtlCol="0" anchor="ctr"/>
-          <a:lstStyle/>
-          <a:p>
-            <a:pPr algn="ctr"/>
-            <a:r>
-              <a:rPr lang="fr-FR" sz="1400" b="1" dirty="0">
-                <a:solidFill>
-                  <a:schemeClr val="accent2"/>
-                </a:solidFill>
-              </a:rPr>
-              <a:t>2</a:t>
-            </a:r>
-          </a:p>
-        </p:txBody>
-      </p:sp>
-      <p:sp>
-        <p:nvSpPr>
-          <p:cNvPr id="6" name="Ellipse 5"/>
-          <p:cNvSpPr/>
-          <p:nvPr/>
-        </p:nvSpPr>
-        <p:spPr>
-          <a:xfrm>
-            <a:off x="2537774" y="1813199"/>
-            <a:ext cx="288032" cy="288032"/>
-          </a:xfrm>
-          <a:prstGeom prst="ellipse">
-            <a:avLst/>
-          </a:prstGeom>
-          <a:solidFill>
-            <a:schemeClr val="accent3">
-              <a:lumMod val="20000"/>
-              <a:lumOff val="80000"/>
-            </a:schemeClr>
-          </a:solidFill>
-          <a:ln w="19050">
-            <a:solidFill>
-              <a:schemeClr val="accent3"/>
-            </a:solidFill>
-          </a:ln>
-        </p:spPr>
-        <p:style>
-          <a:lnRef idx="2">
-            <a:schemeClr val="accent1">
-              <a:shade val="50000"/>
-            </a:schemeClr>
-          </a:lnRef>
-          <a:fillRef idx="1">
-            <a:schemeClr val="accent1"/>
-          </a:fillRef>
-          <a:effectRef idx="0">
-            <a:schemeClr val="accent1"/>
-          </a:effectRef>
-          <a:fontRef idx="minor">
-            <a:schemeClr val="lt1"/>
-          </a:fontRef>
-        </p:style>
-        <p:txBody>
-          <a:bodyPr rtlCol="0" anchor="ctr"/>
-          <a:lstStyle/>
-          <a:p>
-            <a:pPr algn="ctr"/>
-            <a:r>
-              <a:rPr lang="fr-FR" sz="1400" b="1" dirty="0" smtClean="0">
-                <a:solidFill>
-                  <a:schemeClr val="accent3"/>
-                </a:solidFill>
-              </a:rPr>
-              <a:t>3</a:t>
-            </a:r>
-            <a:endParaRPr lang="fr-FR" sz="1400" b="1" dirty="0">
-              <a:solidFill>
-                <a:schemeClr val="accent3"/>
-              </a:solidFill>
-            </a:endParaRPr>
-          </a:p>
-        </p:txBody>
-      </p:sp>
-      <p:sp>
-        <p:nvSpPr>
-          <p:cNvPr id="7" name="Ellipse 6"/>
-          <p:cNvSpPr/>
-          <p:nvPr/>
-        </p:nvSpPr>
-        <p:spPr>
-          <a:xfrm>
-            <a:off x="3275856" y="1813199"/>
-            <a:ext cx="288032" cy="288032"/>
-          </a:xfrm>
-          <a:prstGeom prst="ellipse">
-            <a:avLst/>
-          </a:prstGeom>
-          <a:solidFill>
-            <a:schemeClr val="bg1">
-              <a:lumMod val="85000"/>
-            </a:schemeClr>
-          </a:solidFill>
-          <a:ln w="19050">
-            <a:solidFill>
-              <a:schemeClr val="tx1"/>
-            </a:solidFill>
-          </a:ln>
-        </p:spPr>
-        <p:style>
-          <a:lnRef idx="2">
-            <a:schemeClr val="accent1">
-              <a:shade val="50000"/>
-            </a:schemeClr>
-          </a:lnRef>
-          <a:fillRef idx="1">
-            <a:schemeClr val="accent1"/>
-          </a:fillRef>
-          <a:effectRef idx="0">
-            <a:schemeClr val="accent1"/>
-          </a:effectRef>
-          <a:fontRef idx="minor">
-            <a:schemeClr val="lt1"/>
-          </a:fontRef>
-        </p:style>
-        <p:txBody>
-          <a:bodyPr rtlCol="0" anchor="ctr"/>
-          <a:lstStyle/>
-          <a:p>
-            <a:pPr algn="ctr"/>
-            <a:r>
-              <a:rPr lang="fr-FR" sz="1400" b="1" dirty="0" smtClean="0">
-                <a:solidFill>
-                  <a:schemeClr val="tx1"/>
-                </a:solidFill>
-              </a:rPr>
-              <a:t>4</a:t>
-            </a:r>
-            <a:endParaRPr lang="fr-FR" sz="1400" b="1" dirty="0">
-              <a:solidFill>
-                <a:schemeClr val="tx1"/>
-              </a:solidFill>
-            </a:endParaRPr>
-          </a:p>
-        </p:txBody>
-      </p:sp>
-      <p:sp>
-        <p:nvSpPr>
-          <p:cNvPr id="8" name="Ellipse 7"/>
-          <p:cNvSpPr/>
-          <p:nvPr/>
-        </p:nvSpPr>
-        <p:spPr>
-          <a:xfrm>
-            <a:off x="323528" y="1813199"/>
-            <a:ext cx="288032" cy="288032"/>
-          </a:xfrm>
-          <a:prstGeom prst="ellipse">
-            <a:avLst/>
-          </a:prstGeom>
-          <a:solidFill>
-            <a:schemeClr val="accent6">
-              <a:lumMod val="20000"/>
-              <a:lumOff val="80000"/>
-            </a:schemeClr>
-          </a:solidFill>
-          <a:ln w="19050">
-            <a:solidFill>
-              <a:schemeClr val="accent6">
-                <a:lumMod val="50000"/>
-              </a:schemeClr>
-            </a:solidFill>
-          </a:ln>
-        </p:spPr>
-        <p:style>
-          <a:lnRef idx="2">
-            <a:schemeClr val="accent1">
-              <a:shade val="50000"/>
-            </a:schemeClr>
-          </a:lnRef>
-          <a:fillRef idx="1">
-            <a:schemeClr val="accent1"/>
-          </a:fillRef>
-          <a:effectRef idx="0">
-            <a:schemeClr val="accent1"/>
-          </a:effectRef>
-          <a:fontRef idx="minor">
-            <a:schemeClr val="lt1"/>
-          </a:fontRef>
-        </p:style>
-        <p:txBody>
-          <a:bodyPr rtlCol="0" anchor="ctr"/>
-          <a:lstStyle/>
-          <a:p>
-            <a:pPr algn="ctr"/>
-            <a:r>
-              <a:rPr lang="fr-FR" sz="1400" b="1" dirty="0" smtClean="0">
-                <a:solidFill>
-                  <a:schemeClr val="accent6">
-                    <a:lumMod val="50000"/>
-                  </a:schemeClr>
-                </a:solidFill>
-              </a:rPr>
-              <a:t>0</a:t>
-            </a:r>
-            <a:endParaRPr lang="fr-FR" sz="1400" b="1" dirty="0">
-              <a:solidFill>
-                <a:schemeClr val="accent6">
-                  <a:lumMod val="50000"/>
-                </a:schemeClr>
-              </a:solidFill>
-            </a:endParaRPr>
-          </a:p>
-        </p:txBody>
-      </p:sp>
-      <p:cxnSp>
-        <p:nvCxnSpPr>
-          <p:cNvPr id="10" name="Connecteur droit 9"/>
-          <p:cNvCxnSpPr>
-            <a:stCxn id="8" idx="6"/>
-            <a:endCxn id="4" idx="2"/>
-          </p:cNvCxnSpPr>
-          <p:nvPr/>
-        </p:nvCxnSpPr>
-        <p:spPr>
-          <a:xfrm>
-            <a:off x="611560" y="1957215"/>
-            <a:ext cx="450050" cy="0"/>
-          </a:xfrm>
-          <a:prstGeom prst="line">
-            <a:avLst/>
-          </a:prstGeom>
-          <a:ln w="19050">
-            <a:solidFill>
-              <a:schemeClr val="tx1"/>
-            </a:solidFill>
-          </a:ln>
-        </p:spPr>
-        <p:style>
-          <a:lnRef idx="1">
-            <a:schemeClr val="accent1"/>
-          </a:lnRef>
-          <a:fillRef idx="0">
-            <a:schemeClr val="accent1"/>
-          </a:fillRef>
-          <a:effectRef idx="0">
-            <a:schemeClr val="accent1"/>
-          </a:effectRef>
-          <a:fontRef idx="minor">
-            <a:schemeClr val="tx1"/>
-          </a:fontRef>
-        </p:style>
-      </p:cxnSp>
-      <p:cxnSp>
-        <p:nvCxnSpPr>
-          <p:cNvPr id="11" name="Connecteur droit 10"/>
-          <p:cNvCxnSpPr>
-            <a:stCxn id="5" idx="2"/>
-            <a:endCxn id="4" idx="6"/>
-          </p:cNvCxnSpPr>
-          <p:nvPr/>
-        </p:nvCxnSpPr>
-        <p:spPr>
-          <a:xfrm flipH="1">
-            <a:off x="1349642" y="1957215"/>
-            <a:ext cx="450050" cy="0"/>
-          </a:xfrm>
-          <a:prstGeom prst="line">
-            <a:avLst/>
-          </a:prstGeom>
-          <a:ln w="19050">
-            <a:solidFill>
-              <a:schemeClr val="tx1"/>
-            </a:solidFill>
-          </a:ln>
-        </p:spPr>
-        <p:style>
-          <a:lnRef idx="1">
-            <a:schemeClr val="accent1"/>
-          </a:lnRef>
-          <a:fillRef idx="0">
-            <a:schemeClr val="accent1"/>
-          </a:fillRef>
-          <a:effectRef idx="0">
-            <a:schemeClr val="accent1"/>
-          </a:effectRef>
-          <a:fontRef idx="minor">
-            <a:schemeClr val="tx1"/>
-          </a:fontRef>
-        </p:style>
-      </p:cxnSp>
-      <p:cxnSp>
-        <p:nvCxnSpPr>
-          <p:cNvPr id="14" name="Connecteur droit 13"/>
-          <p:cNvCxnSpPr>
-            <a:stCxn id="6" idx="2"/>
-            <a:endCxn id="5" idx="6"/>
-          </p:cNvCxnSpPr>
-          <p:nvPr/>
-        </p:nvCxnSpPr>
-        <p:spPr>
-          <a:xfrm flipH="1">
-            <a:off x="2087724" y="1957215"/>
-            <a:ext cx="450050" cy="0"/>
-          </a:xfrm>
-          <a:prstGeom prst="line">
-            <a:avLst/>
-          </a:prstGeom>
-          <a:ln w="19050">
-            <a:solidFill>
-              <a:schemeClr val="tx1"/>
-            </a:solidFill>
-          </a:ln>
-        </p:spPr>
-        <p:style>
-          <a:lnRef idx="1">
-            <a:schemeClr val="accent1"/>
-          </a:lnRef>
-          <a:fillRef idx="0">
-            <a:schemeClr val="accent1"/>
-          </a:fillRef>
-          <a:effectRef idx="0">
-            <a:schemeClr val="accent1"/>
-          </a:effectRef>
-          <a:fontRef idx="minor">
-            <a:schemeClr val="tx1"/>
-          </a:fontRef>
-        </p:style>
-      </p:cxnSp>
-      <p:cxnSp>
-        <p:nvCxnSpPr>
-          <p:cNvPr id="17" name="Connecteur droit 16"/>
-          <p:cNvCxnSpPr>
-            <a:stCxn id="7" idx="2"/>
-            <a:endCxn id="6" idx="6"/>
-          </p:cNvCxnSpPr>
-          <p:nvPr/>
-        </p:nvCxnSpPr>
-        <p:spPr>
-          <a:xfrm flipH="1">
-            <a:off x="2825806" y="1957215"/>
-            <a:ext cx="450050" cy="0"/>
-          </a:xfrm>
-          <a:prstGeom prst="line">
-            <a:avLst/>
-          </a:prstGeom>
-          <a:ln w="19050">
-            <a:solidFill>
-              <a:schemeClr val="tx1"/>
-            </a:solidFill>
-          </a:ln>
-        </p:spPr>
-        <p:style>
-          <a:lnRef idx="1">
-            <a:schemeClr val="accent1"/>
-          </a:lnRef>
-          <a:fillRef idx="0">
-            <a:schemeClr val="accent1"/>
-          </a:fillRef>
-          <a:effectRef idx="0">
-            <a:schemeClr val="accent1"/>
-          </a:effectRef>
-          <a:fontRef idx="minor">
-            <a:schemeClr val="tx1"/>
-          </a:fontRef>
-        </p:style>
-      </p:cxnSp>
-      <p:sp>
-        <p:nvSpPr>
-          <p:cNvPr id="24" name="Forme libre 23"/>
-          <p:cNvSpPr/>
-          <p:nvPr/>
-        </p:nvSpPr>
-        <p:spPr>
-          <a:xfrm>
-            <a:off x="539552" y="1746854"/>
-            <a:ext cx="576064" cy="99996"/>
-          </a:xfrm>
-          <a:custGeom>
-            <a:avLst/>
-            <a:gdLst>
-              <a:gd name="connsiteX0" fmla="*/ 0 w 596900"/>
-              <a:gd name="connsiteY0" fmla="*/ 209768 h 209768"/>
-              <a:gd name="connsiteX1" fmla="*/ 317500 w 596900"/>
-              <a:gd name="connsiteY1" fmla="*/ 218 h 209768"/>
-              <a:gd name="connsiteX2" fmla="*/ 596900 w 596900"/>
-              <a:gd name="connsiteY2" fmla="*/ 178018 h 209768"/>
-              <a:gd name="connsiteX0" fmla="*/ 0 w 660400"/>
-              <a:gd name="connsiteY0" fmla="*/ 210341 h 280191"/>
-              <a:gd name="connsiteX1" fmla="*/ 317500 w 660400"/>
-              <a:gd name="connsiteY1" fmla="*/ 791 h 280191"/>
-              <a:gd name="connsiteX2" fmla="*/ 660400 w 660400"/>
-              <a:gd name="connsiteY2" fmla="*/ 280191 h 280191"/>
-              <a:gd name="connsiteX0" fmla="*/ 0 w 736600"/>
-              <a:gd name="connsiteY0" fmla="*/ 273055 h 279405"/>
-              <a:gd name="connsiteX1" fmla="*/ 393700 w 736600"/>
-              <a:gd name="connsiteY1" fmla="*/ 5 h 279405"/>
-              <a:gd name="connsiteX2" fmla="*/ 736600 w 736600"/>
-              <a:gd name="connsiteY2" fmla="*/ 279405 h 279405"/>
-            </a:gdLst>
-            <a:ahLst/>
-            <a:cxnLst>
-              <a:cxn ang="0">
-                <a:pos x="connsiteX0" y="connsiteY0"/>
-              </a:cxn>
-              <a:cxn ang="0">
-                <a:pos x="connsiteX1" y="connsiteY1"/>
-              </a:cxn>
-              <a:cxn ang="0">
-                <a:pos x="connsiteX2" y="connsiteY2"/>
-              </a:cxn>
-            </a:cxnLst>
-            <a:rect l="l" t="t" r="r" b="b"/>
-            <a:pathLst>
-              <a:path w="736600" h="279405">
-                <a:moveTo>
-                  <a:pt x="0" y="273055"/>
-                </a:moveTo>
-                <a:cubicBezTo>
-                  <a:pt x="109008" y="170926"/>
-                  <a:pt x="270933" y="-1053"/>
-                  <a:pt x="393700" y="5"/>
-                </a:cubicBezTo>
-                <a:cubicBezTo>
-                  <a:pt x="516467" y="1063"/>
-                  <a:pt x="646641" y="187859"/>
-                  <a:pt x="736600" y="279405"/>
-                </a:cubicBezTo>
-              </a:path>
-            </a:pathLst>
-          </a:custGeom>
-          <a:noFill/>
-          <a:ln>
-            <a:solidFill>
-              <a:srgbClr val="C00000"/>
-            </a:solidFill>
-            <a:headEnd type="stealth" w="med" len="lg"/>
-            <a:tailEnd type="stealth" w="med" len="lg"/>
-          </a:ln>
-        </p:spPr>
-        <p:style>
-          <a:lnRef idx="2">
-            <a:schemeClr val="accent1">
-              <a:shade val="50000"/>
-            </a:schemeClr>
-          </a:lnRef>
-          <a:fillRef idx="1">
-            <a:schemeClr val="accent1"/>
-          </a:fillRef>
-          <a:effectRef idx="0">
-            <a:schemeClr val="accent1"/>
-          </a:effectRef>
-          <a:fontRef idx="minor">
-            <a:schemeClr val="lt1"/>
-          </a:fontRef>
-        </p:style>
-        <p:txBody>
-          <a:bodyPr rtlCol="0" anchor="ctr"/>
-          <a:lstStyle/>
-          <a:p>
-            <a:pPr algn="ctr"/>
-            <a:endParaRPr lang="fr-FR"/>
-          </a:p>
-        </p:txBody>
-      </p:sp>
-      <p:sp>
-        <p:nvSpPr>
-          <p:cNvPr id="25" name="Forme libre 24"/>
-          <p:cNvSpPr/>
-          <p:nvPr/>
-        </p:nvSpPr>
-        <p:spPr>
-          <a:xfrm>
-            <a:off x="1286635" y="1746854"/>
-            <a:ext cx="576064" cy="99996"/>
-          </a:xfrm>
-          <a:custGeom>
-            <a:avLst/>
-            <a:gdLst>
-              <a:gd name="connsiteX0" fmla="*/ 0 w 596900"/>
-              <a:gd name="connsiteY0" fmla="*/ 209768 h 209768"/>
-              <a:gd name="connsiteX1" fmla="*/ 317500 w 596900"/>
-              <a:gd name="connsiteY1" fmla="*/ 218 h 209768"/>
-              <a:gd name="connsiteX2" fmla="*/ 596900 w 596900"/>
-              <a:gd name="connsiteY2" fmla="*/ 178018 h 209768"/>
-              <a:gd name="connsiteX0" fmla="*/ 0 w 660400"/>
-              <a:gd name="connsiteY0" fmla="*/ 210341 h 280191"/>
-              <a:gd name="connsiteX1" fmla="*/ 317500 w 660400"/>
-              <a:gd name="connsiteY1" fmla="*/ 791 h 280191"/>
-              <a:gd name="connsiteX2" fmla="*/ 660400 w 660400"/>
-              <a:gd name="connsiteY2" fmla="*/ 280191 h 280191"/>
-              <a:gd name="connsiteX0" fmla="*/ 0 w 736600"/>
-              <a:gd name="connsiteY0" fmla="*/ 273055 h 279405"/>
-              <a:gd name="connsiteX1" fmla="*/ 393700 w 736600"/>
-              <a:gd name="connsiteY1" fmla="*/ 5 h 279405"/>
-              <a:gd name="connsiteX2" fmla="*/ 736600 w 736600"/>
-              <a:gd name="connsiteY2" fmla="*/ 279405 h 279405"/>
-            </a:gdLst>
-            <a:ahLst/>
-            <a:cxnLst>
-              <a:cxn ang="0">
-                <a:pos x="connsiteX0" y="connsiteY0"/>
-              </a:cxn>
-              <a:cxn ang="0">
-                <a:pos x="connsiteX1" y="connsiteY1"/>
-              </a:cxn>
-              <a:cxn ang="0">
-                <a:pos x="connsiteX2" y="connsiteY2"/>
-              </a:cxn>
-            </a:cxnLst>
-            <a:rect l="l" t="t" r="r" b="b"/>
-            <a:pathLst>
-              <a:path w="736600" h="279405">
-                <a:moveTo>
-                  <a:pt x="0" y="273055"/>
-                </a:moveTo>
-                <a:cubicBezTo>
-                  <a:pt x="109008" y="170926"/>
-                  <a:pt x="270933" y="-1053"/>
-                  <a:pt x="393700" y="5"/>
-                </a:cubicBezTo>
-                <a:cubicBezTo>
-                  <a:pt x="516467" y="1063"/>
-                  <a:pt x="646641" y="187859"/>
-                  <a:pt x="736600" y="279405"/>
-                </a:cubicBezTo>
-              </a:path>
-            </a:pathLst>
-          </a:custGeom>
-          <a:noFill/>
-          <a:ln>
-            <a:solidFill>
-              <a:srgbClr val="C00000"/>
-            </a:solidFill>
-            <a:headEnd type="stealth" w="med" len="lg"/>
-            <a:tailEnd type="stealth" w="med" len="lg"/>
-          </a:ln>
-        </p:spPr>
-        <p:style>
-          <a:lnRef idx="2">
-            <a:schemeClr val="accent1">
-              <a:shade val="50000"/>
-            </a:schemeClr>
-          </a:lnRef>
-          <a:fillRef idx="1">
-            <a:schemeClr val="accent1"/>
-          </a:fillRef>
-          <a:effectRef idx="0">
-            <a:schemeClr val="accent1"/>
-          </a:effectRef>
-          <a:fontRef idx="minor">
-            <a:schemeClr val="lt1"/>
-          </a:fontRef>
-        </p:style>
-        <p:txBody>
-          <a:bodyPr rtlCol="0" anchor="ctr"/>
-          <a:lstStyle/>
-          <a:p>
-            <a:pPr algn="ctr"/>
-            <a:endParaRPr lang="fr-FR"/>
-          </a:p>
-        </p:txBody>
-      </p:sp>
-      <p:sp>
-        <p:nvSpPr>
-          <p:cNvPr id="26" name="Forme libre 25"/>
-          <p:cNvSpPr/>
-          <p:nvPr/>
-        </p:nvSpPr>
-        <p:spPr>
-          <a:xfrm>
-            <a:off x="2033718" y="1746854"/>
-            <a:ext cx="576064" cy="99996"/>
-          </a:xfrm>
-          <a:custGeom>
-            <a:avLst/>
-            <a:gdLst>
-              <a:gd name="connsiteX0" fmla="*/ 0 w 596900"/>
-              <a:gd name="connsiteY0" fmla="*/ 209768 h 209768"/>
-              <a:gd name="connsiteX1" fmla="*/ 317500 w 596900"/>
-              <a:gd name="connsiteY1" fmla="*/ 218 h 209768"/>
-              <a:gd name="connsiteX2" fmla="*/ 596900 w 596900"/>
-              <a:gd name="connsiteY2" fmla="*/ 178018 h 209768"/>
-              <a:gd name="connsiteX0" fmla="*/ 0 w 660400"/>
-              <a:gd name="connsiteY0" fmla="*/ 210341 h 280191"/>
-              <a:gd name="connsiteX1" fmla="*/ 317500 w 660400"/>
-              <a:gd name="connsiteY1" fmla="*/ 791 h 280191"/>
-              <a:gd name="connsiteX2" fmla="*/ 660400 w 660400"/>
-              <a:gd name="connsiteY2" fmla="*/ 280191 h 280191"/>
-              <a:gd name="connsiteX0" fmla="*/ 0 w 736600"/>
-              <a:gd name="connsiteY0" fmla="*/ 273055 h 279405"/>
-              <a:gd name="connsiteX1" fmla="*/ 393700 w 736600"/>
-              <a:gd name="connsiteY1" fmla="*/ 5 h 279405"/>
-              <a:gd name="connsiteX2" fmla="*/ 736600 w 736600"/>
-              <a:gd name="connsiteY2" fmla="*/ 279405 h 279405"/>
-            </a:gdLst>
-            <a:ahLst/>
-            <a:cxnLst>
-              <a:cxn ang="0">
-                <a:pos x="connsiteX0" y="connsiteY0"/>
-              </a:cxn>
-              <a:cxn ang="0">
-                <a:pos x="connsiteX1" y="connsiteY1"/>
-              </a:cxn>
-              <a:cxn ang="0">
-                <a:pos x="connsiteX2" y="connsiteY2"/>
-              </a:cxn>
-            </a:cxnLst>
-            <a:rect l="l" t="t" r="r" b="b"/>
-            <a:pathLst>
-              <a:path w="736600" h="279405">
-                <a:moveTo>
-                  <a:pt x="0" y="273055"/>
-                </a:moveTo>
-                <a:cubicBezTo>
-                  <a:pt x="109008" y="170926"/>
-                  <a:pt x="270933" y="-1053"/>
-                  <a:pt x="393700" y="5"/>
-                </a:cubicBezTo>
-                <a:cubicBezTo>
-                  <a:pt x="516467" y="1063"/>
-                  <a:pt x="646641" y="187859"/>
-                  <a:pt x="736600" y="279405"/>
-                </a:cubicBezTo>
-              </a:path>
-            </a:pathLst>
-          </a:custGeom>
-          <a:noFill/>
-          <a:ln>
-            <a:solidFill>
-              <a:srgbClr val="C00000"/>
-            </a:solidFill>
-            <a:headEnd type="stealth" w="med" len="lg"/>
-            <a:tailEnd type="stealth" w="med" len="lg"/>
-          </a:ln>
-        </p:spPr>
-        <p:style>
-          <a:lnRef idx="2">
-            <a:schemeClr val="accent1">
-              <a:shade val="50000"/>
-            </a:schemeClr>
-          </a:lnRef>
-          <a:fillRef idx="1">
-            <a:schemeClr val="accent1"/>
-          </a:fillRef>
-          <a:effectRef idx="0">
-            <a:schemeClr val="accent1"/>
-          </a:effectRef>
-          <a:fontRef idx="minor">
-            <a:schemeClr val="lt1"/>
-          </a:fontRef>
-        </p:style>
-        <p:txBody>
-          <a:bodyPr rtlCol="0" anchor="ctr"/>
-          <a:lstStyle/>
-          <a:p>
-            <a:pPr algn="ctr"/>
-            <a:endParaRPr lang="fr-FR"/>
-          </a:p>
-        </p:txBody>
-      </p:sp>
-      <p:sp>
-        <p:nvSpPr>
-          <p:cNvPr id="27" name="Forme libre 26"/>
-          <p:cNvSpPr/>
-          <p:nvPr/>
-        </p:nvSpPr>
-        <p:spPr>
-          <a:xfrm>
-            <a:off x="2780801" y="1746854"/>
-            <a:ext cx="576064" cy="99996"/>
-          </a:xfrm>
-          <a:custGeom>
-            <a:avLst/>
-            <a:gdLst>
-              <a:gd name="connsiteX0" fmla="*/ 0 w 596900"/>
-              <a:gd name="connsiteY0" fmla="*/ 209768 h 209768"/>
-              <a:gd name="connsiteX1" fmla="*/ 317500 w 596900"/>
-              <a:gd name="connsiteY1" fmla="*/ 218 h 209768"/>
-              <a:gd name="connsiteX2" fmla="*/ 596900 w 596900"/>
-              <a:gd name="connsiteY2" fmla="*/ 178018 h 209768"/>
-              <a:gd name="connsiteX0" fmla="*/ 0 w 660400"/>
-              <a:gd name="connsiteY0" fmla="*/ 210341 h 280191"/>
-              <a:gd name="connsiteX1" fmla="*/ 317500 w 660400"/>
-              <a:gd name="connsiteY1" fmla="*/ 791 h 280191"/>
-              <a:gd name="connsiteX2" fmla="*/ 660400 w 660400"/>
-              <a:gd name="connsiteY2" fmla="*/ 280191 h 280191"/>
-              <a:gd name="connsiteX0" fmla="*/ 0 w 736600"/>
-              <a:gd name="connsiteY0" fmla="*/ 273055 h 279405"/>
-              <a:gd name="connsiteX1" fmla="*/ 393700 w 736600"/>
-              <a:gd name="connsiteY1" fmla="*/ 5 h 279405"/>
-              <a:gd name="connsiteX2" fmla="*/ 736600 w 736600"/>
-              <a:gd name="connsiteY2" fmla="*/ 279405 h 279405"/>
-            </a:gdLst>
-            <a:ahLst/>
-            <a:cxnLst>
-              <a:cxn ang="0">
-                <a:pos x="connsiteX0" y="connsiteY0"/>
-              </a:cxn>
-              <a:cxn ang="0">
-                <a:pos x="connsiteX1" y="connsiteY1"/>
-              </a:cxn>
-              <a:cxn ang="0">
-                <a:pos x="connsiteX2" y="connsiteY2"/>
-              </a:cxn>
-            </a:cxnLst>
-            <a:rect l="l" t="t" r="r" b="b"/>
-            <a:pathLst>
-              <a:path w="736600" h="279405">
-                <a:moveTo>
-                  <a:pt x="0" y="273055"/>
-                </a:moveTo>
-                <a:cubicBezTo>
-                  <a:pt x="109008" y="170926"/>
-                  <a:pt x="270933" y="-1053"/>
-                  <a:pt x="393700" y="5"/>
-                </a:cubicBezTo>
-                <a:cubicBezTo>
-                  <a:pt x="516467" y="1063"/>
-                  <a:pt x="646641" y="187859"/>
-                  <a:pt x="736600" y="279405"/>
-                </a:cubicBezTo>
-              </a:path>
-            </a:pathLst>
-          </a:custGeom>
-          <a:noFill/>
-          <a:ln>
-            <a:solidFill>
-              <a:srgbClr val="C00000"/>
-            </a:solidFill>
-            <a:headEnd type="stealth" w="med" len="lg"/>
-            <a:tailEnd type="stealth" w="med" len="lg"/>
-          </a:ln>
-        </p:spPr>
-        <p:style>
-          <a:lnRef idx="2">
-            <a:schemeClr val="accent1">
-              <a:shade val="50000"/>
-            </a:schemeClr>
-          </a:lnRef>
-          <a:fillRef idx="1">
-            <a:schemeClr val="accent1"/>
-          </a:fillRef>
-          <a:effectRef idx="0">
-            <a:schemeClr val="accent1"/>
-          </a:effectRef>
-          <a:fontRef idx="minor">
-            <a:schemeClr val="lt1"/>
-          </a:fontRef>
-        </p:style>
-        <p:txBody>
-          <a:bodyPr rtlCol="0" anchor="ctr"/>
-          <a:lstStyle/>
-          <a:p>
-            <a:pPr algn="ctr"/>
-            <a:endParaRPr lang="fr-FR"/>
-          </a:p>
-        </p:txBody>
-      </p:sp>
-      <p:sp>
-        <p:nvSpPr>
-          <p:cNvPr id="28" name="Forme libre 27"/>
-          <p:cNvSpPr/>
-          <p:nvPr/>
-        </p:nvSpPr>
-        <p:spPr>
-          <a:xfrm>
-            <a:off x="3548906" y="1796852"/>
-            <a:ext cx="576064" cy="99996"/>
-          </a:xfrm>
-          <a:custGeom>
-            <a:avLst/>
-            <a:gdLst>
-              <a:gd name="connsiteX0" fmla="*/ 0 w 596900"/>
-              <a:gd name="connsiteY0" fmla="*/ 209768 h 209768"/>
-              <a:gd name="connsiteX1" fmla="*/ 317500 w 596900"/>
-              <a:gd name="connsiteY1" fmla="*/ 218 h 209768"/>
-              <a:gd name="connsiteX2" fmla="*/ 596900 w 596900"/>
-              <a:gd name="connsiteY2" fmla="*/ 178018 h 209768"/>
-              <a:gd name="connsiteX0" fmla="*/ 0 w 660400"/>
-              <a:gd name="connsiteY0" fmla="*/ 210341 h 280191"/>
-              <a:gd name="connsiteX1" fmla="*/ 317500 w 660400"/>
-              <a:gd name="connsiteY1" fmla="*/ 791 h 280191"/>
-              <a:gd name="connsiteX2" fmla="*/ 660400 w 660400"/>
-              <a:gd name="connsiteY2" fmla="*/ 280191 h 280191"/>
-              <a:gd name="connsiteX0" fmla="*/ 0 w 736600"/>
-              <a:gd name="connsiteY0" fmla="*/ 273055 h 279405"/>
-              <a:gd name="connsiteX1" fmla="*/ 393700 w 736600"/>
-              <a:gd name="connsiteY1" fmla="*/ 5 h 279405"/>
-              <a:gd name="connsiteX2" fmla="*/ 736600 w 736600"/>
-              <a:gd name="connsiteY2" fmla="*/ 279405 h 279405"/>
-            </a:gdLst>
-            <a:ahLst/>
-            <a:cxnLst>
-              <a:cxn ang="0">
-                <a:pos x="connsiteX0" y="connsiteY0"/>
-              </a:cxn>
-              <a:cxn ang="0">
-                <a:pos x="connsiteX1" y="connsiteY1"/>
-              </a:cxn>
-              <a:cxn ang="0">
-                <a:pos x="connsiteX2" y="connsiteY2"/>
-              </a:cxn>
-            </a:cxnLst>
-            <a:rect l="l" t="t" r="r" b="b"/>
-            <a:pathLst>
-              <a:path w="736600" h="279405">
-                <a:moveTo>
-                  <a:pt x="0" y="273055"/>
-                </a:moveTo>
-                <a:cubicBezTo>
-                  <a:pt x="109008" y="170926"/>
-                  <a:pt x="270933" y="-1053"/>
-                  <a:pt x="393700" y="5"/>
-                </a:cubicBezTo>
-                <a:cubicBezTo>
-                  <a:pt x="516467" y="1063"/>
-                  <a:pt x="646641" y="187859"/>
-                  <a:pt x="736600" y="279405"/>
-                </a:cubicBezTo>
-              </a:path>
-            </a:pathLst>
-          </a:custGeom>
-          <a:noFill/>
-          <a:ln>
-            <a:solidFill>
-              <a:srgbClr val="C00000"/>
-            </a:solidFill>
-            <a:headEnd type="stealth" w="med" len="lg"/>
-            <a:tailEnd type="none" w="med" len="lg"/>
-          </a:ln>
-        </p:spPr>
-        <p:style>
-          <a:lnRef idx="2">
-            <a:schemeClr val="accent1">
-              <a:shade val="50000"/>
-            </a:schemeClr>
-          </a:lnRef>
-          <a:fillRef idx="1">
-            <a:schemeClr val="accent1"/>
-          </a:fillRef>
-          <a:effectRef idx="0">
-            <a:schemeClr val="accent1"/>
-          </a:effectRef>
-          <a:fontRef idx="minor">
-            <a:schemeClr val="lt1"/>
-          </a:fontRef>
-        </p:style>
-        <p:txBody>
-          <a:bodyPr rtlCol="0" anchor="ctr"/>
-          <a:lstStyle/>
-          <a:p>
-            <a:pPr algn="ctr"/>
-            <a:endParaRPr lang="fr-FR"/>
-          </a:p>
-        </p:txBody>
-      </p:sp>
-      <p:sp>
-        <p:nvSpPr>
-          <p:cNvPr id="29" name="Rectangle à coins arrondis 28"/>
-          <p:cNvSpPr/>
-          <p:nvPr/>
-        </p:nvSpPr>
-        <p:spPr>
-          <a:xfrm>
-            <a:off x="971600" y="1348285"/>
-            <a:ext cx="2736304" cy="1000595"/>
-          </a:xfrm>
-          <a:prstGeom prst="roundRect">
-            <a:avLst/>
-          </a:prstGeom>
-          <a:noFill/>
-          <a:ln w="19050">
-            <a:prstDash val="sysDash"/>
-          </a:ln>
-        </p:spPr>
-        <p:style>
-          <a:lnRef idx="2">
-            <a:schemeClr val="accent1">
-              <a:shade val="50000"/>
-            </a:schemeClr>
-          </a:lnRef>
-          <a:fillRef idx="1">
-            <a:schemeClr val="accent1"/>
-          </a:fillRef>
-          <a:effectRef idx="0">
-            <a:schemeClr val="accent1"/>
-          </a:effectRef>
-          <a:fontRef idx="minor">
-            <a:schemeClr val="lt1"/>
-          </a:fontRef>
-        </p:style>
-        <p:txBody>
-          <a:bodyPr rtlCol="0" anchor="ctr"/>
-          <a:lstStyle/>
-          <a:p>
-            <a:pPr algn="ctr"/>
-            <a:endParaRPr lang="fr-FR"/>
-          </a:p>
-        </p:txBody>
-      </p:sp>
-      <p:sp>
-        <p:nvSpPr>
-          <p:cNvPr id="30" name="Forme libre 29"/>
-          <p:cNvSpPr/>
-          <p:nvPr/>
-        </p:nvSpPr>
-        <p:spPr>
-          <a:xfrm rot="18900000">
-            <a:off x="2189750" y="1038546"/>
-            <a:ext cx="576064" cy="99996"/>
-          </a:xfrm>
-          <a:custGeom>
-            <a:avLst/>
-            <a:gdLst>
-              <a:gd name="connsiteX0" fmla="*/ 0 w 596900"/>
-              <a:gd name="connsiteY0" fmla="*/ 209768 h 209768"/>
-              <a:gd name="connsiteX1" fmla="*/ 317500 w 596900"/>
-              <a:gd name="connsiteY1" fmla="*/ 218 h 209768"/>
-              <a:gd name="connsiteX2" fmla="*/ 596900 w 596900"/>
-              <a:gd name="connsiteY2" fmla="*/ 178018 h 209768"/>
-              <a:gd name="connsiteX0" fmla="*/ 0 w 660400"/>
-              <a:gd name="connsiteY0" fmla="*/ 210341 h 280191"/>
-              <a:gd name="connsiteX1" fmla="*/ 317500 w 660400"/>
-              <a:gd name="connsiteY1" fmla="*/ 791 h 280191"/>
-              <a:gd name="connsiteX2" fmla="*/ 660400 w 660400"/>
-              <a:gd name="connsiteY2" fmla="*/ 280191 h 280191"/>
-              <a:gd name="connsiteX0" fmla="*/ 0 w 736600"/>
-              <a:gd name="connsiteY0" fmla="*/ 273055 h 279405"/>
-              <a:gd name="connsiteX1" fmla="*/ 393700 w 736600"/>
-              <a:gd name="connsiteY1" fmla="*/ 5 h 279405"/>
-              <a:gd name="connsiteX2" fmla="*/ 736600 w 736600"/>
-              <a:gd name="connsiteY2" fmla="*/ 279405 h 279405"/>
-            </a:gdLst>
-            <a:ahLst/>
-            <a:cxnLst>
-              <a:cxn ang="0">
-                <a:pos x="connsiteX0" y="connsiteY0"/>
-              </a:cxn>
-              <a:cxn ang="0">
-                <a:pos x="connsiteX1" y="connsiteY1"/>
-              </a:cxn>
-              <a:cxn ang="0">
-                <a:pos x="connsiteX2" y="connsiteY2"/>
-              </a:cxn>
-            </a:cxnLst>
-            <a:rect l="l" t="t" r="r" b="b"/>
-            <a:pathLst>
-              <a:path w="736600" h="279405">
-                <a:moveTo>
-                  <a:pt x="0" y="273055"/>
-                </a:moveTo>
-                <a:cubicBezTo>
-                  <a:pt x="109008" y="170926"/>
-                  <a:pt x="270933" y="-1053"/>
-                  <a:pt x="393700" y="5"/>
-                </a:cubicBezTo>
-                <a:cubicBezTo>
-                  <a:pt x="516467" y="1063"/>
-                  <a:pt x="646641" y="187859"/>
-                  <a:pt x="736600" y="279405"/>
-                </a:cubicBezTo>
-              </a:path>
-            </a:pathLst>
-          </a:custGeom>
-          <a:noFill/>
-          <a:ln>
-            <a:solidFill>
-              <a:srgbClr val="C00000"/>
-            </a:solidFill>
-            <a:headEnd type="stealth" w="med" len="lg"/>
-            <a:tailEnd type="none" w="med" len="lg"/>
-          </a:ln>
-        </p:spPr>
-        <p:style>
-          <a:lnRef idx="2">
-            <a:schemeClr val="accent1">
-              <a:shade val="50000"/>
-            </a:schemeClr>
-          </a:lnRef>
-          <a:fillRef idx="1">
-            <a:schemeClr val="accent1"/>
-          </a:fillRef>
-          <a:effectRef idx="0">
-            <a:schemeClr val="accent1"/>
-          </a:effectRef>
-          <a:fontRef idx="minor">
-            <a:schemeClr val="lt1"/>
-          </a:fontRef>
-        </p:style>
-        <p:txBody>
-          <a:bodyPr rtlCol="0" anchor="ctr"/>
-          <a:lstStyle/>
-          <a:p>
-            <a:pPr algn="ctr"/>
-            <a:endParaRPr lang="fr-FR"/>
-          </a:p>
-        </p:txBody>
-      </p:sp>
-      <mc:AlternateContent xmlns:mc="http://schemas.openxmlformats.org/markup-compatibility/2006" xmlns:a14="http://schemas.microsoft.com/office/drawing/2010/main">
-        <mc:Choice Requires="a14">
-          <p:sp>
-            <p:nvSpPr>
-              <p:cNvPr id="31" name="ZoneTexte 30"/>
-              <p:cNvSpPr txBox="1"/>
-              <p:nvPr/>
-            </p:nvSpPr>
-            <p:spPr>
-              <a:xfrm rot="5400000">
-                <a:off x="376723" y="2421287"/>
-                <a:ext cx="901722" cy="261610"/>
-              </a:xfrm>
-              <a:prstGeom prst="rect">
-                <a:avLst/>
-              </a:prstGeom>
-              <a:noFill/>
-            </p:spPr>
-            <p:txBody>
-              <a:bodyPr wrap="none" rtlCol="0">
-                <a:spAutoFit/>
-              </a:bodyPr>
-              <a:lstStyle/>
-              <a:p>
-                <a:r>
-                  <a:rPr lang="fr-FR" sz="1100" b="0" dirty="0" smtClean="0"/>
-                  <a:t>Pivot </a:t>
-                </a:r>
-                <a14:m>
-                  <m:oMath xmlns:m="http://schemas.openxmlformats.org/officeDocument/2006/math">
-                    <m:d>
-                      <m:dPr>
-                        <m:ctrlPr>
-                          <a:rPr lang="fr-FR" sz="1100" b="0" i="1" smtClean="0">
-                            <a:latin typeface="Cambria Math"/>
-                          </a:rPr>
-                        </m:ctrlPr>
-                      </m:dPr>
-                      <m:e>
-                        <m:r>
-                          <a:rPr lang="fr-FR" sz="1100" b="0" i="1" smtClean="0">
-                            <a:latin typeface="Cambria Math"/>
-                          </a:rPr>
-                          <m:t>𝑂</m:t>
-                        </m:r>
-                        <m:r>
-                          <a:rPr lang="fr-FR" sz="1100" b="0" i="1" smtClean="0">
-                            <a:latin typeface="Cambria Math"/>
-                          </a:rPr>
-                          <m:t>,</m:t>
-                        </m:r>
-                        <m:acc>
-                          <m:accPr>
-                            <m:chr m:val="⃗"/>
-                            <m:ctrlPr>
-                              <a:rPr lang="fr-FR" sz="1100" b="0" i="1" smtClean="0">
-                                <a:latin typeface="Cambria Math"/>
-                              </a:rPr>
-                            </m:ctrlPr>
-                          </m:accPr>
-                          <m:e>
-                            <m:sSub>
-                              <m:sSubPr>
-                                <m:ctrlPr>
-                                  <a:rPr lang="fr-FR" sz="1100" b="0" i="1" smtClean="0">
-                                    <a:latin typeface="Cambria Math"/>
-                                  </a:rPr>
-                                </m:ctrlPr>
-                              </m:sSubPr>
-                              <m:e>
-                                <m:r>
-                                  <a:rPr lang="fr-FR" sz="1100" b="0" i="1" smtClean="0">
-                                    <a:latin typeface="Cambria Math"/>
-                                  </a:rPr>
-                                  <m:t>𝑧</m:t>
-                                </m:r>
-                              </m:e>
-                              <m:sub>
-                                <m:r>
-                                  <a:rPr lang="fr-FR" sz="1100" b="0" i="1" smtClean="0">
-                                    <a:latin typeface="Cambria Math"/>
-                                  </a:rPr>
-                                  <m:t>1</m:t>
-                                </m:r>
-                              </m:sub>
-                            </m:sSub>
-                          </m:e>
-                        </m:acc>
-                      </m:e>
-                    </m:d>
-                  </m:oMath>
-                </a14:m>
-                <a:endParaRPr lang="fr-FR" sz="1100" dirty="0"/>
-              </a:p>
-            </p:txBody>
-          </p:sp>
-        </mc:Choice>
-        <mc:Fallback xmlns="">
-          <p:sp>
-            <p:nvSpPr>
-              <p:cNvPr id="31" name="ZoneTexte 30"/>
-              <p:cNvSpPr txBox="1">
-                <a:spLocks noRot="1" noChangeAspect="1" noMove="1" noResize="1" noEditPoints="1" noAdjustHandles="1" noChangeArrowheads="1" noChangeShapeType="1" noTextEdit="1"/>
-              </p:cNvSpPr>
-              <p:nvPr/>
-            </p:nvSpPr>
-            <p:spPr>
-              <a:xfrm rot="5400000">
-                <a:off x="376723" y="2421287"/>
-                <a:ext cx="901722" cy="261610"/>
-              </a:xfrm>
-              <a:prstGeom prst="rect">
-                <a:avLst/>
-              </a:prstGeom>
-              <a:blipFill rotWithShape="1">
-                <a:blip r:embed="rId2"/>
-                <a:stretch>
-                  <a:fillRect l="-16279"/>
-                </a:stretch>
-              </a:blipFill>
-            </p:spPr>
-            <p:txBody>
-              <a:bodyPr/>
-              <a:lstStyle/>
-              <a:p>
-                <a:r>
-                  <a:rPr lang="fr-FR">
-                    <a:noFill/>
-                  </a:rPr>
-                  <a:t> </a:t>
-                </a:r>
-              </a:p>
-            </p:txBody>
-          </p:sp>
-        </mc:Fallback>
-      </mc:AlternateContent>
-      <mc:AlternateContent xmlns:mc="http://schemas.openxmlformats.org/markup-compatibility/2006" xmlns:a14="http://schemas.microsoft.com/office/drawing/2010/main">
-        <mc:Choice Requires="a14">
-          <p:sp>
-            <p:nvSpPr>
-              <p:cNvPr id="32" name="ZoneTexte 31"/>
-              <p:cNvSpPr txBox="1"/>
-              <p:nvPr/>
-            </p:nvSpPr>
-            <p:spPr>
-              <a:xfrm rot="5400000">
-                <a:off x="1122171" y="2421287"/>
-                <a:ext cx="904991" cy="261610"/>
-              </a:xfrm>
-              <a:prstGeom prst="rect">
-                <a:avLst/>
-              </a:prstGeom>
-              <a:noFill/>
-            </p:spPr>
-            <p:txBody>
-              <a:bodyPr wrap="none" rtlCol="0">
-                <a:spAutoFit/>
-              </a:bodyPr>
-              <a:lstStyle/>
-              <a:p>
-                <a:r>
-                  <a:rPr lang="fr-FR" sz="1100" b="0" dirty="0" smtClean="0"/>
-                  <a:t>Pivot </a:t>
-                </a:r>
-                <a14:m>
-                  <m:oMath xmlns:m="http://schemas.openxmlformats.org/officeDocument/2006/math">
-                    <m:d>
-                      <m:dPr>
-                        <m:ctrlPr>
-                          <a:rPr lang="fr-FR" sz="1100" b="0" i="1" smtClean="0">
-                            <a:latin typeface="Cambria Math"/>
-                          </a:rPr>
-                        </m:ctrlPr>
-                      </m:dPr>
-                      <m:e>
-                        <m:r>
-                          <a:rPr lang="fr-FR" sz="1100" b="0" i="1" smtClean="0">
-                            <a:latin typeface="Cambria Math"/>
-                          </a:rPr>
-                          <m:t>𝑂</m:t>
-                        </m:r>
-                        <m:r>
-                          <a:rPr lang="fr-FR" sz="1100" b="0" i="1" smtClean="0">
-                            <a:latin typeface="Cambria Math"/>
-                          </a:rPr>
-                          <m:t>,</m:t>
-                        </m:r>
-                        <m:acc>
-                          <m:accPr>
-                            <m:chr m:val="⃗"/>
-                            <m:ctrlPr>
-                              <a:rPr lang="fr-FR" sz="1100" b="0" i="1" smtClean="0">
-                                <a:latin typeface="Cambria Math"/>
-                              </a:rPr>
-                            </m:ctrlPr>
-                          </m:accPr>
-                          <m:e>
-                            <m:sSub>
-                              <m:sSubPr>
-                                <m:ctrlPr>
-                                  <a:rPr lang="fr-FR" sz="1100" b="0" i="1" smtClean="0">
-                                    <a:latin typeface="Cambria Math"/>
-                                  </a:rPr>
-                                </m:ctrlPr>
-                              </m:sSubPr>
-                              <m:e>
-                                <m:r>
-                                  <a:rPr lang="fr-FR" sz="1100" b="0" i="1" smtClean="0">
-                                    <a:latin typeface="Cambria Math"/>
-                                  </a:rPr>
-                                  <m:t>𝑧</m:t>
-                                </m:r>
-                              </m:e>
-                              <m:sub>
-                                <m:r>
-                                  <a:rPr lang="fr-FR" sz="1100" b="0" i="1" smtClean="0">
-                                    <a:latin typeface="Cambria Math"/>
-                                  </a:rPr>
-                                  <m:t>2</m:t>
-                                </m:r>
-                              </m:sub>
-                            </m:sSub>
-                          </m:e>
-                        </m:acc>
-                      </m:e>
-                    </m:d>
-                  </m:oMath>
-                </a14:m>
-                <a:endParaRPr lang="fr-FR" sz="1100" dirty="0"/>
-              </a:p>
-            </p:txBody>
-          </p:sp>
-        </mc:Choice>
-        <mc:Fallback xmlns="">
-          <p:sp>
-            <p:nvSpPr>
-              <p:cNvPr id="32" name="ZoneTexte 31"/>
-              <p:cNvSpPr txBox="1">
-                <a:spLocks noRot="1" noChangeAspect="1" noMove="1" noResize="1" noEditPoints="1" noAdjustHandles="1" noChangeArrowheads="1" noChangeShapeType="1" noTextEdit="1"/>
-              </p:cNvSpPr>
-              <p:nvPr/>
-            </p:nvSpPr>
-            <p:spPr>
-              <a:xfrm rot="5400000">
-                <a:off x="1122171" y="2421287"/>
-                <a:ext cx="904991" cy="261610"/>
-              </a:xfrm>
-              <a:prstGeom prst="rect">
-                <a:avLst/>
-              </a:prstGeom>
-              <a:blipFill rotWithShape="1">
-                <a:blip r:embed="rId3"/>
-                <a:stretch>
-                  <a:fillRect l="-16279"/>
-                </a:stretch>
-              </a:blipFill>
-            </p:spPr>
-            <p:txBody>
-              <a:bodyPr/>
-              <a:lstStyle/>
-              <a:p>
-                <a:r>
-                  <a:rPr lang="fr-FR">
-                    <a:noFill/>
-                  </a:rPr>
-                  <a:t> </a:t>
-                </a:r>
-              </a:p>
-            </p:txBody>
-          </p:sp>
-        </mc:Fallback>
-      </mc:AlternateContent>
-      <mc:AlternateContent xmlns:mc="http://schemas.openxmlformats.org/markup-compatibility/2006" xmlns:a14="http://schemas.microsoft.com/office/drawing/2010/main">
-        <mc:Choice Requires="a14">
-          <p:sp>
-            <p:nvSpPr>
-              <p:cNvPr id="33" name="ZoneTexte 32"/>
-              <p:cNvSpPr txBox="1"/>
-              <p:nvPr/>
-            </p:nvSpPr>
-            <p:spPr>
-              <a:xfrm rot="5400000">
-                <a:off x="1869254" y="2421287"/>
-                <a:ext cx="904991" cy="261610"/>
-              </a:xfrm>
-              <a:prstGeom prst="rect">
-                <a:avLst/>
-              </a:prstGeom>
-              <a:noFill/>
-            </p:spPr>
-            <p:txBody>
-              <a:bodyPr wrap="none" rtlCol="0">
-                <a:spAutoFit/>
-              </a:bodyPr>
-              <a:lstStyle/>
-              <a:p>
-                <a:r>
-                  <a:rPr lang="fr-FR" sz="1100" b="0" dirty="0" smtClean="0"/>
-                  <a:t>Pivot </a:t>
-                </a:r>
-                <a14:m>
-                  <m:oMath xmlns:m="http://schemas.openxmlformats.org/officeDocument/2006/math">
-                    <m:d>
-                      <m:dPr>
-                        <m:ctrlPr>
-                          <a:rPr lang="fr-FR" sz="1100" b="0" i="1" smtClean="0">
-                            <a:latin typeface="Cambria Math"/>
-                          </a:rPr>
-                        </m:ctrlPr>
-                      </m:dPr>
-                      <m:e>
-                        <m:r>
-                          <a:rPr lang="fr-FR" sz="1100" b="0" i="1" smtClean="0">
-                            <a:latin typeface="Cambria Math"/>
-                          </a:rPr>
-                          <m:t>𝑂</m:t>
-                        </m:r>
-                        <m:r>
-                          <a:rPr lang="fr-FR" sz="1100" b="0" i="1" smtClean="0">
-                            <a:latin typeface="Cambria Math"/>
-                          </a:rPr>
-                          <m:t>,</m:t>
-                        </m:r>
-                        <m:acc>
-                          <m:accPr>
-                            <m:chr m:val="⃗"/>
-                            <m:ctrlPr>
-                              <a:rPr lang="fr-FR" sz="1100" b="0" i="1" smtClean="0">
-                                <a:latin typeface="Cambria Math"/>
-                              </a:rPr>
-                            </m:ctrlPr>
-                          </m:accPr>
-                          <m:e>
-                            <m:sSub>
-                              <m:sSubPr>
-                                <m:ctrlPr>
-                                  <a:rPr lang="fr-FR" sz="1100" b="0" i="1" smtClean="0">
-                                    <a:latin typeface="Cambria Math"/>
-                                  </a:rPr>
-                                </m:ctrlPr>
-                              </m:sSubPr>
-                              <m:e>
-                                <m:r>
-                                  <a:rPr lang="fr-FR" sz="1100" b="0" i="1" smtClean="0">
-                                    <a:latin typeface="Cambria Math"/>
-                                  </a:rPr>
-                                  <m:t>𝑧</m:t>
-                                </m:r>
-                              </m:e>
-                              <m:sub>
-                                <m:r>
-                                  <a:rPr lang="fr-FR" sz="1100" b="0" i="1" smtClean="0">
-                                    <a:latin typeface="Cambria Math"/>
-                                  </a:rPr>
-                                  <m:t>3</m:t>
-                                </m:r>
-                              </m:sub>
-                            </m:sSub>
-                          </m:e>
-                        </m:acc>
-                      </m:e>
-                    </m:d>
-                  </m:oMath>
-                </a14:m>
-                <a:endParaRPr lang="fr-FR" sz="1100" dirty="0"/>
-              </a:p>
-            </p:txBody>
-          </p:sp>
-        </mc:Choice>
-        <mc:Fallback xmlns="">
-          <p:sp>
-            <p:nvSpPr>
-              <p:cNvPr id="33" name="ZoneTexte 32"/>
-              <p:cNvSpPr txBox="1">
-                <a:spLocks noRot="1" noChangeAspect="1" noMove="1" noResize="1" noEditPoints="1" noAdjustHandles="1" noChangeArrowheads="1" noChangeShapeType="1" noTextEdit="1"/>
-              </p:cNvSpPr>
-              <p:nvPr/>
-            </p:nvSpPr>
-            <p:spPr>
-              <a:xfrm rot="5400000">
-                <a:off x="1869254" y="2421287"/>
-                <a:ext cx="904991" cy="261610"/>
-              </a:xfrm>
-              <a:prstGeom prst="rect">
-                <a:avLst/>
-              </a:prstGeom>
-              <a:blipFill rotWithShape="1">
-                <a:blip r:embed="rId4"/>
-                <a:stretch>
-                  <a:fillRect l="-16279"/>
-                </a:stretch>
-              </a:blipFill>
-            </p:spPr>
-            <p:txBody>
-              <a:bodyPr/>
-              <a:lstStyle/>
-              <a:p>
-                <a:r>
-                  <a:rPr lang="fr-FR">
-                    <a:noFill/>
-                  </a:rPr>
-                  <a:t> </a:t>
-                </a:r>
-              </a:p>
-            </p:txBody>
-          </p:sp>
-        </mc:Fallback>
-      </mc:AlternateContent>
-      <mc:AlternateContent xmlns:mc="http://schemas.openxmlformats.org/markup-compatibility/2006" xmlns:a14="http://schemas.microsoft.com/office/drawing/2010/main">
-        <mc:Choice Requires="a14">
-          <p:sp>
-            <p:nvSpPr>
-              <p:cNvPr id="34" name="ZoneTexte 33"/>
-              <p:cNvSpPr txBox="1"/>
-              <p:nvPr/>
-            </p:nvSpPr>
-            <p:spPr>
-              <a:xfrm rot="5400000">
-                <a:off x="2498389" y="2421287"/>
-                <a:ext cx="1140890" cy="261610"/>
-              </a:xfrm>
-              <a:prstGeom prst="rect">
-                <a:avLst/>
-              </a:prstGeom>
-              <a:noFill/>
-            </p:spPr>
-            <p:txBody>
-              <a:bodyPr wrap="none" rtlCol="0">
-                <a:spAutoFit/>
-              </a:bodyPr>
-              <a:lstStyle/>
-              <a:p>
-                <a:r>
-                  <a:rPr lang="fr-FR" sz="1100" b="0" dirty="0" smtClean="0"/>
-                  <a:t>Glissière </a:t>
-                </a:r>
-                <a14:m>
-                  <m:oMath xmlns:m="http://schemas.openxmlformats.org/officeDocument/2006/math">
-                    <m:d>
-                      <m:dPr>
-                        <m:ctrlPr>
-                          <a:rPr lang="fr-FR" sz="1100" b="0" i="1" smtClean="0">
-                            <a:latin typeface="Cambria Math"/>
-                          </a:rPr>
-                        </m:ctrlPr>
-                      </m:dPr>
-                      <m:e>
-                        <m:r>
-                          <a:rPr lang="fr-FR" sz="1100" b="0" i="1" smtClean="0">
-                            <a:latin typeface="Cambria Math"/>
-                          </a:rPr>
-                          <m:t>𝑂</m:t>
-                        </m:r>
-                        <m:r>
-                          <a:rPr lang="fr-FR" sz="1100" b="0" i="1" smtClean="0">
-                            <a:latin typeface="Cambria Math"/>
-                          </a:rPr>
-                          <m:t>,</m:t>
-                        </m:r>
-                        <m:acc>
-                          <m:accPr>
-                            <m:chr m:val="⃗"/>
-                            <m:ctrlPr>
-                              <a:rPr lang="fr-FR" sz="1100" b="0" i="1" smtClean="0">
-                                <a:latin typeface="Cambria Math"/>
-                              </a:rPr>
-                            </m:ctrlPr>
-                          </m:accPr>
-                          <m:e>
-                            <m:sSub>
-                              <m:sSubPr>
-                                <m:ctrlPr>
-                                  <a:rPr lang="fr-FR" sz="1100" b="0" i="1" smtClean="0">
-                                    <a:latin typeface="Cambria Math"/>
-                                  </a:rPr>
-                                </m:ctrlPr>
-                              </m:sSubPr>
-                              <m:e>
-                                <m:r>
-                                  <a:rPr lang="fr-FR" sz="1100" b="0" i="1" smtClean="0">
-                                    <a:latin typeface="Cambria Math"/>
-                                  </a:rPr>
-                                  <m:t>𝑧</m:t>
-                                </m:r>
-                              </m:e>
-                              <m:sub>
-                                <m:r>
-                                  <a:rPr lang="fr-FR" sz="1100" b="0" i="1" smtClean="0">
-                                    <a:latin typeface="Cambria Math"/>
-                                  </a:rPr>
-                                  <m:t>3</m:t>
-                                </m:r>
-                              </m:sub>
-                            </m:sSub>
-                          </m:e>
-                        </m:acc>
-                      </m:e>
-                    </m:d>
-                  </m:oMath>
-                </a14:m>
-                <a:endParaRPr lang="fr-FR" sz="1100" dirty="0"/>
-              </a:p>
-            </p:txBody>
-          </p:sp>
-        </mc:Choice>
-        <mc:Fallback xmlns="">
-          <p:sp>
-            <p:nvSpPr>
-              <p:cNvPr id="34" name="ZoneTexte 33"/>
-              <p:cNvSpPr txBox="1">
-                <a:spLocks noRot="1" noChangeAspect="1" noMove="1" noResize="1" noEditPoints="1" noAdjustHandles="1" noChangeArrowheads="1" noChangeShapeType="1" noTextEdit="1"/>
-              </p:cNvSpPr>
-              <p:nvPr/>
-            </p:nvSpPr>
-            <p:spPr>
-              <a:xfrm rot="5400000">
-                <a:off x="2498389" y="2421287"/>
-                <a:ext cx="1140890" cy="261610"/>
-              </a:xfrm>
-              <a:prstGeom prst="rect">
-                <a:avLst/>
-              </a:prstGeom>
-              <a:blipFill rotWithShape="1">
-                <a:blip r:embed="rId5"/>
-                <a:stretch>
-                  <a:fillRect l="-16279"/>
-                </a:stretch>
-              </a:blipFill>
-            </p:spPr>
-            <p:txBody>
-              <a:bodyPr/>
-              <a:lstStyle/>
-              <a:p>
-                <a:r>
-                  <a:rPr lang="fr-FR">
-                    <a:noFill/>
-                  </a:rPr>
-                  <a:t> </a:t>
-                </a:r>
-              </a:p>
-            </p:txBody>
-          </p:sp>
-        </mc:Fallback>
-      </mc:AlternateContent>
-      <mc:AlternateContent xmlns:mc="http://schemas.openxmlformats.org/markup-compatibility/2006" xmlns:a14="http://schemas.microsoft.com/office/drawing/2010/main">
-        <mc:Choice Requires="a14">
-          <p:sp>
-            <p:nvSpPr>
-              <p:cNvPr id="35" name="ZoneTexte 34"/>
-              <p:cNvSpPr txBox="1"/>
-              <p:nvPr/>
-            </p:nvSpPr>
-            <p:spPr>
-              <a:xfrm>
-                <a:off x="4067944" y="1639000"/>
-                <a:ext cx="2465419" cy="627672"/>
-              </a:xfrm>
-              <a:prstGeom prst="rect">
-                <a:avLst/>
-              </a:prstGeom>
-              <a:noFill/>
-            </p:spPr>
-            <p:txBody>
-              <a:bodyPr wrap="none" rtlCol="0">
-                <a:spAutoFit/>
-              </a:bodyPr>
-              <a:lstStyle/>
-              <a:p>
-                <a:pPr/>
-                <a14:m>
-                  <m:oMathPara xmlns:m="http://schemas.openxmlformats.org/officeDocument/2006/math">
-                    <m:oMathParaPr>
-                      <m:jc m:val="centerGroup"/>
-                    </m:oMathParaPr>
-                    <m:oMath xmlns:m="http://schemas.openxmlformats.org/officeDocument/2006/math">
-                      <m:sSub>
-                        <m:sSubPr>
-                          <m:ctrlPr>
-                            <a:rPr lang="fr-FR" sz="1400" b="0" i="1" smtClean="0">
-                              <a:latin typeface="Cambria Math"/>
-                            </a:rPr>
-                          </m:ctrlPr>
-                        </m:sSubPr>
-                        <m:e>
-                          <m:d>
-                            <m:dPr>
-                              <m:begChr m:val="{"/>
-                              <m:endChr m:val="}"/>
-                              <m:ctrlPr>
-                                <a:rPr lang="fr-FR" sz="1400" b="0" i="1" smtClean="0">
-                                  <a:latin typeface="Cambria Math"/>
-                                </a:rPr>
-                              </m:ctrlPr>
-                            </m:dPr>
-                            <m:e>
-                              <m:r>
-                                <a:rPr lang="fr-FR" sz="1400" b="0" i="1" smtClean="0">
-                                  <a:latin typeface="Cambria Math"/>
-                                  <a:ea typeface="Cambria Math"/>
-                                </a:rPr>
-                                <m:t>𝒯</m:t>
-                              </m:r>
-                              <m:d>
-                                <m:dPr>
-                                  <m:ctrlPr>
-                                    <a:rPr lang="fr-FR" sz="1400" b="0" i="1" smtClean="0">
-                                      <a:latin typeface="Cambria Math"/>
-                                      <a:ea typeface="Cambria Math"/>
-                                    </a:rPr>
-                                  </m:ctrlPr>
-                                </m:dPr>
-                                <m:e>
-                                  <m:r>
-                                    <m:rPr>
-                                      <m:sty m:val="p"/>
-                                    </m:rPr>
-                                    <a:rPr lang="fr-FR" sz="1400">
-                                      <a:latin typeface="Cambria Math"/>
-                                    </a:rPr>
-                                    <m:t>ext</m:t>
-                                  </m:r>
-                                  <m:r>
-                                    <a:rPr lang="fr-FR" sz="1400" i="1">
-                                      <a:latin typeface="Cambria Math"/>
-                                    </a:rPr>
-                                    <m:t>→4</m:t>
-                                  </m:r>
-                                </m:e>
-                              </m:d>
-                            </m:e>
-                          </m:d>
-                          <m:r>
-                            <a:rPr lang="fr-FR" sz="1400" b="0" i="1" smtClean="0">
-                              <a:latin typeface="Cambria Math"/>
-                            </a:rPr>
-                            <m:t>=</m:t>
-                          </m:r>
-                          <m:d>
-                            <m:dPr>
-                              <m:begChr m:val="{"/>
-                              <m:endChr m:val="}"/>
-                              <m:ctrlPr>
-                                <a:rPr lang="fr-FR" sz="1400" b="0" i="1" smtClean="0">
-                                  <a:latin typeface="Cambria Math"/>
-                                </a:rPr>
-                              </m:ctrlPr>
-                            </m:dPr>
-                            <m:e>
-                              <m:eqArr>
-                                <m:eqArrPr>
-                                  <m:ctrlPr>
-                                    <a:rPr lang="fr-FR" sz="1400" b="0" i="1" smtClean="0">
-                                      <a:latin typeface="Cambria Math"/>
-                                    </a:rPr>
-                                  </m:ctrlPr>
-                                </m:eqArrPr>
-                                <m:e>
-                                  <m:sSub>
-                                    <m:sSubPr>
-                                      <m:ctrlPr>
-                                        <a:rPr lang="fr-FR" sz="1400" i="1">
-                                          <a:latin typeface="Cambria Math"/>
-                                        </a:rPr>
-                                      </m:ctrlPr>
-                                    </m:sSubPr>
-                                    <m:e>
-                                      <m:r>
-                                        <a:rPr lang="fr-FR" sz="1400" i="1">
-                                          <a:latin typeface="Cambria Math"/>
-                                        </a:rPr>
-                                        <m:t>𝑅</m:t>
-                                      </m:r>
-                                    </m:e>
-                                    <m:sub>
-                                      <m:r>
-                                        <m:rPr>
-                                          <m:sty m:val="p"/>
-                                        </m:rPr>
-                                        <a:rPr lang="fr-FR" sz="1400">
-                                          <a:latin typeface="Cambria Math"/>
-                                        </a:rPr>
-                                        <m:t>ext</m:t>
-                                      </m:r>
-                                      <m:r>
-                                        <a:rPr lang="fr-FR" sz="1400" i="1">
-                                          <a:latin typeface="Cambria Math"/>
-                                        </a:rPr>
-                                        <m:t>→4</m:t>
-                                      </m:r>
-                                    </m:sub>
-                                  </m:sSub>
-                                  <m:acc>
-                                    <m:accPr>
-                                      <m:chr m:val="⃗"/>
-                                      <m:ctrlPr>
-                                        <a:rPr lang="fr-FR" sz="1400" i="1">
-                                          <a:latin typeface="Cambria Math"/>
-                                        </a:rPr>
-                                      </m:ctrlPr>
-                                    </m:accPr>
-                                    <m:e>
-                                      <m:sSub>
-                                        <m:sSubPr>
-                                          <m:ctrlPr>
-                                            <a:rPr lang="fr-FR" sz="1400" i="1">
-                                              <a:latin typeface="Cambria Math"/>
-                                            </a:rPr>
-                                          </m:ctrlPr>
-                                        </m:sSubPr>
-                                        <m:e>
-                                          <m:r>
-                                            <a:rPr lang="fr-FR" sz="1400" i="1">
-                                              <a:latin typeface="Cambria Math"/>
-                                            </a:rPr>
-                                            <m:t>𝑧</m:t>
-                                          </m:r>
-                                        </m:e>
-                                        <m:sub>
-                                          <m:r>
-                                            <a:rPr lang="fr-FR" sz="1400" i="1">
-                                              <a:latin typeface="Cambria Math"/>
-                                            </a:rPr>
-                                            <m:t>4</m:t>
-                                          </m:r>
-                                        </m:sub>
-                                      </m:sSub>
-                                    </m:e>
-                                  </m:acc>
-                                </m:e>
-                                <m:e>
-                                  <m:acc>
-                                    <m:accPr>
-                                      <m:chr m:val="⃗"/>
-                                      <m:ctrlPr>
-                                        <a:rPr lang="fr-FR" sz="1400" i="1">
-                                          <a:latin typeface="Cambria Math"/>
-                                        </a:rPr>
-                                      </m:ctrlPr>
-                                    </m:accPr>
-                                    <m:e>
-                                      <m:r>
-                                        <a:rPr lang="fr-FR" sz="1400" b="0" i="1" smtClean="0">
-                                          <a:latin typeface="Cambria Math"/>
-                                        </a:rPr>
-                                        <m:t>0</m:t>
-                                      </m:r>
-                                    </m:e>
-                                  </m:acc>
-                                </m:e>
-                              </m:eqArr>
-                            </m:e>
-                          </m:d>
-                        </m:e>
-                        <m:sub>
-                          <m:sSub>
-                            <m:sSubPr>
-                              <m:ctrlPr>
-                                <a:rPr lang="fr-FR" sz="1400" b="0" i="1" smtClean="0">
-                                  <a:latin typeface="Cambria Math"/>
-                                </a:rPr>
-                              </m:ctrlPr>
-                            </m:sSubPr>
-                            <m:e>
-                              <m:r>
-                                <a:rPr lang="fr-FR" sz="1400" b="0" i="1" smtClean="0">
-                                  <a:latin typeface="Cambria Math"/>
-                                </a:rPr>
-                                <m:t>𝑂</m:t>
-                              </m:r>
-                            </m:e>
-                            <m:sub>
-                              <m:r>
-                                <a:rPr lang="fr-FR" sz="1400" b="0" i="1" smtClean="0">
-                                  <a:latin typeface="Cambria Math"/>
-                                </a:rPr>
-                                <m:t>4</m:t>
-                              </m:r>
-                            </m:sub>
-                          </m:sSub>
-                        </m:sub>
-                      </m:sSub>
-                    </m:oMath>
-                  </m:oMathPara>
-                </a14:m>
-                <a:endParaRPr lang="fr-FR" sz="1000" dirty="0"/>
-              </a:p>
-            </p:txBody>
-          </p:sp>
-        </mc:Choice>
-        <mc:Fallback xmlns="">
-          <p:sp>
-            <p:nvSpPr>
-              <p:cNvPr id="35" name="ZoneTexte 34"/>
-              <p:cNvSpPr txBox="1">
-                <a:spLocks noRot="1" noChangeAspect="1" noMove="1" noResize="1" noEditPoints="1" noAdjustHandles="1" noChangeArrowheads="1" noChangeShapeType="1" noTextEdit="1"/>
-              </p:cNvSpPr>
-              <p:nvPr/>
-            </p:nvSpPr>
-            <p:spPr>
-              <a:xfrm>
-                <a:off x="4067944" y="1639000"/>
-                <a:ext cx="2465419" cy="627672"/>
-              </a:xfrm>
-              <a:prstGeom prst="rect">
-                <a:avLst/>
-              </a:prstGeom>
-              <a:blipFill rotWithShape="1">
-                <a:blip r:embed="rId6"/>
-                <a:stretch>
-                  <a:fillRect/>
-                </a:stretch>
-              </a:blipFill>
-            </p:spPr>
-            <p:txBody>
-              <a:bodyPr/>
-              <a:lstStyle/>
-              <a:p>
-                <a:r>
-                  <a:rPr lang="fr-FR">
-                    <a:noFill/>
-                  </a:rPr>
-                  <a:t> </a:t>
-                </a:r>
-              </a:p>
-            </p:txBody>
-          </p:sp>
-        </mc:Fallback>
-      </mc:AlternateContent>
-      <p:sp>
-        <p:nvSpPr>
-          <p:cNvPr id="36" name="ZoneTexte 35"/>
-          <p:cNvSpPr txBox="1"/>
-          <p:nvPr/>
-        </p:nvSpPr>
-        <p:spPr>
-          <a:xfrm>
-            <a:off x="2780801" y="794844"/>
-            <a:ext cx="763351" cy="261610"/>
-          </a:xfrm>
-          <a:prstGeom prst="rect">
-            <a:avLst/>
-          </a:prstGeom>
-          <a:noFill/>
-        </p:spPr>
-        <p:txBody>
-          <a:bodyPr wrap="none" rtlCol="0">
-            <a:spAutoFit/>
-          </a:bodyPr>
-          <a:lstStyle/>
-          <a:p>
-            <a:r>
-              <a:rPr lang="fr-FR" sz="1100" b="0" dirty="0" smtClean="0"/>
-              <a:t>Pesanteur</a:t>
-            </a:r>
-            <a:endParaRPr lang="fr-FR" sz="1100" dirty="0"/>
-          </a:p>
-        </p:txBody>
-      </p:sp>
-      <mc:AlternateContent xmlns:mc="http://schemas.openxmlformats.org/markup-compatibility/2006" xmlns:a14="http://schemas.microsoft.com/office/drawing/2010/main">
-        <mc:Choice Requires="a14">
-          <p:sp>
-            <p:nvSpPr>
-              <p:cNvPr id="37" name="Rectangle 36"/>
-              <p:cNvSpPr/>
-              <p:nvPr/>
-            </p:nvSpPr>
-            <p:spPr>
-              <a:xfrm rot="19800000">
-                <a:off x="397779" y="1408765"/>
-                <a:ext cx="641393" cy="261610"/>
-              </a:xfrm>
-              <a:prstGeom prst="rect">
-                <a:avLst/>
-              </a:prstGeom>
-            </p:spPr>
-            <p:txBody>
-              <a:bodyPr wrap="none">
-                <a:spAutoFit/>
-              </a:bodyPr>
-              <a:lstStyle/>
-              <a:p>
-                <a:pPr/>
-                <a14:m>
-                  <m:oMathPara xmlns:m="http://schemas.openxmlformats.org/officeDocument/2006/math">
-                    <m:oMathParaPr>
-                      <m:jc m:val="centerGroup"/>
-                    </m:oMathParaPr>
-                    <m:oMath xmlns:m="http://schemas.openxmlformats.org/officeDocument/2006/math">
-                      <m:sSub>
-                        <m:sSubPr>
-                          <m:ctrlPr>
-                            <a:rPr lang="fr-FR" sz="1100" i="1" smtClean="0">
-                              <a:latin typeface="Cambria Math"/>
-                            </a:rPr>
-                          </m:ctrlPr>
-                        </m:sSubPr>
-                        <m:e>
-                          <m:r>
-                            <a:rPr lang="fr-FR" sz="1100" b="0" i="1" smtClean="0">
-                              <a:latin typeface="Cambria Math"/>
-                            </a:rPr>
-                            <m:t>𝐶</m:t>
-                          </m:r>
-                        </m:e>
-                        <m:sub>
-                          <m:r>
-                            <m:rPr>
-                              <m:sty m:val="p"/>
-                            </m:rPr>
-                            <a:rPr lang="fr-FR" sz="1100" b="0" i="0" smtClean="0">
-                              <a:latin typeface="Cambria Math"/>
-                            </a:rPr>
-                            <m:t>m</m:t>
-                          </m:r>
-                          <m:r>
-                            <a:rPr lang="fr-FR" sz="1100" b="0" i="0" smtClean="0">
-                              <a:latin typeface="Cambria Math"/>
-                            </a:rPr>
-                            <m:t>0</m:t>
-                          </m:r>
-                          <m:r>
-                            <a:rPr lang="fr-FR" sz="1100" b="0" i="1" smtClean="0">
-                              <a:latin typeface="Cambria Math"/>
-                            </a:rPr>
-                            <m:t>1</m:t>
-                          </m:r>
-                        </m:sub>
-                      </m:sSub>
-                      <m:acc>
-                        <m:accPr>
-                          <m:chr m:val="⃗"/>
-                          <m:ctrlPr>
-                            <a:rPr lang="fr-FR" sz="1100" i="1">
-                              <a:latin typeface="Cambria Math"/>
-                            </a:rPr>
-                          </m:ctrlPr>
-                        </m:accPr>
-                        <m:e>
-                          <m:sSub>
-                            <m:sSubPr>
-                              <m:ctrlPr>
-                                <a:rPr lang="fr-FR" sz="1100" i="1">
-                                  <a:latin typeface="Cambria Math"/>
-                                </a:rPr>
-                              </m:ctrlPr>
-                            </m:sSubPr>
-                            <m:e>
-                              <m:r>
-                                <a:rPr lang="fr-FR" sz="1100" i="1">
-                                  <a:latin typeface="Cambria Math"/>
-                                </a:rPr>
-                                <m:t>𝑧</m:t>
-                              </m:r>
-                            </m:e>
-                            <m:sub>
-                              <m:r>
-                                <a:rPr lang="fr-FR" sz="1100" b="0" i="1" smtClean="0">
-                                  <a:latin typeface="Cambria Math"/>
-                                </a:rPr>
-                                <m:t>1</m:t>
-                              </m:r>
-                            </m:sub>
-                          </m:sSub>
-                        </m:e>
-                      </m:acc>
-                    </m:oMath>
-                  </m:oMathPara>
-                </a14:m>
-                <a:endParaRPr lang="fr-FR" sz="1100" dirty="0"/>
-              </a:p>
-            </p:txBody>
-          </p:sp>
-        </mc:Choice>
-        <mc:Fallback xmlns="">
-          <p:sp>
-            <p:nvSpPr>
-              <p:cNvPr id="37" name="Rectangle 36"/>
-              <p:cNvSpPr>
-                <a:spLocks noRot="1" noChangeAspect="1" noMove="1" noResize="1" noEditPoints="1" noAdjustHandles="1" noChangeArrowheads="1" noChangeShapeType="1" noTextEdit="1"/>
-              </p:cNvSpPr>
-              <p:nvPr/>
-            </p:nvSpPr>
-            <p:spPr>
-              <a:xfrm rot="19800000">
-                <a:off x="397779" y="1408765"/>
-                <a:ext cx="641393" cy="261610"/>
-              </a:xfrm>
-              <a:prstGeom prst="rect">
-                <a:avLst/>
-              </a:prstGeom>
-              <a:blipFill rotWithShape="1">
-                <a:blip r:embed="rId7"/>
-                <a:stretch>
-                  <a:fillRect/>
-                </a:stretch>
-              </a:blipFill>
-            </p:spPr>
-            <p:txBody>
-              <a:bodyPr/>
-              <a:lstStyle/>
-              <a:p>
-                <a:r>
-                  <a:rPr lang="fr-FR">
-                    <a:noFill/>
-                  </a:rPr>
-                  <a:t> </a:t>
-                </a:r>
-              </a:p>
-            </p:txBody>
-          </p:sp>
-        </mc:Fallback>
-      </mc:AlternateContent>
-      <mc:AlternateContent xmlns:mc="http://schemas.openxmlformats.org/markup-compatibility/2006" xmlns:a14="http://schemas.microsoft.com/office/drawing/2010/main">
-        <mc:Choice Requires="a14">
-          <p:sp>
-            <p:nvSpPr>
-              <p:cNvPr id="39" name="Rectangle 38"/>
-              <p:cNvSpPr/>
-              <p:nvPr/>
-            </p:nvSpPr>
-            <p:spPr>
-              <a:xfrm rot="19800000">
-                <a:off x="1393370" y="1468192"/>
-                <a:ext cx="545214" cy="261610"/>
-              </a:xfrm>
-              <a:prstGeom prst="rect">
-                <a:avLst/>
-              </a:prstGeom>
-            </p:spPr>
-            <p:txBody>
-              <a:bodyPr wrap="none">
-                <a:spAutoFit/>
-              </a:bodyPr>
-              <a:lstStyle/>
-              <a:p>
-                <a:pPr/>
-                <a14:m>
-                  <m:oMathPara xmlns:m="http://schemas.openxmlformats.org/officeDocument/2006/math">
-                    <m:oMathParaPr>
-                      <m:jc m:val="centerGroup"/>
-                    </m:oMathParaPr>
-                    <m:oMath xmlns:m="http://schemas.openxmlformats.org/officeDocument/2006/math">
-                      <m:sSub>
-                        <m:sSubPr>
-                          <m:ctrlPr>
-                            <a:rPr lang="fr-FR" sz="1100" i="1" smtClean="0">
-                              <a:latin typeface="Cambria Math"/>
-                            </a:rPr>
-                          </m:ctrlPr>
-                        </m:sSubPr>
-                        <m:e>
-                          <m:r>
-                            <a:rPr lang="fr-FR" sz="1100" b="0" i="1" smtClean="0">
-                              <a:latin typeface="Cambria Math"/>
-                            </a:rPr>
-                            <m:t>𝐶</m:t>
-                          </m:r>
-                        </m:e>
-                        <m:sub>
-                          <m:r>
-                            <a:rPr lang="fr-FR" sz="1100" b="0" i="1" smtClean="0">
-                              <a:latin typeface="Cambria Math"/>
-                            </a:rPr>
-                            <m:t>12</m:t>
-                          </m:r>
-                        </m:sub>
-                      </m:sSub>
-                      <m:acc>
-                        <m:accPr>
-                          <m:chr m:val="⃗"/>
-                          <m:ctrlPr>
-                            <a:rPr lang="fr-FR" sz="1100" i="1">
-                              <a:latin typeface="Cambria Math"/>
-                            </a:rPr>
-                          </m:ctrlPr>
-                        </m:accPr>
-                        <m:e>
-                          <m:sSub>
-                            <m:sSubPr>
-                              <m:ctrlPr>
-                                <a:rPr lang="fr-FR" sz="1100" i="1">
-                                  <a:latin typeface="Cambria Math"/>
-                                </a:rPr>
-                              </m:ctrlPr>
-                            </m:sSubPr>
-                            <m:e>
-                              <m:r>
-                                <a:rPr lang="fr-FR" sz="1100" i="1">
-                                  <a:latin typeface="Cambria Math"/>
-                                </a:rPr>
-                                <m:t>𝑧</m:t>
-                              </m:r>
-                            </m:e>
-                            <m:sub>
-                              <m:r>
-                                <a:rPr lang="fr-FR" sz="1100" b="0" i="1" smtClean="0">
-                                  <a:latin typeface="Cambria Math"/>
-                                </a:rPr>
-                                <m:t>2</m:t>
-                              </m:r>
-                            </m:sub>
-                          </m:sSub>
-                        </m:e>
-                      </m:acc>
-                    </m:oMath>
-                  </m:oMathPara>
-                </a14:m>
-                <a:endParaRPr lang="fr-FR" sz="1100" dirty="0"/>
-              </a:p>
-            </p:txBody>
-          </p:sp>
-        </mc:Choice>
-        <mc:Fallback xmlns="">
-          <p:sp>
-            <p:nvSpPr>
-              <p:cNvPr id="39" name="Rectangle 38"/>
-              <p:cNvSpPr>
-                <a:spLocks noRot="1" noChangeAspect="1" noMove="1" noResize="1" noEditPoints="1" noAdjustHandles="1" noChangeArrowheads="1" noChangeShapeType="1" noTextEdit="1"/>
-              </p:cNvSpPr>
-              <p:nvPr/>
-            </p:nvSpPr>
-            <p:spPr>
-              <a:xfrm rot="19800000">
-                <a:off x="1393370" y="1468192"/>
-                <a:ext cx="545214" cy="261610"/>
-              </a:xfrm>
-              <a:prstGeom prst="rect">
-                <a:avLst/>
-              </a:prstGeom>
-              <a:blipFill rotWithShape="1">
-                <a:blip r:embed="rId8"/>
-                <a:stretch>
-                  <a:fillRect/>
-                </a:stretch>
-              </a:blipFill>
-            </p:spPr>
-            <p:txBody>
-              <a:bodyPr/>
-              <a:lstStyle/>
-              <a:p>
-                <a:r>
-                  <a:rPr lang="fr-FR">
-                    <a:noFill/>
-                  </a:rPr>
-                  <a:t> </a:t>
-                </a:r>
-              </a:p>
-            </p:txBody>
-          </p:sp>
-        </mc:Fallback>
-      </mc:AlternateContent>
-      <mc:AlternateContent xmlns:mc="http://schemas.openxmlformats.org/markup-compatibility/2006" xmlns:a14="http://schemas.microsoft.com/office/drawing/2010/main">
-        <mc:Choice Requires="a14">
-          <p:sp>
-            <p:nvSpPr>
-              <p:cNvPr id="40" name="Rectangle 39"/>
-              <p:cNvSpPr/>
-              <p:nvPr/>
-            </p:nvSpPr>
-            <p:spPr>
-              <a:xfrm rot="19800000">
-                <a:off x="2129684" y="1467064"/>
-                <a:ext cx="548483" cy="261610"/>
-              </a:xfrm>
-              <a:prstGeom prst="rect">
-                <a:avLst/>
-              </a:prstGeom>
-            </p:spPr>
-            <p:txBody>
-              <a:bodyPr wrap="none">
-                <a:spAutoFit/>
-              </a:bodyPr>
-              <a:lstStyle/>
-              <a:p>
-                <a:pPr/>
-                <a14:m>
-                  <m:oMathPara xmlns:m="http://schemas.openxmlformats.org/officeDocument/2006/math">
-                    <m:oMathParaPr>
-                      <m:jc m:val="centerGroup"/>
-                    </m:oMathParaPr>
-                    <m:oMath xmlns:m="http://schemas.openxmlformats.org/officeDocument/2006/math">
-                      <m:sSub>
-                        <m:sSubPr>
-                          <m:ctrlPr>
-                            <a:rPr lang="fr-FR" sz="1100" i="1" smtClean="0">
-                              <a:latin typeface="Cambria Math"/>
-                            </a:rPr>
-                          </m:ctrlPr>
-                        </m:sSubPr>
-                        <m:e>
-                          <m:r>
-                            <a:rPr lang="fr-FR" sz="1100" b="0" i="1" smtClean="0">
-                              <a:latin typeface="Cambria Math"/>
-                            </a:rPr>
-                            <m:t>𝐶</m:t>
-                          </m:r>
-                        </m:e>
-                        <m:sub>
-                          <m:r>
-                            <a:rPr lang="fr-FR" sz="1100" b="0" i="1" smtClean="0">
-                              <a:latin typeface="Cambria Math"/>
-                            </a:rPr>
-                            <m:t>23</m:t>
-                          </m:r>
-                        </m:sub>
-                      </m:sSub>
-                      <m:acc>
-                        <m:accPr>
-                          <m:chr m:val="⃗"/>
-                          <m:ctrlPr>
-                            <a:rPr lang="fr-FR" sz="1100" i="1">
-                              <a:latin typeface="Cambria Math"/>
-                            </a:rPr>
-                          </m:ctrlPr>
-                        </m:accPr>
-                        <m:e>
-                          <m:sSub>
-                            <m:sSubPr>
-                              <m:ctrlPr>
-                                <a:rPr lang="fr-FR" sz="1100" i="1">
-                                  <a:latin typeface="Cambria Math"/>
-                                </a:rPr>
-                              </m:ctrlPr>
-                            </m:sSubPr>
-                            <m:e>
-                              <m:r>
-                                <a:rPr lang="fr-FR" sz="1100" i="1">
-                                  <a:latin typeface="Cambria Math"/>
-                                </a:rPr>
-                                <m:t>𝑧</m:t>
-                              </m:r>
-                            </m:e>
-                            <m:sub>
-                              <m:r>
-                                <a:rPr lang="fr-FR" sz="1100" b="0" i="1" smtClean="0">
-                                  <a:latin typeface="Cambria Math"/>
-                                </a:rPr>
-                                <m:t>3</m:t>
-                              </m:r>
-                            </m:sub>
-                          </m:sSub>
-                        </m:e>
-                      </m:acc>
-                    </m:oMath>
-                  </m:oMathPara>
-                </a14:m>
-                <a:endParaRPr lang="fr-FR" sz="1100" dirty="0"/>
-              </a:p>
-            </p:txBody>
-          </p:sp>
-        </mc:Choice>
-        <mc:Fallback xmlns="">
-          <p:sp>
-            <p:nvSpPr>
-              <p:cNvPr id="40" name="Rectangle 39"/>
-              <p:cNvSpPr>
-                <a:spLocks noRot="1" noChangeAspect="1" noMove="1" noResize="1" noEditPoints="1" noAdjustHandles="1" noChangeArrowheads="1" noChangeShapeType="1" noTextEdit="1"/>
-              </p:cNvSpPr>
-              <p:nvPr/>
-            </p:nvSpPr>
-            <p:spPr>
-              <a:xfrm rot="19800000">
-                <a:off x="2129684" y="1467064"/>
-                <a:ext cx="548483" cy="261610"/>
-              </a:xfrm>
-              <a:prstGeom prst="rect">
-                <a:avLst/>
-              </a:prstGeom>
-              <a:blipFill rotWithShape="1">
-                <a:blip r:embed="rId9"/>
-                <a:stretch>
-                  <a:fillRect/>
-                </a:stretch>
-              </a:blipFill>
-            </p:spPr>
-            <p:txBody>
-              <a:bodyPr/>
-              <a:lstStyle/>
-              <a:p>
-                <a:r>
-                  <a:rPr lang="fr-FR">
-                    <a:noFill/>
-                  </a:rPr>
-                  <a:t> </a:t>
-                </a:r>
-              </a:p>
-            </p:txBody>
-          </p:sp>
-        </mc:Fallback>
-      </mc:AlternateContent>
-      <mc:AlternateContent xmlns:mc="http://schemas.openxmlformats.org/markup-compatibility/2006" xmlns:a14="http://schemas.microsoft.com/office/drawing/2010/main">
-        <mc:Choice Requires="a14">
-          <p:sp>
-            <p:nvSpPr>
-              <p:cNvPr id="42" name="Rectangle 41"/>
-              <p:cNvSpPr/>
-              <p:nvPr/>
-            </p:nvSpPr>
-            <p:spPr>
-              <a:xfrm rot="19800000">
-                <a:off x="2848439" y="1467064"/>
-                <a:ext cx="639086" cy="261610"/>
-              </a:xfrm>
-              <a:prstGeom prst="rect">
-                <a:avLst/>
-              </a:prstGeom>
-            </p:spPr>
-            <p:txBody>
-              <a:bodyPr wrap="none">
-                <a:spAutoFit/>
-              </a:bodyPr>
-              <a:lstStyle/>
-              <a:p>
-                <a:pPr/>
-                <a14:m>
-                  <m:oMathPara xmlns:m="http://schemas.openxmlformats.org/officeDocument/2006/math">
-                    <m:oMathParaPr>
-                      <m:jc m:val="centerGroup"/>
-                    </m:oMathParaPr>
-                    <m:oMath xmlns:m="http://schemas.openxmlformats.org/officeDocument/2006/math">
-                      <m:sSub>
-                        <m:sSubPr>
-                          <m:ctrlPr>
-                            <a:rPr lang="fr-FR" sz="1100" i="1" smtClean="0">
-                              <a:latin typeface="Cambria Math"/>
-                            </a:rPr>
-                          </m:ctrlPr>
-                        </m:sSubPr>
-                        <m:e>
-                          <m:r>
-                            <a:rPr lang="fr-FR" sz="1100" b="0" i="1" smtClean="0">
-                              <a:latin typeface="Cambria Math"/>
-                            </a:rPr>
-                            <m:t>𝐹</m:t>
-                          </m:r>
-                        </m:e>
-                        <m:sub>
-                          <m:r>
-                            <m:rPr>
-                              <m:sty m:val="p"/>
-                            </m:rPr>
-                            <a:rPr lang="fr-FR" sz="1100" b="0" i="0" smtClean="0">
-                              <a:latin typeface="Cambria Math"/>
-                            </a:rPr>
-                            <m:t>m</m:t>
-                          </m:r>
-                          <m:r>
-                            <a:rPr lang="fr-FR" sz="1100" b="0" i="1" smtClean="0">
-                              <a:latin typeface="Cambria Math"/>
-                            </a:rPr>
-                            <m:t>34</m:t>
-                          </m:r>
-                        </m:sub>
-                      </m:sSub>
-                      <m:acc>
-                        <m:accPr>
-                          <m:chr m:val="⃗"/>
-                          <m:ctrlPr>
-                            <a:rPr lang="fr-FR" sz="1100" i="1">
-                              <a:latin typeface="Cambria Math"/>
-                            </a:rPr>
-                          </m:ctrlPr>
-                        </m:accPr>
-                        <m:e>
-                          <m:sSub>
-                            <m:sSubPr>
-                              <m:ctrlPr>
-                                <a:rPr lang="fr-FR" sz="1100" i="1">
-                                  <a:latin typeface="Cambria Math"/>
-                                </a:rPr>
-                              </m:ctrlPr>
-                            </m:sSubPr>
-                            <m:e>
-                              <m:r>
-                                <a:rPr lang="fr-FR" sz="1100" i="1">
-                                  <a:latin typeface="Cambria Math"/>
-                                </a:rPr>
-                                <m:t>𝑧</m:t>
-                              </m:r>
-                            </m:e>
-                            <m:sub>
-                              <m:r>
-                                <a:rPr lang="fr-FR" sz="1100" b="0" i="1" smtClean="0">
-                                  <a:latin typeface="Cambria Math"/>
-                                </a:rPr>
-                                <m:t>4</m:t>
-                              </m:r>
-                            </m:sub>
-                          </m:sSub>
-                        </m:e>
-                      </m:acc>
-                    </m:oMath>
-                  </m:oMathPara>
-                </a14:m>
-                <a:endParaRPr lang="fr-FR" sz="1100" dirty="0"/>
-              </a:p>
-            </p:txBody>
-          </p:sp>
-        </mc:Choice>
-        <mc:Fallback xmlns="">
-          <p:sp>
-            <p:nvSpPr>
-              <p:cNvPr id="42" name="Rectangle 41"/>
-              <p:cNvSpPr>
-                <a:spLocks noRot="1" noChangeAspect="1" noMove="1" noResize="1" noEditPoints="1" noAdjustHandles="1" noChangeArrowheads="1" noChangeShapeType="1" noTextEdit="1"/>
-              </p:cNvSpPr>
-              <p:nvPr/>
-            </p:nvSpPr>
-            <p:spPr>
-              <a:xfrm rot="19800000">
-                <a:off x="2848439" y="1467064"/>
-                <a:ext cx="639086" cy="261610"/>
-              </a:xfrm>
-              <a:prstGeom prst="rect">
-                <a:avLst/>
-              </a:prstGeom>
-              <a:blipFill rotWithShape="1">
-                <a:blip r:embed="rId10"/>
-                <a:stretch>
-                  <a:fillRect/>
-                </a:stretch>
-              </a:blipFill>
-            </p:spPr>
-            <p:txBody>
-              <a:bodyPr/>
-              <a:lstStyle/>
-              <a:p>
-                <a:r>
-                  <a:rPr lang="fr-FR">
-                    <a:noFill/>
-                  </a:rPr>
-                  <a:t> </a:t>
-                </a:r>
-              </a:p>
-            </p:txBody>
-          </p:sp>
-        </mc:Fallback>
-      </mc:AlternateContent>
-    </p:spTree>
-    <p:extLst>
-      <p:ext uri="{BB962C8B-B14F-4D97-AF65-F5344CB8AC3E}">
-        <p14:creationId xmlns:p14="http://schemas.microsoft.com/office/powerpoint/2010/main" val="178783706"/>
-      </p:ext>
-    </p:extLst>
-  </p:cSld>
-  <p:clrMapOvr>
-    <a:masterClrMapping/>
-  </p:clrMapOvr>
-</p:sld>
-</file>
-
 <file path=ppt/theme/theme1.xml><?xml version="1.0" encoding="utf-8"?>
 <a:theme xmlns:a="http://schemas.openxmlformats.org/drawingml/2006/main" name="Thème Office">
   <a:themeElements>

--- a/Revisions_Statique/Fiche_01_Statique_2D_TD_01_Hayon/images/Figures.pptx
+++ b/Revisions_Statique/Fiche_01_Statique_2D_TD_01_Hayon/images/Figures.pptx
@@ -8,13 +8,14 @@
     <p:sldId id="263" r:id="rId2"/>
     <p:sldId id="264" r:id="rId3"/>
     <p:sldId id="256" r:id="rId4"/>
-    <p:sldId id="266" r:id="rId5"/>
-    <p:sldId id="265" r:id="rId6"/>
-    <p:sldId id="257" r:id="rId7"/>
-    <p:sldId id="261" r:id="rId8"/>
-    <p:sldId id="262" r:id="rId9"/>
-    <p:sldId id="259" r:id="rId10"/>
-    <p:sldId id="258" r:id="rId11"/>
+    <p:sldId id="267" r:id="rId5"/>
+    <p:sldId id="266" r:id="rId6"/>
+    <p:sldId id="265" r:id="rId7"/>
+    <p:sldId id="257" r:id="rId8"/>
+    <p:sldId id="261" r:id="rId9"/>
+    <p:sldId id="262" r:id="rId10"/>
+    <p:sldId id="259" r:id="rId11"/>
+    <p:sldId id="258" r:id="rId12"/>
   </p:sldIdLst>
   <p:sldSz cx="9144000" cy="6858000" type="screen4x3"/>
   <p:notesSz cx="6858000" cy="9144000"/>
@@ -3302,6 +3303,899 @@
 </file>
 
 <file path=ppt/slides/slide10.xml><?xml version="1.0" encoding="utf-8"?>
+<p:sld xmlns:a="http://schemas.openxmlformats.org/drawingml/2006/main" xmlns:r="http://schemas.openxmlformats.org/officeDocument/2006/relationships" xmlns:p="http://schemas.openxmlformats.org/presentationml/2006/main">
+  <p:cSld>
+    <p:spTree>
+      <p:nvGrpSpPr>
+        <p:cNvPr id="1" name=""/>
+        <p:cNvGrpSpPr/>
+        <p:nvPr/>
+      </p:nvGrpSpPr>
+      <p:grpSpPr>
+        <a:xfrm>
+          <a:off x="0" y="0"/>
+          <a:ext cx="0" cy="0"/>
+          <a:chOff x="0" y="0"/>
+          <a:chExt cx="0" cy="0"/>
+        </a:xfrm>
+      </p:grpSpPr>
+      <p:sp>
+        <p:nvSpPr>
+          <p:cNvPr id="5" name="Rectangle 4"/>
+          <p:cNvSpPr/>
+          <p:nvPr/>
+        </p:nvSpPr>
+        <p:spPr>
+          <a:xfrm>
+            <a:off x="971600" y="1628800"/>
+            <a:ext cx="1440160" cy="288032"/>
+          </a:xfrm>
+          <a:prstGeom prst="rect">
+            <a:avLst/>
+          </a:prstGeom>
+          <a:solidFill>
+            <a:schemeClr val="accent5">
+              <a:lumMod val="20000"/>
+              <a:lumOff val="80000"/>
+            </a:schemeClr>
+          </a:solidFill>
+          <a:ln w="9525">
+            <a:solidFill>
+              <a:schemeClr val="accent5">
+                <a:lumMod val="50000"/>
+              </a:schemeClr>
+            </a:solidFill>
+          </a:ln>
+        </p:spPr>
+        <p:style>
+          <a:lnRef idx="2">
+            <a:schemeClr val="accent1">
+              <a:shade val="50000"/>
+            </a:schemeClr>
+          </a:lnRef>
+          <a:fillRef idx="1">
+            <a:schemeClr val="accent1"/>
+          </a:fillRef>
+          <a:effectRef idx="0">
+            <a:schemeClr val="accent1"/>
+          </a:effectRef>
+          <a:fontRef idx="minor">
+            <a:schemeClr val="lt1"/>
+          </a:fontRef>
+        </p:style>
+        <p:txBody>
+          <a:bodyPr rtlCol="0" anchor="ctr"/>
+          <a:lstStyle/>
+          <a:p>
+            <a:pPr algn="ctr"/>
+            <a:r>
+              <a:rPr lang="fr-FR" sz="1000" dirty="0" smtClean="0">
+                <a:solidFill>
+                  <a:sysClr val="windowText" lastClr="000000"/>
+                </a:solidFill>
+              </a:rPr>
+              <a:t>Domaine du client</a:t>
+            </a:r>
+            <a:endParaRPr lang="fr-FR" sz="1000" dirty="0">
+              <a:solidFill>
+                <a:sysClr val="windowText" lastClr="000000"/>
+              </a:solidFill>
+            </a:endParaRPr>
+          </a:p>
+        </p:txBody>
+      </p:sp>
+      <p:sp>
+        <p:nvSpPr>
+          <p:cNvPr id="6" name="Rectangle 5"/>
+          <p:cNvSpPr/>
+          <p:nvPr/>
+        </p:nvSpPr>
+        <p:spPr>
+          <a:xfrm>
+            <a:off x="971600" y="1988840"/>
+            <a:ext cx="1440160" cy="1512168"/>
+          </a:xfrm>
+          <a:prstGeom prst="rect">
+            <a:avLst/>
+          </a:prstGeom>
+          <a:solidFill>
+            <a:schemeClr val="accent5">
+              <a:lumMod val="20000"/>
+              <a:lumOff val="80000"/>
+            </a:schemeClr>
+          </a:solidFill>
+          <a:ln w="9525">
+            <a:solidFill>
+              <a:schemeClr val="accent5">
+                <a:lumMod val="50000"/>
+              </a:schemeClr>
+            </a:solidFill>
+          </a:ln>
+        </p:spPr>
+        <p:style>
+          <a:lnRef idx="2">
+            <a:schemeClr val="accent1">
+              <a:shade val="50000"/>
+            </a:schemeClr>
+          </a:lnRef>
+          <a:fillRef idx="1">
+            <a:schemeClr val="accent1"/>
+          </a:fillRef>
+          <a:effectRef idx="0">
+            <a:schemeClr val="accent1"/>
+          </a:effectRef>
+          <a:fontRef idx="minor">
+            <a:schemeClr val="lt1"/>
+          </a:fontRef>
+        </p:style>
+        <p:txBody>
+          <a:bodyPr rtlCol="0" anchor="ctr"/>
+          <a:lstStyle/>
+          <a:p>
+            <a:pPr algn="ctr"/>
+            <a:endParaRPr lang="fr-FR" sz="1000" dirty="0">
+              <a:solidFill>
+                <a:sysClr val="windowText" lastClr="000000"/>
+              </a:solidFill>
+            </a:endParaRPr>
+          </a:p>
+        </p:txBody>
+      </p:sp>
+      <p:pic>
+        <p:nvPicPr>
+          <p:cNvPr id="1026" name="Picture 2"/>
+          <p:cNvPicPr>
+            <a:picLocks noChangeAspect="1" noChangeArrowheads="1"/>
+          </p:cNvPicPr>
+          <p:nvPr/>
+        </p:nvPicPr>
+        <p:blipFill>
+          <a:blip r:embed="rId2">
+            <a:extLst>
+              <a:ext uri="{28A0092B-C50C-407E-A947-70E740481C1C}">
+                <a14:useLocalDpi xmlns:a14="http://schemas.microsoft.com/office/drawing/2010/main" val="0"/>
+              </a:ext>
+            </a:extLst>
+          </a:blip>
+          <a:srcRect/>
+          <a:stretch>
+            <a:fillRect/>
+          </a:stretch>
+        </p:blipFill>
+        <p:spPr bwMode="auto">
+          <a:xfrm>
+            <a:off x="1023876" y="2003998"/>
+            <a:ext cx="1335608" cy="870762"/>
+          </a:xfrm>
+          <a:prstGeom prst="rect">
+            <a:avLst/>
+          </a:prstGeom>
+          <a:noFill/>
+          <a:ln>
+            <a:noFill/>
+          </a:ln>
+          <a:effectLst/>
+          <a:extLst>
+            <a:ext uri="{909E8E84-426E-40DD-AFC4-6F175D3DCCD1}">
+              <a14:hiddenFill xmlns:a14="http://schemas.microsoft.com/office/drawing/2010/main">
+                <a:solidFill>
+                  <a:schemeClr val="accent1"/>
+                </a:solidFill>
+              </a14:hiddenFill>
+            </a:ext>
+            <a:ext uri="{91240B29-F687-4F45-9708-019B960494DF}">
+              <a14:hiddenLine xmlns:a14="http://schemas.microsoft.com/office/drawing/2010/main" w="9525">
+                <a:solidFill>
+                  <a:schemeClr val="tx1"/>
+                </a:solidFill>
+                <a:miter lim="800000"/>
+                <a:headEnd/>
+                <a:tailEnd/>
+              </a14:hiddenLine>
+            </a:ext>
+            <a:ext uri="{AF507438-7753-43E0-B8FC-AC1667EBCBE1}">
+              <a14:hiddenEffects xmlns:a14="http://schemas.microsoft.com/office/drawing/2010/main">
+                <a:effectLst>
+                  <a:outerShdw dist="35921" dir="2700000" algn="ctr" rotWithShape="0">
+                    <a:schemeClr val="bg2"/>
+                  </a:outerShdw>
+                </a:effectLst>
+              </a14:hiddenEffects>
+            </a:ext>
+          </a:extLst>
+        </p:spPr>
+      </p:pic>
+      <p:sp>
+        <p:nvSpPr>
+          <p:cNvPr id="8" name="Rectangle 7"/>
+          <p:cNvSpPr/>
+          <p:nvPr/>
+        </p:nvSpPr>
+        <p:spPr>
+          <a:xfrm>
+            <a:off x="3779912" y="1628800"/>
+            <a:ext cx="1440160" cy="288032"/>
+          </a:xfrm>
+          <a:prstGeom prst="rect">
+            <a:avLst/>
+          </a:prstGeom>
+          <a:solidFill>
+            <a:schemeClr val="accent2">
+              <a:lumMod val="20000"/>
+              <a:lumOff val="80000"/>
+            </a:schemeClr>
+          </a:solidFill>
+          <a:ln w="9525">
+            <a:solidFill>
+              <a:schemeClr val="accent2"/>
+            </a:solidFill>
+          </a:ln>
+        </p:spPr>
+        <p:style>
+          <a:lnRef idx="2">
+            <a:schemeClr val="accent1">
+              <a:shade val="50000"/>
+            </a:schemeClr>
+          </a:lnRef>
+          <a:fillRef idx="1">
+            <a:schemeClr val="accent1"/>
+          </a:fillRef>
+          <a:effectRef idx="0">
+            <a:schemeClr val="accent1"/>
+          </a:effectRef>
+          <a:fontRef idx="minor">
+            <a:schemeClr val="lt1"/>
+          </a:fontRef>
+        </p:style>
+        <p:txBody>
+          <a:bodyPr rtlCol="0" anchor="ctr"/>
+          <a:lstStyle/>
+          <a:p>
+            <a:pPr algn="ctr"/>
+            <a:r>
+              <a:rPr lang="fr-FR" sz="1000" dirty="0" smtClean="0">
+                <a:solidFill>
+                  <a:sysClr val="windowText" lastClr="000000"/>
+                </a:solidFill>
+              </a:rPr>
+              <a:t>Domaine de la modélisation</a:t>
+            </a:r>
+            <a:endParaRPr lang="fr-FR" sz="1000" dirty="0">
+              <a:solidFill>
+                <a:sysClr val="windowText" lastClr="000000"/>
+              </a:solidFill>
+            </a:endParaRPr>
+          </a:p>
+        </p:txBody>
+      </p:sp>
+      <p:sp>
+        <p:nvSpPr>
+          <p:cNvPr id="9" name="Rectangle 8"/>
+          <p:cNvSpPr/>
+          <p:nvPr/>
+        </p:nvSpPr>
+        <p:spPr>
+          <a:xfrm>
+            <a:off x="3779912" y="1981302"/>
+            <a:ext cx="1440160" cy="1519706"/>
+          </a:xfrm>
+          <a:prstGeom prst="rect">
+            <a:avLst/>
+          </a:prstGeom>
+          <a:solidFill>
+            <a:schemeClr val="accent2">
+              <a:lumMod val="20000"/>
+              <a:lumOff val="80000"/>
+            </a:schemeClr>
+          </a:solidFill>
+          <a:ln w="9525">
+            <a:solidFill>
+              <a:schemeClr val="accent2"/>
+            </a:solidFill>
+          </a:ln>
+        </p:spPr>
+        <p:style>
+          <a:lnRef idx="2">
+            <a:schemeClr val="accent1">
+              <a:shade val="50000"/>
+            </a:schemeClr>
+          </a:lnRef>
+          <a:fillRef idx="1">
+            <a:schemeClr val="accent1"/>
+          </a:fillRef>
+          <a:effectRef idx="0">
+            <a:schemeClr val="accent1"/>
+          </a:effectRef>
+          <a:fontRef idx="minor">
+            <a:schemeClr val="lt1"/>
+          </a:fontRef>
+        </p:style>
+        <p:txBody>
+          <a:bodyPr rtlCol="0" anchor="ctr"/>
+          <a:lstStyle/>
+          <a:p>
+            <a:pPr algn="ctr"/>
+            <a:endParaRPr lang="fr-FR" sz="1000" dirty="0">
+              <a:solidFill>
+                <a:sysClr val="windowText" lastClr="000000"/>
+              </a:solidFill>
+            </a:endParaRPr>
+          </a:p>
+        </p:txBody>
+      </p:sp>
+      <mc:AlternateContent xmlns:mc="http://schemas.openxmlformats.org/markup-compatibility/2006" xmlns:a14="http://schemas.microsoft.com/office/drawing/2010/main">
+        <mc:Choice Requires="a14">
+          <p:sp>
+            <p:nvSpPr>
+              <p:cNvPr id="10" name="Rectangle 9"/>
+              <p:cNvSpPr/>
+              <p:nvPr/>
+            </p:nvSpPr>
+            <p:spPr>
+              <a:xfrm>
+                <a:off x="3995936" y="2039568"/>
+                <a:ext cx="1008112" cy="1389432"/>
+              </a:xfrm>
+              <a:prstGeom prst="rect">
+                <a:avLst/>
+              </a:prstGeom>
+              <a:solidFill>
+                <a:schemeClr val="accent2">
+                  <a:lumMod val="20000"/>
+                  <a:lumOff val="80000"/>
+                </a:schemeClr>
+              </a:solidFill>
+              <a:ln w="9525">
+                <a:solidFill>
+                  <a:schemeClr val="accent2"/>
+                </a:solidFill>
+              </a:ln>
+            </p:spPr>
+            <p:style>
+              <a:lnRef idx="2">
+                <a:schemeClr val="accent1">
+                  <a:shade val="50000"/>
+                </a:schemeClr>
+              </a:lnRef>
+              <a:fillRef idx="1">
+                <a:schemeClr val="accent1"/>
+              </a:fillRef>
+              <a:effectRef idx="0">
+                <a:schemeClr val="accent1"/>
+              </a:effectRef>
+              <a:fontRef idx="minor">
+                <a:schemeClr val="lt1"/>
+              </a:fontRef>
+            </p:style>
+            <p:txBody>
+              <a:bodyPr rtlCol="0" anchor="t"/>
+              <a:lstStyle/>
+              <a:p>
+                <a:pPr algn="ctr"/>
+                <a:r>
+                  <a:rPr lang="fr-FR" sz="1000" b="1" dirty="0" smtClean="0">
+                    <a:solidFill>
+                      <a:sysClr val="windowText" lastClr="000000"/>
+                    </a:solidFill>
+                  </a:rPr>
+                  <a:t>Couple moteur calculé</a:t>
+                </a:r>
+              </a:p>
+              <a:p>
+                <a:pPr algn="ctr"/>
+                <a:endParaRPr lang="fr-FR" sz="1000" b="1" dirty="0" smtClean="0">
+                  <a:solidFill>
+                    <a:sysClr val="windowText" lastClr="000000"/>
+                  </a:solidFill>
+                </a:endParaRPr>
+              </a:p>
+              <a:p>
+                <a:pPr algn="ctr"/>
+                <a14:m>
+                  <m:oMathPara xmlns:m="http://schemas.openxmlformats.org/officeDocument/2006/math">
+                    <m:oMathParaPr>
+                      <m:jc m:val="centerGroup"/>
+                    </m:oMathParaPr>
+                    <m:oMath xmlns:m="http://schemas.openxmlformats.org/officeDocument/2006/math">
+                      <m:f>
+                        <m:fPr>
+                          <m:ctrlPr>
+                            <a:rPr lang="fr-FR" sz="1000" b="1" i="1" smtClean="0">
+                              <a:solidFill>
+                                <a:sysClr val="windowText" lastClr="000000"/>
+                              </a:solidFill>
+                              <a:latin typeface="Cambria Math"/>
+                            </a:rPr>
+                          </m:ctrlPr>
+                        </m:fPr>
+                        <m:num>
+                          <m:r>
+                            <a:rPr lang="fr-FR" sz="1000" b="1" i="1" smtClean="0">
+                              <a:solidFill>
+                                <a:sysClr val="windowText" lastClr="000000"/>
+                              </a:solidFill>
+                              <a:latin typeface="Cambria Math"/>
+                            </a:rPr>
+                            <m:t>𝟎</m:t>
+                          </m:r>
+                          <m:r>
+                            <a:rPr lang="fr-FR" sz="1000" b="1" i="1" smtClean="0">
+                              <a:solidFill>
+                                <a:sysClr val="windowText" lastClr="000000"/>
+                              </a:solidFill>
+                              <a:latin typeface="Cambria Math"/>
+                            </a:rPr>
+                            <m:t>,</m:t>
+                          </m:r>
+                          <m:r>
+                            <a:rPr lang="fr-FR" sz="1000" b="1" i="1" smtClean="0">
+                              <a:solidFill>
+                                <a:sysClr val="windowText" lastClr="000000"/>
+                              </a:solidFill>
+                              <a:latin typeface="Cambria Math"/>
+                            </a:rPr>
+                            <m:t>𝟒</m:t>
+                          </m:r>
+                        </m:num>
+                        <m:den>
+                          <m:r>
+                            <a:rPr lang="fr-FR" sz="1000" b="1" i="1" smtClean="0">
+                              <a:solidFill>
+                                <a:sysClr val="windowText" lastClr="000000"/>
+                              </a:solidFill>
+                              <a:latin typeface="Cambria Math"/>
+                            </a:rPr>
+                            <m:t>𝟔𝟔</m:t>
+                          </m:r>
+                        </m:den>
+                      </m:f>
+                      <m:r>
+                        <a:rPr lang="fr-FR" sz="1000" b="1" i="1" smtClean="0">
+                          <a:solidFill>
+                            <a:sysClr val="windowText" lastClr="000000"/>
+                          </a:solidFill>
+                          <a:latin typeface="Cambria Math"/>
+                        </a:rPr>
+                        <m:t>=</m:t>
+                      </m:r>
+                      <m:r>
+                        <a:rPr lang="fr-FR" sz="1000" b="1" i="1" smtClean="0">
+                          <a:solidFill>
+                            <a:sysClr val="windowText" lastClr="000000"/>
+                          </a:solidFill>
+                          <a:latin typeface="Cambria Math"/>
+                        </a:rPr>
+                        <m:t>𝟔</m:t>
+                      </m:r>
+                      <m:r>
+                        <a:rPr lang="fr-FR" sz="1000" b="1" i="0" smtClean="0">
+                          <a:solidFill>
+                            <a:sysClr val="windowText" lastClr="000000"/>
+                          </a:solidFill>
+                          <a:latin typeface="Cambria Math"/>
+                        </a:rPr>
+                        <m:t>𝐦𝐍𝐦</m:t>
+                      </m:r>
+                    </m:oMath>
+                  </m:oMathPara>
+                </a14:m>
+                <a:endParaRPr lang="fr-FR" sz="1000" b="1" dirty="0">
+                  <a:solidFill>
+                    <a:sysClr val="windowText" lastClr="000000"/>
+                  </a:solidFill>
+                </a:endParaRPr>
+              </a:p>
+            </p:txBody>
+          </p:sp>
+        </mc:Choice>
+        <mc:Fallback xmlns="">
+          <p:sp>
+            <p:nvSpPr>
+              <p:cNvPr id="10" name="Rectangle 9"/>
+              <p:cNvSpPr>
+                <a:spLocks noRot="1" noChangeAspect="1" noMove="1" noResize="1" noEditPoints="1" noAdjustHandles="1" noChangeArrowheads="1" noChangeShapeType="1" noTextEdit="1"/>
+              </p:cNvSpPr>
+              <p:nvPr/>
+            </p:nvSpPr>
+            <p:spPr>
+              <a:xfrm>
+                <a:off x="3995936" y="2039568"/>
+                <a:ext cx="1008112" cy="1389432"/>
+              </a:xfrm>
+              <a:prstGeom prst="rect">
+                <a:avLst/>
+              </a:prstGeom>
+              <a:blipFill rotWithShape="1">
+                <a:blip r:embed="rId3"/>
+                <a:stretch>
+                  <a:fillRect/>
+                </a:stretch>
+              </a:blipFill>
+              <a:ln w="9525">
+                <a:solidFill>
+                  <a:schemeClr val="accent2"/>
+                </a:solidFill>
+              </a:ln>
+            </p:spPr>
+            <p:txBody>
+              <a:bodyPr/>
+              <a:lstStyle/>
+              <a:p>
+                <a:r>
+                  <a:rPr lang="fr-FR">
+                    <a:noFill/>
+                  </a:rPr>
+                  <a:t> </a:t>
+                </a:r>
+              </a:p>
+            </p:txBody>
+          </p:sp>
+        </mc:Fallback>
+      </mc:AlternateContent>
+      <p:pic>
+        <p:nvPicPr>
+          <p:cNvPr id="1029" name="Picture 5"/>
+          <p:cNvPicPr>
+            <a:picLocks noChangeAspect="1" noChangeArrowheads="1"/>
+          </p:cNvPicPr>
+          <p:nvPr/>
+        </p:nvPicPr>
+        <p:blipFill rotWithShape="1">
+          <a:blip r:embed="rId4" cstate="print">
+            <a:extLst>
+              <a:ext uri="{28A0092B-C50C-407E-A947-70E740481C1C}">
+                <a14:useLocalDpi xmlns:a14="http://schemas.microsoft.com/office/drawing/2010/main" val="0"/>
+              </a:ext>
+            </a:extLst>
+          </a:blip>
+          <a:srcRect t="40121" r="6833"/>
+          <a:stretch/>
+        </p:blipFill>
+        <p:spPr bwMode="auto">
+          <a:xfrm>
+            <a:off x="1023876" y="3044031"/>
+            <a:ext cx="1309687" cy="401638"/>
+          </a:xfrm>
+          <a:prstGeom prst="rect">
+            <a:avLst/>
+          </a:prstGeom>
+          <a:noFill/>
+          <a:ln>
+            <a:noFill/>
+          </a:ln>
+          <a:effectLst/>
+          <a:extLst>
+            <a:ext uri="{909E8E84-426E-40DD-AFC4-6F175D3DCCD1}">
+              <a14:hiddenFill xmlns:a14="http://schemas.microsoft.com/office/drawing/2010/main">
+                <a:solidFill>
+                  <a:schemeClr val="accent1"/>
+                </a:solidFill>
+              </a14:hiddenFill>
+            </a:ext>
+            <a:ext uri="{91240B29-F687-4F45-9708-019B960494DF}">
+              <a14:hiddenLine xmlns:a14="http://schemas.microsoft.com/office/drawing/2010/main" w="9525">
+                <a:solidFill>
+                  <a:schemeClr val="tx1"/>
+                </a:solidFill>
+                <a:miter lim="800000"/>
+                <a:headEnd/>
+                <a:tailEnd/>
+              </a14:hiddenLine>
+            </a:ext>
+            <a:ext uri="{AF507438-7753-43E0-B8FC-AC1667EBCBE1}">
+              <a14:hiddenEffects xmlns:a14="http://schemas.microsoft.com/office/drawing/2010/main">
+                <a:effectLst>
+                  <a:outerShdw dist="35921" dir="2700000" algn="ctr" rotWithShape="0">
+                    <a:schemeClr val="bg2"/>
+                  </a:outerShdw>
+                </a:effectLst>
+              </a14:hiddenEffects>
+            </a:ext>
+          </a:extLst>
+        </p:spPr>
+      </p:pic>
+      <p:cxnSp>
+        <p:nvCxnSpPr>
+          <p:cNvPr id="11" name="Connecteur droit avec flèche 10"/>
+          <p:cNvCxnSpPr>
+            <a:stCxn id="1026" idx="3"/>
+          </p:cNvCxnSpPr>
+          <p:nvPr/>
+        </p:nvCxnSpPr>
+        <p:spPr>
+          <a:xfrm>
+            <a:off x="2359484" y="2439379"/>
+            <a:ext cx="1636452" cy="0"/>
+          </a:xfrm>
+          <a:prstGeom prst="straightConnector1">
+            <a:avLst/>
+          </a:prstGeom>
+          <a:ln w="19050">
+            <a:solidFill>
+              <a:schemeClr val="accent2"/>
+            </a:solidFill>
+            <a:headEnd type="stealth" w="med" len="lg"/>
+            <a:tailEnd type="stealth" w="med" len="lg"/>
+          </a:ln>
+        </p:spPr>
+        <p:style>
+          <a:lnRef idx="1">
+            <a:schemeClr val="accent1"/>
+          </a:lnRef>
+          <a:fillRef idx="0">
+            <a:schemeClr val="accent1"/>
+          </a:fillRef>
+          <a:effectRef idx="0">
+            <a:schemeClr val="accent1"/>
+          </a:effectRef>
+          <a:fontRef idx="minor">
+            <a:schemeClr val="tx1"/>
+          </a:fontRef>
+        </p:style>
+      </p:cxnSp>
+      <p:sp>
+        <p:nvSpPr>
+          <p:cNvPr id="12" name="Rectangle 11"/>
+          <p:cNvSpPr/>
+          <p:nvPr/>
+        </p:nvSpPr>
+        <p:spPr>
+          <a:xfrm>
+            <a:off x="2550037" y="2143874"/>
+            <a:ext cx="1183336" cy="600164"/>
+          </a:xfrm>
+          <a:prstGeom prst="rect">
+            <a:avLst/>
+          </a:prstGeom>
+        </p:spPr>
+        <p:txBody>
+          <a:bodyPr wrap="none">
+            <a:spAutoFit/>
+          </a:bodyPr>
+          <a:lstStyle/>
+          <a:p>
+            <a:pPr algn="ctr"/>
+            <a:r>
+              <a:rPr lang="fr-FR" sz="1100" b="1" dirty="0" smtClean="0">
+                <a:solidFill>
+                  <a:sysClr val="windowText" lastClr="000000"/>
+                </a:solidFill>
+              </a:rPr>
+              <a:t>Exigence validée </a:t>
+            </a:r>
+          </a:p>
+          <a:p>
+            <a:pPr algn="ctr"/>
+            <a:endParaRPr lang="fr-FR" sz="1100" b="1" dirty="0">
+              <a:solidFill>
+                <a:sysClr val="windowText" lastClr="000000"/>
+              </a:solidFill>
+            </a:endParaRPr>
+          </a:p>
+          <a:p>
+            <a:pPr algn="ctr"/>
+            <a:r>
+              <a:rPr lang="fr-FR" sz="1100" b="1" dirty="0" smtClean="0">
+                <a:solidFill>
+                  <a:sysClr val="windowText" lastClr="000000"/>
+                </a:solidFill>
+              </a:rPr>
+              <a:t>OUI</a:t>
+            </a:r>
+            <a:endParaRPr lang="fr-FR" sz="1100" b="1" dirty="0">
+              <a:solidFill>
+                <a:sysClr val="windowText" lastClr="000000"/>
+              </a:solidFill>
+            </a:endParaRPr>
+          </a:p>
+        </p:txBody>
+      </p:sp>
+      <p:cxnSp>
+        <p:nvCxnSpPr>
+          <p:cNvPr id="18" name="Connecteur droit avec flèche 17"/>
+          <p:cNvCxnSpPr>
+            <a:stCxn id="1029" idx="3"/>
+          </p:cNvCxnSpPr>
+          <p:nvPr/>
+        </p:nvCxnSpPr>
+        <p:spPr>
+          <a:xfrm>
+            <a:off x="2333563" y="3244850"/>
+            <a:ext cx="1662373" cy="0"/>
+          </a:xfrm>
+          <a:prstGeom prst="straightConnector1">
+            <a:avLst/>
+          </a:prstGeom>
+          <a:ln w="19050">
+            <a:solidFill>
+              <a:schemeClr val="accent2"/>
+            </a:solidFill>
+            <a:headEnd type="stealth" w="med" len="lg"/>
+            <a:tailEnd type="stealth" w="med" len="lg"/>
+          </a:ln>
+        </p:spPr>
+        <p:style>
+          <a:lnRef idx="1">
+            <a:schemeClr val="accent1"/>
+          </a:lnRef>
+          <a:fillRef idx="0">
+            <a:schemeClr val="accent1"/>
+          </a:fillRef>
+          <a:effectRef idx="0">
+            <a:schemeClr val="accent1"/>
+          </a:effectRef>
+          <a:fontRef idx="minor">
+            <a:schemeClr val="tx1"/>
+          </a:fontRef>
+        </p:style>
+      </p:cxnSp>
+      <p:sp>
+        <p:nvSpPr>
+          <p:cNvPr id="24" name="Rectangle 23"/>
+          <p:cNvSpPr/>
+          <p:nvPr/>
+        </p:nvSpPr>
+        <p:spPr>
+          <a:xfrm>
+            <a:off x="2494486" y="2971117"/>
+            <a:ext cx="1300356" cy="261610"/>
+          </a:xfrm>
+          <a:prstGeom prst="rect">
+            <a:avLst/>
+          </a:prstGeom>
+        </p:spPr>
+        <p:txBody>
+          <a:bodyPr wrap="none">
+            <a:spAutoFit/>
+          </a:bodyPr>
+          <a:lstStyle/>
+          <a:p>
+            <a:pPr algn="ctr"/>
+            <a:r>
+              <a:rPr lang="fr-FR" sz="1100" b="1" dirty="0" smtClean="0">
+                <a:solidFill>
+                  <a:sysClr val="windowText" lastClr="000000"/>
+                </a:solidFill>
+              </a:rPr>
+              <a:t>Marge d’utilisation</a:t>
+            </a:r>
+            <a:endParaRPr lang="fr-FR" sz="1100" b="1" dirty="0">
+              <a:solidFill>
+                <a:sysClr val="windowText" lastClr="000000"/>
+              </a:solidFill>
+            </a:endParaRPr>
+          </a:p>
+        </p:txBody>
+      </p:sp>
+      <mc:AlternateContent xmlns:mc="http://schemas.openxmlformats.org/markup-compatibility/2006" xmlns:a14="http://schemas.microsoft.com/office/drawing/2010/main">
+        <mc:Choice Requires="a14">
+          <p:sp>
+            <p:nvSpPr>
+              <p:cNvPr id="2" name="Rectangle 1"/>
+              <p:cNvSpPr/>
+              <p:nvPr/>
+            </p:nvSpPr>
+            <p:spPr>
+              <a:xfrm>
+                <a:off x="2011933" y="3284984"/>
+                <a:ext cx="2259544" cy="1015663"/>
+              </a:xfrm>
+              <a:prstGeom prst="rect">
+                <a:avLst/>
+              </a:prstGeom>
+            </p:spPr>
+            <p:txBody>
+              <a:bodyPr wrap="square">
+                <a:spAutoFit/>
+              </a:bodyPr>
+              <a:lstStyle/>
+              <a:p>
+                <a:pPr algn="ctr"/>
+                <a14:m>
+                  <m:oMathPara xmlns:m="http://schemas.openxmlformats.org/officeDocument/2006/math">
+                    <m:oMathParaPr>
+                      <m:jc m:val="centerGroup"/>
+                    </m:oMathParaPr>
+                    <m:oMath xmlns:m="http://schemas.openxmlformats.org/officeDocument/2006/math">
+                      <m:r>
+                        <a:rPr lang="fr-FR" sz="1200" b="1" i="0" smtClean="0">
+                          <a:solidFill>
+                            <a:sysClr val="windowText" lastClr="000000"/>
+                          </a:solidFill>
+                          <a:latin typeface="Cambria Math"/>
+                        </a:rPr>
+                        <m:t>𝟏𝟎</m:t>
+                      </m:r>
+                      <m:r>
+                        <a:rPr lang="fr-FR" sz="1200" b="1">
+                          <a:solidFill>
+                            <a:sysClr val="windowText" lastClr="000000"/>
+                          </a:solidFill>
+                          <a:latin typeface="Cambria Math"/>
+                        </a:rPr>
+                        <m:t>𝐦𝐍𝐦</m:t>
+                      </m:r>
+                    </m:oMath>
+                  </m:oMathPara>
+                </a14:m>
+                <a:endParaRPr lang="fr-FR" sz="1200" b="1" dirty="0" smtClean="0">
+                  <a:solidFill>
+                    <a:sysClr val="windowText" lastClr="000000"/>
+                  </a:solidFill>
+                </a:endParaRPr>
+              </a:p>
+              <a:p>
+                <a:pPr algn="ctr"/>
+                <a:r>
+                  <a:rPr lang="fr-FR" sz="1200" b="1" dirty="0" smtClean="0">
+                    <a:solidFill>
+                      <a:sysClr val="windowText" lastClr="000000"/>
+                    </a:solidFill>
+                  </a:rPr>
+                  <a:t>Le couple étant calculé dans une configuration particulière, un couple supérieur peut être nécessaire.</a:t>
+                </a:r>
+                <a:endParaRPr lang="fr-FR" sz="1200" b="1" dirty="0">
+                  <a:solidFill>
+                    <a:sysClr val="windowText" lastClr="000000"/>
+                  </a:solidFill>
+                </a:endParaRPr>
+              </a:p>
+            </p:txBody>
+          </p:sp>
+        </mc:Choice>
+        <mc:Fallback xmlns="">
+          <p:sp>
+            <p:nvSpPr>
+              <p:cNvPr id="2" name="Rectangle 1"/>
+              <p:cNvSpPr>
+                <a:spLocks noRot="1" noChangeAspect="1" noMove="1" noResize="1" noEditPoints="1" noAdjustHandles="1" noChangeArrowheads="1" noChangeShapeType="1" noTextEdit="1"/>
+              </p:cNvSpPr>
+              <p:nvPr/>
+            </p:nvSpPr>
+            <p:spPr>
+              <a:xfrm>
+                <a:off x="2011933" y="3284984"/>
+                <a:ext cx="2259544" cy="1015663"/>
+              </a:xfrm>
+              <a:prstGeom prst="rect">
+                <a:avLst/>
+              </a:prstGeom>
+              <a:blipFill rotWithShape="1">
+                <a:blip r:embed="rId5"/>
+                <a:stretch>
+                  <a:fillRect r="-1078" b="-4217"/>
+                </a:stretch>
+              </a:blipFill>
+            </p:spPr>
+            <p:txBody>
+              <a:bodyPr/>
+              <a:lstStyle/>
+              <a:p>
+                <a:r>
+                  <a:rPr lang="fr-FR">
+                    <a:noFill/>
+                  </a:rPr>
+                  <a:t> </a:t>
+                </a:r>
+              </a:p>
+            </p:txBody>
+          </p:sp>
+        </mc:Fallback>
+      </mc:AlternateContent>
+    </p:spTree>
+    <p:extLst>
+      <p:ext uri="{BB962C8B-B14F-4D97-AF65-F5344CB8AC3E}">
+        <p14:creationId xmlns:p14="http://schemas.microsoft.com/office/powerpoint/2010/main" val="3184664115"/>
+      </p:ext>
+    </p:extLst>
+  </p:cSld>
+  <p:clrMapOvr>
+    <a:masterClrMapping/>
+  </p:clrMapOvr>
+</p:sld>
+</file>
+
+<file path=ppt/slides/slide11.xml><?xml version="1.0" encoding="utf-8"?>
 <p:sld xmlns:a="http://schemas.openxmlformats.org/drawingml/2006/main" xmlns:r="http://schemas.openxmlformats.org/officeDocument/2006/relationships" xmlns:p="http://schemas.openxmlformats.org/presentationml/2006/main">
   <p:cSld>
     <p:spTree>
@@ -9256,76 +10150,298 @@
           <a:chExt cx="0" cy="0"/>
         </a:xfrm>
       </p:grpSpPr>
-      <p:cxnSp>
-        <p:nvCxnSpPr>
-          <p:cNvPr id="4" name="Connecteur droit 3"/>
-          <p:cNvCxnSpPr/>
+      <p:pic>
+        <p:nvPicPr>
+          <p:cNvPr id="1026" name="Picture 2" descr="C:\Enseignement\GitHub\Cy_04_PSI_ModelisationDynamique\Revisions_Statique\Fiche_01_Statique_2D_TD_01_Hayon\images\fig_03.png"/>
+          <p:cNvPicPr>
+            <a:picLocks noChangeAspect="1" noChangeArrowheads="1"/>
+          </p:cNvPicPr>
           <p:nvPr/>
-        </p:nvCxnSpPr>
+        </p:nvPicPr>
+        <p:blipFill>
+          <a:blip r:embed="rId2">
+            <a:extLst>
+              <a:ext uri="{28A0092B-C50C-407E-A947-70E740481C1C}">
+                <a14:useLocalDpi xmlns:a14="http://schemas.microsoft.com/office/drawing/2010/main" val="0"/>
+              </a:ext>
+            </a:extLst>
+          </a:blip>
+          <a:srcRect/>
+          <a:stretch>
+            <a:fillRect/>
+          </a:stretch>
+        </p:blipFill>
+        <p:spPr bwMode="auto">
+          <a:xfrm>
+            <a:off x="1325563" y="1795463"/>
+            <a:ext cx="7200900" cy="5191125"/>
+          </a:xfrm>
+          <a:prstGeom prst="rect">
+            <a:avLst/>
+          </a:prstGeom>
+          <a:noFill/>
+          <a:extLst>
+            <a:ext uri="{909E8E84-426E-40DD-AFC4-6F175D3DCCD1}">
+              <a14:hiddenFill xmlns:a14="http://schemas.microsoft.com/office/drawing/2010/main">
+                <a:solidFill>
+                  <a:srgbClr val="FFFFFF"/>
+                </a:solidFill>
+              </a14:hiddenFill>
+            </a:ext>
+          </a:extLst>
+        </p:spPr>
+      </p:pic>
+      <p:sp>
+        <p:nvSpPr>
+          <p:cNvPr id="4" name="Forme libre 3"/>
+          <p:cNvSpPr/>
+          <p:nvPr/>
+        </p:nvSpPr>
         <p:spPr>
           <a:xfrm>
-            <a:off x="2411760" y="1988840"/>
-            <a:ext cx="1440160" cy="0"/>
+            <a:off x="3096883" y="2251494"/>
+            <a:ext cx="4684143" cy="3183148"/>
           </a:xfrm>
-          <a:prstGeom prst="line">
+          <a:custGeom>
             <a:avLst/>
-          </a:prstGeom>
-          <a:ln w="28575">
+            <a:gdLst>
+              <a:gd name="connsiteX0" fmla="*/ 0 w 4684143"/>
+              <a:gd name="connsiteY0" fmla="*/ 0 h 3183148"/>
+              <a:gd name="connsiteX1" fmla="*/ 4684143 w 4684143"/>
+              <a:gd name="connsiteY1" fmla="*/ 3183148 h 3183148"/>
+              <a:gd name="connsiteX2" fmla="*/ 4684143 w 4684143"/>
+              <a:gd name="connsiteY2" fmla="*/ 3183148 h 3183148"/>
+              <a:gd name="connsiteX0" fmla="*/ 0 w 4684143"/>
+              <a:gd name="connsiteY0" fmla="*/ 0 h 3183148"/>
+              <a:gd name="connsiteX1" fmla="*/ 4684143 w 4684143"/>
+              <a:gd name="connsiteY1" fmla="*/ 3183148 h 3183148"/>
+              <a:gd name="connsiteX2" fmla="*/ 4684143 w 4684143"/>
+              <a:gd name="connsiteY2" fmla="*/ 3183148 h 3183148"/>
+              <a:gd name="connsiteX0" fmla="*/ 0 w 4684143"/>
+              <a:gd name="connsiteY0" fmla="*/ 0 h 3183148"/>
+              <a:gd name="connsiteX1" fmla="*/ 4684143 w 4684143"/>
+              <a:gd name="connsiteY1" fmla="*/ 3183148 h 3183148"/>
+              <a:gd name="connsiteX2" fmla="*/ 4684143 w 4684143"/>
+              <a:gd name="connsiteY2" fmla="*/ 3183148 h 3183148"/>
+            </a:gdLst>
+            <a:ahLst/>
+            <a:cxnLst>
+              <a:cxn ang="0">
+                <a:pos x="connsiteX0" y="connsiteY0"/>
+              </a:cxn>
+              <a:cxn ang="0">
+                <a:pos x="connsiteX1" y="connsiteY1"/>
+              </a:cxn>
+              <a:cxn ang="0">
+                <a:pos x="connsiteX2" y="connsiteY2"/>
+              </a:cxn>
+            </a:cxnLst>
+            <a:rect l="l" t="t" r="r" b="b"/>
+            <a:pathLst>
+              <a:path w="4684143" h="3183148">
+                <a:moveTo>
+                  <a:pt x="0" y="0"/>
+                </a:moveTo>
+                <a:cubicBezTo>
+                  <a:pt x="370935" y="1647646"/>
+                  <a:pt x="34505" y="2622431"/>
+                  <a:pt x="4684143" y="3183148"/>
+                </a:cubicBezTo>
+                <a:lnTo>
+                  <a:pt x="4684143" y="3183148"/>
+                </a:lnTo>
+              </a:path>
+            </a:pathLst>
+          </a:custGeom>
+          <a:noFill/>
+          <a:ln>
             <a:solidFill>
               <a:srgbClr val="00B050"/>
             </a:solidFill>
+            <a:tailEnd type="stealth" w="med" len="lg"/>
           </a:ln>
         </p:spPr>
         <p:style>
-          <a:lnRef idx="1">
-            <a:schemeClr val="accent1"/>
+          <a:lnRef idx="2">
+            <a:schemeClr val="accent1">
+              <a:shade val="50000"/>
+            </a:schemeClr>
           </a:lnRef>
-          <a:fillRef idx="0">
+          <a:fillRef idx="1">
             <a:schemeClr val="accent1"/>
           </a:fillRef>
           <a:effectRef idx="0">
             <a:schemeClr val="accent1"/>
           </a:effectRef>
           <a:fontRef idx="minor">
-            <a:schemeClr val="tx1"/>
+            <a:schemeClr val="lt1"/>
           </a:fontRef>
         </p:style>
-      </p:cxnSp>
-      <p:cxnSp>
-        <p:nvCxnSpPr>
-          <p:cNvPr id="7" name="Connecteur droit 6"/>
-          <p:cNvCxnSpPr/>
+        <p:txBody>
+          <a:bodyPr rtlCol="0" anchor="ctr"/>
+          <a:lstStyle/>
+          <a:p>
+            <a:pPr algn="ctr"/>
+            <a:endParaRPr lang="fr-FR"/>
+          </a:p>
+        </p:txBody>
+      </p:sp>
+      <p:sp>
+        <p:nvSpPr>
+          <p:cNvPr id="6" name="Forme libre 5"/>
+          <p:cNvSpPr/>
           <p:nvPr/>
-        </p:nvCxnSpPr>
+        </p:nvSpPr>
         <p:spPr>
-          <a:xfrm flipV="1">
-            <a:off x="2411206" y="1772816"/>
-            <a:ext cx="0" cy="432048"/>
+          <a:xfrm>
+            <a:off x="3046563" y="3043082"/>
+            <a:ext cx="4684143" cy="3183148"/>
           </a:xfrm>
-          <a:prstGeom prst="line">
+          <a:custGeom>
             <a:avLst/>
-          </a:prstGeom>
-          <a:ln w="28575">
+            <a:gdLst>
+              <a:gd name="connsiteX0" fmla="*/ 0 w 4684143"/>
+              <a:gd name="connsiteY0" fmla="*/ 0 h 3183148"/>
+              <a:gd name="connsiteX1" fmla="*/ 4684143 w 4684143"/>
+              <a:gd name="connsiteY1" fmla="*/ 3183148 h 3183148"/>
+              <a:gd name="connsiteX2" fmla="*/ 4684143 w 4684143"/>
+              <a:gd name="connsiteY2" fmla="*/ 3183148 h 3183148"/>
+              <a:gd name="connsiteX0" fmla="*/ 0 w 4684143"/>
+              <a:gd name="connsiteY0" fmla="*/ 0 h 3183148"/>
+              <a:gd name="connsiteX1" fmla="*/ 4684143 w 4684143"/>
+              <a:gd name="connsiteY1" fmla="*/ 3183148 h 3183148"/>
+              <a:gd name="connsiteX2" fmla="*/ 4684143 w 4684143"/>
+              <a:gd name="connsiteY2" fmla="*/ 3183148 h 3183148"/>
+              <a:gd name="connsiteX0" fmla="*/ 0 w 4684143"/>
+              <a:gd name="connsiteY0" fmla="*/ 0 h 3183148"/>
+              <a:gd name="connsiteX1" fmla="*/ 4684143 w 4684143"/>
+              <a:gd name="connsiteY1" fmla="*/ 3183148 h 3183148"/>
+              <a:gd name="connsiteX2" fmla="*/ 4684143 w 4684143"/>
+              <a:gd name="connsiteY2" fmla="*/ 3183148 h 3183148"/>
+            </a:gdLst>
+            <a:ahLst/>
+            <a:cxnLst>
+              <a:cxn ang="0">
+                <a:pos x="connsiteX0" y="connsiteY0"/>
+              </a:cxn>
+              <a:cxn ang="0">
+                <a:pos x="connsiteX1" y="connsiteY1"/>
+              </a:cxn>
+              <a:cxn ang="0">
+                <a:pos x="connsiteX2" y="connsiteY2"/>
+              </a:cxn>
+            </a:cxnLst>
+            <a:rect l="l" t="t" r="r" b="b"/>
+            <a:pathLst>
+              <a:path w="4684143" h="3183148">
+                <a:moveTo>
+                  <a:pt x="0" y="0"/>
+                </a:moveTo>
+                <a:cubicBezTo>
+                  <a:pt x="370935" y="1647646"/>
+                  <a:pt x="34505" y="2622431"/>
+                  <a:pt x="4684143" y="3183148"/>
+                </a:cubicBezTo>
+                <a:lnTo>
+                  <a:pt x="4684143" y="3183148"/>
+                </a:lnTo>
+              </a:path>
+            </a:pathLst>
+          </a:custGeom>
+          <a:noFill/>
+          <a:ln>
             <a:solidFill>
-              <a:srgbClr val="00B050"/>
+              <a:schemeClr val="accent4"/>
             </a:solidFill>
+            <a:headEnd type="stealth" w="med" len="lg"/>
+            <a:tailEnd type="none" w="med" len="lg"/>
           </a:ln>
         </p:spPr>
         <p:style>
-          <a:lnRef idx="1">
-            <a:schemeClr val="accent1"/>
+          <a:lnRef idx="2">
+            <a:schemeClr val="accent1">
+              <a:shade val="50000"/>
+            </a:schemeClr>
           </a:lnRef>
-          <a:fillRef idx="0">
+          <a:fillRef idx="1">
             <a:schemeClr val="accent1"/>
           </a:fillRef>
           <a:effectRef idx="0">
             <a:schemeClr val="accent1"/>
           </a:effectRef>
           <a:fontRef idx="minor">
-            <a:schemeClr val="tx1"/>
+            <a:schemeClr val="lt1"/>
           </a:fontRef>
         </p:style>
-      </p:cxnSp>
+        <p:txBody>
+          <a:bodyPr rtlCol="0" anchor="ctr"/>
+          <a:lstStyle/>
+          <a:p>
+            <a:pPr algn="ctr"/>
+            <a:endParaRPr lang="fr-FR"/>
+          </a:p>
+        </p:txBody>
+      </p:sp>
+      <p:sp>
+        <p:nvSpPr>
+          <p:cNvPr id="5" name="ZoneTexte 4"/>
+          <p:cNvSpPr txBox="1"/>
+          <p:nvPr/>
+        </p:nvSpPr>
+        <p:spPr>
+          <a:xfrm>
+            <a:off x="6516216" y="4941168"/>
+            <a:ext cx="1147622" cy="369332"/>
+          </a:xfrm>
+          <a:prstGeom prst="rect">
+            <a:avLst/>
+          </a:prstGeom>
+          <a:noFill/>
+        </p:spPr>
+        <p:txBody>
+          <a:bodyPr wrap="none" rtlCol="0">
+            <a:spAutoFit/>
+          </a:bodyPr>
+          <a:lstStyle/>
+          <a:p>
+            <a:r>
+              <a:rPr lang="fr-FR" dirty="0" smtClean="0"/>
+              <a:t>Ouverture</a:t>
+            </a:r>
+            <a:endParaRPr lang="fr-FR" dirty="0"/>
+          </a:p>
+        </p:txBody>
+      </p:sp>
+      <p:sp>
+        <p:nvSpPr>
+          <p:cNvPr id="8" name="ZoneTexte 7"/>
+          <p:cNvSpPr txBox="1"/>
+          <p:nvPr/>
+        </p:nvSpPr>
+        <p:spPr>
+          <a:xfrm>
+            <a:off x="3935057" y="5611507"/>
+            <a:ext cx="1172500" cy="369332"/>
+          </a:xfrm>
+          <a:prstGeom prst="rect">
+            <a:avLst/>
+          </a:prstGeom>
+          <a:noFill/>
+        </p:spPr>
+        <p:txBody>
+          <a:bodyPr wrap="none" rtlCol="0">
+            <a:spAutoFit/>
+          </a:bodyPr>
+          <a:lstStyle/>
+          <a:p>
+            <a:r>
+              <a:rPr lang="fr-FR" dirty="0" smtClean="0"/>
+              <a:t>Fermeture</a:t>
+            </a:r>
+            <a:endParaRPr lang="fr-FR" dirty="0"/>
+          </a:p>
+        </p:txBody>
+      </p:sp>
       <p:cxnSp>
         <p:nvCxnSpPr>
           <p:cNvPr id="9" name="Connecteur droit 8"/>
@@ -9333,223 +10449,18 @@
           <p:nvPr/>
         </p:nvCxnSpPr>
         <p:spPr>
-          <a:xfrm>
-            <a:off x="1691680" y="1700808"/>
-            <a:ext cx="1440160" cy="0"/>
+          <a:xfrm flipH="1">
+            <a:off x="2555776" y="6140531"/>
+            <a:ext cx="4534251" cy="0"/>
           </a:xfrm>
           <a:prstGeom prst="line">
             <a:avLst/>
           </a:prstGeom>
-          <a:ln w="28575">
+          <a:ln w="38100">
             <a:solidFill>
-              <a:srgbClr val="C00000"/>
+              <a:srgbClr val="FF0000"/>
             </a:solidFill>
-          </a:ln>
-        </p:spPr>
-        <p:style>
-          <a:lnRef idx="1">
-            <a:schemeClr val="accent1"/>
-          </a:lnRef>
-          <a:fillRef idx="0">
-            <a:schemeClr val="accent1"/>
-          </a:fillRef>
-          <a:effectRef idx="0">
-            <a:schemeClr val="accent1"/>
-          </a:effectRef>
-          <a:fontRef idx="minor">
-            <a:schemeClr val="tx1"/>
-          </a:fontRef>
-        </p:style>
-      </p:cxnSp>
-      <p:cxnSp>
-        <p:nvCxnSpPr>
-          <p:cNvPr id="10" name="Connecteur droit 9"/>
-          <p:cNvCxnSpPr/>
-          <p:nvPr/>
-        </p:nvCxnSpPr>
-        <p:spPr>
-          <a:xfrm>
-            <a:off x="1697604" y="2276872"/>
-            <a:ext cx="1440160" cy="0"/>
-          </a:xfrm>
-          <a:prstGeom prst="line">
-            <a:avLst/>
-          </a:prstGeom>
-          <a:ln w="28575">
-            <a:solidFill>
-              <a:srgbClr val="C00000"/>
-            </a:solidFill>
-          </a:ln>
-        </p:spPr>
-        <p:style>
-          <a:lnRef idx="1">
-            <a:schemeClr val="accent1"/>
-          </a:lnRef>
-          <a:fillRef idx="0">
-            <a:schemeClr val="accent1"/>
-          </a:fillRef>
-          <a:effectRef idx="0">
-            <a:schemeClr val="accent1"/>
-          </a:effectRef>
-          <a:fontRef idx="minor">
-            <a:schemeClr val="tx1"/>
-          </a:fontRef>
-        </p:style>
-      </p:cxnSp>
-      <p:cxnSp>
-        <p:nvCxnSpPr>
-          <p:cNvPr id="12" name="Connecteur droit 11"/>
-          <p:cNvCxnSpPr/>
-          <p:nvPr/>
-        </p:nvCxnSpPr>
-        <p:spPr>
-          <a:xfrm flipV="1">
-            <a:off x="1697603" y="1709530"/>
-            <a:ext cx="1" cy="567342"/>
-          </a:xfrm>
-          <a:prstGeom prst="line">
-            <a:avLst/>
-          </a:prstGeom>
-          <a:ln w="28575">
-            <a:solidFill>
-              <a:srgbClr val="C00000"/>
-            </a:solidFill>
-          </a:ln>
-        </p:spPr>
-        <p:style>
-          <a:lnRef idx="1">
-            <a:schemeClr val="accent1"/>
-          </a:lnRef>
-          <a:fillRef idx="0">
-            <a:schemeClr val="accent1"/>
-          </a:fillRef>
-          <a:effectRef idx="0">
-            <a:schemeClr val="accent1"/>
-          </a:effectRef>
-          <a:fontRef idx="minor">
-            <a:schemeClr val="tx1"/>
-          </a:fontRef>
-        </p:style>
-      </p:cxnSp>
-      <p:cxnSp>
-        <p:nvCxnSpPr>
-          <p:cNvPr id="15" name="Connecteur droit 14"/>
-          <p:cNvCxnSpPr/>
-          <p:nvPr/>
-        </p:nvCxnSpPr>
-        <p:spPr>
-          <a:xfrm flipH="1" flipV="1">
-            <a:off x="3131839" y="1692620"/>
-            <a:ext cx="1" cy="224212"/>
-          </a:xfrm>
-          <a:prstGeom prst="line">
-            <a:avLst/>
-          </a:prstGeom>
-          <a:ln w="28575">
-            <a:solidFill>
-              <a:srgbClr val="C00000"/>
-            </a:solidFill>
-          </a:ln>
-        </p:spPr>
-        <p:style>
-          <a:lnRef idx="1">
-            <a:schemeClr val="accent1"/>
-          </a:lnRef>
-          <a:fillRef idx="0">
-            <a:schemeClr val="accent1"/>
-          </a:fillRef>
-          <a:effectRef idx="0">
-            <a:schemeClr val="accent1"/>
-          </a:effectRef>
-          <a:fontRef idx="minor">
-            <a:schemeClr val="tx1"/>
-          </a:fontRef>
-        </p:style>
-      </p:cxnSp>
-      <p:cxnSp>
-        <p:nvCxnSpPr>
-          <p:cNvPr id="17" name="Connecteur droit 16"/>
-          <p:cNvCxnSpPr/>
-          <p:nvPr/>
-        </p:nvCxnSpPr>
-        <p:spPr>
-          <a:xfrm flipH="1" flipV="1">
-            <a:off x="3131838" y="2052660"/>
-            <a:ext cx="1" cy="224212"/>
-          </a:xfrm>
-          <a:prstGeom prst="line">
-            <a:avLst/>
-          </a:prstGeom>
-          <a:ln w="28575">
-            <a:solidFill>
-              <a:srgbClr val="C00000"/>
-            </a:solidFill>
-          </a:ln>
-        </p:spPr>
-        <p:style>
-          <a:lnRef idx="1">
-            <a:schemeClr val="accent1"/>
-          </a:lnRef>
-          <a:fillRef idx="0">
-            <a:schemeClr val="accent1"/>
-          </a:fillRef>
-          <a:effectRef idx="0">
-            <a:schemeClr val="accent1"/>
-          </a:effectRef>
-          <a:fontRef idx="minor">
-            <a:schemeClr val="tx1"/>
-          </a:fontRef>
-        </p:style>
-      </p:cxnSp>
-      <p:sp>
-        <p:nvSpPr>
-          <p:cNvPr id="18" name="ZoneTexte 17"/>
-          <p:cNvSpPr txBox="1"/>
-          <p:nvPr/>
-        </p:nvSpPr>
-        <p:spPr>
-          <a:xfrm>
-            <a:off x="1691126" y="2482431"/>
-            <a:ext cx="1440160" cy="276999"/>
-          </a:xfrm>
-          <a:prstGeom prst="rect">
-            <a:avLst/>
-          </a:prstGeom>
-          <a:noFill/>
-        </p:spPr>
-        <p:txBody>
-          <a:bodyPr wrap="square" rtlCol="0">
-            <a:spAutoFit/>
-          </a:bodyPr>
-          <a:lstStyle/>
-          <a:p>
-            <a:pPr algn="ctr"/>
-            <a:r>
-              <a:rPr lang="fr-FR" sz="1200" dirty="0" smtClean="0"/>
-              <a:t>Phase d’ouverture</a:t>
-            </a:r>
-            <a:endParaRPr lang="fr-FR" sz="1200" dirty="0"/>
-          </a:p>
-        </p:txBody>
-      </p:sp>
-      <p:cxnSp>
-        <p:nvCxnSpPr>
-          <p:cNvPr id="19" name="Connecteur droit 18"/>
-          <p:cNvCxnSpPr/>
-          <p:nvPr/>
-        </p:nvCxnSpPr>
-        <p:spPr>
-          <a:xfrm flipH="1" flipV="1">
-            <a:off x="3851920" y="1988840"/>
-            <a:ext cx="423664" cy="0"/>
-          </a:xfrm>
-          <a:prstGeom prst="line">
-            <a:avLst/>
-          </a:prstGeom>
-          <a:ln w="28575" cmpd="dbl">
-            <a:solidFill>
-              <a:srgbClr val="00B050"/>
-            </a:solidFill>
+            <a:headEnd type="none"/>
             <a:tailEnd type="stealth" w="med" len="lg"/>
           </a:ln>
         </p:spPr>
@@ -9570,14 +10481,14 @@
       </p:cxnSp>
       <p:sp>
         <p:nvSpPr>
-          <p:cNvPr id="22" name="ZoneTexte 21"/>
+          <p:cNvPr id="12" name="ZoneTexte 11"/>
           <p:cNvSpPr txBox="1"/>
           <p:nvPr/>
         </p:nvSpPr>
         <p:spPr>
           <a:xfrm>
-            <a:off x="3663793" y="1556792"/>
-            <a:ext cx="799918" cy="400110"/>
+            <a:off x="1890082" y="5955865"/>
+            <a:ext cx="737702" cy="369332"/>
           </a:xfrm>
           <a:prstGeom prst="rect">
             <a:avLst/>
@@ -9585,20 +10496,1204 @@
           <a:noFill/>
         </p:spPr>
         <p:txBody>
-          <a:bodyPr wrap="square" rtlCol="0">
+          <a:bodyPr wrap="none" rtlCol="0">
             <a:spAutoFit/>
           </a:bodyPr>
           <a:lstStyle/>
           <a:p>
-            <a:pPr algn="ctr"/>
             <a:r>
-              <a:rPr lang="fr-FR" sz="1000" dirty="0" smtClean="0"/>
-              <a:t>Action hayon</a:t>
+              <a:rPr lang="fr-FR" b="1" dirty="0" smtClean="0"/>
+              <a:t>500 N</a:t>
             </a:r>
-            <a:endParaRPr lang="fr-FR" sz="1000" dirty="0"/>
+            <a:endParaRPr lang="fr-FR" b="1" dirty="0"/>
           </a:p>
         </p:txBody>
       </p:sp>
+      <p:cxnSp>
+        <p:nvCxnSpPr>
+          <p:cNvPr id="14" name="Connecteur droit 13"/>
+          <p:cNvCxnSpPr/>
+          <p:nvPr/>
+        </p:nvCxnSpPr>
+        <p:spPr>
+          <a:xfrm flipH="1" flipV="1">
+            <a:off x="4067944" y="5617576"/>
+            <a:ext cx="3950794" cy="676578"/>
+          </a:xfrm>
+          <a:prstGeom prst="line">
+            <a:avLst/>
+          </a:prstGeom>
+          <a:ln w="38100">
+            <a:solidFill>
+              <a:srgbClr val="FF0000"/>
+            </a:solidFill>
+            <a:headEnd type="none"/>
+            <a:tailEnd type="none" w="med" len="lg"/>
+          </a:ln>
+        </p:spPr>
+        <p:style>
+          <a:lnRef idx="1">
+            <a:schemeClr val="accent1"/>
+          </a:lnRef>
+          <a:fillRef idx="0">
+            <a:schemeClr val="accent1"/>
+          </a:fillRef>
+          <a:effectRef idx="0">
+            <a:schemeClr val="accent1"/>
+          </a:effectRef>
+          <a:fontRef idx="minor">
+            <a:schemeClr val="tx1"/>
+          </a:fontRef>
+        </p:style>
+      </p:cxnSp>
+    </p:spTree>
+    <p:extLst>
+      <p:ext uri="{BB962C8B-B14F-4D97-AF65-F5344CB8AC3E}">
+        <p14:creationId xmlns:p14="http://schemas.microsoft.com/office/powerpoint/2010/main" val="1028118152"/>
+      </p:ext>
+    </p:extLst>
+  </p:cSld>
+  <p:clrMapOvr>
+    <a:masterClrMapping/>
+  </p:clrMapOvr>
+</p:sld>
+</file>
+
+<file path=ppt/slides/slide5.xml><?xml version="1.0" encoding="utf-8"?>
+<p:sld xmlns:a="http://schemas.openxmlformats.org/drawingml/2006/main" xmlns:r="http://schemas.openxmlformats.org/officeDocument/2006/relationships" xmlns:p="http://schemas.openxmlformats.org/presentationml/2006/main">
+  <p:cSld>
+    <p:spTree>
+      <p:nvGrpSpPr>
+        <p:cNvPr id="1" name=""/>
+        <p:cNvGrpSpPr/>
+        <p:nvPr/>
+      </p:nvGrpSpPr>
+      <p:grpSpPr>
+        <a:xfrm>
+          <a:off x="0" y="0"/>
+          <a:ext cx="0" cy="0"/>
+          <a:chOff x="0" y="0"/>
+          <a:chExt cx="0" cy="0"/>
+        </a:xfrm>
+      </p:grpSpPr>
+      <p:grpSp>
+        <p:nvGrpSpPr>
+          <p:cNvPr id="50" name="Groupe 49"/>
+          <p:cNvGrpSpPr/>
+          <p:nvPr/>
+        </p:nvGrpSpPr>
+        <p:grpSpPr>
+          <a:xfrm>
+            <a:off x="1543854" y="1556792"/>
+            <a:ext cx="2919857" cy="997079"/>
+            <a:chOff x="1543854" y="1556792"/>
+            <a:chExt cx="2919857" cy="997079"/>
+          </a:xfrm>
+        </p:grpSpPr>
+        <p:cxnSp>
+          <p:nvCxnSpPr>
+            <p:cNvPr id="4" name="Connecteur droit 3"/>
+            <p:cNvCxnSpPr/>
+            <p:nvPr/>
+          </p:nvCxnSpPr>
+          <p:spPr>
+            <a:xfrm>
+              <a:off x="2411760" y="1988840"/>
+              <a:ext cx="1440160" cy="0"/>
+            </a:xfrm>
+            <a:prstGeom prst="line">
+              <a:avLst/>
+            </a:prstGeom>
+            <a:ln w="28575">
+              <a:solidFill>
+                <a:srgbClr val="00B050"/>
+              </a:solidFill>
+            </a:ln>
+          </p:spPr>
+          <p:style>
+            <a:lnRef idx="1">
+              <a:schemeClr val="accent1"/>
+            </a:lnRef>
+            <a:fillRef idx="0">
+              <a:schemeClr val="accent1"/>
+            </a:fillRef>
+            <a:effectRef idx="0">
+              <a:schemeClr val="accent1"/>
+            </a:effectRef>
+            <a:fontRef idx="minor">
+              <a:schemeClr val="tx1"/>
+            </a:fontRef>
+          </p:style>
+        </p:cxnSp>
+        <p:cxnSp>
+          <p:nvCxnSpPr>
+            <p:cNvPr id="7" name="Connecteur droit 6"/>
+            <p:cNvCxnSpPr/>
+            <p:nvPr/>
+          </p:nvCxnSpPr>
+          <p:spPr>
+            <a:xfrm flipV="1">
+              <a:off x="2411206" y="1772816"/>
+              <a:ext cx="0" cy="432048"/>
+            </a:xfrm>
+            <a:prstGeom prst="line">
+              <a:avLst/>
+            </a:prstGeom>
+            <a:ln w="28575">
+              <a:solidFill>
+                <a:srgbClr val="00B050"/>
+              </a:solidFill>
+            </a:ln>
+          </p:spPr>
+          <p:style>
+            <a:lnRef idx="1">
+              <a:schemeClr val="accent1"/>
+            </a:lnRef>
+            <a:fillRef idx="0">
+              <a:schemeClr val="accent1"/>
+            </a:fillRef>
+            <a:effectRef idx="0">
+              <a:schemeClr val="accent1"/>
+            </a:effectRef>
+            <a:fontRef idx="minor">
+              <a:schemeClr val="tx1"/>
+            </a:fontRef>
+          </p:style>
+        </p:cxnSp>
+        <p:cxnSp>
+          <p:nvCxnSpPr>
+            <p:cNvPr id="9" name="Connecteur droit 8"/>
+            <p:cNvCxnSpPr/>
+            <p:nvPr/>
+          </p:nvCxnSpPr>
+          <p:spPr>
+            <a:xfrm>
+              <a:off x="1691680" y="1700808"/>
+              <a:ext cx="1440160" cy="0"/>
+            </a:xfrm>
+            <a:prstGeom prst="line">
+              <a:avLst/>
+            </a:prstGeom>
+            <a:ln w="28575">
+              <a:solidFill>
+                <a:srgbClr val="C00000"/>
+              </a:solidFill>
+            </a:ln>
+          </p:spPr>
+          <p:style>
+            <a:lnRef idx="1">
+              <a:schemeClr val="accent1"/>
+            </a:lnRef>
+            <a:fillRef idx="0">
+              <a:schemeClr val="accent1"/>
+            </a:fillRef>
+            <a:effectRef idx="0">
+              <a:schemeClr val="accent1"/>
+            </a:effectRef>
+            <a:fontRef idx="minor">
+              <a:schemeClr val="tx1"/>
+            </a:fontRef>
+          </p:style>
+        </p:cxnSp>
+        <p:cxnSp>
+          <p:nvCxnSpPr>
+            <p:cNvPr id="10" name="Connecteur droit 9"/>
+            <p:cNvCxnSpPr/>
+            <p:nvPr/>
+          </p:nvCxnSpPr>
+          <p:spPr>
+            <a:xfrm>
+              <a:off x="1697604" y="2276872"/>
+              <a:ext cx="1440160" cy="0"/>
+            </a:xfrm>
+            <a:prstGeom prst="line">
+              <a:avLst/>
+            </a:prstGeom>
+            <a:ln w="28575">
+              <a:solidFill>
+                <a:srgbClr val="C00000"/>
+              </a:solidFill>
+            </a:ln>
+          </p:spPr>
+          <p:style>
+            <a:lnRef idx="1">
+              <a:schemeClr val="accent1"/>
+            </a:lnRef>
+            <a:fillRef idx="0">
+              <a:schemeClr val="accent1"/>
+            </a:fillRef>
+            <a:effectRef idx="0">
+              <a:schemeClr val="accent1"/>
+            </a:effectRef>
+            <a:fontRef idx="minor">
+              <a:schemeClr val="tx1"/>
+            </a:fontRef>
+          </p:style>
+        </p:cxnSp>
+        <p:cxnSp>
+          <p:nvCxnSpPr>
+            <p:cNvPr id="12" name="Connecteur droit 11"/>
+            <p:cNvCxnSpPr/>
+            <p:nvPr/>
+          </p:nvCxnSpPr>
+          <p:spPr>
+            <a:xfrm flipV="1">
+              <a:off x="1697603" y="1709530"/>
+              <a:ext cx="1" cy="567342"/>
+            </a:xfrm>
+            <a:prstGeom prst="line">
+              <a:avLst/>
+            </a:prstGeom>
+            <a:ln w="28575">
+              <a:solidFill>
+                <a:srgbClr val="C00000"/>
+              </a:solidFill>
+            </a:ln>
+          </p:spPr>
+          <p:style>
+            <a:lnRef idx="1">
+              <a:schemeClr val="accent1"/>
+            </a:lnRef>
+            <a:fillRef idx="0">
+              <a:schemeClr val="accent1"/>
+            </a:fillRef>
+            <a:effectRef idx="0">
+              <a:schemeClr val="accent1"/>
+            </a:effectRef>
+            <a:fontRef idx="minor">
+              <a:schemeClr val="tx1"/>
+            </a:fontRef>
+          </p:style>
+        </p:cxnSp>
+        <p:cxnSp>
+          <p:nvCxnSpPr>
+            <p:cNvPr id="15" name="Connecteur droit 14"/>
+            <p:cNvCxnSpPr/>
+            <p:nvPr/>
+          </p:nvCxnSpPr>
+          <p:spPr>
+            <a:xfrm flipH="1" flipV="1">
+              <a:off x="3131839" y="1692620"/>
+              <a:ext cx="1" cy="224212"/>
+            </a:xfrm>
+            <a:prstGeom prst="line">
+              <a:avLst/>
+            </a:prstGeom>
+            <a:ln w="28575">
+              <a:solidFill>
+                <a:srgbClr val="C00000"/>
+              </a:solidFill>
+            </a:ln>
+          </p:spPr>
+          <p:style>
+            <a:lnRef idx="1">
+              <a:schemeClr val="accent1"/>
+            </a:lnRef>
+            <a:fillRef idx="0">
+              <a:schemeClr val="accent1"/>
+            </a:fillRef>
+            <a:effectRef idx="0">
+              <a:schemeClr val="accent1"/>
+            </a:effectRef>
+            <a:fontRef idx="minor">
+              <a:schemeClr val="tx1"/>
+            </a:fontRef>
+          </p:style>
+        </p:cxnSp>
+        <p:cxnSp>
+          <p:nvCxnSpPr>
+            <p:cNvPr id="17" name="Connecteur droit 16"/>
+            <p:cNvCxnSpPr/>
+            <p:nvPr/>
+          </p:nvCxnSpPr>
+          <p:spPr>
+            <a:xfrm flipH="1" flipV="1">
+              <a:off x="3131838" y="2052660"/>
+              <a:ext cx="1" cy="224212"/>
+            </a:xfrm>
+            <a:prstGeom prst="line">
+              <a:avLst/>
+            </a:prstGeom>
+            <a:ln w="28575">
+              <a:solidFill>
+                <a:srgbClr val="C00000"/>
+              </a:solidFill>
+            </a:ln>
+          </p:spPr>
+          <p:style>
+            <a:lnRef idx="1">
+              <a:schemeClr val="accent1"/>
+            </a:lnRef>
+            <a:fillRef idx="0">
+              <a:schemeClr val="accent1"/>
+            </a:fillRef>
+            <a:effectRef idx="0">
+              <a:schemeClr val="accent1"/>
+            </a:effectRef>
+            <a:fontRef idx="minor">
+              <a:schemeClr val="tx1"/>
+            </a:fontRef>
+          </p:style>
+        </p:cxnSp>
+        <p:sp>
+          <p:nvSpPr>
+            <p:cNvPr id="18" name="ZoneTexte 17"/>
+            <p:cNvSpPr txBox="1"/>
+            <p:nvPr/>
+          </p:nvSpPr>
+          <p:spPr>
+            <a:xfrm>
+              <a:off x="1691126" y="2276872"/>
+              <a:ext cx="1440160" cy="276999"/>
+            </a:xfrm>
+            <a:prstGeom prst="rect">
+              <a:avLst/>
+            </a:prstGeom>
+            <a:noFill/>
+          </p:spPr>
+          <p:txBody>
+            <a:bodyPr wrap="square" rtlCol="0">
+              <a:spAutoFit/>
+            </a:bodyPr>
+            <a:lstStyle/>
+            <a:p>
+              <a:pPr algn="ctr"/>
+              <a:r>
+                <a:rPr lang="fr-FR" sz="1200" dirty="0" smtClean="0"/>
+                <a:t>Phase d’ouverture</a:t>
+              </a:r>
+              <a:endParaRPr lang="fr-FR" sz="1200" dirty="0"/>
+            </a:p>
+          </p:txBody>
+        </p:sp>
+        <p:cxnSp>
+          <p:nvCxnSpPr>
+            <p:cNvPr id="19" name="Connecteur droit 18"/>
+            <p:cNvCxnSpPr/>
+            <p:nvPr/>
+          </p:nvCxnSpPr>
+          <p:spPr>
+            <a:xfrm flipH="1" flipV="1">
+              <a:off x="3851920" y="1988840"/>
+              <a:ext cx="423664" cy="0"/>
+            </a:xfrm>
+            <a:prstGeom prst="line">
+              <a:avLst/>
+            </a:prstGeom>
+            <a:ln w="28575" cmpd="dbl">
+              <a:solidFill>
+                <a:srgbClr val="00B050"/>
+              </a:solidFill>
+              <a:tailEnd type="stealth" w="med" len="lg"/>
+            </a:ln>
+          </p:spPr>
+          <p:style>
+            <a:lnRef idx="1">
+              <a:schemeClr val="accent1"/>
+            </a:lnRef>
+            <a:fillRef idx="0">
+              <a:schemeClr val="accent1"/>
+            </a:fillRef>
+            <a:effectRef idx="0">
+              <a:schemeClr val="accent1"/>
+            </a:effectRef>
+            <a:fontRef idx="minor">
+              <a:schemeClr val="tx1"/>
+            </a:fontRef>
+          </p:style>
+        </p:cxnSp>
+        <p:sp>
+          <p:nvSpPr>
+            <p:cNvPr id="22" name="ZoneTexte 21"/>
+            <p:cNvSpPr txBox="1"/>
+            <p:nvPr/>
+          </p:nvSpPr>
+          <p:spPr>
+            <a:xfrm>
+              <a:off x="3663793" y="1556792"/>
+              <a:ext cx="799918" cy="400110"/>
+            </a:xfrm>
+            <a:prstGeom prst="rect">
+              <a:avLst/>
+            </a:prstGeom>
+            <a:noFill/>
+          </p:spPr>
+          <p:txBody>
+            <a:bodyPr wrap="square" rtlCol="0">
+              <a:spAutoFit/>
+            </a:bodyPr>
+            <a:lstStyle/>
+            <a:p>
+              <a:pPr algn="ctr"/>
+              <a:r>
+                <a:rPr lang="fr-FR" sz="1000" dirty="0" smtClean="0"/>
+                <a:t>Action hayon</a:t>
+              </a:r>
+              <a:endParaRPr lang="fr-FR" sz="1000" dirty="0"/>
+            </a:p>
+          </p:txBody>
+        </p:sp>
+        <p:cxnSp>
+          <p:nvCxnSpPr>
+            <p:cNvPr id="26" name="Connecteur droit 25"/>
+            <p:cNvCxnSpPr/>
+            <p:nvPr/>
+          </p:nvCxnSpPr>
+          <p:spPr>
+            <a:xfrm flipV="1">
+              <a:off x="1907704" y="1988840"/>
+              <a:ext cx="423664" cy="0"/>
+            </a:xfrm>
+            <a:prstGeom prst="line">
+              <a:avLst/>
+            </a:prstGeom>
+            <a:ln w="28575" cmpd="dbl">
+              <a:solidFill>
+                <a:srgbClr val="00B050"/>
+              </a:solidFill>
+              <a:tailEnd type="stealth" w="med" len="lg"/>
+            </a:ln>
+          </p:spPr>
+          <p:style>
+            <a:lnRef idx="1">
+              <a:schemeClr val="accent1"/>
+            </a:lnRef>
+            <a:fillRef idx="0">
+              <a:schemeClr val="accent1"/>
+            </a:fillRef>
+            <a:effectRef idx="0">
+              <a:schemeClr val="accent1"/>
+            </a:effectRef>
+            <a:fontRef idx="minor">
+              <a:schemeClr val="tx1"/>
+            </a:fontRef>
+          </p:style>
+        </p:cxnSp>
+        <p:sp>
+          <p:nvSpPr>
+            <p:cNvPr id="27" name="ZoneTexte 26"/>
+            <p:cNvSpPr txBox="1"/>
+            <p:nvPr/>
+          </p:nvSpPr>
+          <p:spPr>
+            <a:xfrm>
+              <a:off x="1543854" y="1645508"/>
+              <a:ext cx="799918" cy="400110"/>
+            </a:xfrm>
+            <a:prstGeom prst="rect">
+              <a:avLst/>
+            </a:prstGeom>
+            <a:noFill/>
+          </p:spPr>
+          <p:txBody>
+            <a:bodyPr wrap="square" rtlCol="0">
+              <a:spAutoFit/>
+            </a:bodyPr>
+            <a:lstStyle/>
+            <a:p>
+              <a:pPr algn="ctr"/>
+              <a:r>
+                <a:rPr lang="fr-FR" sz="1000" dirty="0" smtClean="0"/>
+                <a:t>Action moteur</a:t>
+              </a:r>
+              <a:endParaRPr lang="fr-FR" sz="1000" dirty="0"/>
+            </a:p>
+          </p:txBody>
+        </p:sp>
+        <p:cxnSp>
+          <p:nvCxnSpPr>
+            <p:cNvPr id="29" name="Connecteur droit 28"/>
+            <p:cNvCxnSpPr/>
+            <p:nvPr/>
+          </p:nvCxnSpPr>
+          <p:spPr>
+            <a:xfrm flipH="1" flipV="1">
+              <a:off x="2555776" y="1941781"/>
+              <a:ext cx="423664" cy="0"/>
+            </a:xfrm>
+            <a:prstGeom prst="line">
+              <a:avLst/>
+            </a:prstGeom>
+            <a:ln w="28575" cmpd="dbl">
+              <a:solidFill>
+                <a:srgbClr val="C00000"/>
+              </a:solidFill>
+              <a:tailEnd type="stealth" w="med" len="lg"/>
+            </a:ln>
+          </p:spPr>
+          <p:style>
+            <a:lnRef idx="1">
+              <a:schemeClr val="accent1"/>
+            </a:lnRef>
+            <a:fillRef idx="0">
+              <a:schemeClr val="accent1"/>
+            </a:fillRef>
+            <a:effectRef idx="0">
+              <a:schemeClr val="accent1"/>
+            </a:effectRef>
+            <a:fontRef idx="minor">
+              <a:schemeClr val="tx1"/>
+            </a:fontRef>
+          </p:style>
+        </p:cxnSp>
+        <p:sp>
+          <p:nvSpPr>
+            <p:cNvPr id="30" name="ZoneTexte 29"/>
+            <p:cNvSpPr txBox="1"/>
+            <p:nvPr/>
+          </p:nvSpPr>
+          <p:spPr>
+            <a:xfrm>
+              <a:off x="2367649" y="1640230"/>
+              <a:ext cx="799918" cy="338554"/>
+            </a:xfrm>
+            <a:prstGeom prst="rect">
+              <a:avLst/>
+            </a:prstGeom>
+            <a:noFill/>
+          </p:spPr>
+          <p:txBody>
+            <a:bodyPr wrap="square" rtlCol="0">
+              <a:spAutoFit/>
+            </a:bodyPr>
+            <a:lstStyle/>
+            <a:p>
+              <a:pPr algn="ctr"/>
+              <a:r>
+                <a:rPr lang="fr-FR" sz="800" dirty="0" smtClean="0"/>
+                <a:t>Action frottement</a:t>
+              </a:r>
+              <a:endParaRPr lang="fr-FR" sz="800" dirty="0"/>
+            </a:p>
+          </p:txBody>
+        </p:sp>
+        <p:cxnSp>
+          <p:nvCxnSpPr>
+            <p:cNvPr id="31" name="Connecteur droit 30"/>
+            <p:cNvCxnSpPr/>
+            <p:nvPr/>
+          </p:nvCxnSpPr>
+          <p:spPr>
+            <a:xfrm flipV="1">
+              <a:off x="2555776" y="2045618"/>
+              <a:ext cx="423664" cy="0"/>
+            </a:xfrm>
+            <a:prstGeom prst="line">
+              <a:avLst/>
+            </a:prstGeom>
+            <a:ln w="28575" cmpd="dbl">
+              <a:solidFill>
+                <a:srgbClr val="C00000"/>
+              </a:solidFill>
+              <a:tailEnd type="stealth" w="med" len="lg"/>
+            </a:ln>
+          </p:spPr>
+          <p:style>
+            <a:lnRef idx="1">
+              <a:schemeClr val="accent1"/>
+            </a:lnRef>
+            <a:fillRef idx="0">
+              <a:schemeClr val="accent1"/>
+            </a:fillRef>
+            <a:effectRef idx="0">
+              <a:schemeClr val="accent1"/>
+            </a:effectRef>
+            <a:fontRef idx="minor">
+              <a:schemeClr val="tx1"/>
+            </a:fontRef>
+          </p:style>
+        </p:cxnSp>
+        <p:sp>
+          <p:nvSpPr>
+            <p:cNvPr id="32" name="ZoneTexte 31"/>
+            <p:cNvSpPr txBox="1"/>
+            <p:nvPr/>
+          </p:nvSpPr>
+          <p:spPr>
+            <a:xfrm>
+              <a:off x="2367649" y="2058447"/>
+              <a:ext cx="799918" cy="215444"/>
+            </a:xfrm>
+            <a:prstGeom prst="rect">
+              <a:avLst/>
+            </a:prstGeom>
+            <a:noFill/>
+          </p:spPr>
+          <p:txBody>
+            <a:bodyPr wrap="square" rtlCol="0">
+              <a:spAutoFit/>
+            </a:bodyPr>
+            <a:lstStyle/>
+            <a:p>
+              <a:pPr algn="ctr"/>
+              <a:r>
+                <a:rPr lang="fr-FR" sz="800" dirty="0" smtClean="0"/>
+                <a:t>Action ressort</a:t>
+              </a:r>
+              <a:endParaRPr lang="fr-FR" sz="800" dirty="0"/>
+            </a:p>
+          </p:txBody>
+        </p:sp>
+      </p:grpSp>
+      <p:grpSp>
+        <p:nvGrpSpPr>
+          <p:cNvPr id="49" name="Groupe 48"/>
+          <p:cNvGrpSpPr/>
+          <p:nvPr/>
+        </p:nvGrpSpPr>
+        <p:grpSpPr>
+          <a:xfrm>
+            <a:off x="4316439" y="1556792"/>
+            <a:ext cx="2919857" cy="1010085"/>
+            <a:chOff x="1543854" y="2874434"/>
+            <a:chExt cx="2919857" cy="1010085"/>
+          </a:xfrm>
+        </p:grpSpPr>
+        <p:sp>
+          <p:nvSpPr>
+            <p:cNvPr id="44" name="ZoneTexte 43"/>
+            <p:cNvSpPr txBox="1"/>
+            <p:nvPr/>
+          </p:nvSpPr>
+          <p:spPr>
+            <a:xfrm>
+              <a:off x="1543854" y="2963150"/>
+              <a:ext cx="799918" cy="400110"/>
+            </a:xfrm>
+            <a:prstGeom prst="rect">
+              <a:avLst/>
+            </a:prstGeom>
+            <a:noFill/>
+          </p:spPr>
+          <p:txBody>
+            <a:bodyPr wrap="square" rtlCol="0">
+              <a:spAutoFit/>
+            </a:bodyPr>
+            <a:lstStyle/>
+            <a:p>
+              <a:pPr algn="ctr"/>
+              <a:r>
+                <a:rPr lang="fr-FR" sz="1000" dirty="0" smtClean="0"/>
+                <a:t>Action moteur</a:t>
+              </a:r>
+              <a:endParaRPr lang="fr-FR" sz="1000" dirty="0"/>
+            </a:p>
+          </p:txBody>
+        </p:sp>
+        <p:cxnSp>
+          <p:nvCxnSpPr>
+            <p:cNvPr id="33" name="Connecteur droit 32"/>
+            <p:cNvCxnSpPr/>
+            <p:nvPr/>
+          </p:nvCxnSpPr>
+          <p:spPr>
+            <a:xfrm>
+              <a:off x="2411760" y="3306482"/>
+              <a:ext cx="1440160" cy="0"/>
+            </a:xfrm>
+            <a:prstGeom prst="line">
+              <a:avLst/>
+            </a:prstGeom>
+            <a:ln w="28575">
+              <a:solidFill>
+                <a:srgbClr val="00B050"/>
+              </a:solidFill>
+            </a:ln>
+          </p:spPr>
+          <p:style>
+            <a:lnRef idx="1">
+              <a:schemeClr val="accent1"/>
+            </a:lnRef>
+            <a:fillRef idx="0">
+              <a:schemeClr val="accent1"/>
+            </a:fillRef>
+            <a:effectRef idx="0">
+              <a:schemeClr val="accent1"/>
+            </a:effectRef>
+            <a:fontRef idx="minor">
+              <a:schemeClr val="tx1"/>
+            </a:fontRef>
+          </p:style>
+        </p:cxnSp>
+        <p:cxnSp>
+          <p:nvCxnSpPr>
+            <p:cNvPr id="34" name="Connecteur droit 33"/>
+            <p:cNvCxnSpPr/>
+            <p:nvPr/>
+          </p:nvCxnSpPr>
+          <p:spPr>
+            <a:xfrm flipV="1">
+              <a:off x="2411206" y="3090458"/>
+              <a:ext cx="0" cy="432048"/>
+            </a:xfrm>
+            <a:prstGeom prst="line">
+              <a:avLst/>
+            </a:prstGeom>
+            <a:ln w="28575">
+              <a:solidFill>
+                <a:srgbClr val="00B050"/>
+              </a:solidFill>
+            </a:ln>
+          </p:spPr>
+          <p:style>
+            <a:lnRef idx="1">
+              <a:schemeClr val="accent1"/>
+            </a:lnRef>
+            <a:fillRef idx="0">
+              <a:schemeClr val="accent1"/>
+            </a:fillRef>
+            <a:effectRef idx="0">
+              <a:schemeClr val="accent1"/>
+            </a:effectRef>
+            <a:fontRef idx="minor">
+              <a:schemeClr val="tx1"/>
+            </a:fontRef>
+          </p:style>
+        </p:cxnSp>
+        <p:cxnSp>
+          <p:nvCxnSpPr>
+            <p:cNvPr id="35" name="Connecteur droit 34"/>
+            <p:cNvCxnSpPr/>
+            <p:nvPr/>
+          </p:nvCxnSpPr>
+          <p:spPr>
+            <a:xfrm>
+              <a:off x="1691680" y="3018450"/>
+              <a:ext cx="1440160" cy="0"/>
+            </a:xfrm>
+            <a:prstGeom prst="line">
+              <a:avLst/>
+            </a:prstGeom>
+            <a:ln w="28575">
+              <a:solidFill>
+                <a:srgbClr val="C00000"/>
+              </a:solidFill>
+            </a:ln>
+          </p:spPr>
+          <p:style>
+            <a:lnRef idx="1">
+              <a:schemeClr val="accent1"/>
+            </a:lnRef>
+            <a:fillRef idx="0">
+              <a:schemeClr val="accent1"/>
+            </a:fillRef>
+            <a:effectRef idx="0">
+              <a:schemeClr val="accent1"/>
+            </a:effectRef>
+            <a:fontRef idx="minor">
+              <a:schemeClr val="tx1"/>
+            </a:fontRef>
+          </p:style>
+        </p:cxnSp>
+        <p:cxnSp>
+          <p:nvCxnSpPr>
+            <p:cNvPr id="36" name="Connecteur droit 35"/>
+            <p:cNvCxnSpPr/>
+            <p:nvPr/>
+          </p:nvCxnSpPr>
+          <p:spPr>
+            <a:xfrm>
+              <a:off x="1697604" y="3594514"/>
+              <a:ext cx="1440160" cy="0"/>
+            </a:xfrm>
+            <a:prstGeom prst="line">
+              <a:avLst/>
+            </a:prstGeom>
+            <a:ln w="28575">
+              <a:solidFill>
+                <a:srgbClr val="C00000"/>
+              </a:solidFill>
+            </a:ln>
+          </p:spPr>
+          <p:style>
+            <a:lnRef idx="1">
+              <a:schemeClr val="accent1"/>
+            </a:lnRef>
+            <a:fillRef idx="0">
+              <a:schemeClr val="accent1"/>
+            </a:fillRef>
+            <a:effectRef idx="0">
+              <a:schemeClr val="accent1"/>
+            </a:effectRef>
+            <a:fontRef idx="minor">
+              <a:schemeClr val="tx1"/>
+            </a:fontRef>
+          </p:style>
+        </p:cxnSp>
+        <p:cxnSp>
+          <p:nvCxnSpPr>
+            <p:cNvPr id="37" name="Connecteur droit 36"/>
+            <p:cNvCxnSpPr/>
+            <p:nvPr/>
+          </p:nvCxnSpPr>
+          <p:spPr>
+            <a:xfrm flipV="1">
+              <a:off x="1697603" y="3027172"/>
+              <a:ext cx="1" cy="567342"/>
+            </a:xfrm>
+            <a:prstGeom prst="line">
+              <a:avLst/>
+            </a:prstGeom>
+            <a:ln w="28575">
+              <a:solidFill>
+                <a:srgbClr val="C00000"/>
+              </a:solidFill>
+            </a:ln>
+          </p:spPr>
+          <p:style>
+            <a:lnRef idx="1">
+              <a:schemeClr val="accent1"/>
+            </a:lnRef>
+            <a:fillRef idx="0">
+              <a:schemeClr val="accent1"/>
+            </a:fillRef>
+            <a:effectRef idx="0">
+              <a:schemeClr val="accent1"/>
+            </a:effectRef>
+            <a:fontRef idx="minor">
+              <a:schemeClr val="tx1"/>
+            </a:fontRef>
+          </p:style>
+        </p:cxnSp>
+        <p:cxnSp>
+          <p:nvCxnSpPr>
+            <p:cNvPr id="38" name="Connecteur droit 37"/>
+            <p:cNvCxnSpPr/>
+            <p:nvPr/>
+          </p:nvCxnSpPr>
+          <p:spPr>
+            <a:xfrm flipH="1" flipV="1">
+              <a:off x="3131839" y="3010262"/>
+              <a:ext cx="1" cy="224212"/>
+            </a:xfrm>
+            <a:prstGeom prst="line">
+              <a:avLst/>
+            </a:prstGeom>
+            <a:ln w="28575">
+              <a:solidFill>
+                <a:srgbClr val="C00000"/>
+              </a:solidFill>
+            </a:ln>
+          </p:spPr>
+          <p:style>
+            <a:lnRef idx="1">
+              <a:schemeClr val="accent1"/>
+            </a:lnRef>
+            <a:fillRef idx="0">
+              <a:schemeClr val="accent1"/>
+            </a:fillRef>
+            <a:effectRef idx="0">
+              <a:schemeClr val="accent1"/>
+            </a:effectRef>
+            <a:fontRef idx="minor">
+              <a:schemeClr val="tx1"/>
+            </a:fontRef>
+          </p:style>
+        </p:cxnSp>
+        <p:cxnSp>
+          <p:nvCxnSpPr>
+            <p:cNvPr id="39" name="Connecteur droit 38"/>
+            <p:cNvCxnSpPr/>
+            <p:nvPr/>
+          </p:nvCxnSpPr>
+          <p:spPr>
+            <a:xfrm flipH="1" flipV="1">
+              <a:off x="3131838" y="3370302"/>
+              <a:ext cx="1" cy="224212"/>
+            </a:xfrm>
+            <a:prstGeom prst="line">
+              <a:avLst/>
+            </a:prstGeom>
+            <a:ln w="28575">
+              <a:solidFill>
+                <a:srgbClr val="C00000"/>
+              </a:solidFill>
+            </a:ln>
+          </p:spPr>
+          <p:style>
+            <a:lnRef idx="1">
+              <a:schemeClr val="accent1"/>
+            </a:lnRef>
+            <a:fillRef idx="0">
+              <a:schemeClr val="accent1"/>
+            </a:fillRef>
+            <a:effectRef idx="0">
+              <a:schemeClr val="accent1"/>
+            </a:effectRef>
+            <a:fontRef idx="minor">
+              <a:schemeClr val="tx1"/>
+            </a:fontRef>
+          </p:style>
+        </p:cxnSp>
+        <p:sp>
+          <p:nvSpPr>
+            <p:cNvPr id="40" name="ZoneTexte 39"/>
+            <p:cNvSpPr txBox="1"/>
+            <p:nvPr/>
+          </p:nvSpPr>
+          <p:spPr>
+            <a:xfrm>
+              <a:off x="1691126" y="3607520"/>
+              <a:ext cx="1440160" cy="276999"/>
+            </a:xfrm>
+            <a:prstGeom prst="rect">
+              <a:avLst/>
+            </a:prstGeom>
+            <a:noFill/>
+          </p:spPr>
+          <p:txBody>
+            <a:bodyPr wrap="square" rtlCol="0">
+              <a:spAutoFit/>
+            </a:bodyPr>
+            <a:lstStyle/>
+            <a:p>
+              <a:pPr algn="ctr"/>
+              <a:r>
+                <a:rPr lang="fr-FR" sz="1200" dirty="0" smtClean="0"/>
+                <a:t>Phase de fermeture</a:t>
+              </a:r>
+              <a:endParaRPr lang="fr-FR" sz="1200" dirty="0"/>
+            </a:p>
+          </p:txBody>
+        </p:sp>
+        <p:cxnSp>
+          <p:nvCxnSpPr>
+            <p:cNvPr id="41" name="Connecteur droit 40"/>
+            <p:cNvCxnSpPr/>
+            <p:nvPr/>
+          </p:nvCxnSpPr>
+          <p:spPr>
+            <a:xfrm flipH="1" flipV="1">
+              <a:off x="3851920" y="3306482"/>
+              <a:ext cx="423664" cy="0"/>
+            </a:xfrm>
+            <a:prstGeom prst="line">
+              <a:avLst/>
+            </a:prstGeom>
+            <a:ln w="28575" cmpd="dbl">
+              <a:solidFill>
+                <a:srgbClr val="00B050"/>
+              </a:solidFill>
+              <a:tailEnd type="stealth" w="med" len="lg"/>
+            </a:ln>
+          </p:spPr>
+          <p:style>
+            <a:lnRef idx="1">
+              <a:schemeClr val="accent1"/>
+            </a:lnRef>
+            <a:fillRef idx="0">
+              <a:schemeClr val="accent1"/>
+            </a:fillRef>
+            <a:effectRef idx="0">
+              <a:schemeClr val="accent1"/>
+            </a:effectRef>
+            <a:fontRef idx="minor">
+              <a:schemeClr val="tx1"/>
+            </a:fontRef>
+          </p:style>
+        </p:cxnSp>
+        <p:sp>
+          <p:nvSpPr>
+            <p:cNvPr id="42" name="ZoneTexte 41"/>
+            <p:cNvSpPr txBox="1"/>
+            <p:nvPr/>
+          </p:nvSpPr>
+          <p:spPr>
+            <a:xfrm>
+              <a:off x="3663793" y="2874434"/>
+              <a:ext cx="799918" cy="400110"/>
+            </a:xfrm>
+            <a:prstGeom prst="rect">
+              <a:avLst/>
+            </a:prstGeom>
+            <a:noFill/>
+          </p:spPr>
+          <p:txBody>
+            <a:bodyPr wrap="square" rtlCol="0">
+              <a:spAutoFit/>
+            </a:bodyPr>
+            <a:lstStyle/>
+            <a:p>
+              <a:pPr algn="ctr"/>
+              <a:r>
+                <a:rPr lang="fr-FR" sz="1000" dirty="0" smtClean="0"/>
+                <a:t>Action hayon</a:t>
+              </a:r>
+              <a:endParaRPr lang="fr-FR" sz="1000" dirty="0"/>
+            </a:p>
+          </p:txBody>
+        </p:sp>
+        <p:cxnSp>
+          <p:nvCxnSpPr>
+            <p:cNvPr id="43" name="Connecteur droit 42"/>
+            <p:cNvCxnSpPr/>
+            <p:nvPr/>
+          </p:nvCxnSpPr>
+          <p:spPr>
+            <a:xfrm flipH="1" flipV="1">
+              <a:off x="1907704" y="3306482"/>
+              <a:ext cx="423664" cy="0"/>
+            </a:xfrm>
+            <a:prstGeom prst="line">
+              <a:avLst/>
+            </a:prstGeom>
+            <a:ln w="28575" cmpd="dbl">
+              <a:solidFill>
+                <a:srgbClr val="00B050"/>
+              </a:solidFill>
+              <a:tailEnd type="stealth" w="med" len="lg"/>
+            </a:ln>
+          </p:spPr>
+          <p:style>
+            <a:lnRef idx="1">
+              <a:schemeClr val="accent1"/>
+            </a:lnRef>
+            <a:fillRef idx="0">
+              <a:schemeClr val="accent1"/>
+            </a:fillRef>
+            <a:effectRef idx="0">
+              <a:schemeClr val="accent1"/>
+            </a:effectRef>
+            <a:fontRef idx="minor">
+              <a:schemeClr val="tx1"/>
+            </a:fontRef>
+          </p:style>
+        </p:cxnSp>
+        <p:cxnSp>
+          <p:nvCxnSpPr>
+            <p:cNvPr id="45" name="Connecteur droit 44"/>
+            <p:cNvCxnSpPr/>
+            <p:nvPr/>
+          </p:nvCxnSpPr>
+          <p:spPr>
+            <a:xfrm flipV="1">
+              <a:off x="2555776" y="3259423"/>
+              <a:ext cx="423664" cy="0"/>
+            </a:xfrm>
+            <a:prstGeom prst="line">
+              <a:avLst/>
+            </a:prstGeom>
+            <a:ln w="28575" cmpd="dbl">
+              <a:solidFill>
+                <a:srgbClr val="C00000"/>
+              </a:solidFill>
+              <a:tailEnd type="stealth" w="med" len="lg"/>
+            </a:ln>
+          </p:spPr>
+          <p:style>
+            <a:lnRef idx="1">
+              <a:schemeClr val="accent1"/>
+            </a:lnRef>
+            <a:fillRef idx="0">
+              <a:schemeClr val="accent1"/>
+            </a:fillRef>
+            <a:effectRef idx="0">
+              <a:schemeClr val="accent1"/>
+            </a:effectRef>
+            <a:fontRef idx="minor">
+              <a:schemeClr val="tx1"/>
+            </a:fontRef>
+          </p:style>
+        </p:cxnSp>
+        <p:sp>
+          <p:nvSpPr>
+            <p:cNvPr id="46" name="ZoneTexte 45"/>
+            <p:cNvSpPr txBox="1"/>
+            <p:nvPr/>
+          </p:nvSpPr>
+          <p:spPr>
+            <a:xfrm>
+              <a:off x="2367649" y="2957872"/>
+              <a:ext cx="799918" cy="338554"/>
+            </a:xfrm>
+            <a:prstGeom prst="rect">
+              <a:avLst/>
+            </a:prstGeom>
+            <a:noFill/>
+          </p:spPr>
+          <p:txBody>
+            <a:bodyPr wrap="square" rtlCol="0">
+              <a:spAutoFit/>
+            </a:bodyPr>
+            <a:lstStyle/>
+            <a:p>
+              <a:pPr algn="ctr"/>
+              <a:r>
+                <a:rPr lang="fr-FR" sz="800" dirty="0" smtClean="0"/>
+                <a:t>Action frottement</a:t>
+              </a:r>
+              <a:endParaRPr lang="fr-FR" sz="800" dirty="0"/>
+            </a:p>
+          </p:txBody>
+        </p:sp>
+        <p:cxnSp>
+          <p:nvCxnSpPr>
+            <p:cNvPr id="47" name="Connecteur droit 46"/>
+            <p:cNvCxnSpPr/>
+            <p:nvPr/>
+          </p:nvCxnSpPr>
+          <p:spPr>
+            <a:xfrm flipV="1">
+              <a:off x="2555776" y="3363260"/>
+              <a:ext cx="423664" cy="0"/>
+            </a:xfrm>
+            <a:prstGeom prst="line">
+              <a:avLst/>
+            </a:prstGeom>
+            <a:ln w="28575" cmpd="dbl">
+              <a:solidFill>
+                <a:srgbClr val="C00000"/>
+              </a:solidFill>
+              <a:tailEnd type="stealth" w="med" len="lg"/>
+            </a:ln>
+          </p:spPr>
+          <p:style>
+            <a:lnRef idx="1">
+              <a:schemeClr val="accent1"/>
+            </a:lnRef>
+            <a:fillRef idx="0">
+              <a:schemeClr val="accent1"/>
+            </a:fillRef>
+            <a:effectRef idx="0">
+              <a:schemeClr val="accent1"/>
+            </a:effectRef>
+            <a:fontRef idx="minor">
+              <a:schemeClr val="tx1"/>
+            </a:fontRef>
+          </p:style>
+        </p:cxnSp>
+        <p:sp>
+          <p:nvSpPr>
+            <p:cNvPr id="48" name="ZoneTexte 47"/>
+            <p:cNvSpPr txBox="1"/>
+            <p:nvPr/>
+          </p:nvSpPr>
+          <p:spPr>
+            <a:xfrm>
+              <a:off x="2367649" y="3376089"/>
+              <a:ext cx="799918" cy="215444"/>
+            </a:xfrm>
+            <a:prstGeom prst="rect">
+              <a:avLst/>
+            </a:prstGeom>
+            <a:noFill/>
+          </p:spPr>
+          <p:txBody>
+            <a:bodyPr wrap="square" rtlCol="0">
+              <a:spAutoFit/>
+            </a:bodyPr>
+            <a:lstStyle/>
+            <a:p>
+              <a:pPr algn="ctr"/>
+              <a:r>
+                <a:rPr lang="fr-FR" sz="800" dirty="0" smtClean="0"/>
+                <a:t>Action ressort</a:t>
+              </a:r>
+              <a:endParaRPr lang="fr-FR" sz="800" dirty="0"/>
+            </a:p>
+          </p:txBody>
+        </p:sp>
+      </p:grpSp>
     </p:spTree>
     <p:extLst>
       <p:ext uri="{BB962C8B-B14F-4D97-AF65-F5344CB8AC3E}">
@@ -9612,7 +11707,7 @@
 </p:sld>
 </file>
 
-<file path=ppt/slides/slide5.xml><?xml version="1.0" encoding="utf-8"?>
+<file path=ppt/slides/slide6.xml><?xml version="1.0" encoding="utf-8"?>
 <p:sld xmlns:a="http://schemas.openxmlformats.org/drawingml/2006/main" xmlns:r="http://schemas.openxmlformats.org/officeDocument/2006/relationships" xmlns:p="http://schemas.openxmlformats.org/presentationml/2006/main">
   <p:cSld>
     <p:spTree>
@@ -13494,7 +15589,7 @@
 </p:sld>
 </file>
 
-<file path=ppt/slides/slide6.xml><?xml version="1.0" encoding="utf-8"?>
+<file path=ppt/slides/slide7.xml><?xml version="1.0" encoding="utf-8"?>
 <p:sld xmlns:a="http://schemas.openxmlformats.org/drawingml/2006/main" xmlns:r="http://schemas.openxmlformats.org/officeDocument/2006/relationships" xmlns:p="http://schemas.openxmlformats.org/presentationml/2006/main">
   <p:cSld>
     <p:spTree>
@@ -14107,7 +16202,7 @@
 </p:sld>
 </file>
 
-<file path=ppt/slides/slide7.xml><?xml version="1.0" encoding="utf-8"?>
+<file path=ppt/slides/slide8.xml><?xml version="1.0" encoding="utf-8"?>
 <p:sld xmlns:a="http://schemas.openxmlformats.org/drawingml/2006/main" xmlns:r="http://schemas.openxmlformats.org/officeDocument/2006/relationships" xmlns:p="http://schemas.openxmlformats.org/presentationml/2006/main">
   <p:cSld>
     <p:spTree>
@@ -14956,7 +17051,7 @@
 </p:sld>
 </file>
 
-<file path=ppt/slides/slide8.xml><?xml version="1.0" encoding="utf-8"?>
+<file path=ppt/slides/slide9.xml><?xml version="1.0" encoding="utf-8"?>
 <p:sld xmlns:a="http://schemas.openxmlformats.org/drawingml/2006/main" xmlns:r="http://schemas.openxmlformats.org/officeDocument/2006/relationships" xmlns:p="http://schemas.openxmlformats.org/presentationml/2006/main">
   <p:cSld>
     <p:spTree>
@@ -15619,899 +17714,6 @@
 </p:sld>
 </file>
 
-<file path=ppt/slides/slide9.xml><?xml version="1.0" encoding="utf-8"?>
-<p:sld xmlns:a="http://schemas.openxmlformats.org/drawingml/2006/main" xmlns:r="http://schemas.openxmlformats.org/officeDocument/2006/relationships" xmlns:p="http://schemas.openxmlformats.org/presentationml/2006/main">
-  <p:cSld>
-    <p:spTree>
-      <p:nvGrpSpPr>
-        <p:cNvPr id="1" name=""/>
-        <p:cNvGrpSpPr/>
-        <p:nvPr/>
-      </p:nvGrpSpPr>
-      <p:grpSpPr>
-        <a:xfrm>
-          <a:off x="0" y="0"/>
-          <a:ext cx="0" cy="0"/>
-          <a:chOff x="0" y="0"/>
-          <a:chExt cx="0" cy="0"/>
-        </a:xfrm>
-      </p:grpSpPr>
-      <p:sp>
-        <p:nvSpPr>
-          <p:cNvPr id="5" name="Rectangle 4"/>
-          <p:cNvSpPr/>
-          <p:nvPr/>
-        </p:nvSpPr>
-        <p:spPr>
-          <a:xfrm>
-            <a:off x="971600" y="1628800"/>
-            <a:ext cx="1440160" cy="288032"/>
-          </a:xfrm>
-          <a:prstGeom prst="rect">
-            <a:avLst/>
-          </a:prstGeom>
-          <a:solidFill>
-            <a:schemeClr val="accent5">
-              <a:lumMod val="20000"/>
-              <a:lumOff val="80000"/>
-            </a:schemeClr>
-          </a:solidFill>
-          <a:ln w="9525">
-            <a:solidFill>
-              <a:schemeClr val="accent5">
-                <a:lumMod val="50000"/>
-              </a:schemeClr>
-            </a:solidFill>
-          </a:ln>
-        </p:spPr>
-        <p:style>
-          <a:lnRef idx="2">
-            <a:schemeClr val="accent1">
-              <a:shade val="50000"/>
-            </a:schemeClr>
-          </a:lnRef>
-          <a:fillRef idx="1">
-            <a:schemeClr val="accent1"/>
-          </a:fillRef>
-          <a:effectRef idx="0">
-            <a:schemeClr val="accent1"/>
-          </a:effectRef>
-          <a:fontRef idx="minor">
-            <a:schemeClr val="lt1"/>
-          </a:fontRef>
-        </p:style>
-        <p:txBody>
-          <a:bodyPr rtlCol="0" anchor="ctr"/>
-          <a:lstStyle/>
-          <a:p>
-            <a:pPr algn="ctr"/>
-            <a:r>
-              <a:rPr lang="fr-FR" sz="1000" dirty="0" smtClean="0">
-                <a:solidFill>
-                  <a:sysClr val="windowText" lastClr="000000"/>
-                </a:solidFill>
-              </a:rPr>
-              <a:t>Domaine du client</a:t>
-            </a:r>
-            <a:endParaRPr lang="fr-FR" sz="1000" dirty="0">
-              <a:solidFill>
-                <a:sysClr val="windowText" lastClr="000000"/>
-              </a:solidFill>
-            </a:endParaRPr>
-          </a:p>
-        </p:txBody>
-      </p:sp>
-      <p:sp>
-        <p:nvSpPr>
-          <p:cNvPr id="6" name="Rectangle 5"/>
-          <p:cNvSpPr/>
-          <p:nvPr/>
-        </p:nvSpPr>
-        <p:spPr>
-          <a:xfrm>
-            <a:off x="971600" y="1988840"/>
-            <a:ext cx="1440160" cy="1512168"/>
-          </a:xfrm>
-          <a:prstGeom prst="rect">
-            <a:avLst/>
-          </a:prstGeom>
-          <a:solidFill>
-            <a:schemeClr val="accent5">
-              <a:lumMod val="20000"/>
-              <a:lumOff val="80000"/>
-            </a:schemeClr>
-          </a:solidFill>
-          <a:ln w="9525">
-            <a:solidFill>
-              <a:schemeClr val="accent5">
-                <a:lumMod val="50000"/>
-              </a:schemeClr>
-            </a:solidFill>
-          </a:ln>
-        </p:spPr>
-        <p:style>
-          <a:lnRef idx="2">
-            <a:schemeClr val="accent1">
-              <a:shade val="50000"/>
-            </a:schemeClr>
-          </a:lnRef>
-          <a:fillRef idx="1">
-            <a:schemeClr val="accent1"/>
-          </a:fillRef>
-          <a:effectRef idx="0">
-            <a:schemeClr val="accent1"/>
-          </a:effectRef>
-          <a:fontRef idx="minor">
-            <a:schemeClr val="lt1"/>
-          </a:fontRef>
-        </p:style>
-        <p:txBody>
-          <a:bodyPr rtlCol="0" anchor="ctr"/>
-          <a:lstStyle/>
-          <a:p>
-            <a:pPr algn="ctr"/>
-            <a:endParaRPr lang="fr-FR" sz="1000" dirty="0">
-              <a:solidFill>
-                <a:sysClr val="windowText" lastClr="000000"/>
-              </a:solidFill>
-            </a:endParaRPr>
-          </a:p>
-        </p:txBody>
-      </p:sp>
-      <p:pic>
-        <p:nvPicPr>
-          <p:cNvPr id="1026" name="Picture 2"/>
-          <p:cNvPicPr>
-            <a:picLocks noChangeAspect="1" noChangeArrowheads="1"/>
-          </p:cNvPicPr>
-          <p:nvPr/>
-        </p:nvPicPr>
-        <p:blipFill>
-          <a:blip r:embed="rId2">
-            <a:extLst>
-              <a:ext uri="{28A0092B-C50C-407E-A947-70E740481C1C}">
-                <a14:useLocalDpi xmlns:a14="http://schemas.microsoft.com/office/drawing/2010/main" val="0"/>
-              </a:ext>
-            </a:extLst>
-          </a:blip>
-          <a:srcRect/>
-          <a:stretch>
-            <a:fillRect/>
-          </a:stretch>
-        </p:blipFill>
-        <p:spPr bwMode="auto">
-          <a:xfrm>
-            <a:off x="1023876" y="2003998"/>
-            <a:ext cx="1335608" cy="870762"/>
-          </a:xfrm>
-          <a:prstGeom prst="rect">
-            <a:avLst/>
-          </a:prstGeom>
-          <a:noFill/>
-          <a:ln>
-            <a:noFill/>
-          </a:ln>
-          <a:effectLst/>
-          <a:extLst>
-            <a:ext uri="{909E8E84-426E-40DD-AFC4-6F175D3DCCD1}">
-              <a14:hiddenFill xmlns:a14="http://schemas.microsoft.com/office/drawing/2010/main">
-                <a:solidFill>
-                  <a:schemeClr val="accent1"/>
-                </a:solidFill>
-              </a14:hiddenFill>
-            </a:ext>
-            <a:ext uri="{91240B29-F687-4F45-9708-019B960494DF}">
-              <a14:hiddenLine xmlns:a14="http://schemas.microsoft.com/office/drawing/2010/main" w="9525">
-                <a:solidFill>
-                  <a:schemeClr val="tx1"/>
-                </a:solidFill>
-                <a:miter lim="800000"/>
-                <a:headEnd/>
-                <a:tailEnd/>
-              </a14:hiddenLine>
-            </a:ext>
-            <a:ext uri="{AF507438-7753-43E0-B8FC-AC1667EBCBE1}">
-              <a14:hiddenEffects xmlns:a14="http://schemas.microsoft.com/office/drawing/2010/main">
-                <a:effectLst>
-                  <a:outerShdw dist="35921" dir="2700000" algn="ctr" rotWithShape="0">
-                    <a:schemeClr val="bg2"/>
-                  </a:outerShdw>
-                </a:effectLst>
-              </a14:hiddenEffects>
-            </a:ext>
-          </a:extLst>
-        </p:spPr>
-      </p:pic>
-      <p:sp>
-        <p:nvSpPr>
-          <p:cNvPr id="8" name="Rectangle 7"/>
-          <p:cNvSpPr/>
-          <p:nvPr/>
-        </p:nvSpPr>
-        <p:spPr>
-          <a:xfrm>
-            <a:off x="3779912" y="1628800"/>
-            <a:ext cx="1440160" cy="288032"/>
-          </a:xfrm>
-          <a:prstGeom prst="rect">
-            <a:avLst/>
-          </a:prstGeom>
-          <a:solidFill>
-            <a:schemeClr val="accent2">
-              <a:lumMod val="20000"/>
-              <a:lumOff val="80000"/>
-            </a:schemeClr>
-          </a:solidFill>
-          <a:ln w="9525">
-            <a:solidFill>
-              <a:schemeClr val="accent2"/>
-            </a:solidFill>
-          </a:ln>
-        </p:spPr>
-        <p:style>
-          <a:lnRef idx="2">
-            <a:schemeClr val="accent1">
-              <a:shade val="50000"/>
-            </a:schemeClr>
-          </a:lnRef>
-          <a:fillRef idx="1">
-            <a:schemeClr val="accent1"/>
-          </a:fillRef>
-          <a:effectRef idx="0">
-            <a:schemeClr val="accent1"/>
-          </a:effectRef>
-          <a:fontRef idx="minor">
-            <a:schemeClr val="lt1"/>
-          </a:fontRef>
-        </p:style>
-        <p:txBody>
-          <a:bodyPr rtlCol="0" anchor="ctr"/>
-          <a:lstStyle/>
-          <a:p>
-            <a:pPr algn="ctr"/>
-            <a:r>
-              <a:rPr lang="fr-FR" sz="1000" dirty="0" smtClean="0">
-                <a:solidFill>
-                  <a:sysClr val="windowText" lastClr="000000"/>
-                </a:solidFill>
-              </a:rPr>
-              <a:t>Domaine de la modélisation</a:t>
-            </a:r>
-            <a:endParaRPr lang="fr-FR" sz="1000" dirty="0">
-              <a:solidFill>
-                <a:sysClr val="windowText" lastClr="000000"/>
-              </a:solidFill>
-            </a:endParaRPr>
-          </a:p>
-        </p:txBody>
-      </p:sp>
-      <p:sp>
-        <p:nvSpPr>
-          <p:cNvPr id="9" name="Rectangle 8"/>
-          <p:cNvSpPr/>
-          <p:nvPr/>
-        </p:nvSpPr>
-        <p:spPr>
-          <a:xfrm>
-            <a:off x="3779912" y="1981302"/>
-            <a:ext cx="1440160" cy="1519706"/>
-          </a:xfrm>
-          <a:prstGeom prst="rect">
-            <a:avLst/>
-          </a:prstGeom>
-          <a:solidFill>
-            <a:schemeClr val="accent2">
-              <a:lumMod val="20000"/>
-              <a:lumOff val="80000"/>
-            </a:schemeClr>
-          </a:solidFill>
-          <a:ln w="9525">
-            <a:solidFill>
-              <a:schemeClr val="accent2"/>
-            </a:solidFill>
-          </a:ln>
-        </p:spPr>
-        <p:style>
-          <a:lnRef idx="2">
-            <a:schemeClr val="accent1">
-              <a:shade val="50000"/>
-            </a:schemeClr>
-          </a:lnRef>
-          <a:fillRef idx="1">
-            <a:schemeClr val="accent1"/>
-          </a:fillRef>
-          <a:effectRef idx="0">
-            <a:schemeClr val="accent1"/>
-          </a:effectRef>
-          <a:fontRef idx="minor">
-            <a:schemeClr val="lt1"/>
-          </a:fontRef>
-        </p:style>
-        <p:txBody>
-          <a:bodyPr rtlCol="0" anchor="ctr"/>
-          <a:lstStyle/>
-          <a:p>
-            <a:pPr algn="ctr"/>
-            <a:endParaRPr lang="fr-FR" sz="1000" dirty="0">
-              <a:solidFill>
-                <a:sysClr val="windowText" lastClr="000000"/>
-              </a:solidFill>
-            </a:endParaRPr>
-          </a:p>
-        </p:txBody>
-      </p:sp>
-      <mc:AlternateContent xmlns:mc="http://schemas.openxmlformats.org/markup-compatibility/2006" xmlns:a14="http://schemas.microsoft.com/office/drawing/2010/main">
-        <mc:Choice Requires="a14">
-          <p:sp>
-            <p:nvSpPr>
-              <p:cNvPr id="10" name="Rectangle 9"/>
-              <p:cNvSpPr/>
-              <p:nvPr/>
-            </p:nvSpPr>
-            <p:spPr>
-              <a:xfrm>
-                <a:off x="3995936" y="2039568"/>
-                <a:ext cx="1008112" cy="1389432"/>
-              </a:xfrm>
-              <a:prstGeom prst="rect">
-                <a:avLst/>
-              </a:prstGeom>
-              <a:solidFill>
-                <a:schemeClr val="accent2">
-                  <a:lumMod val="20000"/>
-                  <a:lumOff val="80000"/>
-                </a:schemeClr>
-              </a:solidFill>
-              <a:ln w="9525">
-                <a:solidFill>
-                  <a:schemeClr val="accent2"/>
-                </a:solidFill>
-              </a:ln>
-            </p:spPr>
-            <p:style>
-              <a:lnRef idx="2">
-                <a:schemeClr val="accent1">
-                  <a:shade val="50000"/>
-                </a:schemeClr>
-              </a:lnRef>
-              <a:fillRef idx="1">
-                <a:schemeClr val="accent1"/>
-              </a:fillRef>
-              <a:effectRef idx="0">
-                <a:schemeClr val="accent1"/>
-              </a:effectRef>
-              <a:fontRef idx="minor">
-                <a:schemeClr val="lt1"/>
-              </a:fontRef>
-            </p:style>
-            <p:txBody>
-              <a:bodyPr rtlCol="0" anchor="t"/>
-              <a:lstStyle/>
-              <a:p>
-                <a:pPr algn="ctr"/>
-                <a:r>
-                  <a:rPr lang="fr-FR" sz="1000" b="1" dirty="0" smtClean="0">
-                    <a:solidFill>
-                      <a:sysClr val="windowText" lastClr="000000"/>
-                    </a:solidFill>
-                  </a:rPr>
-                  <a:t>Couple moteur calculé</a:t>
-                </a:r>
-              </a:p>
-              <a:p>
-                <a:pPr algn="ctr"/>
-                <a:endParaRPr lang="fr-FR" sz="1000" b="1" dirty="0" smtClean="0">
-                  <a:solidFill>
-                    <a:sysClr val="windowText" lastClr="000000"/>
-                  </a:solidFill>
-                </a:endParaRPr>
-              </a:p>
-              <a:p>
-                <a:pPr algn="ctr"/>
-                <a14:m>
-                  <m:oMathPara xmlns:m="http://schemas.openxmlformats.org/officeDocument/2006/math">
-                    <m:oMathParaPr>
-                      <m:jc m:val="centerGroup"/>
-                    </m:oMathParaPr>
-                    <m:oMath xmlns:m="http://schemas.openxmlformats.org/officeDocument/2006/math">
-                      <m:f>
-                        <m:fPr>
-                          <m:ctrlPr>
-                            <a:rPr lang="fr-FR" sz="1000" b="1" i="1" smtClean="0">
-                              <a:solidFill>
-                                <a:sysClr val="windowText" lastClr="000000"/>
-                              </a:solidFill>
-                              <a:latin typeface="Cambria Math"/>
-                            </a:rPr>
-                          </m:ctrlPr>
-                        </m:fPr>
-                        <m:num>
-                          <m:r>
-                            <a:rPr lang="fr-FR" sz="1000" b="1" i="1" smtClean="0">
-                              <a:solidFill>
-                                <a:sysClr val="windowText" lastClr="000000"/>
-                              </a:solidFill>
-                              <a:latin typeface="Cambria Math"/>
-                            </a:rPr>
-                            <m:t>𝟎</m:t>
-                          </m:r>
-                          <m:r>
-                            <a:rPr lang="fr-FR" sz="1000" b="1" i="1" smtClean="0">
-                              <a:solidFill>
-                                <a:sysClr val="windowText" lastClr="000000"/>
-                              </a:solidFill>
-                              <a:latin typeface="Cambria Math"/>
-                            </a:rPr>
-                            <m:t>,</m:t>
-                          </m:r>
-                          <m:r>
-                            <a:rPr lang="fr-FR" sz="1000" b="1" i="1" smtClean="0">
-                              <a:solidFill>
-                                <a:sysClr val="windowText" lastClr="000000"/>
-                              </a:solidFill>
-                              <a:latin typeface="Cambria Math"/>
-                            </a:rPr>
-                            <m:t>𝟒</m:t>
-                          </m:r>
-                        </m:num>
-                        <m:den>
-                          <m:r>
-                            <a:rPr lang="fr-FR" sz="1000" b="1" i="1" smtClean="0">
-                              <a:solidFill>
-                                <a:sysClr val="windowText" lastClr="000000"/>
-                              </a:solidFill>
-                              <a:latin typeface="Cambria Math"/>
-                            </a:rPr>
-                            <m:t>𝟔𝟔</m:t>
-                          </m:r>
-                        </m:den>
-                      </m:f>
-                      <m:r>
-                        <a:rPr lang="fr-FR" sz="1000" b="1" i="1" smtClean="0">
-                          <a:solidFill>
-                            <a:sysClr val="windowText" lastClr="000000"/>
-                          </a:solidFill>
-                          <a:latin typeface="Cambria Math"/>
-                        </a:rPr>
-                        <m:t>=</m:t>
-                      </m:r>
-                      <m:r>
-                        <a:rPr lang="fr-FR" sz="1000" b="1" i="1" smtClean="0">
-                          <a:solidFill>
-                            <a:sysClr val="windowText" lastClr="000000"/>
-                          </a:solidFill>
-                          <a:latin typeface="Cambria Math"/>
-                        </a:rPr>
-                        <m:t>𝟔</m:t>
-                      </m:r>
-                      <m:r>
-                        <a:rPr lang="fr-FR" sz="1000" b="1" i="0" smtClean="0">
-                          <a:solidFill>
-                            <a:sysClr val="windowText" lastClr="000000"/>
-                          </a:solidFill>
-                          <a:latin typeface="Cambria Math"/>
-                        </a:rPr>
-                        <m:t>𝐦𝐍𝐦</m:t>
-                      </m:r>
-                    </m:oMath>
-                  </m:oMathPara>
-                </a14:m>
-                <a:endParaRPr lang="fr-FR" sz="1000" b="1" dirty="0">
-                  <a:solidFill>
-                    <a:sysClr val="windowText" lastClr="000000"/>
-                  </a:solidFill>
-                </a:endParaRPr>
-              </a:p>
-            </p:txBody>
-          </p:sp>
-        </mc:Choice>
-        <mc:Fallback xmlns="">
-          <p:sp>
-            <p:nvSpPr>
-              <p:cNvPr id="10" name="Rectangle 9"/>
-              <p:cNvSpPr>
-                <a:spLocks noRot="1" noChangeAspect="1" noMove="1" noResize="1" noEditPoints="1" noAdjustHandles="1" noChangeArrowheads="1" noChangeShapeType="1" noTextEdit="1"/>
-              </p:cNvSpPr>
-              <p:nvPr/>
-            </p:nvSpPr>
-            <p:spPr>
-              <a:xfrm>
-                <a:off x="3995936" y="2039568"/>
-                <a:ext cx="1008112" cy="1389432"/>
-              </a:xfrm>
-              <a:prstGeom prst="rect">
-                <a:avLst/>
-              </a:prstGeom>
-              <a:blipFill rotWithShape="1">
-                <a:blip r:embed="rId3"/>
-                <a:stretch>
-                  <a:fillRect/>
-                </a:stretch>
-              </a:blipFill>
-              <a:ln w="9525">
-                <a:solidFill>
-                  <a:schemeClr val="accent2"/>
-                </a:solidFill>
-              </a:ln>
-            </p:spPr>
-            <p:txBody>
-              <a:bodyPr/>
-              <a:lstStyle/>
-              <a:p>
-                <a:r>
-                  <a:rPr lang="fr-FR">
-                    <a:noFill/>
-                  </a:rPr>
-                  <a:t> </a:t>
-                </a:r>
-              </a:p>
-            </p:txBody>
-          </p:sp>
-        </mc:Fallback>
-      </mc:AlternateContent>
-      <p:pic>
-        <p:nvPicPr>
-          <p:cNvPr id="1029" name="Picture 5"/>
-          <p:cNvPicPr>
-            <a:picLocks noChangeAspect="1" noChangeArrowheads="1"/>
-          </p:cNvPicPr>
-          <p:nvPr/>
-        </p:nvPicPr>
-        <p:blipFill rotWithShape="1">
-          <a:blip r:embed="rId4" cstate="print">
-            <a:extLst>
-              <a:ext uri="{28A0092B-C50C-407E-A947-70E740481C1C}">
-                <a14:useLocalDpi xmlns:a14="http://schemas.microsoft.com/office/drawing/2010/main" val="0"/>
-              </a:ext>
-            </a:extLst>
-          </a:blip>
-          <a:srcRect t="40121" r="6833"/>
-          <a:stretch/>
-        </p:blipFill>
-        <p:spPr bwMode="auto">
-          <a:xfrm>
-            <a:off x="1023876" y="3044031"/>
-            <a:ext cx="1309687" cy="401638"/>
-          </a:xfrm>
-          <a:prstGeom prst="rect">
-            <a:avLst/>
-          </a:prstGeom>
-          <a:noFill/>
-          <a:ln>
-            <a:noFill/>
-          </a:ln>
-          <a:effectLst/>
-          <a:extLst>
-            <a:ext uri="{909E8E84-426E-40DD-AFC4-6F175D3DCCD1}">
-              <a14:hiddenFill xmlns:a14="http://schemas.microsoft.com/office/drawing/2010/main">
-                <a:solidFill>
-                  <a:schemeClr val="accent1"/>
-                </a:solidFill>
-              </a14:hiddenFill>
-            </a:ext>
-            <a:ext uri="{91240B29-F687-4F45-9708-019B960494DF}">
-              <a14:hiddenLine xmlns:a14="http://schemas.microsoft.com/office/drawing/2010/main" w="9525">
-                <a:solidFill>
-                  <a:schemeClr val="tx1"/>
-                </a:solidFill>
-                <a:miter lim="800000"/>
-                <a:headEnd/>
-                <a:tailEnd/>
-              </a14:hiddenLine>
-            </a:ext>
-            <a:ext uri="{AF507438-7753-43E0-B8FC-AC1667EBCBE1}">
-              <a14:hiddenEffects xmlns:a14="http://schemas.microsoft.com/office/drawing/2010/main">
-                <a:effectLst>
-                  <a:outerShdw dist="35921" dir="2700000" algn="ctr" rotWithShape="0">
-                    <a:schemeClr val="bg2"/>
-                  </a:outerShdw>
-                </a:effectLst>
-              </a14:hiddenEffects>
-            </a:ext>
-          </a:extLst>
-        </p:spPr>
-      </p:pic>
-      <p:cxnSp>
-        <p:nvCxnSpPr>
-          <p:cNvPr id="11" name="Connecteur droit avec flèche 10"/>
-          <p:cNvCxnSpPr>
-            <a:stCxn id="1026" idx="3"/>
-          </p:cNvCxnSpPr>
-          <p:nvPr/>
-        </p:nvCxnSpPr>
-        <p:spPr>
-          <a:xfrm>
-            <a:off x="2359484" y="2439379"/>
-            <a:ext cx="1636452" cy="0"/>
-          </a:xfrm>
-          <a:prstGeom prst="straightConnector1">
-            <a:avLst/>
-          </a:prstGeom>
-          <a:ln w="19050">
-            <a:solidFill>
-              <a:schemeClr val="accent2"/>
-            </a:solidFill>
-            <a:headEnd type="stealth" w="med" len="lg"/>
-            <a:tailEnd type="stealth" w="med" len="lg"/>
-          </a:ln>
-        </p:spPr>
-        <p:style>
-          <a:lnRef idx="1">
-            <a:schemeClr val="accent1"/>
-          </a:lnRef>
-          <a:fillRef idx="0">
-            <a:schemeClr val="accent1"/>
-          </a:fillRef>
-          <a:effectRef idx="0">
-            <a:schemeClr val="accent1"/>
-          </a:effectRef>
-          <a:fontRef idx="minor">
-            <a:schemeClr val="tx1"/>
-          </a:fontRef>
-        </p:style>
-      </p:cxnSp>
-      <p:sp>
-        <p:nvSpPr>
-          <p:cNvPr id="12" name="Rectangle 11"/>
-          <p:cNvSpPr/>
-          <p:nvPr/>
-        </p:nvSpPr>
-        <p:spPr>
-          <a:xfrm>
-            <a:off x="2550037" y="2143874"/>
-            <a:ext cx="1183336" cy="600164"/>
-          </a:xfrm>
-          <a:prstGeom prst="rect">
-            <a:avLst/>
-          </a:prstGeom>
-        </p:spPr>
-        <p:txBody>
-          <a:bodyPr wrap="none">
-            <a:spAutoFit/>
-          </a:bodyPr>
-          <a:lstStyle/>
-          <a:p>
-            <a:pPr algn="ctr"/>
-            <a:r>
-              <a:rPr lang="fr-FR" sz="1100" b="1" dirty="0" smtClean="0">
-                <a:solidFill>
-                  <a:sysClr val="windowText" lastClr="000000"/>
-                </a:solidFill>
-              </a:rPr>
-              <a:t>Exigence validée </a:t>
-            </a:r>
-          </a:p>
-          <a:p>
-            <a:pPr algn="ctr"/>
-            <a:endParaRPr lang="fr-FR" sz="1100" b="1" dirty="0">
-              <a:solidFill>
-                <a:sysClr val="windowText" lastClr="000000"/>
-              </a:solidFill>
-            </a:endParaRPr>
-          </a:p>
-          <a:p>
-            <a:pPr algn="ctr"/>
-            <a:r>
-              <a:rPr lang="fr-FR" sz="1100" b="1" dirty="0" smtClean="0">
-                <a:solidFill>
-                  <a:sysClr val="windowText" lastClr="000000"/>
-                </a:solidFill>
-              </a:rPr>
-              <a:t>OUI</a:t>
-            </a:r>
-            <a:endParaRPr lang="fr-FR" sz="1100" b="1" dirty="0">
-              <a:solidFill>
-                <a:sysClr val="windowText" lastClr="000000"/>
-              </a:solidFill>
-            </a:endParaRPr>
-          </a:p>
-        </p:txBody>
-      </p:sp>
-      <p:cxnSp>
-        <p:nvCxnSpPr>
-          <p:cNvPr id="18" name="Connecteur droit avec flèche 17"/>
-          <p:cNvCxnSpPr>
-            <a:stCxn id="1029" idx="3"/>
-          </p:cNvCxnSpPr>
-          <p:nvPr/>
-        </p:nvCxnSpPr>
-        <p:spPr>
-          <a:xfrm>
-            <a:off x="2333563" y="3244850"/>
-            <a:ext cx="1662373" cy="0"/>
-          </a:xfrm>
-          <a:prstGeom prst="straightConnector1">
-            <a:avLst/>
-          </a:prstGeom>
-          <a:ln w="19050">
-            <a:solidFill>
-              <a:schemeClr val="accent2"/>
-            </a:solidFill>
-            <a:headEnd type="stealth" w="med" len="lg"/>
-            <a:tailEnd type="stealth" w="med" len="lg"/>
-          </a:ln>
-        </p:spPr>
-        <p:style>
-          <a:lnRef idx="1">
-            <a:schemeClr val="accent1"/>
-          </a:lnRef>
-          <a:fillRef idx="0">
-            <a:schemeClr val="accent1"/>
-          </a:fillRef>
-          <a:effectRef idx="0">
-            <a:schemeClr val="accent1"/>
-          </a:effectRef>
-          <a:fontRef idx="minor">
-            <a:schemeClr val="tx1"/>
-          </a:fontRef>
-        </p:style>
-      </p:cxnSp>
-      <p:sp>
-        <p:nvSpPr>
-          <p:cNvPr id="24" name="Rectangle 23"/>
-          <p:cNvSpPr/>
-          <p:nvPr/>
-        </p:nvSpPr>
-        <p:spPr>
-          <a:xfrm>
-            <a:off x="2494486" y="2971117"/>
-            <a:ext cx="1300356" cy="261610"/>
-          </a:xfrm>
-          <a:prstGeom prst="rect">
-            <a:avLst/>
-          </a:prstGeom>
-        </p:spPr>
-        <p:txBody>
-          <a:bodyPr wrap="none">
-            <a:spAutoFit/>
-          </a:bodyPr>
-          <a:lstStyle/>
-          <a:p>
-            <a:pPr algn="ctr"/>
-            <a:r>
-              <a:rPr lang="fr-FR" sz="1100" b="1" dirty="0" smtClean="0">
-                <a:solidFill>
-                  <a:sysClr val="windowText" lastClr="000000"/>
-                </a:solidFill>
-              </a:rPr>
-              <a:t>Marge d’utilisation</a:t>
-            </a:r>
-            <a:endParaRPr lang="fr-FR" sz="1100" b="1" dirty="0">
-              <a:solidFill>
-                <a:sysClr val="windowText" lastClr="000000"/>
-              </a:solidFill>
-            </a:endParaRPr>
-          </a:p>
-        </p:txBody>
-      </p:sp>
-      <mc:AlternateContent xmlns:mc="http://schemas.openxmlformats.org/markup-compatibility/2006" xmlns:a14="http://schemas.microsoft.com/office/drawing/2010/main">
-        <mc:Choice Requires="a14">
-          <p:sp>
-            <p:nvSpPr>
-              <p:cNvPr id="2" name="Rectangle 1"/>
-              <p:cNvSpPr/>
-              <p:nvPr/>
-            </p:nvSpPr>
-            <p:spPr>
-              <a:xfrm>
-                <a:off x="2011933" y="3284984"/>
-                <a:ext cx="2259544" cy="1015663"/>
-              </a:xfrm>
-              <a:prstGeom prst="rect">
-                <a:avLst/>
-              </a:prstGeom>
-            </p:spPr>
-            <p:txBody>
-              <a:bodyPr wrap="square">
-                <a:spAutoFit/>
-              </a:bodyPr>
-              <a:lstStyle/>
-              <a:p>
-                <a:pPr algn="ctr"/>
-                <a14:m>
-                  <m:oMathPara xmlns:m="http://schemas.openxmlformats.org/officeDocument/2006/math">
-                    <m:oMathParaPr>
-                      <m:jc m:val="centerGroup"/>
-                    </m:oMathParaPr>
-                    <m:oMath xmlns:m="http://schemas.openxmlformats.org/officeDocument/2006/math">
-                      <m:r>
-                        <a:rPr lang="fr-FR" sz="1200" b="1" i="0" smtClean="0">
-                          <a:solidFill>
-                            <a:sysClr val="windowText" lastClr="000000"/>
-                          </a:solidFill>
-                          <a:latin typeface="Cambria Math"/>
-                        </a:rPr>
-                        <m:t>𝟏𝟎</m:t>
-                      </m:r>
-                      <m:r>
-                        <a:rPr lang="fr-FR" sz="1200" b="1">
-                          <a:solidFill>
-                            <a:sysClr val="windowText" lastClr="000000"/>
-                          </a:solidFill>
-                          <a:latin typeface="Cambria Math"/>
-                        </a:rPr>
-                        <m:t>𝐦𝐍𝐦</m:t>
-                      </m:r>
-                    </m:oMath>
-                  </m:oMathPara>
-                </a14:m>
-                <a:endParaRPr lang="fr-FR" sz="1200" b="1" dirty="0" smtClean="0">
-                  <a:solidFill>
-                    <a:sysClr val="windowText" lastClr="000000"/>
-                  </a:solidFill>
-                </a:endParaRPr>
-              </a:p>
-              <a:p>
-                <a:pPr algn="ctr"/>
-                <a:r>
-                  <a:rPr lang="fr-FR" sz="1200" b="1" dirty="0" smtClean="0">
-                    <a:solidFill>
-                      <a:sysClr val="windowText" lastClr="000000"/>
-                    </a:solidFill>
-                  </a:rPr>
-                  <a:t>Le couple étant calculé dans une configuration particulière, un couple supérieur peut être nécessaire.</a:t>
-                </a:r>
-                <a:endParaRPr lang="fr-FR" sz="1200" b="1" dirty="0">
-                  <a:solidFill>
-                    <a:sysClr val="windowText" lastClr="000000"/>
-                  </a:solidFill>
-                </a:endParaRPr>
-              </a:p>
-            </p:txBody>
-          </p:sp>
-        </mc:Choice>
-        <mc:Fallback xmlns="">
-          <p:sp>
-            <p:nvSpPr>
-              <p:cNvPr id="2" name="Rectangle 1"/>
-              <p:cNvSpPr>
-                <a:spLocks noRot="1" noChangeAspect="1" noMove="1" noResize="1" noEditPoints="1" noAdjustHandles="1" noChangeArrowheads="1" noChangeShapeType="1" noTextEdit="1"/>
-              </p:cNvSpPr>
-              <p:nvPr/>
-            </p:nvSpPr>
-            <p:spPr>
-              <a:xfrm>
-                <a:off x="2011933" y="3284984"/>
-                <a:ext cx="2259544" cy="1015663"/>
-              </a:xfrm>
-              <a:prstGeom prst="rect">
-                <a:avLst/>
-              </a:prstGeom>
-              <a:blipFill rotWithShape="1">
-                <a:blip r:embed="rId5"/>
-                <a:stretch>
-                  <a:fillRect r="-1078" b="-4217"/>
-                </a:stretch>
-              </a:blipFill>
-            </p:spPr>
-            <p:txBody>
-              <a:bodyPr/>
-              <a:lstStyle/>
-              <a:p>
-                <a:r>
-                  <a:rPr lang="fr-FR">
-                    <a:noFill/>
-                  </a:rPr>
-                  <a:t> </a:t>
-                </a:r>
-              </a:p>
-            </p:txBody>
-          </p:sp>
-        </mc:Fallback>
-      </mc:AlternateContent>
-    </p:spTree>
-    <p:extLst>
-      <p:ext uri="{BB962C8B-B14F-4D97-AF65-F5344CB8AC3E}">
-        <p14:creationId xmlns:p14="http://schemas.microsoft.com/office/powerpoint/2010/main" val="3184664115"/>
-      </p:ext>
-    </p:extLst>
-  </p:cSld>
-  <p:clrMapOvr>
-    <a:masterClrMapping/>
-  </p:clrMapOvr>
-</p:sld>
-</file>
-
 <file path=ppt/theme/theme1.xml><?xml version="1.0" encoding="utf-8"?>
 <a:theme xmlns:a="http://schemas.openxmlformats.org/drawingml/2006/main" name="Thème Office">
   <a:themeElements>

--- a/Revisions_Statique/Fiche_01_Statique_2D_TD_01_Hayon/images/Figures.pptx
+++ b/Revisions_Statique/Fiche_01_Statique_2D_TD_01_Hayon/images/Figures.pptx
@@ -6,16 +6,17 @@
   </p:sldMasterIdLst>
   <p:sldIdLst>
     <p:sldId id="263" r:id="rId2"/>
-    <p:sldId id="264" r:id="rId3"/>
-    <p:sldId id="256" r:id="rId4"/>
-    <p:sldId id="267" r:id="rId5"/>
-    <p:sldId id="266" r:id="rId6"/>
-    <p:sldId id="265" r:id="rId7"/>
-    <p:sldId id="257" r:id="rId8"/>
-    <p:sldId id="261" r:id="rId9"/>
-    <p:sldId id="262" r:id="rId10"/>
-    <p:sldId id="259" r:id="rId11"/>
-    <p:sldId id="258" r:id="rId12"/>
+    <p:sldId id="268" r:id="rId3"/>
+    <p:sldId id="264" r:id="rId4"/>
+    <p:sldId id="256" r:id="rId5"/>
+    <p:sldId id="267" r:id="rId6"/>
+    <p:sldId id="266" r:id="rId7"/>
+    <p:sldId id="265" r:id="rId8"/>
+    <p:sldId id="257" r:id="rId9"/>
+    <p:sldId id="261" r:id="rId10"/>
+    <p:sldId id="262" r:id="rId11"/>
+    <p:sldId id="259" r:id="rId12"/>
+    <p:sldId id="258" r:id="rId13"/>
   </p:sldIdLst>
   <p:sldSz cx="9144000" cy="6858000" type="screen4x3"/>
   <p:notesSz cx="6858000" cy="9144000"/>
@@ -298,7 +299,7 @@
           <a:p>
             <a:fld id="{AA309A6D-C09C-4548-B29A-6CF363A7E532}" type="datetimeFigureOut">
               <a:rPr lang="fr-FR" smtClean="0"/>
-              <a:t>23/04/2018</a:t>
+              <a:t>26/04/2018</a:t>
             </a:fld>
             <a:endParaRPr lang="fr-BE"/>
           </a:p>
@@ -463,7 +464,7 @@
           <a:p>
             <a:fld id="{AA309A6D-C09C-4548-B29A-6CF363A7E532}" type="datetimeFigureOut">
               <a:rPr lang="fr-FR" smtClean="0"/>
-              <a:t>23/04/2018</a:t>
+              <a:t>26/04/2018</a:t>
             </a:fld>
             <a:endParaRPr lang="fr-BE"/>
           </a:p>
@@ -638,7 +639,7 @@
           <a:p>
             <a:fld id="{AA309A6D-C09C-4548-B29A-6CF363A7E532}" type="datetimeFigureOut">
               <a:rPr lang="fr-FR" smtClean="0"/>
-              <a:t>23/04/2018</a:t>
+              <a:t>26/04/2018</a:t>
             </a:fld>
             <a:endParaRPr lang="fr-BE"/>
           </a:p>
@@ -803,7 +804,7 @@
           <a:p>
             <a:fld id="{AA309A6D-C09C-4548-B29A-6CF363A7E532}" type="datetimeFigureOut">
               <a:rPr lang="fr-FR" smtClean="0"/>
-              <a:t>23/04/2018</a:t>
+              <a:t>26/04/2018</a:t>
             </a:fld>
             <a:endParaRPr lang="fr-BE"/>
           </a:p>
@@ -1044,7 +1045,7 @@
           <a:p>
             <a:fld id="{AA309A6D-C09C-4548-B29A-6CF363A7E532}" type="datetimeFigureOut">
               <a:rPr lang="fr-FR" smtClean="0"/>
-              <a:t>23/04/2018</a:t>
+              <a:t>26/04/2018</a:t>
             </a:fld>
             <a:endParaRPr lang="fr-BE"/>
           </a:p>
@@ -1327,7 +1328,7 @@
           <a:p>
             <a:fld id="{AA309A6D-C09C-4548-B29A-6CF363A7E532}" type="datetimeFigureOut">
               <a:rPr lang="fr-FR" smtClean="0"/>
-              <a:t>23/04/2018</a:t>
+              <a:t>26/04/2018</a:t>
             </a:fld>
             <a:endParaRPr lang="fr-BE"/>
           </a:p>
@@ -1744,7 +1745,7 @@
           <a:p>
             <a:fld id="{AA309A6D-C09C-4548-B29A-6CF363A7E532}" type="datetimeFigureOut">
               <a:rPr lang="fr-FR" smtClean="0"/>
-              <a:t>23/04/2018</a:t>
+              <a:t>26/04/2018</a:t>
             </a:fld>
             <a:endParaRPr lang="fr-BE"/>
           </a:p>
@@ -1857,7 +1858,7 @@
           <a:p>
             <a:fld id="{AA309A6D-C09C-4548-B29A-6CF363A7E532}" type="datetimeFigureOut">
               <a:rPr lang="fr-FR" smtClean="0"/>
-              <a:t>23/04/2018</a:t>
+              <a:t>26/04/2018</a:t>
             </a:fld>
             <a:endParaRPr lang="fr-BE"/>
           </a:p>
@@ -1947,7 +1948,7 @@
           <a:p>
             <a:fld id="{AA309A6D-C09C-4548-B29A-6CF363A7E532}" type="datetimeFigureOut">
               <a:rPr lang="fr-FR" smtClean="0"/>
-              <a:t>23/04/2018</a:t>
+              <a:t>26/04/2018</a:t>
             </a:fld>
             <a:endParaRPr lang="fr-BE"/>
           </a:p>
@@ -2219,7 +2220,7 @@
           <a:p>
             <a:fld id="{AA309A6D-C09C-4548-B29A-6CF363A7E532}" type="datetimeFigureOut">
               <a:rPr lang="fr-FR" smtClean="0"/>
-              <a:t>23/04/2018</a:t>
+              <a:t>26/04/2018</a:t>
             </a:fld>
             <a:endParaRPr lang="fr-BE"/>
           </a:p>
@@ -2467,7 +2468,7 @@
           <a:p>
             <a:fld id="{AA309A6D-C09C-4548-B29A-6CF363A7E532}" type="datetimeFigureOut">
               <a:rPr lang="fr-FR" smtClean="0"/>
-              <a:t>23/04/2018</a:t>
+              <a:t>26/04/2018</a:t>
             </a:fld>
             <a:endParaRPr lang="fr-BE"/>
           </a:p>
@@ -2675,7 +2676,7 @@
           <a:p>
             <a:fld id="{AA309A6D-C09C-4548-B29A-6CF363A7E532}" type="datetimeFigureOut">
               <a:rPr lang="fr-FR" smtClean="0"/>
-              <a:t>23/04/2018</a:t>
+              <a:t>26/04/2018</a:t>
             </a:fld>
             <a:endParaRPr lang="fr-BE"/>
           </a:p>
@@ -3183,7 +3184,7 @@
           </a:stretch>
         </p:blipFill>
         <p:spPr bwMode="auto">
-          <a:xfrm rot="3600000">
+          <a:xfrm>
             <a:off x="3777727" y="2758480"/>
             <a:ext cx="1809750" cy="1085850"/>
           </a:xfrm>
@@ -3247,7 +3248,7 @@
           </a:stretch>
         </p:blipFill>
         <p:spPr bwMode="auto">
-          <a:xfrm rot="3600000">
+          <a:xfrm>
             <a:off x="5587477" y="2758480"/>
             <a:ext cx="1933575" cy="1085850"/>
           </a:xfrm>
@@ -3303,6 +3304,669 @@
 </file>
 
 <file path=ppt/slides/slide10.xml><?xml version="1.0" encoding="utf-8"?>
+<p:sld xmlns:a="http://schemas.openxmlformats.org/drawingml/2006/main" xmlns:r="http://schemas.openxmlformats.org/officeDocument/2006/relationships" xmlns:p="http://schemas.openxmlformats.org/presentationml/2006/main">
+  <p:cSld>
+    <p:spTree>
+      <p:nvGrpSpPr>
+        <p:cNvPr id="1" name=""/>
+        <p:cNvGrpSpPr/>
+        <p:nvPr/>
+      </p:nvGrpSpPr>
+      <p:grpSpPr>
+        <a:xfrm>
+          <a:off x="0" y="0"/>
+          <a:ext cx="0" cy="0"/>
+          <a:chOff x="0" y="0"/>
+          <a:chExt cx="0" cy="0"/>
+        </a:xfrm>
+      </p:grpSpPr>
+      <p:sp>
+        <p:nvSpPr>
+          <p:cNvPr id="5" name="Rectangle 4"/>
+          <p:cNvSpPr/>
+          <p:nvPr/>
+        </p:nvSpPr>
+        <p:spPr>
+          <a:xfrm>
+            <a:off x="971600" y="1628800"/>
+            <a:ext cx="1440160" cy="288032"/>
+          </a:xfrm>
+          <a:prstGeom prst="rect">
+            <a:avLst/>
+          </a:prstGeom>
+          <a:solidFill>
+            <a:schemeClr val="accent5">
+              <a:lumMod val="20000"/>
+              <a:lumOff val="80000"/>
+            </a:schemeClr>
+          </a:solidFill>
+          <a:ln w="9525">
+            <a:solidFill>
+              <a:schemeClr val="accent5">
+                <a:lumMod val="50000"/>
+              </a:schemeClr>
+            </a:solidFill>
+          </a:ln>
+        </p:spPr>
+        <p:style>
+          <a:lnRef idx="2">
+            <a:schemeClr val="accent1">
+              <a:shade val="50000"/>
+            </a:schemeClr>
+          </a:lnRef>
+          <a:fillRef idx="1">
+            <a:schemeClr val="accent1"/>
+          </a:fillRef>
+          <a:effectRef idx="0">
+            <a:schemeClr val="accent1"/>
+          </a:effectRef>
+          <a:fontRef idx="minor">
+            <a:schemeClr val="lt1"/>
+          </a:fontRef>
+        </p:style>
+        <p:txBody>
+          <a:bodyPr rtlCol="0" anchor="ctr"/>
+          <a:lstStyle/>
+          <a:p>
+            <a:pPr algn="ctr"/>
+            <a:r>
+              <a:rPr lang="fr-FR" sz="1000" dirty="0" smtClean="0">
+                <a:solidFill>
+                  <a:sysClr val="windowText" lastClr="000000"/>
+                </a:solidFill>
+              </a:rPr>
+              <a:t>Domaine du client</a:t>
+            </a:r>
+            <a:endParaRPr lang="fr-FR" sz="1000" dirty="0">
+              <a:solidFill>
+                <a:sysClr val="windowText" lastClr="000000"/>
+              </a:solidFill>
+            </a:endParaRPr>
+          </a:p>
+        </p:txBody>
+      </p:sp>
+      <p:sp>
+        <p:nvSpPr>
+          <p:cNvPr id="6" name="Rectangle 5"/>
+          <p:cNvSpPr/>
+          <p:nvPr/>
+        </p:nvSpPr>
+        <p:spPr>
+          <a:xfrm>
+            <a:off x="971600" y="1985071"/>
+            <a:ext cx="1440160" cy="1512168"/>
+          </a:xfrm>
+          <a:prstGeom prst="rect">
+            <a:avLst/>
+          </a:prstGeom>
+          <a:solidFill>
+            <a:schemeClr val="accent5">
+              <a:lumMod val="20000"/>
+              <a:lumOff val="80000"/>
+            </a:schemeClr>
+          </a:solidFill>
+          <a:ln w="9525">
+            <a:solidFill>
+              <a:schemeClr val="accent5">
+                <a:lumMod val="50000"/>
+              </a:schemeClr>
+            </a:solidFill>
+          </a:ln>
+        </p:spPr>
+        <p:style>
+          <a:lnRef idx="2">
+            <a:schemeClr val="accent1">
+              <a:shade val="50000"/>
+            </a:schemeClr>
+          </a:lnRef>
+          <a:fillRef idx="1">
+            <a:schemeClr val="accent1"/>
+          </a:fillRef>
+          <a:effectRef idx="0">
+            <a:schemeClr val="accent1"/>
+          </a:effectRef>
+          <a:fontRef idx="minor">
+            <a:schemeClr val="lt1"/>
+          </a:fontRef>
+        </p:style>
+        <p:txBody>
+          <a:bodyPr rtlCol="0" anchor="ctr"/>
+          <a:lstStyle/>
+          <a:p>
+            <a:pPr algn="ctr"/>
+            <a:endParaRPr lang="fr-FR" sz="1000" dirty="0">
+              <a:solidFill>
+                <a:sysClr val="windowText" lastClr="000000"/>
+              </a:solidFill>
+            </a:endParaRPr>
+          </a:p>
+        </p:txBody>
+      </p:sp>
+      <p:sp>
+        <p:nvSpPr>
+          <p:cNvPr id="8" name="Rectangle 7"/>
+          <p:cNvSpPr/>
+          <p:nvPr/>
+        </p:nvSpPr>
+        <p:spPr>
+          <a:xfrm>
+            <a:off x="2754201" y="1628800"/>
+            <a:ext cx="1440160" cy="288032"/>
+          </a:xfrm>
+          <a:prstGeom prst="rect">
+            <a:avLst/>
+          </a:prstGeom>
+          <a:solidFill>
+            <a:schemeClr val="accent2">
+              <a:lumMod val="20000"/>
+              <a:lumOff val="80000"/>
+            </a:schemeClr>
+          </a:solidFill>
+          <a:ln w="9525">
+            <a:solidFill>
+              <a:schemeClr val="accent2"/>
+            </a:solidFill>
+          </a:ln>
+        </p:spPr>
+        <p:style>
+          <a:lnRef idx="2">
+            <a:schemeClr val="accent1">
+              <a:shade val="50000"/>
+            </a:schemeClr>
+          </a:lnRef>
+          <a:fillRef idx="1">
+            <a:schemeClr val="accent1"/>
+          </a:fillRef>
+          <a:effectRef idx="0">
+            <a:schemeClr val="accent1"/>
+          </a:effectRef>
+          <a:fontRef idx="minor">
+            <a:schemeClr val="lt1"/>
+          </a:fontRef>
+        </p:style>
+        <p:txBody>
+          <a:bodyPr rtlCol="0" anchor="ctr"/>
+          <a:lstStyle/>
+          <a:p>
+            <a:pPr algn="ctr"/>
+            <a:r>
+              <a:rPr lang="fr-FR" sz="1000" dirty="0" smtClean="0">
+                <a:solidFill>
+                  <a:sysClr val="windowText" lastClr="000000"/>
+                </a:solidFill>
+              </a:rPr>
+              <a:t>Domaine de la modélisation</a:t>
+            </a:r>
+            <a:endParaRPr lang="fr-FR" sz="1000" dirty="0">
+              <a:solidFill>
+                <a:sysClr val="windowText" lastClr="000000"/>
+              </a:solidFill>
+            </a:endParaRPr>
+          </a:p>
+        </p:txBody>
+      </p:sp>
+      <p:sp>
+        <p:nvSpPr>
+          <p:cNvPr id="9" name="Rectangle 8"/>
+          <p:cNvSpPr/>
+          <p:nvPr/>
+        </p:nvSpPr>
+        <p:spPr>
+          <a:xfrm>
+            <a:off x="2754201" y="1985071"/>
+            <a:ext cx="1440160" cy="1519706"/>
+          </a:xfrm>
+          <a:prstGeom prst="rect">
+            <a:avLst/>
+          </a:prstGeom>
+          <a:solidFill>
+            <a:schemeClr val="accent2">
+              <a:lumMod val="20000"/>
+              <a:lumOff val="80000"/>
+            </a:schemeClr>
+          </a:solidFill>
+          <a:ln w="9525">
+            <a:solidFill>
+              <a:schemeClr val="accent2"/>
+            </a:solidFill>
+          </a:ln>
+        </p:spPr>
+        <p:style>
+          <a:lnRef idx="2">
+            <a:schemeClr val="accent1">
+              <a:shade val="50000"/>
+            </a:schemeClr>
+          </a:lnRef>
+          <a:fillRef idx="1">
+            <a:schemeClr val="accent1"/>
+          </a:fillRef>
+          <a:effectRef idx="0">
+            <a:schemeClr val="accent1"/>
+          </a:effectRef>
+          <a:fontRef idx="minor">
+            <a:schemeClr val="lt1"/>
+          </a:fontRef>
+        </p:style>
+        <p:txBody>
+          <a:bodyPr rtlCol="0" anchor="ctr"/>
+          <a:lstStyle/>
+          <a:p>
+            <a:pPr algn="ctr"/>
+            <a:endParaRPr lang="fr-FR" sz="1000" dirty="0">
+              <a:solidFill>
+                <a:sysClr val="windowText" lastClr="000000"/>
+              </a:solidFill>
+            </a:endParaRPr>
+          </a:p>
+        </p:txBody>
+      </p:sp>
+      <p:sp>
+        <p:nvSpPr>
+          <p:cNvPr id="10" name="Rectangle 9"/>
+          <p:cNvSpPr/>
+          <p:nvPr/>
+        </p:nvSpPr>
+        <p:spPr>
+          <a:xfrm>
+            <a:off x="2910953" y="2051721"/>
+            <a:ext cx="1126656" cy="1389432"/>
+          </a:xfrm>
+          <a:prstGeom prst="rect">
+            <a:avLst/>
+          </a:prstGeom>
+          <a:solidFill>
+            <a:schemeClr val="accent2">
+              <a:lumMod val="20000"/>
+              <a:lumOff val="80000"/>
+            </a:schemeClr>
+          </a:solidFill>
+          <a:ln w="9525">
+            <a:solidFill>
+              <a:schemeClr val="accent2"/>
+            </a:solidFill>
+          </a:ln>
+        </p:spPr>
+        <p:style>
+          <a:lnRef idx="2">
+            <a:schemeClr val="accent1">
+              <a:shade val="50000"/>
+            </a:schemeClr>
+          </a:lnRef>
+          <a:fillRef idx="1">
+            <a:schemeClr val="accent1"/>
+          </a:fillRef>
+          <a:effectRef idx="0">
+            <a:schemeClr val="accent1"/>
+          </a:effectRef>
+          <a:fontRef idx="minor">
+            <a:schemeClr val="lt1"/>
+          </a:fontRef>
+        </p:style>
+        <p:txBody>
+          <a:bodyPr rtlCol="0" anchor="t"/>
+          <a:lstStyle/>
+          <a:p>
+            <a:pPr algn="ctr"/>
+            <a:r>
+              <a:rPr lang="fr-FR" sz="1000" b="1" dirty="0" smtClean="0">
+                <a:solidFill>
+                  <a:sysClr val="windowText" lastClr="000000"/>
+                </a:solidFill>
+              </a:rPr>
+              <a:t>Détermination des lois en effort en utilisant le PFS</a:t>
+            </a:r>
+          </a:p>
+        </p:txBody>
+      </p:sp>
+      <p:pic>
+        <p:nvPicPr>
+          <p:cNvPr id="2" name="Picture 2" descr="C:\Enseignement\GitHub\Cy_04_PSI_ModelisationDynamique\Revisions_Statique\Fiche_01_Statique_3D_TD_01_MC2E\images\fig_03.png"/>
+          <p:cNvPicPr>
+            <a:picLocks noChangeAspect="1" noChangeArrowheads="1"/>
+          </p:cNvPicPr>
+          <p:nvPr/>
+        </p:nvPicPr>
+        <p:blipFill rotWithShape="1">
+          <a:blip r:embed="rId2">
+            <a:extLst>
+              <a:ext uri="{28A0092B-C50C-407E-A947-70E740481C1C}">
+                <a14:useLocalDpi xmlns:a14="http://schemas.microsoft.com/office/drawing/2010/main" val="0"/>
+              </a:ext>
+            </a:extLst>
+          </a:blip>
+          <a:srcRect l="51117" t="54395" r="26802" b="-68"/>
+          <a:stretch/>
+        </p:blipFill>
+        <p:spPr bwMode="auto">
+          <a:xfrm>
+            <a:off x="1088030" y="2088420"/>
+            <a:ext cx="1207299" cy="963846"/>
+          </a:xfrm>
+          <a:prstGeom prst="rect">
+            <a:avLst/>
+          </a:prstGeom>
+          <a:noFill/>
+          <a:extLst>
+            <a:ext uri="{909E8E84-426E-40DD-AFC4-6F175D3DCCD1}">
+              <a14:hiddenFill xmlns:a14="http://schemas.microsoft.com/office/drawing/2010/main">
+                <a:solidFill>
+                  <a:srgbClr val="FFFFFF"/>
+                </a:solidFill>
+              </a14:hiddenFill>
+            </a:ext>
+          </a:extLst>
+        </p:spPr>
+      </p:pic>
+      <p:sp>
+        <p:nvSpPr>
+          <p:cNvPr id="14" name="Rectangle 13"/>
+          <p:cNvSpPr/>
+          <p:nvPr/>
+        </p:nvSpPr>
+        <p:spPr>
+          <a:xfrm>
+            <a:off x="6660232" y="1628800"/>
+            <a:ext cx="1440160" cy="288032"/>
+          </a:xfrm>
+          <a:prstGeom prst="rect">
+            <a:avLst/>
+          </a:prstGeom>
+          <a:solidFill>
+            <a:schemeClr val="accent3">
+              <a:lumMod val="20000"/>
+              <a:lumOff val="80000"/>
+            </a:schemeClr>
+          </a:solidFill>
+          <a:ln w="9525">
+            <a:solidFill>
+              <a:schemeClr val="accent3">
+                <a:lumMod val="50000"/>
+              </a:schemeClr>
+            </a:solidFill>
+          </a:ln>
+        </p:spPr>
+        <p:style>
+          <a:lnRef idx="2">
+            <a:schemeClr val="accent1">
+              <a:shade val="50000"/>
+            </a:schemeClr>
+          </a:lnRef>
+          <a:fillRef idx="1">
+            <a:schemeClr val="accent1"/>
+          </a:fillRef>
+          <a:effectRef idx="0">
+            <a:schemeClr val="accent1"/>
+          </a:effectRef>
+          <a:fontRef idx="minor">
+            <a:schemeClr val="lt1"/>
+          </a:fontRef>
+        </p:style>
+        <p:txBody>
+          <a:bodyPr rtlCol="0" anchor="ctr"/>
+          <a:lstStyle/>
+          <a:p>
+            <a:pPr algn="ctr"/>
+            <a:r>
+              <a:rPr lang="fr-FR" sz="1000" dirty="0" smtClean="0">
+                <a:solidFill>
+                  <a:sysClr val="windowText" lastClr="000000"/>
+                </a:solidFill>
+              </a:rPr>
+              <a:t>Domaine de l’expérimentation</a:t>
+            </a:r>
+            <a:endParaRPr lang="fr-FR" sz="1000" dirty="0">
+              <a:solidFill>
+                <a:sysClr val="windowText" lastClr="000000"/>
+              </a:solidFill>
+            </a:endParaRPr>
+          </a:p>
+        </p:txBody>
+      </p:sp>
+      <p:sp>
+        <p:nvSpPr>
+          <p:cNvPr id="15" name="Rectangle 14"/>
+          <p:cNvSpPr/>
+          <p:nvPr/>
+        </p:nvSpPr>
+        <p:spPr>
+          <a:xfrm>
+            <a:off x="6660232" y="1985071"/>
+            <a:ext cx="1440160" cy="1519706"/>
+          </a:xfrm>
+          <a:prstGeom prst="rect">
+            <a:avLst/>
+          </a:prstGeom>
+          <a:solidFill>
+            <a:schemeClr val="accent3">
+              <a:lumMod val="20000"/>
+              <a:lumOff val="80000"/>
+            </a:schemeClr>
+          </a:solidFill>
+          <a:ln w="9525">
+            <a:solidFill>
+              <a:schemeClr val="accent3">
+                <a:lumMod val="50000"/>
+              </a:schemeClr>
+            </a:solidFill>
+          </a:ln>
+        </p:spPr>
+        <p:style>
+          <a:lnRef idx="2">
+            <a:schemeClr val="accent1">
+              <a:shade val="50000"/>
+            </a:schemeClr>
+          </a:lnRef>
+          <a:fillRef idx="1">
+            <a:schemeClr val="accent1"/>
+          </a:fillRef>
+          <a:effectRef idx="0">
+            <a:schemeClr val="accent1"/>
+          </a:effectRef>
+          <a:fontRef idx="minor">
+            <a:schemeClr val="lt1"/>
+          </a:fontRef>
+        </p:style>
+        <p:txBody>
+          <a:bodyPr rtlCol="0" anchor="ctr"/>
+          <a:lstStyle/>
+          <a:p>
+            <a:pPr algn="ctr"/>
+            <a:endParaRPr lang="fr-FR" sz="1000" dirty="0">
+              <a:solidFill>
+                <a:sysClr val="windowText" lastClr="000000"/>
+              </a:solidFill>
+            </a:endParaRPr>
+          </a:p>
+        </p:txBody>
+      </p:sp>
+      <p:sp>
+        <p:nvSpPr>
+          <p:cNvPr id="16" name="Rectangle 15"/>
+          <p:cNvSpPr/>
+          <p:nvPr/>
+        </p:nvSpPr>
+        <p:spPr>
+          <a:xfrm>
+            <a:off x="6767439" y="2051721"/>
+            <a:ext cx="1225746" cy="1389432"/>
+          </a:xfrm>
+          <a:prstGeom prst="rect">
+            <a:avLst/>
+          </a:prstGeom>
+          <a:solidFill>
+            <a:schemeClr val="accent3">
+              <a:lumMod val="20000"/>
+              <a:lumOff val="80000"/>
+            </a:schemeClr>
+          </a:solidFill>
+          <a:ln w="9525">
+            <a:solidFill>
+              <a:schemeClr val="accent3">
+                <a:lumMod val="50000"/>
+              </a:schemeClr>
+            </a:solidFill>
+          </a:ln>
+        </p:spPr>
+        <p:style>
+          <a:lnRef idx="2">
+            <a:schemeClr val="accent1">
+              <a:shade val="50000"/>
+            </a:schemeClr>
+          </a:lnRef>
+          <a:fillRef idx="1">
+            <a:schemeClr val="accent1"/>
+          </a:fillRef>
+          <a:effectRef idx="0">
+            <a:schemeClr val="accent1"/>
+          </a:effectRef>
+          <a:fontRef idx="minor">
+            <a:schemeClr val="lt1"/>
+          </a:fontRef>
+        </p:style>
+        <p:txBody>
+          <a:bodyPr rtlCol="0" anchor="t"/>
+          <a:lstStyle/>
+          <a:p>
+            <a:pPr algn="ctr"/>
+            <a:r>
+              <a:rPr lang="fr-FR" sz="1000" b="1" dirty="0" smtClean="0">
+                <a:solidFill>
+                  <a:sysClr val="windowText" lastClr="000000"/>
+                </a:solidFill>
+              </a:rPr>
+              <a:t>Calibration du poids de E.</a:t>
+            </a:r>
+            <a:endParaRPr lang="fr-FR" sz="1000" b="1" dirty="0">
+              <a:solidFill>
+                <a:sysClr val="windowText" lastClr="000000"/>
+              </a:solidFill>
+            </a:endParaRPr>
+          </a:p>
+        </p:txBody>
+      </p:sp>
+      <p:sp>
+        <p:nvSpPr>
+          <p:cNvPr id="4" name="Double flèche horizontale 3"/>
+          <p:cNvSpPr/>
+          <p:nvPr/>
+        </p:nvSpPr>
+        <p:spPr>
+          <a:xfrm>
+            <a:off x="3923928" y="1472978"/>
+            <a:ext cx="3096343" cy="2194730"/>
+          </a:xfrm>
+          <a:prstGeom prst="leftRightArrow">
+            <a:avLst>
+              <a:gd name="adj1" fmla="val 75253"/>
+              <a:gd name="adj2" fmla="val 22762"/>
+            </a:avLst>
+          </a:prstGeom>
+          <a:solidFill>
+            <a:schemeClr val="accent6">
+              <a:lumMod val="20000"/>
+              <a:lumOff val="80000"/>
+            </a:schemeClr>
+          </a:solidFill>
+          <a:ln w="9525">
+            <a:solidFill>
+              <a:schemeClr val="accent6">
+                <a:lumMod val="50000"/>
+              </a:schemeClr>
+            </a:solidFill>
+          </a:ln>
+        </p:spPr>
+        <p:style>
+          <a:lnRef idx="2">
+            <a:schemeClr val="accent1">
+              <a:shade val="50000"/>
+            </a:schemeClr>
+          </a:lnRef>
+          <a:fillRef idx="1">
+            <a:schemeClr val="accent1"/>
+          </a:fillRef>
+          <a:effectRef idx="0">
+            <a:schemeClr val="accent1"/>
+          </a:effectRef>
+          <a:fontRef idx="minor">
+            <a:schemeClr val="lt1"/>
+          </a:fontRef>
+        </p:style>
+        <p:txBody>
+          <a:bodyPr rtlCol="0" anchor="ctr"/>
+          <a:lstStyle/>
+          <a:p>
+            <a:pPr algn="ctr"/>
+            <a:r>
+              <a:rPr lang="fr-FR" sz="900" dirty="0" smtClean="0">
+                <a:solidFill>
+                  <a:sysClr val="windowText" lastClr="000000"/>
+                </a:solidFill>
+              </a:rPr>
+              <a:t>Détermination de la compensation en effort</a:t>
+            </a:r>
+          </a:p>
+          <a:p>
+            <a:pPr algn="ctr"/>
+            <a:r>
+              <a:rPr lang="fr-FR" sz="1050" b="1" dirty="0" smtClean="0">
+                <a:solidFill>
+                  <a:sysClr val="windowText" lastClr="000000"/>
+                </a:solidFill>
+              </a:rPr>
+              <a:t>Erreur due à la mesure du  poids lors de la compensation  : </a:t>
+            </a:r>
+          </a:p>
+          <a:p>
+            <a:pPr algn="ctr"/>
+            <a:endParaRPr lang="fr-FR" sz="1050" b="1" dirty="0" smtClean="0">
+              <a:solidFill>
+                <a:sysClr val="windowText" lastClr="000000"/>
+              </a:solidFill>
+            </a:endParaRPr>
+          </a:p>
+          <a:p>
+            <a:pPr algn="ctr"/>
+            <a:r>
+              <a:rPr lang="fr-FR" sz="1050" b="1" dirty="0" smtClean="0">
+                <a:solidFill>
+                  <a:sysClr val="windowText" lastClr="000000"/>
+                </a:solidFill>
+              </a:rPr>
+              <a:t>Méthode de compensation du poids : </a:t>
+            </a:r>
+          </a:p>
+          <a:p>
+            <a:pPr algn="ctr"/>
+            <a:r>
+              <a:rPr lang="fr-FR" sz="1000" smtClean="0">
+                <a:solidFill>
+                  <a:schemeClr val="tx1"/>
+                </a:solidFill>
+              </a:rPr>
+              <a:t> </a:t>
+            </a:r>
+            <a:endParaRPr lang="fr-FR" sz="1000" b="1" dirty="0">
+              <a:solidFill>
+                <a:sysClr val="windowText" lastClr="000000"/>
+              </a:solidFill>
+            </a:endParaRPr>
+          </a:p>
+        </p:txBody>
+      </p:sp>
+    </p:spTree>
+    <p:extLst>
+      <p:ext uri="{BB962C8B-B14F-4D97-AF65-F5344CB8AC3E}">
+        <p14:creationId xmlns:p14="http://schemas.microsoft.com/office/powerpoint/2010/main" val="1419089961"/>
+      </p:ext>
+    </p:extLst>
+  </p:cSld>
+  <p:clrMapOvr>
+    <a:masterClrMapping/>
+  </p:clrMapOvr>
+</p:sld>
+</file>
+
+<file path=ppt/slides/slide11.xml><?xml version="1.0" encoding="utf-8"?>
 <p:sld xmlns:a="http://schemas.openxmlformats.org/drawingml/2006/main" xmlns:r="http://schemas.openxmlformats.org/officeDocument/2006/relationships" xmlns:p="http://schemas.openxmlformats.org/presentationml/2006/main">
   <p:cSld>
     <p:spTree>
@@ -4195,7 +4859,7 @@
 </p:sld>
 </file>
 
-<file path=ppt/slides/slide11.xml><?xml version="1.0" encoding="utf-8"?>
+<file path=ppt/slides/slide12.xml><?xml version="1.0" encoding="utf-8"?>
 <p:sld xmlns:a="http://schemas.openxmlformats.org/drawingml/2006/main" xmlns:r="http://schemas.openxmlformats.org/officeDocument/2006/relationships" xmlns:p="http://schemas.openxmlformats.org/presentationml/2006/main">
   <p:cSld>
     <p:spTree>
@@ -6779,6 +7443,228 @@
           <a:chExt cx="0" cy="0"/>
         </a:xfrm>
       </p:grpSpPr>
+      <p:pic>
+        <p:nvPicPr>
+          <p:cNvPr id="1027" name="Picture 3"/>
+          <p:cNvPicPr>
+            <a:picLocks noChangeAspect="1" noChangeArrowheads="1"/>
+          </p:cNvPicPr>
+          <p:nvPr/>
+        </p:nvPicPr>
+        <p:blipFill>
+          <a:blip r:embed="rId2">
+            <a:extLst>
+              <a:ext uri="{28A0092B-C50C-407E-A947-70E740481C1C}">
+                <a14:useLocalDpi xmlns:a14="http://schemas.microsoft.com/office/drawing/2010/main" val="0"/>
+              </a:ext>
+            </a:extLst>
+          </a:blip>
+          <a:srcRect/>
+          <a:stretch>
+            <a:fillRect/>
+          </a:stretch>
+        </p:blipFill>
+        <p:spPr bwMode="auto">
+          <a:xfrm>
+            <a:off x="3777727" y="548680"/>
+            <a:ext cx="3743325" cy="1804691"/>
+          </a:xfrm>
+          <a:prstGeom prst="rect">
+            <a:avLst/>
+          </a:prstGeom>
+          <a:noFill/>
+          <a:ln>
+            <a:noFill/>
+          </a:ln>
+          <a:effectLst/>
+          <a:extLst>
+            <a:ext uri="{909E8E84-426E-40DD-AFC4-6F175D3DCCD1}">
+              <a14:hiddenFill xmlns:a14="http://schemas.microsoft.com/office/drawing/2010/main">
+                <a:solidFill>
+                  <a:schemeClr val="accent1"/>
+                </a:solidFill>
+              </a14:hiddenFill>
+            </a:ext>
+            <a:ext uri="{91240B29-F687-4F45-9708-019B960494DF}">
+              <a14:hiddenLine xmlns:a14="http://schemas.microsoft.com/office/drawing/2010/main" w="9525">
+                <a:solidFill>
+                  <a:schemeClr val="tx1"/>
+                </a:solidFill>
+                <a:miter lim="800000"/>
+                <a:headEnd/>
+                <a:tailEnd/>
+              </a14:hiddenLine>
+            </a:ext>
+            <a:ext uri="{AF507438-7753-43E0-B8FC-AC1667EBCBE1}">
+              <a14:hiddenEffects xmlns:a14="http://schemas.microsoft.com/office/drawing/2010/main">
+                <a:effectLst>
+                  <a:outerShdw dist="35921" dir="2700000" algn="ctr" rotWithShape="0">
+                    <a:schemeClr val="bg2"/>
+                  </a:outerShdw>
+                </a:effectLst>
+              </a14:hiddenEffects>
+            </a:ext>
+          </a:extLst>
+        </p:spPr>
+      </p:pic>
+      <p:pic>
+        <p:nvPicPr>
+          <p:cNvPr id="1028" name="Picture 4"/>
+          <p:cNvPicPr>
+            <a:picLocks noChangeAspect="1" noChangeArrowheads="1"/>
+          </p:cNvPicPr>
+          <p:nvPr/>
+        </p:nvPicPr>
+        <p:blipFill>
+          <a:blip r:embed="rId3">
+            <a:extLst>
+              <a:ext uri="{28A0092B-C50C-407E-A947-70E740481C1C}">
+                <a14:useLocalDpi xmlns:a14="http://schemas.microsoft.com/office/drawing/2010/main" val="0"/>
+              </a:ext>
+            </a:extLst>
+          </a:blip>
+          <a:srcRect/>
+          <a:stretch>
+            <a:fillRect/>
+          </a:stretch>
+        </p:blipFill>
+        <p:spPr bwMode="auto">
+          <a:xfrm>
+            <a:off x="3777727" y="2758480"/>
+            <a:ext cx="1809750" cy="1085850"/>
+          </a:xfrm>
+          <a:prstGeom prst="rect">
+            <a:avLst/>
+          </a:prstGeom>
+          <a:noFill/>
+          <a:ln>
+            <a:noFill/>
+          </a:ln>
+          <a:effectLst/>
+          <a:extLst>
+            <a:ext uri="{909E8E84-426E-40DD-AFC4-6F175D3DCCD1}">
+              <a14:hiddenFill xmlns:a14="http://schemas.microsoft.com/office/drawing/2010/main">
+                <a:solidFill>
+                  <a:schemeClr val="accent1"/>
+                </a:solidFill>
+              </a14:hiddenFill>
+            </a:ext>
+            <a:ext uri="{91240B29-F687-4F45-9708-019B960494DF}">
+              <a14:hiddenLine xmlns:a14="http://schemas.microsoft.com/office/drawing/2010/main" w="9525">
+                <a:solidFill>
+                  <a:schemeClr val="tx1"/>
+                </a:solidFill>
+                <a:miter lim="800000"/>
+                <a:headEnd/>
+                <a:tailEnd/>
+              </a14:hiddenLine>
+            </a:ext>
+            <a:ext uri="{AF507438-7753-43E0-B8FC-AC1667EBCBE1}">
+              <a14:hiddenEffects xmlns:a14="http://schemas.microsoft.com/office/drawing/2010/main">
+                <a:effectLst>
+                  <a:outerShdw dist="35921" dir="2700000" algn="ctr" rotWithShape="0">
+                    <a:schemeClr val="bg2"/>
+                  </a:outerShdw>
+                </a:effectLst>
+              </a14:hiddenEffects>
+            </a:ext>
+          </a:extLst>
+        </p:spPr>
+      </p:pic>
+      <p:pic>
+        <p:nvPicPr>
+          <p:cNvPr id="1029" name="Picture 5"/>
+          <p:cNvPicPr>
+            <a:picLocks noChangeAspect="1" noChangeArrowheads="1"/>
+          </p:cNvPicPr>
+          <p:nvPr/>
+        </p:nvPicPr>
+        <p:blipFill>
+          <a:blip r:embed="rId4">
+            <a:extLst>
+              <a:ext uri="{28A0092B-C50C-407E-A947-70E740481C1C}">
+                <a14:useLocalDpi xmlns:a14="http://schemas.microsoft.com/office/drawing/2010/main" val="0"/>
+              </a:ext>
+            </a:extLst>
+          </a:blip>
+          <a:srcRect/>
+          <a:stretch>
+            <a:fillRect/>
+          </a:stretch>
+        </p:blipFill>
+        <p:spPr bwMode="auto">
+          <a:xfrm>
+            <a:off x="5587477" y="2758480"/>
+            <a:ext cx="1933575" cy="1085850"/>
+          </a:xfrm>
+          <a:prstGeom prst="rect">
+            <a:avLst/>
+          </a:prstGeom>
+          <a:noFill/>
+          <a:ln>
+            <a:noFill/>
+          </a:ln>
+          <a:effectLst/>
+          <a:extLst>
+            <a:ext uri="{909E8E84-426E-40DD-AFC4-6F175D3DCCD1}">
+              <a14:hiddenFill xmlns:a14="http://schemas.microsoft.com/office/drawing/2010/main">
+                <a:solidFill>
+                  <a:schemeClr val="accent1"/>
+                </a:solidFill>
+              </a14:hiddenFill>
+            </a:ext>
+            <a:ext uri="{91240B29-F687-4F45-9708-019B960494DF}">
+              <a14:hiddenLine xmlns:a14="http://schemas.microsoft.com/office/drawing/2010/main" w="9525">
+                <a:solidFill>
+                  <a:schemeClr val="tx1"/>
+                </a:solidFill>
+                <a:miter lim="800000"/>
+                <a:headEnd/>
+                <a:tailEnd/>
+              </a14:hiddenLine>
+            </a:ext>
+            <a:ext uri="{AF507438-7753-43E0-B8FC-AC1667EBCBE1}">
+              <a14:hiddenEffects xmlns:a14="http://schemas.microsoft.com/office/drawing/2010/main">
+                <a:effectLst>
+                  <a:outerShdw dist="35921" dir="2700000" algn="ctr" rotWithShape="0">
+                    <a:schemeClr val="bg2"/>
+                  </a:outerShdw>
+                </a:effectLst>
+              </a14:hiddenEffects>
+            </a:ext>
+          </a:extLst>
+        </p:spPr>
+      </p:pic>
+    </p:spTree>
+    <p:extLst>
+      <p:ext uri="{BB962C8B-B14F-4D97-AF65-F5344CB8AC3E}">
+        <p14:creationId xmlns:p14="http://schemas.microsoft.com/office/powerpoint/2010/main" val="3014449550"/>
+      </p:ext>
+    </p:extLst>
+  </p:cSld>
+  <p:clrMapOvr>
+    <a:masterClrMapping/>
+  </p:clrMapOvr>
+</p:sld>
+</file>
+
+<file path=ppt/slides/slide3.xml><?xml version="1.0" encoding="utf-8"?>
+<p:sld xmlns:a="http://schemas.openxmlformats.org/drawingml/2006/main" xmlns:r="http://schemas.openxmlformats.org/officeDocument/2006/relationships" xmlns:p="http://schemas.openxmlformats.org/presentationml/2006/main">
+  <p:cSld>
+    <p:spTree>
+      <p:nvGrpSpPr>
+        <p:cNvPr id="1" name=""/>
+        <p:cNvGrpSpPr/>
+        <p:nvPr/>
+      </p:nvGrpSpPr>
+      <p:grpSpPr>
+        <a:xfrm>
+          <a:off x="0" y="0"/>
+          <a:ext cx="0" cy="0"/>
+          <a:chOff x="0" y="0"/>
+          <a:chExt cx="0" cy="0"/>
+        </a:xfrm>
+      </p:grpSpPr>
       <p:cxnSp>
         <p:nvCxnSpPr>
           <p:cNvPr id="37" name="Connecteur droit 36"/>
@@ -8536,7 +9422,7 @@
 </p:sld>
 </file>
 
-<file path=ppt/slides/slide3.xml><?xml version="1.0" encoding="utf-8"?>
+<file path=ppt/slides/slide4.xml><?xml version="1.0" encoding="utf-8"?>
 <p:sld xmlns:a="http://schemas.openxmlformats.org/drawingml/2006/main" xmlns:r="http://schemas.openxmlformats.org/officeDocument/2006/relationships" xmlns:p="http://schemas.openxmlformats.org/presentationml/2006/main">
   <p:cSld>
     <p:spTree>
@@ -10133,7 +11019,7 @@
 </p:sld>
 </file>
 
-<file path=ppt/slides/slide4.xml><?xml version="1.0" encoding="utf-8"?>
+<file path=ppt/slides/slide5.xml><?xml version="1.0" encoding="utf-8"?>
 <p:sld xmlns:a="http://schemas.openxmlformats.org/drawingml/2006/main" xmlns:r="http://schemas.openxmlformats.org/officeDocument/2006/relationships" xmlns:p="http://schemas.openxmlformats.org/presentationml/2006/main">
   <p:cSld>
     <p:spTree>
@@ -10559,7 +11445,7 @@
 </p:sld>
 </file>
 
-<file path=ppt/slides/slide5.xml><?xml version="1.0" encoding="utf-8"?>
+<file path=ppt/slides/slide6.xml><?xml version="1.0" encoding="utf-8"?>
 <p:sld xmlns:a="http://schemas.openxmlformats.org/drawingml/2006/main" xmlns:r="http://schemas.openxmlformats.org/officeDocument/2006/relationships" xmlns:p="http://schemas.openxmlformats.org/presentationml/2006/main">
   <p:cSld>
     <p:spTree>
@@ -11707,7 +12593,7 @@
 </p:sld>
 </file>
 
-<file path=ppt/slides/slide6.xml><?xml version="1.0" encoding="utf-8"?>
+<file path=ppt/slides/slide7.xml><?xml version="1.0" encoding="utf-8"?>
 <p:sld xmlns:a="http://schemas.openxmlformats.org/drawingml/2006/main" xmlns:r="http://schemas.openxmlformats.org/officeDocument/2006/relationships" xmlns:p="http://schemas.openxmlformats.org/presentationml/2006/main">
   <p:cSld>
     <p:spTree>
@@ -15589,7 +16475,7 @@
 </p:sld>
 </file>
 
-<file path=ppt/slides/slide7.xml><?xml version="1.0" encoding="utf-8"?>
+<file path=ppt/slides/slide8.xml><?xml version="1.0" encoding="utf-8"?>
 <p:sld xmlns:a="http://schemas.openxmlformats.org/drawingml/2006/main" xmlns:r="http://schemas.openxmlformats.org/officeDocument/2006/relationships" xmlns:p="http://schemas.openxmlformats.org/presentationml/2006/main">
   <p:cSld>
     <p:spTree>
@@ -16202,7 +17088,7 @@
 </p:sld>
 </file>
 
-<file path=ppt/slides/slide8.xml><?xml version="1.0" encoding="utf-8"?>
+<file path=ppt/slides/slide9.xml><?xml version="1.0" encoding="utf-8"?>
 <p:sld xmlns:a="http://schemas.openxmlformats.org/drawingml/2006/main" xmlns:r="http://schemas.openxmlformats.org/officeDocument/2006/relationships" xmlns:p="http://schemas.openxmlformats.org/presentationml/2006/main">
   <p:cSld>
     <p:spTree>
@@ -17051,669 +17937,6 @@
 </p:sld>
 </file>
 
-<file path=ppt/slides/slide9.xml><?xml version="1.0" encoding="utf-8"?>
-<p:sld xmlns:a="http://schemas.openxmlformats.org/drawingml/2006/main" xmlns:r="http://schemas.openxmlformats.org/officeDocument/2006/relationships" xmlns:p="http://schemas.openxmlformats.org/presentationml/2006/main">
-  <p:cSld>
-    <p:spTree>
-      <p:nvGrpSpPr>
-        <p:cNvPr id="1" name=""/>
-        <p:cNvGrpSpPr/>
-        <p:nvPr/>
-      </p:nvGrpSpPr>
-      <p:grpSpPr>
-        <a:xfrm>
-          <a:off x="0" y="0"/>
-          <a:ext cx="0" cy="0"/>
-          <a:chOff x="0" y="0"/>
-          <a:chExt cx="0" cy="0"/>
-        </a:xfrm>
-      </p:grpSpPr>
-      <p:sp>
-        <p:nvSpPr>
-          <p:cNvPr id="5" name="Rectangle 4"/>
-          <p:cNvSpPr/>
-          <p:nvPr/>
-        </p:nvSpPr>
-        <p:spPr>
-          <a:xfrm>
-            <a:off x="971600" y="1628800"/>
-            <a:ext cx="1440160" cy="288032"/>
-          </a:xfrm>
-          <a:prstGeom prst="rect">
-            <a:avLst/>
-          </a:prstGeom>
-          <a:solidFill>
-            <a:schemeClr val="accent5">
-              <a:lumMod val="20000"/>
-              <a:lumOff val="80000"/>
-            </a:schemeClr>
-          </a:solidFill>
-          <a:ln w="9525">
-            <a:solidFill>
-              <a:schemeClr val="accent5">
-                <a:lumMod val="50000"/>
-              </a:schemeClr>
-            </a:solidFill>
-          </a:ln>
-        </p:spPr>
-        <p:style>
-          <a:lnRef idx="2">
-            <a:schemeClr val="accent1">
-              <a:shade val="50000"/>
-            </a:schemeClr>
-          </a:lnRef>
-          <a:fillRef idx="1">
-            <a:schemeClr val="accent1"/>
-          </a:fillRef>
-          <a:effectRef idx="0">
-            <a:schemeClr val="accent1"/>
-          </a:effectRef>
-          <a:fontRef idx="minor">
-            <a:schemeClr val="lt1"/>
-          </a:fontRef>
-        </p:style>
-        <p:txBody>
-          <a:bodyPr rtlCol="0" anchor="ctr"/>
-          <a:lstStyle/>
-          <a:p>
-            <a:pPr algn="ctr"/>
-            <a:r>
-              <a:rPr lang="fr-FR" sz="1000" dirty="0" smtClean="0">
-                <a:solidFill>
-                  <a:sysClr val="windowText" lastClr="000000"/>
-                </a:solidFill>
-              </a:rPr>
-              <a:t>Domaine du client</a:t>
-            </a:r>
-            <a:endParaRPr lang="fr-FR" sz="1000" dirty="0">
-              <a:solidFill>
-                <a:sysClr val="windowText" lastClr="000000"/>
-              </a:solidFill>
-            </a:endParaRPr>
-          </a:p>
-        </p:txBody>
-      </p:sp>
-      <p:sp>
-        <p:nvSpPr>
-          <p:cNvPr id="6" name="Rectangle 5"/>
-          <p:cNvSpPr/>
-          <p:nvPr/>
-        </p:nvSpPr>
-        <p:spPr>
-          <a:xfrm>
-            <a:off x="971600" y="1985071"/>
-            <a:ext cx="1440160" cy="1512168"/>
-          </a:xfrm>
-          <a:prstGeom prst="rect">
-            <a:avLst/>
-          </a:prstGeom>
-          <a:solidFill>
-            <a:schemeClr val="accent5">
-              <a:lumMod val="20000"/>
-              <a:lumOff val="80000"/>
-            </a:schemeClr>
-          </a:solidFill>
-          <a:ln w="9525">
-            <a:solidFill>
-              <a:schemeClr val="accent5">
-                <a:lumMod val="50000"/>
-              </a:schemeClr>
-            </a:solidFill>
-          </a:ln>
-        </p:spPr>
-        <p:style>
-          <a:lnRef idx="2">
-            <a:schemeClr val="accent1">
-              <a:shade val="50000"/>
-            </a:schemeClr>
-          </a:lnRef>
-          <a:fillRef idx="1">
-            <a:schemeClr val="accent1"/>
-          </a:fillRef>
-          <a:effectRef idx="0">
-            <a:schemeClr val="accent1"/>
-          </a:effectRef>
-          <a:fontRef idx="minor">
-            <a:schemeClr val="lt1"/>
-          </a:fontRef>
-        </p:style>
-        <p:txBody>
-          <a:bodyPr rtlCol="0" anchor="ctr"/>
-          <a:lstStyle/>
-          <a:p>
-            <a:pPr algn="ctr"/>
-            <a:endParaRPr lang="fr-FR" sz="1000" dirty="0">
-              <a:solidFill>
-                <a:sysClr val="windowText" lastClr="000000"/>
-              </a:solidFill>
-            </a:endParaRPr>
-          </a:p>
-        </p:txBody>
-      </p:sp>
-      <p:sp>
-        <p:nvSpPr>
-          <p:cNvPr id="8" name="Rectangle 7"/>
-          <p:cNvSpPr/>
-          <p:nvPr/>
-        </p:nvSpPr>
-        <p:spPr>
-          <a:xfrm>
-            <a:off x="2754201" y="1628800"/>
-            <a:ext cx="1440160" cy="288032"/>
-          </a:xfrm>
-          <a:prstGeom prst="rect">
-            <a:avLst/>
-          </a:prstGeom>
-          <a:solidFill>
-            <a:schemeClr val="accent2">
-              <a:lumMod val="20000"/>
-              <a:lumOff val="80000"/>
-            </a:schemeClr>
-          </a:solidFill>
-          <a:ln w="9525">
-            <a:solidFill>
-              <a:schemeClr val="accent2"/>
-            </a:solidFill>
-          </a:ln>
-        </p:spPr>
-        <p:style>
-          <a:lnRef idx="2">
-            <a:schemeClr val="accent1">
-              <a:shade val="50000"/>
-            </a:schemeClr>
-          </a:lnRef>
-          <a:fillRef idx="1">
-            <a:schemeClr val="accent1"/>
-          </a:fillRef>
-          <a:effectRef idx="0">
-            <a:schemeClr val="accent1"/>
-          </a:effectRef>
-          <a:fontRef idx="minor">
-            <a:schemeClr val="lt1"/>
-          </a:fontRef>
-        </p:style>
-        <p:txBody>
-          <a:bodyPr rtlCol="0" anchor="ctr"/>
-          <a:lstStyle/>
-          <a:p>
-            <a:pPr algn="ctr"/>
-            <a:r>
-              <a:rPr lang="fr-FR" sz="1000" dirty="0" smtClean="0">
-                <a:solidFill>
-                  <a:sysClr val="windowText" lastClr="000000"/>
-                </a:solidFill>
-              </a:rPr>
-              <a:t>Domaine de la modélisation</a:t>
-            </a:r>
-            <a:endParaRPr lang="fr-FR" sz="1000" dirty="0">
-              <a:solidFill>
-                <a:sysClr val="windowText" lastClr="000000"/>
-              </a:solidFill>
-            </a:endParaRPr>
-          </a:p>
-        </p:txBody>
-      </p:sp>
-      <p:sp>
-        <p:nvSpPr>
-          <p:cNvPr id="9" name="Rectangle 8"/>
-          <p:cNvSpPr/>
-          <p:nvPr/>
-        </p:nvSpPr>
-        <p:spPr>
-          <a:xfrm>
-            <a:off x="2754201" y="1985071"/>
-            <a:ext cx="1440160" cy="1519706"/>
-          </a:xfrm>
-          <a:prstGeom prst="rect">
-            <a:avLst/>
-          </a:prstGeom>
-          <a:solidFill>
-            <a:schemeClr val="accent2">
-              <a:lumMod val="20000"/>
-              <a:lumOff val="80000"/>
-            </a:schemeClr>
-          </a:solidFill>
-          <a:ln w="9525">
-            <a:solidFill>
-              <a:schemeClr val="accent2"/>
-            </a:solidFill>
-          </a:ln>
-        </p:spPr>
-        <p:style>
-          <a:lnRef idx="2">
-            <a:schemeClr val="accent1">
-              <a:shade val="50000"/>
-            </a:schemeClr>
-          </a:lnRef>
-          <a:fillRef idx="1">
-            <a:schemeClr val="accent1"/>
-          </a:fillRef>
-          <a:effectRef idx="0">
-            <a:schemeClr val="accent1"/>
-          </a:effectRef>
-          <a:fontRef idx="minor">
-            <a:schemeClr val="lt1"/>
-          </a:fontRef>
-        </p:style>
-        <p:txBody>
-          <a:bodyPr rtlCol="0" anchor="ctr"/>
-          <a:lstStyle/>
-          <a:p>
-            <a:pPr algn="ctr"/>
-            <a:endParaRPr lang="fr-FR" sz="1000" dirty="0">
-              <a:solidFill>
-                <a:sysClr val="windowText" lastClr="000000"/>
-              </a:solidFill>
-            </a:endParaRPr>
-          </a:p>
-        </p:txBody>
-      </p:sp>
-      <p:sp>
-        <p:nvSpPr>
-          <p:cNvPr id="10" name="Rectangle 9"/>
-          <p:cNvSpPr/>
-          <p:nvPr/>
-        </p:nvSpPr>
-        <p:spPr>
-          <a:xfrm>
-            <a:off x="2910953" y="2051721"/>
-            <a:ext cx="1126656" cy="1389432"/>
-          </a:xfrm>
-          <a:prstGeom prst="rect">
-            <a:avLst/>
-          </a:prstGeom>
-          <a:solidFill>
-            <a:schemeClr val="accent2">
-              <a:lumMod val="20000"/>
-              <a:lumOff val="80000"/>
-            </a:schemeClr>
-          </a:solidFill>
-          <a:ln w="9525">
-            <a:solidFill>
-              <a:schemeClr val="accent2"/>
-            </a:solidFill>
-          </a:ln>
-        </p:spPr>
-        <p:style>
-          <a:lnRef idx="2">
-            <a:schemeClr val="accent1">
-              <a:shade val="50000"/>
-            </a:schemeClr>
-          </a:lnRef>
-          <a:fillRef idx="1">
-            <a:schemeClr val="accent1"/>
-          </a:fillRef>
-          <a:effectRef idx="0">
-            <a:schemeClr val="accent1"/>
-          </a:effectRef>
-          <a:fontRef idx="minor">
-            <a:schemeClr val="lt1"/>
-          </a:fontRef>
-        </p:style>
-        <p:txBody>
-          <a:bodyPr rtlCol="0" anchor="t"/>
-          <a:lstStyle/>
-          <a:p>
-            <a:pPr algn="ctr"/>
-            <a:r>
-              <a:rPr lang="fr-FR" sz="1000" b="1" dirty="0" smtClean="0">
-                <a:solidFill>
-                  <a:sysClr val="windowText" lastClr="000000"/>
-                </a:solidFill>
-              </a:rPr>
-              <a:t>Détermination des lois en effort en utilisant le PFS</a:t>
-            </a:r>
-          </a:p>
-        </p:txBody>
-      </p:sp>
-      <p:pic>
-        <p:nvPicPr>
-          <p:cNvPr id="2" name="Picture 2" descr="C:\Enseignement\GitHub\Cy_04_PSI_ModelisationDynamique\Revisions_Statique\Fiche_01_Statique_3D_TD_01_MC2E\images\fig_03.png"/>
-          <p:cNvPicPr>
-            <a:picLocks noChangeAspect="1" noChangeArrowheads="1"/>
-          </p:cNvPicPr>
-          <p:nvPr/>
-        </p:nvPicPr>
-        <p:blipFill rotWithShape="1">
-          <a:blip r:embed="rId2">
-            <a:extLst>
-              <a:ext uri="{28A0092B-C50C-407E-A947-70E740481C1C}">
-                <a14:useLocalDpi xmlns:a14="http://schemas.microsoft.com/office/drawing/2010/main" val="0"/>
-              </a:ext>
-            </a:extLst>
-          </a:blip>
-          <a:srcRect l="51117" t="54395" r="26802" b="-68"/>
-          <a:stretch/>
-        </p:blipFill>
-        <p:spPr bwMode="auto">
-          <a:xfrm>
-            <a:off x="1088030" y="2088420"/>
-            <a:ext cx="1207299" cy="963846"/>
-          </a:xfrm>
-          <a:prstGeom prst="rect">
-            <a:avLst/>
-          </a:prstGeom>
-          <a:noFill/>
-          <a:extLst>
-            <a:ext uri="{909E8E84-426E-40DD-AFC4-6F175D3DCCD1}">
-              <a14:hiddenFill xmlns:a14="http://schemas.microsoft.com/office/drawing/2010/main">
-                <a:solidFill>
-                  <a:srgbClr val="FFFFFF"/>
-                </a:solidFill>
-              </a14:hiddenFill>
-            </a:ext>
-          </a:extLst>
-        </p:spPr>
-      </p:pic>
-      <p:sp>
-        <p:nvSpPr>
-          <p:cNvPr id="14" name="Rectangle 13"/>
-          <p:cNvSpPr/>
-          <p:nvPr/>
-        </p:nvSpPr>
-        <p:spPr>
-          <a:xfrm>
-            <a:off x="6660232" y="1628800"/>
-            <a:ext cx="1440160" cy="288032"/>
-          </a:xfrm>
-          <a:prstGeom prst="rect">
-            <a:avLst/>
-          </a:prstGeom>
-          <a:solidFill>
-            <a:schemeClr val="accent3">
-              <a:lumMod val="20000"/>
-              <a:lumOff val="80000"/>
-            </a:schemeClr>
-          </a:solidFill>
-          <a:ln w="9525">
-            <a:solidFill>
-              <a:schemeClr val="accent3">
-                <a:lumMod val="50000"/>
-              </a:schemeClr>
-            </a:solidFill>
-          </a:ln>
-        </p:spPr>
-        <p:style>
-          <a:lnRef idx="2">
-            <a:schemeClr val="accent1">
-              <a:shade val="50000"/>
-            </a:schemeClr>
-          </a:lnRef>
-          <a:fillRef idx="1">
-            <a:schemeClr val="accent1"/>
-          </a:fillRef>
-          <a:effectRef idx="0">
-            <a:schemeClr val="accent1"/>
-          </a:effectRef>
-          <a:fontRef idx="minor">
-            <a:schemeClr val="lt1"/>
-          </a:fontRef>
-        </p:style>
-        <p:txBody>
-          <a:bodyPr rtlCol="0" anchor="ctr"/>
-          <a:lstStyle/>
-          <a:p>
-            <a:pPr algn="ctr"/>
-            <a:r>
-              <a:rPr lang="fr-FR" sz="1000" dirty="0" smtClean="0">
-                <a:solidFill>
-                  <a:sysClr val="windowText" lastClr="000000"/>
-                </a:solidFill>
-              </a:rPr>
-              <a:t>Domaine de l’expérimentation</a:t>
-            </a:r>
-            <a:endParaRPr lang="fr-FR" sz="1000" dirty="0">
-              <a:solidFill>
-                <a:sysClr val="windowText" lastClr="000000"/>
-              </a:solidFill>
-            </a:endParaRPr>
-          </a:p>
-        </p:txBody>
-      </p:sp>
-      <p:sp>
-        <p:nvSpPr>
-          <p:cNvPr id="15" name="Rectangle 14"/>
-          <p:cNvSpPr/>
-          <p:nvPr/>
-        </p:nvSpPr>
-        <p:spPr>
-          <a:xfrm>
-            <a:off x="6660232" y="1985071"/>
-            <a:ext cx="1440160" cy="1519706"/>
-          </a:xfrm>
-          <a:prstGeom prst="rect">
-            <a:avLst/>
-          </a:prstGeom>
-          <a:solidFill>
-            <a:schemeClr val="accent3">
-              <a:lumMod val="20000"/>
-              <a:lumOff val="80000"/>
-            </a:schemeClr>
-          </a:solidFill>
-          <a:ln w="9525">
-            <a:solidFill>
-              <a:schemeClr val="accent3">
-                <a:lumMod val="50000"/>
-              </a:schemeClr>
-            </a:solidFill>
-          </a:ln>
-        </p:spPr>
-        <p:style>
-          <a:lnRef idx="2">
-            <a:schemeClr val="accent1">
-              <a:shade val="50000"/>
-            </a:schemeClr>
-          </a:lnRef>
-          <a:fillRef idx="1">
-            <a:schemeClr val="accent1"/>
-          </a:fillRef>
-          <a:effectRef idx="0">
-            <a:schemeClr val="accent1"/>
-          </a:effectRef>
-          <a:fontRef idx="minor">
-            <a:schemeClr val="lt1"/>
-          </a:fontRef>
-        </p:style>
-        <p:txBody>
-          <a:bodyPr rtlCol="0" anchor="ctr"/>
-          <a:lstStyle/>
-          <a:p>
-            <a:pPr algn="ctr"/>
-            <a:endParaRPr lang="fr-FR" sz="1000" dirty="0">
-              <a:solidFill>
-                <a:sysClr val="windowText" lastClr="000000"/>
-              </a:solidFill>
-            </a:endParaRPr>
-          </a:p>
-        </p:txBody>
-      </p:sp>
-      <p:sp>
-        <p:nvSpPr>
-          <p:cNvPr id="16" name="Rectangle 15"/>
-          <p:cNvSpPr/>
-          <p:nvPr/>
-        </p:nvSpPr>
-        <p:spPr>
-          <a:xfrm>
-            <a:off x="6767439" y="2051721"/>
-            <a:ext cx="1225746" cy="1389432"/>
-          </a:xfrm>
-          <a:prstGeom prst="rect">
-            <a:avLst/>
-          </a:prstGeom>
-          <a:solidFill>
-            <a:schemeClr val="accent3">
-              <a:lumMod val="20000"/>
-              <a:lumOff val="80000"/>
-            </a:schemeClr>
-          </a:solidFill>
-          <a:ln w="9525">
-            <a:solidFill>
-              <a:schemeClr val="accent3">
-                <a:lumMod val="50000"/>
-              </a:schemeClr>
-            </a:solidFill>
-          </a:ln>
-        </p:spPr>
-        <p:style>
-          <a:lnRef idx="2">
-            <a:schemeClr val="accent1">
-              <a:shade val="50000"/>
-            </a:schemeClr>
-          </a:lnRef>
-          <a:fillRef idx="1">
-            <a:schemeClr val="accent1"/>
-          </a:fillRef>
-          <a:effectRef idx="0">
-            <a:schemeClr val="accent1"/>
-          </a:effectRef>
-          <a:fontRef idx="minor">
-            <a:schemeClr val="lt1"/>
-          </a:fontRef>
-        </p:style>
-        <p:txBody>
-          <a:bodyPr rtlCol="0" anchor="t"/>
-          <a:lstStyle/>
-          <a:p>
-            <a:pPr algn="ctr"/>
-            <a:r>
-              <a:rPr lang="fr-FR" sz="1000" b="1" dirty="0" smtClean="0">
-                <a:solidFill>
-                  <a:sysClr val="windowText" lastClr="000000"/>
-                </a:solidFill>
-              </a:rPr>
-              <a:t>Calibration du poids de E.</a:t>
-            </a:r>
-            <a:endParaRPr lang="fr-FR" sz="1000" b="1" dirty="0">
-              <a:solidFill>
-                <a:sysClr val="windowText" lastClr="000000"/>
-              </a:solidFill>
-            </a:endParaRPr>
-          </a:p>
-        </p:txBody>
-      </p:sp>
-      <p:sp>
-        <p:nvSpPr>
-          <p:cNvPr id="4" name="Double flèche horizontale 3"/>
-          <p:cNvSpPr/>
-          <p:nvPr/>
-        </p:nvSpPr>
-        <p:spPr>
-          <a:xfrm>
-            <a:off x="3923928" y="1472978"/>
-            <a:ext cx="3096343" cy="2194730"/>
-          </a:xfrm>
-          <a:prstGeom prst="leftRightArrow">
-            <a:avLst>
-              <a:gd name="adj1" fmla="val 75253"/>
-              <a:gd name="adj2" fmla="val 22762"/>
-            </a:avLst>
-          </a:prstGeom>
-          <a:solidFill>
-            <a:schemeClr val="accent6">
-              <a:lumMod val="20000"/>
-              <a:lumOff val="80000"/>
-            </a:schemeClr>
-          </a:solidFill>
-          <a:ln w="9525">
-            <a:solidFill>
-              <a:schemeClr val="accent6">
-                <a:lumMod val="50000"/>
-              </a:schemeClr>
-            </a:solidFill>
-          </a:ln>
-        </p:spPr>
-        <p:style>
-          <a:lnRef idx="2">
-            <a:schemeClr val="accent1">
-              <a:shade val="50000"/>
-            </a:schemeClr>
-          </a:lnRef>
-          <a:fillRef idx="1">
-            <a:schemeClr val="accent1"/>
-          </a:fillRef>
-          <a:effectRef idx="0">
-            <a:schemeClr val="accent1"/>
-          </a:effectRef>
-          <a:fontRef idx="minor">
-            <a:schemeClr val="lt1"/>
-          </a:fontRef>
-        </p:style>
-        <p:txBody>
-          <a:bodyPr rtlCol="0" anchor="ctr"/>
-          <a:lstStyle/>
-          <a:p>
-            <a:pPr algn="ctr"/>
-            <a:r>
-              <a:rPr lang="fr-FR" sz="900" dirty="0" smtClean="0">
-                <a:solidFill>
-                  <a:sysClr val="windowText" lastClr="000000"/>
-                </a:solidFill>
-              </a:rPr>
-              <a:t>Détermination de la compensation en effort</a:t>
-            </a:r>
-          </a:p>
-          <a:p>
-            <a:pPr algn="ctr"/>
-            <a:r>
-              <a:rPr lang="fr-FR" sz="1050" b="1" dirty="0" smtClean="0">
-                <a:solidFill>
-                  <a:sysClr val="windowText" lastClr="000000"/>
-                </a:solidFill>
-              </a:rPr>
-              <a:t>Erreur due à la mesure du  poids lors de la compensation  : </a:t>
-            </a:r>
-          </a:p>
-          <a:p>
-            <a:pPr algn="ctr"/>
-            <a:endParaRPr lang="fr-FR" sz="1050" b="1" dirty="0" smtClean="0">
-              <a:solidFill>
-                <a:sysClr val="windowText" lastClr="000000"/>
-              </a:solidFill>
-            </a:endParaRPr>
-          </a:p>
-          <a:p>
-            <a:pPr algn="ctr"/>
-            <a:r>
-              <a:rPr lang="fr-FR" sz="1050" b="1" dirty="0" smtClean="0">
-                <a:solidFill>
-                  <a:sysClr val="windowText" lastClr="000000"/>
-                </a:solidFill>
-              </a:rPr>
-              <a:t>Méthode de compensation du poids : </a:t>
-            </a:r>
-          </a:p>
-          <a:p>
-            <a:pPr algn="ctr"/>
-            <a:r>
-              <a:rPr lang="fr-FR" sz="1000" smtClean="0">
-                <a:solidFill>
-                  <a:schemeClr val="tx1"/>
-                </a:solidFill>
-              </a:rPr>
-              <a:t> </a:t>
-            </a:r>
-            <a:endParaRPr lang="fr-FR" sz="1000" b="1" dirty="0">
-              <a:solidFill>
-                <a:sysClr val="windowText" lastClr="000000"/>
-              </a:solidFill>
-            </a:endParaRPr>
-          </a:p>
-        </p:txBody>
-      </p:sp>
-    </p:spTree>
-    <p:extLst>
-      <p:ext uri="{BB962C8B-B14F-4D97-AF65-F5344CB8AC3E}">
-        <p14:creationId xmlns:p14="http://schemas.microsoft.com/office/powerpoint/2010/main" val="1419089961"/>
-      </p:ext>
-    </p:extLst>
-  </p:cSld>
-  <p:clrMapOvr>
-    <a:masterClrMapping/>
-  </p:clrMapOvr>
-</p:sld>
-</file>
-
 <file path=ppt/theme/theme1.xml><?xml version="1.0" encoding="utf-8"?>
 <a:theme xmlns:a="http://schemas.openxmlformats.org/drawingml/2006/main" name="Thème Office">
   <a:themeElements>

--- a/Revisions_Statique/Fiche_01_Statique_2D_TD_01_Hayon/images/Figures.pptx
+++ b/Revisions_Statique/Fiche_01_Statique_2D_TD_01_Hayon/images/Figures.pptx
@@ -7530,8 +7530,8 @@
         </p:blipFill>
         <p:spPr bwMode="auto">
           <a:xfrm>
-            <a:off x="3777727" y="2758480"/>
-            <a:ext cx="1809750" cy="1085850"/>
+            <a:off x="3897740" y="2348880"/>
+            <a:ext cx="1569724" cy="941834"/>
           </a:xfrm>
           <a:prstGeom prst="rect">
             <a:avLst/>
@@ -7594,8 +7594,8 @@
         </p:blipFill>
         <p:spPr bwMode="auto">
           <a:xfrm>
-            <a:off x="5587477" y="2758480"/>
-            <a:ext cx="1933575" cy="1085850"/>
+            <a:off x="5715703" y="2348880"/>
+            <a:ext cx="1677124" cy="941834"/>
           </a:xfrm>
           <a:prstGeom prst="rect">
             <a:avLst/>
